--- a/Hour_of_Power_v2.pptx
+++ b/Hour_of_Power_v2.pptx
@@ -5,31 +5,32 @@
     <p:sldMasterId id="2147483681" r:id="rId1"/>
   </p:sldMasterIdLst>
   <p:notesMasterIdLst>
-    <p:notesMasterId r:id="rId24"/>
+    <p:notesMasterId r:id="rId25"/>
   </p:notesMasterIdLst>
   <p:sldIdLst>
     <p:sldId id="256" r:id="rId2"/>
     <p:sldId id="278" r:id="rId3"/>
-    <p:sldId id="281" r:id="rId4"/>
-    <p:sldId id="279" r:id="rId5"/>
-    <p:sldId id="290" r:id="rId6"/>
-    <p:sldId id="291" r:id="rId7"/>
-    <p:sldId id="280" r:id="rId8"/>
-    <p:sldId id="288" r:id="rId9"/>
-    <p:sldId id="282" r:id="rId10"/>
-    <p:sldId id="293" r:id="rId11"/>
-    <p:sldId id="283" r:id="rId12"/>
-    <p:sldId id="294" r:id="rId13"/>
-    <p:sldId id="295" r:id="rId14"/>
-    <p:sldId id="284" r:id="rId15"/>
-    <p:sldId id="298" r:id="rId16"/>
-    <p:sldId id="299" r:id="rId17"/>
-    <p:sldId id="296" r:id="rId18"/>
-    <p:sldId id="297" r:id="rId19"/>
-    <p:sldId id="289" r:id="rId20"/>
-    <p:sldId id="285" r:id="rId21"/>
-    <p:sldId id="292" r:id="rId22"/>
-    <p:sldId id="287" r:id="rId23"/>
+    <p:sldId id="279" r:id="rId4"/>
+    <p:sldId id="281" r:id="rId5"/>
+    <p:sldId id="288" r:id="rId6"/>
+    <p:sldId id="300" r:id="rId7"/>
+    <p:sldId id="301" r:id="rId8"/>
+    <p:sldId id="290" r:id="rId9"/>
+    <p:sldId id="291" r:id="rId10"/>
+    <p:sldId id="280" r:id="rId11"/>
+    <p:sldId id="282" r:id="rId12"/>
+    <p:sldId id="293" r:id="rId13"/>
+    <p:sldId id="283" r:id="rId14"/>
+    <p:sldId id="294" r:id="rId15"/>
+    <p:sldId id="295" r:id="rId16"/>
+    <p:sldId id="284" r:id="rId17"/>
+    <p:sldId id="298" r:id="rId18"/>
+    <p:sldId id="299" r:id="rId19"/>
+    <p:sldId id="296" r:id="rId20"/>
+    <p:sldId id="297" r:id="rId21"/>
+    <p:sldId id="285" r:id="rId22"/>
+    <p:sldId id="292" r:id="rId23"/>
+    <p:sldId id="287" r:id="rId24"/>
   </p:sldIdLst>
   <p:sldSz cx="9144000" cy="5143500" type="screen16x9"/>
   <p:notesSz cx="6934200" cy="9220200"/>
@@ -244,6 +245,22 @@
       </a:defRPr>
     </a:lvl9pPr>
   </p:defaultTextStyle>
+  <p:extLst>
+    <p:ext uri="{EFAFB233-063F-42B5-8137-9DF3F51BA10A}">
+      <p15:sldGuideLst xmlns:p15="http://schemas.microsoft.com/office/powerpoint/2012/main">
+        <p15:guide id="1" orient="horz" pos="1620">
+          <p15:clr>
+            <a:srgbClr val="A4A3A4"/>
+          </p15:clr>
+        </p15:guide>
+        <p15:guide id="2" pos="2880">
+          <p15:clr>
+            <a:srgbClr val="A4A3A4"/>
+          </p15:clr>
+        </p15:guide>
+      </p15:sldGuideLst>
+    </p:ext>
+  </p:extLst>
 </p:presentation>
 </file>
 
@@ -259,18 +276,18 @@
 
 <file path=ppt/comments/comment1.xml><?xml version="1.0" encoding="utf-8"?>
 <p:cmLst xmlns:a="http://schemas.openxmlformats.org/drawingml/2006/main" xmlns:r="http://schemas.openxmlformats.org/officeDocument/2006/relationships" xmlns:p="http://schemas.openxmlformats.org/presentationml/2006/main">
-  <p:cm authorId="3" idx="2">
-    <p:pos x="6000" y="0"/>
-    <p:text>CC Bridge might go away, do you want to show it as separate component. 
-Do you think it makes sense to put the BBS, Auctioneer and Cells in one box called Diego, refer to the Diego architecture diagram on Github?</p:text>
+  <p:cm authorId="1" idx="3">
+    <p:pos x="6000" y="200"/>
+    <p:text>I personally would like to keep it as simple as possible and maybe aligned to actual VMs of ERS Deployment and not processes. I think we can have a more detail slides with the individual processes. Said that, we could stick with the VMs: Diego Brain,  BBS and Cell. To Vivian's point, we can remove Diego which is more of a code name. I'm trying to send out the shared ERS SME info today. I would also remove CC Bridge per Rajesh's note.</p:text>
   </p:cm>
   <p:cm authorId="4" idx="2">
     <p:pos x="6000" y="100"/>
     <p:text>The original slide had this box, but I changed based on a feedback from Derek Beauregard. "We don't actually want to refer to Diego with customers.  This is simply the 1.6 ERS". I agree with him. I think this also something Marcelo will work on as part of the message we want to pass to the customers.</p:text>
   </p:cm>
-  <p:cm authorId="1" idx="3">
-    <p:pos x="6000" y="200"/>
-    <p:text>I personally would like to keep it as simple as possible and maybe aligned to actual VMs of ERS Deployment and not processes. I think we can have a more detail slides with the individual processes. Said that, we could stick with the VMs: Diego Brain,  BBS and Cell. To Vivian's point, we can remove Diego which is more of a code name. I'm trying to send out the shared ERS SME info today. I would also remove CC Bridge per Rajesh's note.</p:text>
+  <p:cm authorId="3" idx="2">
+    <p:pos x="6000" y="0"/>
+    <p:text>CC Bridge might go away, do you want to show it as separate component. 
+Do you think it makes sense to put the BBS, Auctioneer and Cells in one box called Diego, refer to the Diego architecture diagram on Github?</p:text>
   </p:cm>
 </p:cmLst>
 </file>
@@ -1196,6 +1213,117 @@
 </p:notes>
 </file>
 
+<file path=ppt/notesSlides/notesSlide10.xml><?xml version="1.0" encoding="utf-8"?>
+<p:notes xmlns:a="http://schemas.openxmlformats.org/drawingml/2006/main" xmlns:r="http://schemas.openxmlformats.org/officeDocument/2006/relationships" xmlns:p="http://schemas.openxmlformats.org/presentationml/2006/main">
+  <p:cSld>
+    <p:spTree>
+      <p:nvGrpSpPr>
+        <p:cNvPr id="1" name=""/>
+        <p:cNvGrpSpPr/>
+        <p:nvPr/>
+      </p:nvGrpSpPr>
+      <p:grpSpPr>
+        <a:xfrm>
+          <a:off x="0" y="0"/>
+          <a:ext cx="0" cy="0"/>
+          <a:chOff x="0" y="0"/>
+          <a:chExt cx="0" cy="0"/>
+        </a:xfrm>
+      </p:grpSpPr>
+      <p:sp>
+        <p:nvSpPr>
+          <p:cNvPr id="2" name="Slide Image Placeholder 1"/>
+          <p:cNvSpPr>
+            <a:spLocks noGrp="1" noRot="1" noChangeAspect="1"/>
+          </p:cNvSpPr>
+          <p:nvPr>
+            <p:ph type="sldImg"/>
+          </p:nvPr>
+        </p:nvSpPr>
+        <p:spPr>
+          <a:xfrm>
+            <a:off x="1628775" y="692150"/>
+            <a:ext cx="3733800" cy="2100263"/>
+          </a:xfrm>
+        </p:spPr>
+      </p:sp>
+      <p:sp>
+        <p:nvSpPr>
+          <p:cNvPr id="3" name="Notes Placeholder 2"/>
+          <p:cNvSpPr>
+            <a:spLocks noGrp="1"/>
+          </p:cNvSpPr>
+          <p:nvPr>
+            <p:ph type="body" idx="1"/>
+          </p:nvPr>
+        </p:nvSpPr>
+        <p:spPr/>
+        <p:txBody>
+          <a:bodyPr/>
+          <a:lstStyle/>
+          <a:p>
+            <a:r>
+              <a:rPr lang="en-US" dirty="0" smtClean="0"/>
+              <a:t>Admin - has permissions on all orgs and spaces</a:t>
+            </a:r>
+          </a:p>
+          <a:p>
+            <a:r>
+              <a:rPr lang="en-US" dirty="0" smtClean="0"/>
+              <a:t>Admin Read-Only - has read-only access to all Cloud Controller API resources.</a:t>
+            </a:r>
+          </a:p>
+          <a:p>
+            <a:r>
+              <a:rPr lang="en-US" dirty="0" smtClean="0"/>
+              <a:t>Global Auditor - has read-only access to all Cloud Controller API resources except for secrets such as environment variables. </a:t>
+            </a:r>
+          </a:p>
+          <a:p>
+            <a:r>
+              <a:rPr lang="en-US" dirty="0" smtClean="0"/>
+              <a:t>Org Managers - are managers who need to administer the org.</a:t>
+            </a:r>
+          </a:p>
+          <a:p>
+            <a:r>
+              <a:rPr lang="en-US" dirty="0" smtClean="0"/>
+              <a:t>Org Auditors  - view but cannot edit user information and org quota usage information.</a:t>
+            </a:r>
+          </a:p>
+          <a:p>
+            <a:r>
+              <a:rPr lang="en-US" dirty="0" smtClean="0"/>
+              <a:t>Space Managers - are managers who administer a space within an org.</a:t>
+            </a:r>
+          </a:p>
+          <a:p>
+            <a:r>
+              <a:rPr lang="en-US" dirty="0" smtClean="0"/>
+              <a:t>Space Developers - are application developers who manage applications and services in a space.</a:t>
+            </a:r>
+          </a:p>
+          <a:p>
+            <a:r>
+              <a:rPr lang="en-US" dirty="0" smtClean="0"/>
+              <a:t>Space Auditors - view but cannot edit the space.</a:t>
+            </a:r>
+          </a:p>
+        </p:txBody>
+      </p:sp>
+    </p:spTree>
+    <p:extLst>
+      <p:ext uri="{BB962C8B-B14F-4D97-AF65-F5344CB8AC3E}">
+        <p14:creationId xmlns:p14="http://schemas.microsoft.com/office/powerpoint/2010/main" val="2952323326"/>
+      </p:ext>
+    </p:extLst>
+  </p:cSld>
+  <p:clrMapOvr>
+    <a:masterClrMapping/>
+  </p:clrMapOvr>
+</p:notes>
+</file>
+
 <file path=ppt/notesSlides/notesSlide2.xml><?xml version="1.0" encoding="utf-8"?>
 <p:notes xmlns:a="http://schemas.openxmlformats.org/drawingml/2006/main" xmlns:r="http://schemas.openxmlformats.org/officeDocument/2006/relationships" xmlns:p="http://schemas.openxmlformats.org/presentationml/2006/main">
   <p:cSld>
@@ -1240,14 +1368,14 @@
           <a:bodyPr/>
           <a:lstStyle/>
           <a:p>
-            <a:endParaRPr lang="en-US"/>
+            <a:endParaRPr lang="en-US" dirty="0"/>
           </a:p>
         </p:txBody>
       </p:sp>
     </p:spTree>
     <p:extLst>
       <p:ext uri="{BB962C8B-B14F-4D97-AF65-F5344CB8AC3E}">
-        <p14:creationId xmlns:p14="http://schemas.microsoft.com/office/powerpoint/2010/main" val="4231368525"/>
+        <p14:creationId xmlns:p14="http://schemas.microsoft.com/office/powerpoint/2010/main" val="1837848497"/>
       </p:ext>
     </p:extLst>
   </p:cSld>
@@ -1284,7 +1412,12 @@
             <p:ph type="sldImg"/>
           </p:nvPr>
         </p:nvSpPr>
-        <p:spPr/>
+        <p:spPr>
+          <a:xfrm>
+            <a:off x="1628775" y="692150"/>
+            <a:ext cx="3733800" cy="2100263"/>
+          </a:xfrm>
+        </p:spPr>
       </p:sp>
       <p:sp>
         <p:nvSpPr>
@@ -1301,822 +1434,14 @@
           <a:bodyPr/>
           <a:lstStyle/>
           <a:p>
-            <a:pPr marL="0" marR="0" indent="0" algn="l" defTabSz="457200" rtl="0" eaLnBrk="1" fontAlgn="auto" latinLnBrk="0" hangingPunct="1">
-              <a:lnSpc>
-                <a:spcPct val="100000"/>
-              </a:lnSpc>
-              <a:spcBef>
-                <a:spcPts val="1200"/>
-              </a:spcBef>
-              <a:spcAft>
-                <a:spcPts val="0"/>
-              </a:spcAft>
-              <a:buClr>
-                <a:schemeClr val="dk1"/>
-              </a:buClr>
-              <a:buSzTx/>
-              <a:buFont typeface="Arial"/>
-              <a:buNone/>
-              <a:tabLst/>
-              <a:defRPr/>
-            </a:pPr>
-            <a:r>
-              <a:rPr lang="en-US" dirty="0" smtClean="0"/>
-              <a:t>The router routes incoming traffic to the appropriate component, either a Cloud Controller component or a hosted application running on a Diego Cell.</a:t>
-            </a:r>
-          </a:p>
-          <a:p>
-            <a:pPr marL="0" marR="0" indent="0" algn="l" defTabSz="457200" rtl="0" eaLnBrk="1" fontAlgn="auto" latinLnBrk="0" hangingPunct="1">
-              <a:lnSpc>
-                <a:spcPct val="100000"/>
-              </a:lnSpc>
-              <a:spcBef>
-                <a:spcPts val="1200"/>
-              </a:spcBef>
-              <a:spcAft>
-                <a:spcPts val="0"/>
-              </a:spcAft>
-              <a:buClr>
-                <a:schemeClr val="dk1"/>
-              </a:buClr>
-              <a:buSzTx/>
-              <a:buFont typeface="Arial"/>
-              <a:buNone/>
-              <a:tabLst/>
-              <a:defRPr/>
-            </a:pPr>
-            <a:endParaRPr lang="en-US" dirty="0" smtClean="0"/>
-          </a:p>
-          <a:p>
-            <a:pPr marL="0" marR="0" indent="0" algn="l" defTabSz="457200" rtl="0" eaLnBrk="1" fontAlgn="auto" latinLnBrk="0" hangingPunct="1">
-              <a:lnSpc>
-                <a:spcPct val="100000"/>
-              </a:lnSpc>
-              <a:spcBef>
-                <a:spcPts val="1200"/>
-              </a:spcBef>
-              <a:spcAft>
-                <a:spcPts val="0"/>
-              </a:spcAft>
-              <a:buClr>
-                <a:schemeClr val="dk1"/>
-              </a:buClr>
-              <a:buSzTx/>
-              <a:buFont typeface="Arial"/>
-              <a:buNone/>
-              <a:tabLst/>
-              <a:defRPr/>
-            </a:pPr>
-            <a:r>
-              <a:rPr lang="en-US" dirty="0" smtClean="0"/>
-              <a:t>The OAuth2 server (the UAA) and Login Server work together to provide identity management.</a:t>
-            </a:r>
-          </a:p>
-          <a:p>
-            <a:pPr marL="0" marR="0" indent="0" algn="l" defTabSz="457200" rtl="0" eaLnBrk="1" fontAlgn="auto" latinLnBrk="0" hangingPunct="1">
-              <a:lnSpc>
-                <a:spcPct val="100000"/>
-              </a:lnSpc>
-              <a:spcBef>
-                <a:spcPts val="1200"/>
-              </a:spcBef>
-              <a:spcAft>
-                <a:spcPts val="0"/>
-              </a:spcAft>
-              <a:buClr>
-                <a:schemeClr val="dk1"/>
-              </a:buClr>
-              <a:buSzTx/>
-              <a:buFont typeface="Arial"/>
-              <a:buNone/>
-              <a:tabLst/>
-              <a:defRPr/>
-            </a:pPr>
-            <a:endParaRPr lang="en-US" dirty="0" smtClean="0"/>
-          </a:p>
-          <a:p>
-            <a:pPr marL="0" marR="0" indent="0" algn="l" defTabSz="457200" rtl="0" eaLnBrk="1" fontAlgn="auto" latinLnBrk="0" hangingPunct="1">
-              <a:lnSpc>
-                <a:spcPct val="100000"/>
-              </a:lnSpc>
-              <a:spcBef>
-                <a:spcPts val="1200"/>
-              </a:spcBef>
-              <a:spcAft>
-                <a:spcPts val="0"/>
-              </a:spcAft>
-              <a:buClr>
-                <a:schemeClr val="dk1"/>
-              </a:buClr>
-              <a:buSzTx/>
-              <a:buFont typeface="Arial"/>
-              <a:buNone/>
-              <a:tabLst/>
-              <a:defRPr/>
-            </a:pPr>
-            <a:r>
-              <a:rPr lang="en-US" dirty="0" smtClean="0"/>
-              <a:t>The Cloud Controller (CC) directs the deployment of applications. To push an app to Cloud Foundry, you target the Cloud Controller. The Cloud Controller then directs the Diego Brain through the CC-Bridge to coordinate individual Diego cells to stage and run applications.</a:t>
-            </a:r>
-          </a:p>
-          <a:p>
-            <a:pPr marL="0" marR="0" indent="0" algn="l" defTabSz="457200" rtl="0" eaLnBrk="1" fontAlgn="auto" latinLnBrk="0" hangingPunct="1">
-              <a:lnSpc>
-                <a:spcPct val="100000"/>
-              </a:lnSpc>
-              <a:spcBef>
-                <a:spcPts val="1200"/>
-              </a:spcBef>
-              <a:spcAft>
-                <a:spcPts val="0"/>
-              </a:spcAft>
-              <a:buClr>
-                <a:schemeClr val="dk1"/>
-              </a:buClr>
-              <a:buSzTx/>
-              <a:buFont typeface="Arial"/>
-              <a:buNone/>
-              <a:tabLst/>
-              <a:defRPr/>
-            </a:pPr>
-            <a:endParaRPr lang="en-US" dirty="0" smtClean="0"/>
-          </a:p>
-          <a:p>
-            <a:pPr marL="0" marR="0" indent="0" algn="l" defTabSz="457200" rtl="0" eaLnBrk="1" fontAlgn="auto" latinLnBrk="0" hangingPunct="1">
-              <a:lnSpc>
-                <a:spcPct val="100000"/>
-              </a:lnSpc>
-              <a:spcBef>
-                <a:spcPts val="1200"/>
-              </a:spcBef>
-              <a:spcAft>
-                <a:spcPts val="0"/>
-              </a:spcAft>
-              <a:buClr>
-                <a:schemeClr val="dk1"/>
-              </a:buClr>
-              <a:buSzTx/>
-              <a:buFont typeface="Arial"/>
-              <a:buNone/>
-              <a:tabLst/>
-              <a:defRPr/>
-            </a:pPr>
-            <a:r>
-              <a:rPr lang="en-US" dirty="0" err="1" smtClean="0"/>
-              <a:t>nsync</a:t>
-            </a:r>
-            <a:r>
-              <a:rPr lang="en-US" dirty="0" smtClean="0"/>
-              <a:t> receives a message from the Cloud Controller when the user scales an app. It writes the number of instances into a </a:t>
-            </a:r>
-            <a:r>
-              <a:rPr lang="en-US" dirty="0" err="1" smtClean="0"/>
-              <a:t>DesiredLRP</a:t>
-            </a:r>
-            <a:r>
-              <a:rPr lang="en-US" dirty="0" smtClean="0"/>
-              <a:t> structure in the Diego BBS database.</a:t>
-            </a:r>
-          </a:p>
-          <a:p>
-            <a:pPr marL="0" marR="0" indent="0" algn="l" defTabSz="457200" rtl="0" eaLnBrk="1" fontAlgn="auto" latinLnBrk="0" hangingPunct="1">
-              <a:lnSpc>
-                <a:spcPct val="100000"/>
-              </a:lnSpc>
-              <a:spcBef>
-                <a:spcPts val="1200"/>
-              </a:spcBef>
-              <a:spcAft>
-                <a:spcPts val="0"/>
-              </a:spcAft>
-              <a:buClr>
-                <a:schemeClr val="dk1"/>
-              </a:buClr>
-              <a:buSzTx/>
-              <a:buFont typeface="Arial"/>
-              <a:buNone/>
-              <a:tabLst/>
-              <a:defRPr/>
-            </a:pPr>
-            <a:r>
-              <a:rPr lang="en-US" dirty="0" smtClean="0"/>
-              <a:t>BBS uses its convergence process to monitor the </a:t>
-            </a:r>
-            <a:r>
-              <a:rPr lang="en-US" dirty="0" err="1" smtClean="0"/>
-              <a:t>DesiredLRP</a:t>
-            </a:r>
-            <a:r>
-              <a:rPr lang="en-US" dirty="0" smtClean="0"/>
-              <a:t> and </a:t>
-            </a:r>
-            <a:r>
-              <a:rPr lang="en-US" dirty="0" err="1" smtClean="0"/>
-              <a:t>ActualLRP</a:t>
-            </a:r>
-            <a:r>
-              <a:rPr lang="en-US" dirty="0" smtClean="0"/>
-              <a:t> values. It launches or kills application instances as appropriate to ensure the </a:t>
-            </a:r>
-            <a:r>
-              <a:rPr lang="en-US" dirty="0" err="1" smtClean="0"/>
-              <a:t>ActualLRP</a:t>
-            </a:r>
-            <a:r>
-              <a:rPr lang="en-US" dirty="0" smtClean="0"/>
-              <a:t> count matches the </a:t>
-            </a:r>
-            <a:r>
-              <a:rPr lang="en-US" dirty="0" err="1" smtClean="0"/>
-              <a:t>DesiredLRP</a:t>
-            </a:r>
-            <a:r>
-              <a:rPr lang="en-US" dirty="0" smtClean="0"/>
-              <a:t> count.</a:t>
-            </a:r>
-          </a:p>
-          <a:p>
-            <a:pPr marL="0" marR="0" indent="0" algn="l" defTabSz="457200" rtl="0" eaLnBrk="1" fontAlgn="auto" latinLnBrk="0" hangingPunct="1">
-              <a:lnSpc>
-                <a:spcPct val="100000"/>
-              </a:lnSpc>
-              <a:spcBef>
-                <a:spcPts val="1200"/>
-              </a:spcBef>
-              <a:spcAft>
-                <a:spcPts val="0"/>
-              </a:spcAft>
-              <a:buClr>
-                <a:schemeClr val="dk1"/>
-              </a:buClr>
-              <a:buSzTx/>
-              <a:buFont typeface="Arial"/>
-              <a:buNone/>
-              <a:tabLst/>
-              <a:defRPr/>
-            </a:pPr>
-            <a:r>
-              <a:rPr lang="en-US" dirty="0" smtClean="0"/>
-              <a:t>Cell Rep monitors the containers and provides the </a:t>
-            </a:r>
-            <a:r>
-              <a:rPr lang="en-US" dirty="0" err="1" smtClean="0"/>
-              <a:t>ActualLRP</a:t>
-            </a:r>
-            <a:r>
-              <a:rPr lang="en-US" dirty="0" smtClean="0"/>
-              <a:t> value.</a:t>
-            </a:r>
-          </a:p>
-          <a:p>
-            <a:pPr marL="0" marR="0" indent="0" algn="l" defTabSz="457200" rtl="0" eaLnBrk="1" fontAlgn="auto" latinLnBrk="0" hangingPunct="1">
-              <a:lnSpc>
-                <a:spcPct val="100000"/>
-              </a:lnSpc>
-              <a:spcBef>
-                <a:spcPts val="1200"/>
-              </a:spcBef>
-              <a:spcAft>
-                <a:spcPts val="0"/>
-              </a:spcAft>
-              <a:buClr>
-                <a:schemeClr val="dk1"/>
-              </a:buClr>
-              <a:buSzTx/>
-              <a:buFont typeface="Arial"/>
-              <a:buNone/>
-              <a:tabLst/>
-              <a:defRPr/>
-            </a:pPr>
-            <a:endParaRPr lang="en-US" dirty="0" smtClean="0"/>
-          </a:p>
-          <a:p>
-            <a:pPr marL="0" marR="0" indent="0" algn="l" defTabSz="457200" rtl="0" eaLnBrk="1" fontAlgn="auto" latinLnBrk="0" hangingPunct="1">
-              <a:lnSpc>
-                <a:spcPct val="100000"/>
-              </a:lnSpc>
-              <a:spcBef>
-                <a:spcPts val="1200"/>
-              </a:spcBef>
-              <a:spcAft>
-                <a:spcPts val="0"/>
-              </a:spcAft>
-              <a:buClr>
-                <a:schemeClr val="dk1"/>
-              </a:buClr>
-              <a:buSzTx/>
-              <a:buFont typeface="Arial"/>
-              <a:buNone/>
-              <a:tabLst/>
-              <a:defRPr/>
-            </a:pPr>
-            <a:r>
-              <a:rPr lang="en-US" dirty="0" smtClean="0"/>
-              <a:t>The </a:t>
-            </a:r>
-            <a:r>
-              <a:rPr lang="en-US" dirty="0" err="1" smtClean="0"/>
-              <a:t>blobstore</a:t>
-            </a:r>
-            <a:r>
-              <a:rPr lang="en-US" dirty="0" smtClean="0"/>
-              <a:t> is a repository for large binary files, which </a:t>
-            </a:r>
-            <a:r>
-              <a:rPr lang="en-US" dirty="0" err="1" smtClean="0"/>
-              <a:t>Github</a:t>
-            </a:r>
-            <a:r>
-              <a:rPr lang="en-US" dirty="0" smtClean="0"/>
-              <a:t> cannot easily manage because </a:t>
-            </a:r>
-            <a:r>
-              <a:rPr lang="en-US" dirty="0" err="1" smtClean="0"/>
-              <a:t>Github</a:t>
-            </a:r>
-            <a:r>
-              <a:rPr lang="en-US" dirty="0" smtClean="0"/>
-              <a:t> is designed for code. </a:t>
-            </a:r>
-            <a:r>
-              <a:rPr lang="en-US" dirty="0" err="1" smtClean="0"/>
-              <a:t>Blobstore</a:t>
-            </a:r>
-            <a:r>
-              <a:rPr lang="en-US" dirty="0" smtClean="0"/>
-              <a:t> binaries include:</a:t>
-            </a:r>
-          </a:p>
-          <a:p>
-            <a:pPr marL="0" marR="0" indent="0" algn="l" defTabSz="457200" rtl="0" eaLnBrk="1" fontAlgn="auto" latinLnBrk="0" hangingPunct="1">
-              <a:lnSpc>
-                <a:spcPct val="100000"/>
-              </a:lnSpc>
-              <a:spcBef>
-                <a:spcPts val="1200"/>
-              </a:spcBef>
-              <a:spcAft>
-                <a:spcPts val="0"/>
-              </a:spcAft>
-              <a:buClr>
-                <a:schemeClr val="dk1"/>
-              </a:buClr>
-              <a:buSzTx/>
-              <a:buFont typeface="Arial"/>
-              <a:buNone/>
-              <a:tabLst/>
-              <a:defRPr/>
-            </a:pPr>
-            <a:r>
-              <a:rPr lang="en-US" dirty="0" smtClean="0"/>
-              <a:t>Application code packages</a:t>
-            </a:r>
-          </a:p>
-          <a:p>
-            <a:pPr marL="0" marR="0" indent="0" algn="l" defTabSz="457200" rtl="0" eaLnBrk="1" fontAlgn="auto" latinLnBrk="0" hangingPunct="1">
-              <a:lnSpc>
-                <a:spcPct val="100000"/>
-              </a:lnSpc>
-              <a:spcBef>
-                <a:spcPts val="1200"/>
-              </a:spcBef>
-              <a:spcAft>
-                <a:spcPts val="0"/>
-              </a:spcAft>
-              <a:buClr>
-                <a:schemeClr val="dk1"/>
-              </a:buClr>
-              <a:buSzTx/>
-              <a:buFont typeface="Arial"/>
-              <a:buNone/>
-              <a:tabLst/>
-              <a:defRPr/>
-            </a:pPr>
-            <a:r>
-              <a:rPr lang="en-US" dirty="0" err="1" smtClean="0"/>
-              <a:t>Buildpacks</a:t>
-            </a:r>
-            <a:endParaRPr lang="en-US" dirty="0" smtClean="0"/>
-          </a:p>
-          <a:p>
-            <a:pPr marL="0" marR="0" indent="0" algn="l" defTabSz="457200" rtl="0" eaLnBrk="1" fontAlgn="auto" latinLnBrk="0" hangingPunct="1">
-              <a:lnSpc>
-                <a:spcPct val="100000"/>
-              </a:lnSpc>
-              <a:spcBef>
-                <a:spcPts val="1200"/>
-              </a:spcBef>
-              <a:spcAft>
-                <a:spcPts val="0"/>
-              </a:spcAft>
-              <a:buClr>
-                <a:schemeClr val="dk1"/>
-              </a:buClr>
-              <a:buSzTx/>
-              <a:buFont typeface="Arial"/>
-              <a:buNone/>
-              <a:tabLst/>
-              <a:defRPr/>
-            </a:pPr>
-            <a:r>
-              <a:rPr lang="en-US" dirty="0" smtClean="0"/>
-              <a:t>Droplets</a:t>
-            </a:r>
-          </a:p>
-          <a:p>
-            <a:pPr marL="0" marR="0" indent="0" algn="l" defTabSz="457200" rtl="0" eaLnBrk="1" fontAlgn="auto" latinLnBrk="0" hangingPunct="1">
-              <a:lnSpc>
-                <a:spcPct val="100000"/>
-              </a:lnSpc>
-              <a:spcBef>
-                <a:spcPts val="1200"/>
-              </a:spcBef>
-              <a:spcAft>
-                <a:spcPts val="0"/>
-              </a:spcAft>
-              <a:buClr>
-                <a:schemeClr val="dk1"/>
-              </a:buClr>
-              <a:buSzTx/>
-              <a:buFont typeface="Arial"/>
-              <a:buNone/>
-              <a:tabLst/>
-              <a:defRPr/>
-            </a:pPr>
-            <a:endParaRPr lang="en-US" dirty="0" smtClean="0"/>
-          </a:p>
-          <a:p>
-            <a:pPr marL="0" marR="0" indent="0" algn="l" defTabSz="457200" rtl="0" eaLnBrk="1" fontAlgn="auto" latinLnBrk="0" hangingPunct="1">
-              <a:lnSpc>
-                <a:spcPct val="100000"/>
-              </a:lnSpc>
-              <a:spcBef>
-                <a:spcPts val="1200"/>
-              </a:spcBef>
-              <a:spcAft>
-                <a:spcPts val="0"/>
-              </a:spcAft>
-              <a:buClr>
-                <a:schemeClr val="dk1"/>
-              </a:buClr>
-              <a:buSzTx/>
-              <a:buFont typeface="Arial"/>
-              <a:buNone/>
-              <a:tabLst/>
-              <a:defRPr/>
-            </a:pPr>
-            <a:r>
-              <a:rPr lang="en-US" dirty="0" smtClean="0"/>
-              <a:t>Diego Cell</a:t>
-            </a:r>
-          </a:p>
-          <a:p>
-            <a:pPr marL="0" marR="0" indent="0" algn="l" defTabSz="457200" rtl="0" eaLnBrk="1" fontAlgn="auto" latinLnBrk="0" hangingPunct="1">
-              <a:lnSpc>
-                <a:spcPct val="100000"/>
-              </a:lnSpc>
-              <a:spcBef>
-                <a:spcPts val="1200"/>
-              </a:spcBef>
-              <a:spcAft>
-                <a:spcPts val="0"/>
-              </a:spcAft>
-              <a:buClr>
-                <a:schemeClr val="dk1"/>
-              </a:buClr>
-              <a:buSzTx/>
-              <a:buFont typeface="Arial"/>
-              <a:buNone/>
-              <a:tabLst/>
-              <a:defRPr/>
-            </a:pPr>
-            <a:r>
-              <a:rPr lang="en-US" dirty="0" smtClean="0"/>
-              <a:t>Each application VM has a Diego Cell that executes application start and stop actions locally, manages the VM’s containers, and reports app status and other data to the BBS and </a:t>
-            </a:r>
-            <a:r>
-              <a:rPr lang="en-US" dirty="0" err="1" smtClean="0"/>
-              <a:t>Loggregator</a:t>
-            </a:r>
-            <a:r>
-              <a:rPr lang="en-US" dirty="0" smtClean="0"/>
-              <a:t>.</a:t>
-            </a:r>
-          </a:p>
-          <a:p>
-            <a:pPr marL="0" marR="0" indent="0" algn="l" defTabSz="457200" rtl="0" eaLnBrk="1" fontAlgn="auto" latinLnBrk="0" hangingPunct="1">
-              <a:lnSpc>
-                <a:spcPct val="100000"/>
-              </a:lnSpc>
-              <a:spcBef>
-                <a:spcPts val="1200"/>
-              </a:spcBef>
-              <a:spcAft>
-                <a:spcPts val="0"/>
-              </a:spcAft>
-              <a:buClr>
-                <a:schemeClr val="dk1"/>
-              </a:buClr>
-              <a:buSzTx/>
-              <a:buFont typeface="Arial"/>
-              <a:buNone/>
-              <a:tabLst/>
-              <a:defRPr/>
-            </a:pPr>
-            <a:endParaRPr lang="en-US" dirty="0" smtClean="0"/>
-          </a:p>
-          <a:p>
-            <a:pPr marL="0" marR="0" indent="0" algn="l" defTabSz="457200" rtl="0" eaLnBrk="1" fontAlgn="auto" latinLnBrk="0" hangingPunct="1">
-              <a:lnSpc>
-                <a:spcPct val="100000"/>
-              </a:lnSpc>
-              <a:spcBef>
-                <a:spcPts val="1200"/>
-              </a:spcBef>
-              <a:spcAft>
-                <a:spcPts val="0"/>
-              </a:spcAft>
-              <a:buClr>
-                <a:schemeClr val="dk1"/>
-              </a:buClr>
-              <a:buSzTx/>
-              <a:buFont typeface="Arial"/>
-              <a:buNone/>
-              <a:tabLst/>
-              <a:defRPr/>
-            </a:pPr>
-            <a:r>
-              <a:rPr lang="en-US" dirty="0" smtClean="0"/>
-              <a:t>Service Brokers</a:t>
-            </a:r>
-          </a:p>
-          <a:p>
-            <a:pPr marL="0" marR="0" indent="0" algn="l" defTabSz="457200" rtl="0" eaLnBrk="1" fontAlgn="auto" latinLnBrk="0" hangingPunct="1">
-              <a:lnSpc>
-                <a:spcPct val="100000"/>
-              </a:lnSpc>
-              <a:spcBef>
-                <a:spcPts val="1200"/>
-              </a:spcBef>
-              <a:spcAft>
-                <a:spcPts val="0"/>
-              </a:spcAft>
-              <a:buClr>
-                <a:schemeClr val="dk1"/>
-              </a:buClr>
-              <a:buSzTx/>
-              <a:buFont typeface="Arial"/>
-              <a:buNone/>
-              <a:tabLst/>
-              <a:defRPr/>
-            </a:pPr>
-            <a:r>
-              <a:rPr lang="en-US" dirty="0" smtClean="0"/>
-              <a:t>Applications typically depend on services such as databases or third-party </a:t>
-            </a:r>
-            <a:r>
-              <a:rPr lang="en-US" dirty="0" err="1" smtClean="0"/>
-              <a:t>SaaS</a:t>
-            </a:r>
-            <a:r>
-              <a:rPr lang="en-US" dirty="0" smtClean="0"/>
-              <a:t> providers. When a developer provisions and binds a service to an application, the service broker for that service is responsible for providing the service instance.</a:t>
-            </a:r>
-          </a:p>
-          <a:p>
-            <a:pPr marL="0" marR="0" indent="0" algn="l" defTabSz="457200" rtl="0" eaLnBrk="1" fontAlgn="auto" latinLnBrk="0" hangingPunct="1">
-              <a:lnSpc>
-                <a:spcPct val="100000"/>
-              </a:lnSpc>
-              <a:spcBef>
-                <a:spcPts val="1200"/>
-              </a:spcBef>
-              <a:spcAft>
-                <a:spcPts val="0"/>
-              </a:spcAft>
-              <a:buClr>
-                <a:schemeClr val="dk1"/>
-              </a:buClr>
-              <a:buSzTx/>
-              <a:buFont typeface="Arial"/>
-              <a:buNone/>
-              <a:tabLst/>
-              <a:defRPr/>
-            </a:pPr>
-            <a:endParaRPr lang="en-US" dirty="0" smtClean="0"/>
-          </a:p>
-          <a:p>
-            <a:pPr marL="0" marR="0" indent="0" algn="l" defTabSz="457200" rtl="0" eaLnBrk="1" fontAlgn="auto" latinLnBrk="0" hangingPunct="1">
-              <a:lnSpc>
-                <a:spcPct val="100000"/>
-              </a:lnSpc>
-              <a:spcBef>
-                <a:spcPts val="1200"/>
-              </a:spcBef>
-              <a:spcAft>
-                <a:spcPts val="0"/>
-              </a:spcAft>
-              <a:buClr>
-                <a:schemeClr val="dk1"/>
-              </a:buClr>
-              <a:buSzTx/>
-              <a:buFont typeface="Arial"/>
-              <a:buNone/>
-              <a:tabLst/>
-              <a:defRPr/>
-            </a:pPr>
-            <a:r>
-              <a:rPr lang="en-US" dirty="0" smtClean="0"/>
-              <a:t>Messaging</a:t>
-            </a:r>
-          </a:p>
-          <a:p>
-            <a:pPr marL="0" marR="0" indent="0" algn="l" defTabSz="457200" rtl="0" eaLnBrk="1" fontAlgn="auto" latinLnBrk="0" hangingPunct="1">
-              <a:lnSpc>
-                <a:spcPct val="100000"/>
-              </a:lnSpc>
-              <a:spcBef>
-                <a:spcPts val="1200"/>
-              </a:spcBef>
-              <a:spcAft>
-                <a:spcPts val="0"/>
-              </a:spcAft>
-              <a:buClr>
-                <a:schemeClr val="dk1"/>
-              </a:buClr>
-              <a:buSzTx/>
-              <a:buFont typeface="Arial"/>
-              <a:buNone/>
-              <a:tabLst/>
-              <a:defRPr/>
-            </a:pPr>
-            <a:r>
-              <a:rPr lang="en-US" dirty="0" smtClean="0"/>
-              <a:t>Consul and BBS</a:t>
-            </a:r>
-          </a:p>
-          <a:p>
-            <a:pPr marL="0" marR="0" indent="0" algn="l" defTabSz="457200" rtl="0" eaLnBrk="1" fontAlgn="auto" latinLnBrk="0" hangingPunct="1">
-              <a:lnSpc>
-                <a:spcPct val="100000"/>
-              </a:lnSpc>
-              <a:spcBef>
-                <a:spcPts val="1200"/>
-              </a:spcBef>
-              <a:spcAft>
-                <a:spcPts val="0"/>
-              </a:spcAft>
-              <a:buClr>
-                <a:schemeClr val="dk1"/>
-              </a:buClr>
-              <a:buSzTx/>
-              <a:buFont typeface="Arial"/>
-              <a:buNone/>
-              <a:tabLst/>
-              <a:defRPr/>
-            </a:pPr>
-            <a:r>
-              <a:rPr lang="en-US" dirty="0" smtClean="0"/>
-              <a:t>A Consul server stores longer-lived control data, such as component IP addresses and distributed locks that prevent components from duplicating actions.</a:t>
-            </a:r>
-          </a:p>
-          <a:p>
-            <a:pPr marL="0" marR="0" indent="0" algn="l" defTabSz="457200" rtl="0" eaLnBrk="1" fontAlgn="auto" latinLnBrk="0" hangingPunct="1">
-              <a:lnSpc>
-                <a:spcPct val="100000"/>
-              </a:lnSpc>
-              <a:spcBef>
-                <a:spcPts val="1200"/>
-              </a:spcBef>
-              <a:spcAft>
-                <a:spcPts val="0"/>
-              </a:spcAft>
-              <a:buClr>
-                <a:schemeClr val="dk1"/>
-              </a:buClr>
-              <a:buSzTx/>
-              <a:buFont typeface="Arial"/>
-              <a:buNone/>
-              <a:tabLst/>
-              <a:defRPr/>
-            </a:pPr>
-            <a:r>
-              <a:rPr lang="en-US" dirty="0" smtClean="0"/>
-              <a:t>Diego’s Bulletin Board System (BBS) stores more frequently updated and disposable data such as cell and application status, unallocated work, and heartbeat messages. The BBS stores data in MySQL</a:t>
-            </a:r>
-          </a:p>
-          <a:p>
-            <a:pPr marL="0" marR="0" indent="0" algn="l" defTabSz="457200" rtl="0" eaLnBrk="1" fontAlgn="auto" latinLnBrk="0" hangingPunct="1">
-              <a:lnSpc>
-                <a:spcPct val="100000"/>
-              </a:lnSpc>
-              <a:spcBef>
-                <a:spcPts val="1200"/>
-              </a:spcBef>
-              <a:spcAft>
-                <a:spcPts val="0"/>
-              </a:spcAft>
-              <a:buClr>
-                <a:schemeClr val="dk1"/>
-              </a:buClr>
-              <a:buSzTx/>
-              <a:buFont typeface="Arial"/>
-              <a:buNone/>
-              <a:tabLst/>
-              <a:defRPr/>
-            </a:pPr>
-            <a:endParaRPr lang="en-US" dirty="0" smtClean="0"/>
-          </a:p>
-          <a:p>
-            <a:pPr marL="0" marR="0" indent="0" algn="l" defTabSz="457200" rtl="0" eaLnBrk="1" fontAlgn="auto" latinLnBrk="0" hangingPunct="1">
-              <a:lnSpc>
-                <a:spcPct val="100000"/>
-              </a:lnSpc>
-              <a:spcBef>
-                <a:spcPts val="1200"/>
-              </a:spcBef>
-              <a:spcAft>
-                <a:spcPts val="0"/>
-              </a:spcAft>
-              <a:buClr>
-                <a:schemeClr val="dk1"/>
-              </a:buClr>
-              <a:buSzTx/>
-              <a:buFont typeface="Arial"/>
-              <a:buNone/>
-              <a:tabLst/>
-              <a:defRPr/>
-            </a:pPr>
-            <a:r>
-              <a:rPr lang="en-US" dirty="0" smtClean="0"/>
-              <a:t>Metrics and Logging</a:t>
-            </a:r>
-          </a:p>
-          <a:p>
-            <a:pPr marL="0" marR="0" indent="0" algn="l" defTabSz="457200" rtl="0" eaLnBrk="1" fontAlgn="auto" latinLnBrk="0" hangingPunct="1">
-              <a:lnSpc>
-                <a:spcPct val="100000"/>
-              </a:lnSpc>
-              <a:spcBef>
-                <a:spcPts val="1200"/>
-              </a:spcBef>
-              <a:spcAft>
-                <a:spcPts val="0"/>
-              </a:spcAft>
-              <a:buClr>
-                <a:schemeClr val="dk1"/>
-              </a:buClr>
-              <a:buSzTx/>
-              <a:buFont typeface="Arial"/>
-              <a:buNone/>
-              <a:tabLst/>
-              <a:defRPr/>
-            </a:pPr>
-            <a:r>
-              <a:rPr lang="en-US" dirty="0" err="1" smtClean="0"/>
-              <a:t>Loggregator</a:t>
-            </a:r>
-            <a:endParaRPr lang="en-US" dirty="0" smtClean="0"/>
-          </a:p>
-          <a:p>
-            <a:pPr marL="0" marR="0" indent="0" algn="l" defTabSz="457200" rtl="0" eaLnBrk="1" fontAlgn="auto" latinLnBrk="0" hangingPunct="1">
-              <a:lnSpc>
-                <a:spcPct val="100000"/>
-              </a:lnSpc>
-              <a:spcBef>
-                <a:spcPts val="1200"/>
-              </a:spcBef>
-              <a:spcAft>
-                <a:spcPts val="0"/>
-              </a:spcAft>
-              <a:buClr>
-                <a:schemeClr val="dk1"/>
-              </a:buClr>
-              <a:buSzTx/>
-              <a:buFont typeface="Arial"/>
-              <a:buNone/>
-              <a:tabLst/>
-              <a:defRPr/>
-            </a:pPr>
-            <a:r>
-              <a:rPr lang="en-US" dirty="0" smtClean="0"/>
-              <a:t>The </a:t>
-            </a:r>
-            <a:r>
-              <a:rPr lang="en-US" dirty="0" err="1" smtClean="0"/>
-              <a:t>Loggregator</a:t>
-            </a:r>
-            <a:r>
-              <a:rPr lang="en-US" dirty="0" smtClean="0"/>
-              <a:t> (log aggregator) system streams application logs to developers.</a:t>
-            </a:r>
+            <a:endParaRPr lang="en-US" dirty="0"/>
           </a:p>
         </p:txBody>
       </p:sp>
     </p:spTree>
     <p:extLst>
       <p:ext uri="{BB962C8B-B14F-4D97-AF65-F5344CB8AC3E}">
-        <p14:creationId xmlns:p14="http://schemas.microsoft.com/office/powerpoint/2010/main" val="1065534740"/>
+        <p14:creationId xmlns:p14="http://schemas.microsoft.com/office/powerpoint/2010/main" val="1154243325"/>
       </p:ext>
     </p:extLst>
   </p:cSld>
@@ -2153,7 +1478,12 @@
             <p:ph type="sldImg"/>
           </p:nvPr>
         </p:nvSpPr>
-        <p:spPr/>
+        <p:spPr>
+          <a:xfrm>
+            <a:off x="1628775" y="692150"/>
+            <a:ext cx="3733800" cy="2100263"/>
+          </a:xfrm>
+        </p:spPr>
       </p:sp>
       <p:sp>
         <p:nvSpPr>
@@ -2170,196 +1500,6 @@
           <a:bodyPr/>
           <a:lstStyle/>
           <a:p>
-            <a:r>
-              <a:rPr lang="en-US" dirty="0" smtClean="0"/>
-              <a:t>At the command line, the developer enters the directory containing her application and uses the Cloud Foundry Command Line Interface (</a:t>
-            </a:r>
-            <a:r>
-              <a:rPr lang="en-US" dirty="0" err="1" smtClean="0"/>
-              <a:t>cf</a:t>
-            </a:r>
-            <a:r>
-              <a:rPr lang="en-US" dirty="0" smtClean="0"/>
-              <a:t> CLI) to issue a push command.</a:t>
-            </a:r>
-          </a:p>
-          <a:p>
-            <a:r>
-              <a:rPr lang="en-US" dirty="0" smtClean="0"/>
-              <a:t>The </a:t>
-            </a:r>
-            <a:r>
-              <a:rPr lang="en-US" dirty="0" err="1" smtClean="0"/>
-              <a:t>cf</a:t>
-            </a:r>
-            <a:r>
-              <a:rPr lang="en-US" dirty="0" smtClean="0"/>
-              <a:t> CLI tells the Cloud Controller to create a record for the application.</a:t>
-            </a:r>
-          </a:p>
-          <a:p>
-            <a:r>
-              <a:rPr lang="en-US" dirty="0" smtClean="0"/>
-              <a:t>The Cloud Controller stores the application metadata. Application metadata can include the app name, number of instances the user specified, and the </a:t>
-            </a:r>
-            <a:r>
-              <a:rPr lang="en-US" dirty="0" err="1" smtClean="0"/>
-              <a:t>buildpack</a:t>
-            </a:r>
-            <a:r>
-              <a:rPr lang="en-US" dirty="0" smtClean="0"/>
-              <a:t>, and other information about the application.</a:t>
-            </a:r>
-          </a:p>
-          <a:p>
-            <a:r>
-              <a:rPr lang="en-US" dirty="0" smtClean="0"/>
-              <a:t>Before uploading all the application files, the </a:t>
-            </a:r>
-            <a:r>
-              <a:rPr lang="en-US" dirty="0" err="1" smtClean="0"/>
-              <a:t>cf</a:t>
-            </a:r>
-            <a:r>
-              <a:rPr lang="en-US" dirty="0" smtClean="0"/>
-              <a:t> CLI issues a resource match request to the Cloud Controller to determine if any of the application files already exist in the resource cache. When the application files are uploaded, the </a:t>
-            </a:r>
-            <a:r>
-              <a:rPr lang="en-US" dirty="0" err="1" smtClean="0"/>
-              <a:t>cf</a:t>
-            </a:r>
-            <a:r>
-              <a:rPr lang="en-US" dirty="0" smtClean="0"/>
-              <a:t> CLI omits files that exist in the resource cache by supplying the result of the resource match request. The uploaded application files are combined with the files from the resource cache to create the application package.</a:t>
-            </a:r>
-          </a:p>
-          <a:p>
-            <a:r>
-              <a:rPr lang="en-US" dirty="0" smtClean="0"/>
-              <a:t>The Cloud Controller stores the application package in the </a:t>
-            </a:r>
-            <a:r>
-              <a:rPr lang="en-US" dirty="0" err="1" smtClean="0"/>
-              <a:t>blobstore</a:t>
-            </a:r>
-            <a:r>
-              <a:rPr lang="en-US" dirty="0" smtClean="0"/>
-              <a:t>.</a:t>
-            </a:r>
-          </a:p>
-          <a:p>
-            <a:r>
-              <a:rPr lang="en-US" dirty="0" smtClean="0"/>
-              <a:t>The </a:t>
-            </a:r>
-            <a:r>
-              <a:rPr lang="en-US" dirty="0" err="1" smtClean="0"/>
-              <a:t>cf</a:t>
-            </a:r>
-            <a:r>
-              <a:rPr lang="en-US" dirty="0" smtClean="0"/>
-              <a:t> CLI issues an app start command.</a:t>
-            </a:r>
-          </a:p>
-          <a:p>
-            <a:r>
-              <a:rPr lang="en-US" dirty="0" smtClean="0"/>
-              <a:t>The Cloud Controller issues a staging request to Diego, which then schedules a Cell to run the staging Task. The Task downloads </a:t>
-            </a:r>
-            <a:r>
-              <a:rPr lang="en-US" dirty="0" err="1" smtClean="0"/>
-              <a:t>buildpacks</a:t>
-            </a:r>
-            <a:r>
-              <a:rPr lang="en-US" dirty="0" smtClean="0"/>
-              <a:t> and if present, the app’s </a:t>
-            </a:r>
-            <a:r>
-              <a:rPr lang="en-US" dirty="0" err="1" smtClean="0"/>
-              <a:t>buildpack</a:t>
-            </a:r>
-            <a:r>
-              <a:rPr lang="en-US" dirty="0" smtClean="0"/>
-              <a:t> cache. It then uses the </a:t>
-            </a:r>
-            <a:r>
-              <a:rPr lang="en-US" dirty="0" err="1" smtClean="0"/>
-              <a:t>buildpack</a:t>
-            </a:r>
-            <a:r>
-              <a:rPr lang="en-US" dirty="0" smtClean="0"/>
-              <a:t> that is detected automatically or specified with the -b flag to build the droplet. The Task uses the instructions in the </a:t>
-            </a:r>
-            <a:r>
-              <a:rPr lang="en-US" dirty="0" err="1" smtClean="0"/>
-              <a:t>buildpack</a:t>
-            </a:r>
-            <a:r>
-              <a:rPr lang="en-US" dirty="0" smtClean="0"/>
-              <a:t> to stage the application.</a:t>
-            </a:r>
-          </a:p>
-          <a:p>
-            <a:r>
-              <a:rPr lang="en-US" dirty="0" smtClean="0"/>
-              <a:t>The Diego Cell streams the output of the staging process so the developer can troubleshoot application staging problems.</a:t>
-            </a:r>
-          </a:p>
-          <a:p>
-            <a:r>
-              <a:rPr lang="en-US" dirty="0" smtClean="0"/>
-              <a:t>The Task packages the resulting staged application into a </a:t>
-            </a:r>
-            <a:r>
-              <a:rPr lang="en-US" dirty="0" err="1" smtClean="0"/>
-              <a:t>tarball</a:t>
-            </a:r>
-            <a:r>
-              <a:rPr lang="en-US" dirty="0" smtClean="0"/>
-              <a:t> called a “droplet” and the Diego Cell stores it in the </a:t>
-            </a:r>
-            <a:r>
-              <a:rPr lang="en-US" dirty="0" err="1" smtClean="0"/>
-              <a:t>blobstore</a:t>
-            </a:r>
-            <a:r>
-              <a:rPr lang="en-US" dirty="0" smtClean="0"/>
-              <a:t>. The Task also uploads the </a:t>
-            </a:r>
-            <a:r>
-              <a:rPr lang="en-US" dirty="0" err="1" smtClean="0"/>
-              <a:t>buildpack</a:t>
-            </a:r>
-            <a:r>
-              <a:rPr lang="en-US" dirty="0" smtClean="0"/>
-              <a:t> cache to the </a:t>
-            </a:r>
-            <a:r>
-              <a:rPr lang="en-US" dirty="0" err="1" smtClean="0"/>
-              <a:t>blobstore</a:t>
-            </a:r>
-            <a:r>
-              <a:rPr lang="en-US" dirty="0" smtClean="0"/>
-              <a:t> for use the next time the application is staged.</a:t>
-            </a:r>
-          </a:p>
-          <a:p>
-            <a:r>
-              <a:rPr lang="en-US" dirty="0" smtClean="0"/>
-              <a:t>The Diego Bulletin Board System reports to the Cloud Controller that staging is complete. Staging must complete within 15 minutes or the staging is considered failed. Apps are given a minimum of 1GB memory to stage, even if the requested running memory is smaller.</a:t>
-            </a:r>
-          </a:p>
-          <a:p>
-            <a:r>
-              <a:rPr lang="en-US" dirty="0" smtClean="0"/>
-              <a:t>Diego schedules the application as a Long Running Process on one or more Diego Cells.</a:t>
-            </a:r>
-          </a:p>
-          <a:p>
-            <a:r>
-              <a:rPr lang="en-US" dirty="0" smtClean="0"/>
-              <a:t>The Diego Cells report the status of the application to the Cloud Controller.</a:t>
-            </a:r>
             <a:endParaRPr lang="en-US" dirty="0"/>
           </a:p>
         </p:txBody>
@@ -2367,7 +1507,7 @@
     </p:spTree>
     <p:extLst>
       <p:ext uri="{BB962C8B-B14F-4D97-AF65-F5344CB8AC3E}">
-        <p14:creationId xmlns:p14="http://schemas.microsoft.com/office/powerpoint/2010/main" val="99903731"/>
+        <p14:creationId xmlns:p14="http://schemas.microsoft.com/office/powerpoint/2010/main" val="1254922115"/>
       </p:ext>
     </p:extLst>
   </p:cSld>
@@ -2421,316 +1561,14 @@
           <a:bodyPr/>
           <a:lstStyle/>
           <a:p>
-            <a:r>
-              <a:rPr lang="en-US" dirty="0" smtClean="0"/>
-              <a:t>The Command Line Interface (CLI) is the primary operator interface to BOSH</a:t>
-            </a:r>
-          </a:p>
-          <a:p>
-            <a:endParaRPr lang="en-US" dirty="0" smtClean="0"/>
-          </a:p>
-          <a:p>
-            <a:r>
-              <a:rPr lang="en-US" dirty="0" smtClean="0"/>
-              <a:t>Director</a:t>
-            </a:r>
-          </a:p>
-          <a:p>
-            <a:r>
-              <a:rPr lang="en-US" dirty="0" smtClean="0"/>
-              <a:t>The Director is the core orchestrating component in BOSH. The Director controls VM creation and deployment, as well as other software and service lifecycle events.</a:t>
-            </a:r>
-          </a:p>
-          <a:p>
-            <a:r>
-              <a:rPr lang="en-US" dirty="0" smtClean="0"/>
-              <a:t>The Director creates actionable tasks:</a:t>
-            </a:r>
-          </a:p>
-          <a:p>
-            <a:r>
-              <a:rPr lang="en-US" dirty="0" smtClean="0"/>
-              <a:t>By translating commands sent by an operator through the CLI</a:t>
-            </a:r>
-          </a:p>
-          <a:p>
-            <a:r>
-              <a:rPr lang="en-US" dirty="0" smtClean="0"/>
-              <a:t>From scheduled processes like backups or snapshots</a:t>
-            </a:r>
-          </a:p>
-          <a:p>
-            <a:r>
-              <a:rPr lang="en-US" dirty="0" smtClean="0"/>
-              <a:t>If needed to reconcile the expected state with the actual state of a VM</a:t>
-            </a:r>
-          </a:p>
-          <a:p>
-            <a:r>
-              <a:rPr lang="en-US" dirty="0" smtClean="0"/>
-              <a:t>Once created, the Director adds these tasks to the Task Queue. Worker processes take tasks from the Task Queue and act on them.</a:t>
-            </a:r>
-          </a:p>
-          <a:p>
-            <a:endParaRPr lang="en-US" dirty="0" smtClean="0"/>
-          </a:p>
-          <a:p>
-            <a:r>
-              <a:rPr lang="en-US" dirty="0" smtClean="0"/>
-              <a:t>Task Queue</a:t>
-            </a:r>
-          </a:p>
-          <a:p>
-            <a:r>
-              <a:rPr lang="en-US" dirty="0" smtClean="0"/>
-              <a:t>An asynchronous queue used by the Director and Workers to manage tasks. The Task Queue resides in the Database.</a:t>
-            </a:r>
-          </a:p>
-          <a:p>
-            <a:endParaRPr lang="en-US" dirty="0" smtClean="0"/>
-          </a:p>
-          <a:p>
-            <a:r>
-              <a:rPr lang="en-US" dirty="0" smtClean="0"/>
-              <a:t>Workers</a:t>
-            </a:r>
-          </a:p>
-          <a:p>
-            <a:r>
-              <a:rPr lang="en-US" dirty="0" smtClean="0"/>
-              <a:t>Director workers take tasks from the Task Queue and act on them.</a:t>
-            </a:r>
-          </a:p>
-          <a:p>
-            <a:endParaRPr lang="en-US" dirty="0" smtClean="0"/>
-          </a:p>
-          <a:p>
-            <a:r>
-              <a:rPr lang="en-US" dirty="0" smtClean="0"/>
-              <a:t>Cloud Provider Interface (CPI)</a:t>
-            </a:r>
-          </a:p>
-          <a:p>
-            <a:r>
-              <a:rPr lang="en-US" dirty="0" smtClean="0"/>
-              <a:t>A Cloud Provider Interface (CPI) is an API that the Director uses to interact with an </a:t>
-            </a:r>
-            <a:r>
-              <a:rPr lang="en-US" dirty="0" err="1" smtClean="0"/>
-              <a:t>IaaS</a:t>
-            </a:r>
-            <a:r>
-              <a:rPr lang="en-US" dirty="0" smtClean="0"/>
-              <a:t> to create and manage </a:t>
-            </a:r>
-            <a:r>
-              <a:rPr lang="en-US" dirty="0" err="1" smtClean="0"/>
-              <a:t>stemcells</a:t>
-            </a:r>
-            <a:r>
-              <a:rPr lang="en-US" dirty="0" smtClean="0"/>
-              <a:t>, VMs, and disks. A CPI abstracts infrastructure differences from the rest of BOSH.</a:t>
-            </a:r>
-          </a:p>
-          <a:p>
-            <a:endParaRPr lang="en-US" dirty="0" smtClean="0"/>
-          </a:p>
-          <a:p>
-            <a:r>
-              <a:rPr lang="en-US" dirty="0" smtClean="0"/>
-              <a:t>Health Monitor</a:t>
-            </a:r>
-          </a:p>
-          <a:p>
-            <a:r>
-              <a:rPr lang="en-US" dirty="0" smtClean="0"/>
-              <a:t>The Health Monitor uses status and lifecycle events received from Agents to monitor the health of VMs. If the Health Monitor detects a problem with a VM, it can send an alert through notification plugins, or trigger the </a:t>
-            </a:r>
-            <a:r>
-              <a:rPr lang="en-US" dirty="0" err="1" smtClean="0"/>
-              <a:t>Resurrector</a:t>
-            </a:r>
-            <a:r>
-              <a:rPr lang="en-US" dirty="0" smtClean="0"/>
-              <a:t>.</a:t>
-            </a:r>
-          </a:p>
-          <a:p>
-            <a:endParaRPr lang="en-US" dirty="0" smtClean="0"/>
-          </a:p>
-          <a:p>
-            <a:r>
-              <a:rPr lang="en-US" dirty="0" err="1" smtClean="0"/>
-              <a:t>Resurrector</a:t>
-            </a:r>
-            <a:endParaRPr lang="en-US" dirty="0" smtClean="0"/>
-          </a:p>
-          <a:p>
-            <a:r>
-              <a:rPr lang="en-US" dirty="0" smtClean="0"/>
-              <a:t>If enabled, the </a:t>
-            </a:r>
-            <a:r>
-              <a:rPr lang="en-US" dirty="0" err="1" smtClean="0"/>
-              <a:t>Resurrector</a:t>
-            </a:r>
-            <a:r>
-              <a:rPr lang="en-US" dirty="0" smtClean="0"/>
-              <a:t> plugin automatically recreates VMs identified by the Health Monitor as missing or unresponsive. It uses same Director API that CLI uses.</a:t>
-            </a:r>
-          </a:p>
-          <a:p>
-            <a:endParaRPr lang="en-US" dirty="0" smtClean="0"/>
-          </a:p>
-          <a:p>
-            <a:r>
-              <a:rPr lang="en-US" dirty="0" smtClean="0"/>
-              <a:t>DNS Server</a:t>
-            </a:r>
-          </a:p>
-          <a:p>
-            <a:r>
-              <a:rPr lang="en-US" dirty="0" smtClean="0"/>
-              <a:t>BOSH uses </a:t>
-            </a:r>
-            <a:r>
-              <a:rPr lang="en-US" dirty="0" err="1" smtClean="0"/>
-              <a:t>PowerDNS</a:t>
-            </a:r>
-            <a:r>
-              <a:rPr lang="en-US" dirty="0" smtClean="0"/>
-              <a:t> to provide DNS resolution between the VMs in a deployment.</a:t>
-            </a:r>
-          </a:p>
-          <a:p>
-            <a:endParaRPr lang="en-US" dirty="0" smtClean="0"/>
-          </a:p>
-          <a:p>
-            <a:r>
-              <a:rPr lang="en-US" dirty="0" smtClean="0"/>
-              <a:t>Components used to store Director’s persistent data</a:t>
-            </a:r>
-          </a:p>
-          <a:p>
-            <a:r>
-              <a:rPr lang="en-US" dirty="0" smtClean="0"/>
-              <a:t>Database</a:t>
-            </a:r>
-          </a:p>
-          <a:p>
-            <a:r>
-              <a:rPr lang="en-US" dirty="0" smtClean="0"/>
-              <a:t>The Director uses a </a:t>
-            </a:r>
-            <a:r>
-              <a:rPr lang="en-US" dirty="0" err="1" smtClean="0"/>
-              <a:t>Postgres</a:t>
-            </a:r>
-            <a:r>
-              <a:rPr lang="en-US" dirty="0" smtClean="0"/>
-              <a:t> database to store information about the desired state of a deployment. This includes information about </a:t>
-            </a:r>
-            <a:r>
-              <a:rPr lang="en-US" dirty="0" err="1" smtClean="0"/>
-              <a:t>stemcells</a:t>
-            </a:r>
-            <a:r>
-              <a:rPr lang="en-US" dirty="0" smtClean="0"/>
-              <a:t>, releases, and deployments.</a:t>
-            </a:r>
-          </a:p>
-          <a:p>
-            <a:r>
-              <a:rPr lang="en-US" dirty="0" err="1" smtClean="0"/>
-              <a:t>Blobstore</a:t>
-            </a:r>
-            <a:endParaRPr lang="en-US" dirty="0" smtClean="0"/>
-          </a:p>
-          <a:p>
-            <a:r>
-              <a:rPr lang="en-US" dirty="0" smtClean="0"/>
-              <a:t>The </a:t>
-            </a:r>
-            <a:r>
-              <a:rPr lang="en-US" dirty="0" err="1" smtClean="0"/>
-              <a:t>Blobstore</a:t>
-            </a:r>
-            <a:r>
-              <a:rPr lang="en-US" dirty="0" smtClean="0"/>
-              <a:t> stores the source forms of releases and the compiled images of releases. An operator uploads a release using the CLI, and the Director inserts the release into the </a:t>
-            </a:r>
-            <a:r>
-              <a:rPr lang="en-US" dirty="0" err="1" smtClean="0"/>
-              <a:t>Blobstore</a:t>
-            </a:r>
-            <a:r>
-              <a:rPr lang="en-US" dirty="0" smtClean="0"/>
-              <a:t>. When you deploy a release, BOSH orchestrates the compilation of packages and stores the result in the </a:t>
-            </a:r>
-            <a:r>
-              <a:rPr lang="en-US" dirty="0" err="1" smtClean="0"/>
-              <a:t>Blobstore</a:t>
-            </a:r>
-            <a:r>
-              <a:rPr lang="en-US" dirty="0" smtClean="0"/>
-              <a:t>.</a:t>
-            </a:r>
-          </a:p>
-          <a:p>
-            <a:endParaRPr lang="en-US" dirty="0" smtClean="0"/>
-          </a:p>
-          <a:p>
-            <a:r>
-              <a:rPr lang="en-US" dirty="0" smtClean="0"/>
-              <a:t>Agent</a:t>
-            </a:r>
-          </a:p>
-          <a:p>
-            <a:r>
-              <a:rPr lang="en-US" dirty="0" smtClean="0"/>
-              <a:t>BOSH includes an Agent on every VM that it deploys. The Agent listens for instructions from the Director and carries out those instructions. The Agent receives job specifications from the Director and uses them to assign a role, or Job, to the VM.</a:t>
-            </a:r>
-          </a:p>
-          <a:p>
-            <a:endParaRPr lang="en-US" dirty="0" smtClean="0"/>
-          </a:p>
-          <a:p>
-            <a:r>
-              <a:rPr lang="en-US" dirty="0" smtClean="0"/>
-              <a:t>Components used for cross-component communication</a:t>
-            </a:r>
-          </a:p>
-          <a:p>
-            <a:r>
-              <a:rPr lang="en-US" dirty="0" smtClean="0"/>
-              <a:t>Message Bus (NATS)</a:t>
-            </a:r>
-          </a:p>
-          <a:p>
-            <a:r>
-              <a:rPr lang="en-US" dirty="0" smtClean="0"/>
-              <a:t>The Director and the Agents communicate through a lightweight publish-subscribe messaging system called NATS. These messages have two purposes: to perform provisioning instructions on the VMs, and to inform the Health Monitor about changes in the health of monitored processes.</a:t>
-            </a:r>
-          </a:p>
-          <a:p>
-            <a:r>
-              <a:rPr lang="en-US" dirty="0" smtClean="0"/>
-              <a:t>Registry</a:t>
-            </a:r>
-          </a:p>
-          <a:p>
-            <a:r>
-              <a:rPr lang="en-US" smtClean="0"/>
-              <a:t>When the Director creates or updates a VM, it stores configuration information for the VM in the Registry so that it can be used during bootstrapping stage of the VM.</a:t>
-            </a:r>
-            <a:endParaRPr lang="en-US" dirty="0"/>
+            <a:endParaRPr lang="en-US"/>
           </a:p>
         </p:txBody>
       </p:sp>
     </p:spTree>
     <p:extLst>
       <p:ext uri="{BB962C8B-B14F-4D97-AF65-F5344CB8AC3E}">
-        <p14:creationId xmlns:p14="http://schemas.microsoft.com/office/powerpoint/2010/main" val="576377407"/>
+        <p14:creationId xmlns:p14="http://schemas.microsoft.com/office/powerpoint/2010/main" val="4231368525"/>
       </p:ext>
     </p:extLst>
   </p:cSld>
@@ -2767,12 +1605,7 @@
             <p:ph type="sldImg"/>
           </p:nvPr>
         </p:nvSpPr>
-        <p:spPr>
-          <a:xfrm>
-            <a:off x="1628775" y="692150"/>
-            <a:ext cx="3733800" cy="2100263"/>
-          </a:xfrm>
-        </p:spPr>
+        <p:spPr/>
       </p:sp>
       <p:sp>
         <p:nvSpPr>
@@ -2789,51 +1622,814 @@
           <a:bodyPr/>
           <a:lstStyle/>
           <a:p>
-            <a:r>
-              <a:rPr lang="en-US" dirty="0" smtClean="0"/>
-              <a:t>Admin - has permissions on all orgs and spaces</a:t>
-            </a:r>
-          </a:p>
-          <a:p>
-            <a:r>
-              <a:rPr lang="en-US" dirty="0" smtClean="0"/>
-              <a:t>Admin Read-Only - has read-only access to all Cloud Controller API resources.</a:t>
-            </a:r>
-          </a:p>
-          <a:p>
-            <a:r>
-              <a:rPr lang="en-US" dirty="0" smtClean="0"/>
-              <a:t>Global Auditor - has read-only access to all Cloud Controller API resources except for secrets such as environment variables. </a:t>
-            </a:r>
-          </a:p>
-          <a:p>
-            <a:r>
-              <a:rPr lang="en-US" dirty="0" smtClean="0"/>
-              <a:t>Org Managers - are managers who need to administer the org.</a:t>
-            </a:r>
-          </a:p>
-          <a:p>
-            <a:r>
-              <a:rPr lang="en-US" dirty="0" smtClean="0"/>
-              <a:t>Org Auditors  - view but cannot edit user information and org quota usage information.</a:t>
-            </a:r>
-          </a:p>
-          <a:p>
-            <a:r>
-              <a:rPr lang="en-US" dirty="0" smtClean="0"/>
-              <a:t>Space Managers - are managers who administer a space within an org.</a:t>
-            </a:r>
-          </a:p>
-          <a:p>
-            <a:r>
-              <a:rPr lang="en-US" dirty="0" smtClean="0"/>
-              <a:t>Space Developers - are application developers who manage applications and services in a space.</a:t>
-            </a:r>
-          </a:p>
-          <a:p>
-            <a:r>
-              <a:rPr lang="en-US" dirty="0" smtClean="0"/>
-              <a:t>Space Auditors - view but cannot edit the space.</a:t>
+            <a:pPr marL="0" marR="0" indent="0" algn="l" defTabSz="457200" rtl="0" eaLnBrk="1" fontAlgn="auto" latinLnBrk="0" hangingPunct="1">
+              <a:lnSpc>
+                <a:spcPct val="100000"/>
+              </a:lnSpc>
+              <a:spcBef>
+                <a:spcPts val="1200"/>
+              </a:spcBef>
+              <a:spcAft>
+                <a:spcPts val="0"/>
+              </a:spcAft>
+              <a:buClr>
+                <a:schemeClr val="dk1"/>
+              </a:buClr>
+              <a:buSzTx/>
+              <a:buFont typeface="Arial"/>
+              <a:buNone/>
+              <a:tabLst/>
+              <a:defRPr/>
+            </a:pPr>
+            <a:r>
+              <a:rPr lang="en-US" dirty="0" smtClean="0"/>
+              <a:t>The router routes incoming traffic to the appropriate component, either a Cloud Controller component or a hosted application running on a Diego Cell.</a:t>
+            </a:r>
+          </a:p>
+          <a:p>
+            <a:pPr marL="0" marR="0" indent="0" algn="l" defTabSz="457200" rtl="0" eaLnBrk="1" fontAlgn="auto" latinLnBrk="0" hangingPunct="1">
+              <a:lnSpc>
+                <a:spcPct val="100000"/>
+              </a:lnSpc>
+              <a:spcBef>
+                <a:spcPts val="1200"/>
+              </a:spcBef>
+              <a:spcAft>
+                <a:spcPts val="0"/>
+              </a:spcAft>
+              <a:buClr>
+                <a:schemeClr val="dk1"/>
+              </a:buClr>
+              <a:buSzTx/>
+              <a:buFont typeface="Arial"/>
+              <a:buNone/>
+              <a:tabLst/>
+              <a:defRPr/>
+            </a:pPr>
+            <a:endParaRPr lang="en-US" dirty="0" smtClean="0"/>
+          </a:p>
+          <a:p>
+            <a:pPr marL="0" marR="0" indent="0" algn="l" defTabSz="457200" rtl="0" eaLnBrk="1" fontAlgn="auto" latinLnBrk="0" hangingPunct="1">
+              <a:lnSpc>
+                <a:spcPct val="100000"/>
+              </a:lnSpc>
+              <a:spcBef>
+                <a:spcPts val="1200"/>
+              </a:spcBef>
+              <a:spcAft>
+                <a:spcPts val="0"/>
+              </a:spcAft>
+              <a:buClr>
+                <a:schemeClr val="dk1"/>
+              </a:buClr>
+              <a:buSzTx/>
+              <a:buFont typeface="Arial"/>
+              <a:buNone/>
+              <a:tabLst/>
+              <a:defRPr/>
+            </a:pPr>
+            <a:r>
+              <a:rPr lang="en-US" dirty="0" smtClean="0"/>
+              <a:t>The OAuth2 server (the UAA) and Login Server work together to provide identity management.</a:t>
+            </a:r>
+          </a:p>
+          <a:p>
+            <a:pPr marL="0" marR="0" indent="0" algn="l" defTabSz="457200" rtl="0" eaLnBrk="1" fontAlgn="auto" latinLnBrk="0" hangingPunct="1">
+              <a:lnSpc>
+                <a:spcPct val="100000"/>
+              </a:lnSpc>
+              <a:spcBef>
+                <a:spcPts val="1200"/>
+              </a:spcBef>
+              <a:spcAft>
+                <a:spcPts val="0"/>
+              </a:spcAft>
+              <a:buClr>
+                <a:schemeClr val="dk1"/>
+              </a:buClr>
+              <a:buSzTx/>
+              <a:buFont typeface="Arial"/>
+              <a:buNone/>
+              <a:tabLst/>
+              <a:defRPr/>
+            </a:pPr>
+            <a:endParaRPr lang="en-US" dirty="0" smtClean="0"/>
+          </a:p>
+          <a:p>
+            <a:pPr marL="0" marR="0" indent="0" algn="l" defTabSz="457200" rtl="0" eaLnBrk="1" fontAlgn="auto" latinLnBrk="0" hangingPunct="1">
+              <a:lnSpc>
+                <a:spcPct val="100000"/>
+              </a:lnSpc>
+              <a:spcBef>
+                <a:spcPts val="1200"/>
+              </a:spcBef>
+              <a:spcAft>
+                <a:spcPts val="0"/>
+              </a:spcAft>
+              <a:buClr>
+                <a:schemeClr val="dk1"/>
+              </a:buClr>
+              <a:buSzTx/>
+              <a:buFont typeface="Arial"/>
+              <a:buNone/>
+              <a:tabLst/>
+              <a:defRPr/>
+            </a:pPr>
+            <a:r>
+              <a:rPr lang="en-US" dirty="0" smtClean="0"/>
+              <a:t>The Cloud Controller (CC) directs the deployment of applications. To push an app to Cloud Foundry, you target the Cloud Controller. The Cloud Controller then directs the Diego Brain through the CC-Bridge to coordinate individual Diego cells to stage and run applications.</a:t>
+            </a:r>
+          </a:p>
+          <a:p>
+            <a:pPr marL="0" marR="0" indent="0" algn="l" defTabSz="457200" rtl="0" eaLnBrk="1" fontAlgn="auto" latinLnBrk="0" hangingPunct="1">
+              <a:lnSpc>
+                <a:spcPct val="100000"/>
+              </a:lnSpc>
+              <a:spcBef>
+                <a:spcPts val="1200"/>
+              </a:spcBef>
+              <a:spcAft>
+                <a:spcPts val="0"/>
+              </a:spcAft>
+              <a:buClr>
+                <a:schemeClr val="dk1"/>
+              </a:buClr>
+              <a:buSzTx/>
+              <a:buFont typeface="Arial"/>
+              <a:buNone/>
+              <a:tabLst/>
+              <a:defRPr/>
+            </a:pPr>
+            <a:endParaRPr lang="en-US" dirty="0" smtClean="0"/>
+          </a:p>
+          <a:p>
+            <a:pPr marL="0" marR="0" indent="0" algn="l" defTabSz="457200" rtl="0" eaLnBrk="1" fontAlgn="auto" latinLnBrk="0" hangingPunct="1">
+              <a:lnSpc>
+                <a:spcPct val="100000"/>
+              </a:lnSpc>
+              <a:spcBef>
+                <a:spcPts val="1200"/>
+              </a:spcBef>
+              <a:spcAft>
+                <a:spcPts val="0"/>
+              </a:spcAft>
+              <a:buClr>
+                <a:schemeClr val="dk1"/>
+              </a:buClr>
+              <a:buSzTx/>
+              <a:buFont typeface="Arial"/>
+              <a:buNone/>
+              <a:tabLst/>
+              <a:defRPr/>
+            </a:pPr>
+            <a:r>
+              <a:rPr lang="en-US" dirty="0" err="1" smtClean="0"/>
+              <a:t>nsync</a:t>
+            </a:r>
+            <a:r>
+              <a:rPr lang="en-US" dirty="0" smtClean="0"/>
+              <a:t> receives a message from the Cloud Controller when the user scales an app. It writes the number of instances into a </a:t>
+            </a:r>
+            <a:r>
+              <a:rPr lang="en-US" dirty="0" err="1" smtClean="0"/>
+              <a:t>DesiredLRP</a:t>
+            </a:r>
+            <a:r>
+              <a:rPr lang="en-US" dirty="0" smtClean="0"/>
+              <a:t> structure in the Diego BBS database.</a:t>
+            </a:r>
+          </a:p>
+          <a:p>
+            <a:pPr marL="0" marR="0" indent="0" algn="l" defTabSz="457200" rtl="0" eaLnBrk="1" fontAlgn="auto" latinLnBrk="0" hangingPunct="1">
+              <a:lnSpc>
+                <a:spcPct val="100000"/>
+              </a:lnSpc>
+              <a:spcBef>
+                <a:spcPts val="1200"/>
+              </a:spcBef>
+              <a:spcAft>
+                <a:spcPts val="0"/>
+              </a:spcAft>
+              <a:buClr>
+                <a:schemeClr val="dk1"/>
+              </a:buClr>
+              <a:buSzTx/>
+              <a:buFont typeface="Arial"/>
+              <a:buNone/>
+              <a:tabLst/>
+              <a:defRPr/>
+            </a:pPr>
+            <a:r>
+              <a:rPr lang="en-US" dirty="0" smtClean="0"/>
+              <a:t>BBS uses its convergence process to monitor the </a:t>
+            </a:r>
+            <a:r>
+              <a:rPr lang="en-US" dirty="0" err="1" smtClean="0"/>
+              <a:t>DesiredLRP</a:t>
+            </a:r>
+            <a:r>
+              <a:rPr lang="en-US" dirty="0" smtClean="0"/>
+              <a:t> and </a:t>
+            </a:r>
+            <a:r>
+              <a:rPr lang="en-US" dirty="0" err="1" smtClean="0"/>
+              <a:t>ActualLRP</a:t>
+            </a:r>
+            <a:r>
+              <a:rPr lang="en-US" dirty="0" smtClean="0"/>
+              <a:t> values. It launches or kills application instances as appropriate to ensure the </a:t>
+            </a:r>
+            <a:r>
+              <a:rPr lang="en-US" dirty="0" err="1" smtClean="0"/>
+              <a:t>ActualLRP</a:t>
+            </a:r>
+            <a:r>
+              <a:rPr lang="en-US" dirty="0" smtClean="0"/>
+              <a:t> count matches the </a:t>
+            </a:r>
+            <a:r>
+              <a:rPr lang="en-US" dirty="0" err="1" smtClean="0"/>
+              <a:t>DesiredLRP</a:t>
+            </a:r>
+            <a:r>
+              <a:rPr lang="en-US" dirty="0" smtClean="0"/>
+              <a:t> count.</a:t>
+            </a:r>
+          </a:p>
+          <a:p>
+            <a:pPr marL="0" marR="0" indent="0" algn="l" defTabSz="457200" rtl="0" eaLnBrk="1" fontAlgn="auto" latinLnBrk="0" hangingPunct="1">
+              <a:lnSpc>
+                <a:spcPct val="100000"/>
+              </a:lnSpc>
+              <a:spcBef>
+                <a:spcPts val="1200"/>
+              </a:spcBef>
+              <a:spcAft>
+                <a:spcPts val="0"/>
+              </a:spcAft>
+              <a:buClr>
+                <a:schemeClr val="dk1"/>
+              </a:buClr>
+              <a:buSzTx/>
+              <a:buFont typeface="Arial"/>
+              <a:buNone/>
+              <a:tabLst/>
+              <a:defRPr/>
+            </a:pPr>
+            <a:r>
+              <a:rPr lang="en-US" dirty="0" smtClean="0"/>
+              <a:t>Cell Rep monitors the containers and provides the </a:t>
+            </a:r>
+            <a:r>
+              <a:rPr lang="en-US" dirty="0" err="1" smtClean="0"/>
+              <a:t>ActualLRP</a:t>
+            </a:r>
+            <a:r>
+              <a:rPr lang="en-US" dirty="0" smtClean="0"/>
+              <a:t> value.</a:t>
+            </a:r>
+          </a:p>
+          <a:p>
+            <a:pPr marL="0" marR="0" indent="0" algn="l" defTabSz="457200" rtl="0" eaLnBrk="1" fontAlgn="auto" latinLnBrk="0" hangingPunct="1">
+              <a:lnSpc>
+                <a:spcPct val="100000"/>
+              </a:lnSpc>
+              <a:spcBef>
+                <a:spcPts val="1200"/>
+              </a:spcBef>
+              <a:spcAft>
+                <a:spcPts val="0"/>
+              </a:spcAft>
+              <a:buClr>
+                <a:schemeClr val="dk1"/>
+              </a:buClr>
+              <a:buSzTx/>
+              <a:buFont typeface="Arial"/>
+              <a:buNone/>
+              <a:tabLst/>
+              <a:defRPr/>
+            </a:pPr>
+            <a:endParaRPr lang="en-US" dirty="0" smtClean="0"/>
+          </a:p>
+          <a:p>
+            <a:pPr marL="0" marR="0" indent="0" algn="l" defTabSz="457200" rtl="0" eaLnBrk="1" fontAlgn="auto" latinLnBrk="0" hangingPunct="1">
+              <a:lnSpc>
+                <a:spcPct val="100000"/>
+              </a:lnSpc>
+              <a:spcBef>
+                <a:spcPts val="1200"/>
+              </a:spcBef>
+              <a:spcAft>
+                <a:spcPts val="0"/>
+              </a:spcAft>
+              <a:buClr>
+                <a:schemeClr val="dk1"/>
+              </a:buClr>
+              <a:buSzTx/>
+              <a:buFont typeface="Arial"/>
+              <a:buNone/>
+              <a:tabLst/>
+              <a:defRPr/>
+            </a:pPr>
+            <a:r>
+              <a:rPr lang="en-US" dirty="0" smtClean="0"/>
+              <a:t>The </a:t>
+            </a:r>
+            <a:r>
+              <a:rPr lang="en-US" dirty="0" err="1" smtClean="0"/>
+              <a:t>blobstore</a:t>
+            </a:r>
+            <a:r>
+              <a:rPr lang="en-US" dirty="0" smtClean="0"/>
+              <a:t> is a repository for large binary files, which </a:t>
+            </a:r>
+            <a:r>
+              <a:rPr lang="en-US" dirty="0" err="1" smtClean="0"/>
+              <a:t>Github</a:t>
+            </a:r>
+            <a:r>
+              <a:rPr lang="en-US" dirty="0" smtClean="0"/>
+              <a:t> cannot easily manage because </a:t>
+            </a:r>
+            <a:r>
+              <a:rPr lang="en-US" dirty="0" err="1" smtClean="0"/>
+              <a:t>Github</a:t>
+            </a:r>
+            <a:r>
+              <a:rPr lang="en-US" dirty="0" smtClean="0"/>
+              <a:t> is designed for code. </a:t>
+            </a:r>
+            <a:r>
+              <a:rPr lang="en-US" dirty="0" err="1" smtClean="0"/>
+              <a:t>Blobstore</a:t>
+            </a:r>
+            <a:r>
+              <a:rPr lang="en-US" dirty="0" smtClean="0"/>
+              <a:t> binaries include:</a:t>
+            </a:r>
+          </a:p>
+          <a:p>
+            <a:pPr marL="0" marR="0" indent="0" algn="l" defTabSz="457200" rtl="0" eaLnBrk="1" fontAlgn="auto" latinLnBrk="0" hangingPunct="1">
+              <a:lnSpc>
+                <a:spcPct val="100000"/>
+              </a:lnSpc>
+              <a:spcBef>
+                <a:spcPts val="1200"/>
+              </a:spcBef>
+              <a:spcAft>
+                <a:spcPts val="0"/>
+              </a:spcAft>
+              <a:buClr>
+                <a:schemeClr val="dk1"/>
+              </a:buClr>
+              <a:buSzTx/>
+              <a:buFont typeface="Arial"/>
+              <a:buNone/>
+              <a:tabLst/>
+              <a:defRPr/>
+            </a:pPr>
+            <a:r>
+              <a:rPr lang="en-US" dirty="0" smtClean="0"/>
+              <a:t>Application code packages</a:t>
+            </a:r>
+          </a:p>
+          <a:p>
+            <a:pPr marL="0" marR="0" indent="0" algn="l" defTabSz="457200" rtl="0" eaLnBrk="1" fontAlgn="auto" latinLnBrk="0" hangingPunct="1">
+              <a:lnSpc>
+                <a:spcPct val="100000"/>
+              </a:lnSpc>
+              <a:spcBef>
+                <a:spcPts val="1200"/>
+              </a:spcBef>
+              <a:spcAft>
+                <a:spcPts val="0"/>
+              </a:spcAft>
+              <a:buClr>
+                <a:schemeClr val="dk1"/>
+              </a:buClr>
+              <a:buSzTx/>
+              <a:buFont typeface="Arial"/>
+              <a:buNone/>
+              <a:tabLst/>
+              <a:defRPr/>
+            </a:pPr>
+            <a:r>
+              <a:rPr lang="en-US" dirty="0" err="1" smtClean="0"/>
+              <a:t>Buildpacks</a:t>
+            </a:r>
+            <a:endParaRPr lang="en-US" dirty="0" smtClean="0"/>
+          </a:p>
+          <a:p>
+            <a:pPr marL="0" marR="0" indent="0" algn="l" defTabSz="457200" rtl="0" eaLnBrk="1" fontAlgn="auto" latinLnBrk="0" hangingPunct="1">
+              <a:lnSpc>
+                <a:spcPct val="100000"/>
+              </a:lnSpc>
+              <a:spcBef>
+                <a:spcPts val="1200"/>
+              </a:spcBef>
+              <a:spcAft>
+                <a:spcPts val="0"/>
+              </a:spcAft>
+              <a:buClr>
+                <a:schemeClr val="dk1"/>
+              </a:buClr>
+              <a:buSzTx/>
+              <a:buFont typeface="Arial"/>
+              <a:buNone/>
+              <a:tabLst/>
+              <a:defRPr/>
+            </a:pPr>
+            <a:r>
+              <a:rPr lang="en-US" dirty="0" smtClean="0"/>
+              <a:t>Droplets</a:t>
+            </a:r>
+          </a:p>
+          <a:p>
+            <a:pPr marL="0" marR="0" indent="0" algn="l" defTabSz="457200" rtl="0" eaLnBrk="1" fontAlgn="auto" latinLnBrk="0" hangingPunct="1">
+              <a:lnSpc>
+                <a:spcPct val="100000"/>
+              </a:lnSpc>
+              <a:spcBef>
+                <a:spcPts val="1200"/>
+              </a:spcBef>
+              <a:spcAft>
+                <a:spcPts val="0"/>
+              </a:spcAft>
+              <a:buClr>
+                <a:schemeClr val="dk1"/>
+              </a:buClr>
+              <a:buSzTx/>
+              <a:buFont typeface="Arial"/>
+              <a:buNone/>
+              <a:tabLst/>
+              <a:defRPr/>
+            </a:pPr>
+            <a:endParaRPr lang="en-US" dirty="0" smtClean="0"/>
+          </a:p>
+          <a:p>
+            <a:pPr marL="0" marR="0" indent="0" algn="l" defTabSz="457200" rtl="0" eaLnBrk="1" fontAlgn="auto" latinLnBrk="0" hangingPunct="1">
+              <a:lnSpc>
+                <a:spcPct val="100000"/>
+              </a:lnSpc>
+              <a:spcBef>
+                <a:spcPts val="1200"/>
+              </a:spcBef>
+              <a:spcAft>
+                <a:spcPts val="0"/>
+              </a:spcAft>
+              <a:buClr>
+                <a:schemeClr val="dk1"/>
+              </a:buClr>
+              <a:buSzTx/>
+              <a:buFont typeface="Arial"/>
+              <a:buNone/>
+              <a:tabLst/>
+              <a:defRPr/>
+            </a:pPr>
+            <a:r>
+              <a:rPr lang="en-US" dirty="0" smtClean="0"/>
+              <a:t>Diego Cell</a:t>
+            </a:r>
+          </a:p>
+          <a:p>
+            <a:pPr marL="0" marR="0" indent="0" algn="l" defTabSz="457200" rtl="0" eaLnBrk="1" fontAlgn="auto" latinLnBrk="0" hangingPunct="1">
+              <a:lnSpc>
+                <a:spcPct val="100000"/>
+              </a:lnSpc>
+              <a:spcBef>
+                <a:spcPts val="1200"/>
+              </a:spcBef>
+              <a:spcAft>
+                <a:spcPts val="0"/>
+              </a:spcAft>
+              <a:buClr>
+                <a:schemeClr val="dk1"/>
+              </a:buClr>
+              <a:buSzTx/>
+              <a:buFont typeface="Arial"/>
+              <a:buNone/>
+              <a:tabLst/>
+              <a:defRPr/>
+            </a:pPr>
+            <a:r>
+              <a:rPr lang="en-US" dirty="0" smtClean="0"/>
+              <a:t>Each application VM has a Diego Cell that executes application start and stop actions locally, manages the VM’s containers, and reports app status and other data to the BBS and </a:t>
+            </a:r>
+            <a:r>
+              <a:rPr lang="en-US" dirty="0" err="1" smtClean="0"/>
+              <a:t>Loggregator</a:t>
+            </a:r>
+            <a:r>
+              <a:rPr lang="en-US" dirty="0" smtClean="0"/>
+              <a:t>.</a:t>
+            </a:r>
+          </a:p>
+          <a:p>
+            <a:pPr marL="0" marR="0" indent="0" algn="l" defTabSz="457200" rtl="0" eaLnBrk="1" fontAlgn="auto" latinLnBrk="0" hangingPunct="1">
+              <a:lnSpc>
+                <a:spcPct val="100000"/>
+              </a:lnSpc>
+              <a:spcBef>
+                <a:spcPts val="1200"/>
+              </a:spcBef>
+              <a:spcAft>
+                <a:spcPts val="0"/>
+              </a:spcAft>
+              <a:buClr>
+                <a:schemeClr val="dk1"/>
+              </a:buClr>
+              <a:buSzTx/>
+              <a:buFont typeface="Arial"/>
+              <a:buNone/>
+              <a:tabLst/>
+              <a:defRPr/>
+            </a:pPr>
+            <a:endParaRPr lang="en-US" dirty="0" smtClean="0"/>
+          </a:p>
+          <a:p>
+            <a:pPr marL="0" marR="0" indent="0" algn="l" defTabSz="457200" rtl="0" eaLnBrk="1" fontAlgn="auto" latinLnBrk="0" hangingPunct="1">
+              <a:lnSpc>
+                <a:spcPct val="100000"/>
+              </a:lnSpc>
+              <a:spcBef>
+                <a:spcPts val="1200"/>
+              </a:spcBef>
+              <a:spcAft>
+                <a:spcPts val="0"/>
+              </a:spcAft>
+              <a:buClr>
+                <a:schemeClr val="dk1"/>
+              </a:buClr>
+              <a:buSzTx/>
+              <a:buFont typeface="Arial"/>
+              <a:buNone/>
+              <a:tabLst/>
+              <a:defRPr/>
+            </a:pPr>
+            <a:r>
+              <a:rPr lang="en-US" dirty="0" smtClean="0"/>
+              <a:t>Service Brokers</a:t>
+            </a:r>
+          </a:p>
+          <a:p>
+            <a:pPr marL="0" marR="0" indent="0" algn="l" defTabSz="457200" rtl="0" eaLnBrk="1" fontAlgn="auto" latinLnBrk="0" hangingPunct="1">
+              <a:lnSpc>
+                <a:spcPct val="100000"/>
+              </a:lnSpc>
+              <a:spcBef>
+                <a:spcPts val="1200"/>
+              </a:spcBef>
+              <a:spcAft>
+                <a:spcPts val="0"/>
+              </a:spcAft>
+              <a:buClr>
+                <a:schemeClr val="dk1"/>
+              </a:buClr>
+              <a:buSzTx/>
+              <a:buFont typeface="Arial"/>
+              <a:buNone/>
+              <a:tabLst/>
+              <a:defRPr/>
+            </a:pPr>
+            <a:r>
+              <a:rPr lang="en-US" dirty="0" smtClean="0"/>
+              <a:t>Applications typically depend on services such as databases or third-party </a:t>
+            </a:r>
+            <a:r>
+              <a:rPr lang="en-US" dirty="0" err="1" smtClean="0"/>
+              <a:t>SaaS</a:t>
+            </a:r>
+            <a:r>
+              <a:rPr lang="en-US" dirty="0" smtClean="0"/>
+              <a:t> providers. When a developer provisions and binds a service to an application, the service broker for that service is responsible for providing the service instance.</a:t>
+            </a:r>
+          </a:p>
+          <a:p>
+            <a:pPr marL="0" marR="0" indent="0" algn="l" defTabSz="457200" rtl="0" eaLnBrk="1" fontAlgn="auto" latinLnBrk="0" hangingPunct="1">
+              <a:lnSpc>
+                <a:spcPct val="100000"/>
+              </a:lnSpc>
+              <a:spcBef>
+                <a:spcPts val="1200"/>
+              </a:spcBef>
+              <a:spcAft>
+                <a:spcPts val="0"/>
+              </a:spcAft>
+              <a:buClr>
+                <a:schemeClr val="dk1"/>
+              </a:buClr>
+              <a:buSzTx/>
+              <a:buFont typeface="Arial"/>
+              <a:buNone/>
+              <a:tabLst/>
+              <a:defRPr/>
+            </a:pPr>
+            <a:endParaRPr lang="en-US" dirty="0" smtClean="0"/>
+          </a:p>
+          <a:p>
+            <a:pPr marL="0" marR="0" indent="0" algn="l" defTabSz="457200" rtl="0" eaLnBrk="1" fontAlgn="auto" latinLnBrk="0" hangingPunct="1">
+              <a:lnSpc>
+                <a:spcPct val="100000"/>
+              </a:lnSpc>
+              <a:spcBef>
+                <a:spcPts val="1200"/>
+              </a:spcBef>
+              <a:spcAft>
+                <a:spcPts val="0"/>
+              </a:spcAft>
+              <a:buClr>
+                <a:schemeClr val="dk1"/>
+              </a:buClr>
+              <a:buSzTx/>
+              <a:buFont typeface="Arial"/>
+              <a:buNone/>
+              <a:tabLst/>
+              <a:defRPr/>
+            </a:pPr>
+            <a:r>
+              <a:rPr lang="en-US" dirty="0" smtClean="0"/>
+              <a:t>Messaging</a:t>
+            </a:r>
+          </a:p>
+          <a:p>
+            <a:pPr marL="0" marR="0" indent="0" algn="l" defTabSz="457200" rtl="0" eaLnBrk="1" fontAlgn="auto" latinLnBrk="0" hangingPunct="1">
+              <a:lnSpc>
+                <a:spcPct val="100000"/>
+              </a:lnSpc>
+              <a:spcBef>
+                <a:spcPts val="1200"/>
+              </a:spcBef>
+              <a:spcAft>
+                <a:spcPts val="0"/>
+              </a:spcAft>
+              <a:buClr>
+                <a:schemeClr val="dk1"/>
+              </a:buClr>
+              <a:buSzTx/>
+              <a:buFont typeface="Arial"/>
+              <a:buNone/>
+              <a:tabLst/>
+              <a:defRPr/>
+            </a:pPr>
+            <a:r>
+              <a:rPr lang="en-US" dirty="0" smtClean="0"/>
+              <a:t>Consul and BBS</a:t>
+            </a:r>
+          </a:p>
+          <a:p>
+            <a:pPr marL="0" marR="0" indent="0" algn="l" defTabSz="457200" rtl="0" eaLnBrk="1" fontAlgn="auto" latinLnBrk="0" hangingPunct="1">
+              <a:lnSpc>
+                <a:spcPct val="100000"/>
+              </a:lnSpc>
+              <a:spcBef>
+                <a:spcPts val="1200"/>
+              </a:spcBef>
+              <a:spcAft>
+                <a:spcPts val="0"/>
+              </a:spcAft>
+              <a:buClr>
+                <a:schemeClr val="dk1"/>
+              </a:buClr>
+              <a:buSzTx/>
+              <a:buFont typeface="Arial"/>
+              <a:buNone/>
+              <a:tabLst/>
+              <a:defRPr/>
+            </a:pPr>
+            <a:r>
+              <a:rPr lang="en-US" dirty="0" smtClean="0"/>
+              <a:t>A Consul server stores longer-lived control data, such as component IP addresses and distributed locks that prevent components from duplicating actions.</a:t>
+            </a:r>
+          </a:p>
+          <a:p>
+            <a:pPr marL="0" marR="0" indent="0" algn="l" defTabSz="457200" rtl="0" eaLnBrk="1" fontAlgn="auto" latinLnBrk="0" hangingPunct="1">
+              <a:lnSpc>
+                <a:spcPct val="100000"/>
+              </a:lnSpc>
+              <a:spcBef>
+                <a:spcPts val="1200"/>
+              </a:spcBef>
+              <a:spcAft>
+                <a:spcPts val="0"/>
+              </a:spcAft>
+              <a:buClr>
+                <a:schemeClr val="dk1"/>
+              </a:buClr>
+              <a:buSzTx/>
+              <a:buFont typeface="Arial"/>
+              <a:buNone/>
+              <a:tabLst/>
+              <a:defRPr/>
+            </a:pPr>
+            <a:r>
+              <a:rPr lang="en-US" dirty="0" smtClean="0"/>
+              <a:t>Diego’s Bulletin Board System (BBS) stores more frequently updated and disposable data such as cell and application status, unallocated work, and heartbeat messages. The BBS stores data in MySQL</a:t>
+            </a:r>
+          </a:p>
+          <a:p>
+            <a:pPr marL="0" marR="0" indent="0" algn="l" defTabSz="457200" rtl="0" eaLnBrk="1" fontAlgn="auto" latinLnBrk="0" hangingPunct="1">
+              <a:lnSpc>
+                <a:spcPct val="100000"/>
+              </a:lnSpc>
+              <a:spcBef>
+                <a:spcPts val="1200"/>
+              </a:spcBef>
+              <a:spcAft>
+                <a:spcPts val="0"/>
+              </a:spcAft>
+              <a:buClr>
+                <a:schemeClr val="dk1"/>
+              </a:buClr>
+              <a:buSzTx/>
+              <a:buFont typeface="Arial"/>
+              <a:buNone/>
+              <a:tabLst/>
+              <a:defRPr/>
+            </a:pPr>
+            <a:endParaRPr lang="en-US" dirty="0" smtClean="0"/>
+          </a:p>
+          <a:p>
+            <a:pPr marL="0" marR="0" indent="0" algn="l" defTabSz="457200" rtl="0" eaLnBrk="1" fontAlgn="auto" latinLnBrk="0" hangingPunct="1">
+              <a:lnSpc>
+                <a:spcPct val="100000"/>
+              </a:lnSpc>
+              <a:spcBef>
+                <a:spcPts val="1200"/>
+              </a:spcBef>
+              <a:spcAft>
+                <a:spcPts val="0"/>
+              </a:spcAft>
+              <a:buClr>
+                <a:schemeClr val="dk1"/>
+              </a:buClr>
+              <a:buSzTx/>
+              <a:buFont typeface="Arial"/>
+              <a:buNone/>
+              <a:tabLst/>
+              <a:defRPr/>
+            </a:pPr>
+            <a:r>
+              <a:rPr lang="en-US" dirty="0" smtClean="0"/>
+              <a:t>Metrics and Logging</a:t>
+            </a:r>
+          </a:p>
+          <a:p>
+            <a:pPr marL="0" marR="0" indent="0" algn="l" defTabSz="457200" rtl="0" eaLnBrk="1" fontAlgn="auto" latinLnBrk="0" hangingPunct="1">
+              <a:lnSpc>
+                <a:spcPct val="100000"/>
+              </a:lnSpc>
+              <a:spcBef>
+                <a:spcPts val="1200"/>
+              </a:spcBef>
+              <a:spcAft>
+                <a:spcPts val="0"/>
+              </a:spcAft>
+              <a:buClr>
+                <a:schemeClr val="dk1"/>
+              </a:buClr>
+              <a:buSzTx/>
+              <a:buFont typeface="Arial"/>
+              <a:buNone/>
+              <a:tabLst/>
+              <a:defRPr/>
+            </a:pPr>
+            <a:r>
+              <a:rPr lang="en-US" dirty="0" err="1" smtClean="0"/>
+              <a:t>Loggregator</a:t>
+            </a:r>
+            <a:endParaRPr lang="en-US" dirty="0" smtClean="0"/>
+          </a:p>
+          <a:p>
+            <a:pPr marL="0" marR="0" indent="0" algn="l" defTabSz="457200" rtl="0" eaLnBrk="1" fontAlgn="auto" latinLnBrk="0" hangingPunct="1">
+              <a:lnSpc>
+                <a:spcPct val="100000"/>
+              </a:lnSpc>
+              <a:spcBef>
+                <a:spcPts val="1200"/>
+              </a:spcBef>
+              <a:spcAft>
+                <a:spcPts val="0"/>
+              </a:spcAft>
+              <a:buClr>
+                <a:schemeClr val="dk1"/>
+              </a:buClr>
+              <a:buSzTx/>
+              <a:buFont typeface="Arial"/>
+              <a:buNone/>
+              <a:tabLst/>
+              <a:defRPr/>
+            </a:pPr>
+            <a:r>
+              <a:rPr lang="en-US" dirty="0" smtClean="0"/>
+              <a:t>The </a:t>
+            </a:r>
+            <a:r>
+              <a:rPr lang="en-US" dirty="0" err="1" smtClean="0"/>
+              <a:t>Loggregator</a:t>
+            </a:r>
+            <a:r>
+              <a:rPr lang="en-US" dirty="0" smtClean="0"/>
+              <a:t> (log aggregator) system streams application logs to developers.</a:t>
             </a:r>
           </a:p>
         </p:txBody>
@@ -2841,7 +2437,682 @@
     </p:spTree>
     <p:extLst>
       <p:ext uri="{BB962C8B-B14F-4D97-AF65-F5344CB8AC3E}">
-        <p14:creationId xmlns:p14="http://schemas.microsoft.com/office/powerpoint/2010/main" val="2952323326"/>
+        <p14:creationId xmlns:p14="http://schemas.microsoft.com/office/powerpoint/2010/main" val="1065534740"/>
+      </p:ext>
+    </p:extLst>
+  </p:cSld>
+  <p:clrMapOvr>
+    <a:masterClrMapping/>
+  </p:clrMapOvr>
+</p:notes>
+</file>
+
+<file path=ppt/notesSlides/notesSlide7.xml><?xml version="1.0" encoding="utf-8"?>
+<p:notes xmlns:a="http://schemas.openxmlformats.org/drawingml/2006/main" xmlns:r="http://schemas.openxmlformats.org/officeDocument/2006/relationships" xmlns:p="http://schemas.openxmlformats.org/presentationml/2006/main">
+  <p:cSld>
+    <p:spTree>
+      <p:nvGrpSpPr>
+        <p:cNvPr id="1" name=""/>
+        <p:cNvGrpSpPr/>
+        <p:nvPr/>
+      </p:nvGrpSpPr>
+      <p:grpSpPr>
+        <a:xfrm>
+          <a:off x="0" y="0"/>
+          <a:ext cx="0" cy="0"/>
+          <a:chOff x="0" y="0"/>
+          <a:chExt cx="0" cy="0"/>
+        </a:xfrm>
+      </p:grpSpPr>
+      <p:sp>
+        <p:nvSpPr>
+          <p:cNvPr id="2" name="Slide Image Placeholder 1"/>
+          <p:cNvSpPr>
+            <a:spLocks noGrp="1" noRot="1" noChangeAspect="1"/>
+          </p:cNvSpPr>
+          <p:nvPr>
+            <p:ph type="sldImg"/>
+          </p:nvPr>
+        </p:nvSpPr>
+        <p:spPr/>
+      </p:sp>
+      <p:sp>
+        <p:nvSpPr>
+          <p:cNvPr id="3" name="Notes Placeholder 2"/>
+          <p:cNvSpPr>
+            <a:spLocks noGrp="1"/>
+          </p:cNvSpPr>
+          <p:nvPr>
+            <p:ph type="body" idx="1"/>
+          </p:nvPr>
+        </p:nvSpPr>
+        <p:spPr/>
+        <p:txBody>
+          <a:bodyPr/>
+          <a:lstStyle/>
+          <a:p>
+            <a:endParaRPr lang="en-US" dirty="0"/>
+          </a:p>
+        </p:txBody>
+      </p:sp>
+    </p:spTree>
+    <p:extLst>
+      <p:ext uri="{BB962C8B-B14F-4D97-AF65-F5344CB8AC3E}">
+        <p14:creationId xmlns:p14="http://schemas.microsoft.com/office/powerpoint/2010/main" val="1549071346"/>
+      </p:ext>
+    </p:extLst>
+  </p:cSld>
+  <p:clrMapOvr>
+    <a:masterClrMapping/>
+  </p:clrMapOvr>
+</p:notes>
+</file>
+
+<file path=ppt/notesSlides/notesSlide8.xml><?xml version="1.0" encoding="utf-8"?>
+<p:notes xmlns:a="http://schemas.openxmlformats.org/drawingml/2006/main" xmlns:r="http://schemas.openxmlformats.org/officeDocument/2006/relationships" xmlns:p="http://schemas.openxmlformats.org/presentationml/2006/main">
+  <p:cSld>
+    <p:spTree>
+      <p:nvGrpSpPr>
+        <p:cNvPr id="1" name=""/>
+        <p:cNvGrpSpPr/>
+        <p:nvPr/>
+      </p:nvGrpSpPr>
+      <p:grpSpPr>
+        <a:xfrm>
+          <a:off x="0" y="0"/>
+          <a:ext cx="0" cy="0"/>
+          <a:chOff x="0" y="0"/>
+          <a:chExt cx="0" cy="0"/>
+        </a:xfrm>
+      </p:grpSpPr>
+      <p:sp>
+        <p:nvSpPr>
+          <p:cNvPr id="2" name="Slide Image Placeholder 1"/>
+          <p:cNvSpPr>
+            <a:spLocks noGrp="1" noRot="1" noChangeAspect="1"/>
+          </p:cNvSpPr>
+          <p:nvPr>
+            <p:ph type="sldImg"/>
+          </p:nvPr>
+        </p:nvSpPr>
+        <p:spPr/>
+      </p:sp>
+      <p:sp>
+        <p:nvSpPr>
+          <p:cNvPr id="3" name="Notes Placeholder 2"/>
+          <p:cNvSpPr>
+            <a:spLocks noGrp="1"/>
+          </p:cNvSpPr>
+          <p:nvPr>
+            <p:ph type="body" idx="1"/>
+          </p:nvPr>
+        </p:nvSpPr>
+        <p:spPr/>
+        <p:txBody>
+          <a:bodyPr/>
+          <a:lstStyle/>
+          <a:p>
+            <a:r>
+              <a:rPr lang="en-US" dirty="0" smtClean="0"/>
+              <a:t>At the command line, the developer enters the directory containing her application and uses the Cloud Foundry Command Line Interface (</a:t>
+            </a:r>
+            <a:r>
+              <a:rPr lang="en-US" dirty="0" err="1" smtClean="0"/>
+              <a:t>cf</a:t>
+            </a:r>
+            <a:r>
+              <a:rPr lang="en-US" dirty="0" smtClean="0"/>
+              <a:t> CLI) to issue a push command.</a:t>
+            </a:r>
+          </a:p>
+          <a:p>
+            <a:r>
+              <a:rPr lang="en-US" dirty="0" smtClean="0"/>
+              <a:t>The </a:t>
+            </a:r>
+            <a:r>
+              <a:rPr lang="en-US" dirty="0" err="1" smtClean="0"/>
+              <a:t>cf</a:t>
+            </a:r>
+            <a:r>
+              <a:rPr lang="en-US" dirty="0" smtClean="0"/>
+              <a:t> CLI tells the Cloud Controller to create a record for the application.</a:t>
+            </a:r>
+          </a:p>
+          <a:p>
+            <a:r>
+              <a:rPr lang="en-US" dirty="0" smtClean="0"/>
+              <a:t>The Cloud Controller stores the application metadata. Application metadata can include the app name, number of instances the user specified, and the </a:t>
+            </a:r>
+            <a:r>
+              <a:rPr lang="en-US" dirty="0" err="1" smtClean="0"/>
+              <a:t>buildpack</a:t>
+            </a:r>
+            <a:r>
+              <a:rPr lang="en-US" dirty="0" smtClean="0"/>
+              <a:t>, and other information about the application.</a:t>
+            </a:r>
+          </a:p>
+          <a:p>
+            <a:r>
+              <a:rPr lang="en-US" dirty="0" smtClean="0"/>
+              <a:t>Before uploading all the application files, the </a:t>
+            </a:r>
+            <a:r>
+              <a:rPr lang="en-US" dirty="0" err="1" smtClean="0"/>
+              <a:t>cf</a:t>
+            </a:r>
+            <a:r>
+              <a:rPr lang="en-US" dirty="0" smtClean="0"/>
+              <a:t> CLI issues a resource match request to the Cloud Controller to determine if any of the application files already exist in the resource cache. When the application files are uploaded, the </a:t>
+            </a:r>
+            <a:r>
+              <a:rPr lang="en-US" dirty="0" err="1" smtClean="0"/>
+              <a:t>cf</a:t>
+            </a:r>
+            <a:r>
+              <a:rPr lang="en-US" dirty="0" smtClean="0"/>
+              <a:t> CLI omits files that exist in the resource cache by supplying the result of the resource match request. The uploaded application files are combined with the files from the resource cache to create the application package.</a:t>
+            </a:r>
+          </a:p>
+          <a:p>
+            <a:r>
+              <a:rPr lang="en-US" dirty="0" smtClean="0"/>
+              <a:t>The Cloud Controller stores the application package in the </a:t>
+            </a:r>
+            <a:r>
+              <a:rPr lang="en-US" dirty="0" err="1" smtClean="0"/>
+              <a:t>blobstore</a:t>
+            </a:r>
+            <a:r>
+              <a:rPr lang="en-US" dirty="0" smtClean="0"/>
+              <a:t>.</a:t>
+            </a:r>
+          </a:p>
+          <a:p>
+            <a:r>
+              <a:rPr lang="en-US" dirty="0" smtClean="0"/>
+              <a:t>The </a:t>
+            </a:r>
+            <a:r>
+              <a:rPr lang="en-US" dirty="0" err="1" smtClean="0"/>
+              <a:t>cf</a:t>
+            </a:r>
+            <a:r>
+              <a:rPr lang="en-US" dirty="0" smtClean="0"/>
+              <a:t> CLI issues an app start command.</a:t>
+            </a:r>
+          </a:p>
+          <a:p>
+            <a:r>
+              <a:rPr lang="en-US" dirty="0" smtClean="0"/>
+              <a:t>The Cloud Controller issues a staging request to Diego, which then schedules a Cell to run the staging Task. The Task downloads </a:t>
+            </a:r>
+            <a:r>
+              <a:rPr lang="en-US" dirty="0" err="1" smtClean="0"/>
+              <a:t>buildpacks</a:t>
+            </a:r>
+            <a:r>
+              <a:rPr lang="en-US" dirty="0" smtClean="0"/>
+              <a:t> and if present, the app’s </a:t>
+            </a:r>
+            <a:r>
+              <a:rPr lang="en-US" dirty="0" err="1" smtClean="0"/>
+              <a:t>buildpack</a:t>
+            </a:r>
+            <a:r>
+              <a:rPr lang="en-US" dirty="0" smtClean="0"/>
+              <a:t> cache. It then uses the </a:t>
+            </a:r>
+            <a:r>
+              <a:rPr lang="en-US" dirty="0" err="1" smtClean="0"/>
+              <a:t>buildpack</a:t>
+            </a:r>
+            <a:r>
+              <a:rPr lang="en-US" dirty="0" smtClean="0"/>
+              <a:t> that is detected automatically or specified with the -b flag to build the droplet. The Task uses the instructions in the </a:t>
+            </a:r>
+            <a:r>
+              <a:rPr lang="en-US" dirty="0" err="1" smtClean="0"/>
+              <a:t>buildpack</a:t>
+            </a:r>
+            <a:r>
+              <a:rPr lang="en-US" dirty="0" smtClean="0"/>
+              <a:t> to stage the application.</a:t>
+            </a:r>
+          </a:p>
+          <a:p>
+            <a:r>
+              <a:rPr lang="en-US" dirty="0" smtClean="0"/>
+              <a:t>The Diego Cell streams the output of the staging process so the developer can troubleshoot application staging problems.</a:t>
+            </a:r>
+          </a:p>
+          <a:p>
+            <a:r>
+              <a:rPr lang="en-US" dirty="0" smtClean="0"/>
+              <a:t>The Task packages the resulting staged application into a </a:t>
+            </a:r>
+            <a:r>
+              <a:rPr lang="en-US" dirty="0" err="1" smtClean="0"/>
+              <a:t>tarball</a:t>
+            </a:r>
+            <a:r>
+              <a:rPr lang="en-US" dirty="0" smtClean="0"/>
+              <a:t> called a “droplet” and the Diego Cell stores it in the </a:t>
+            </a:r>
+            <a:r>
+              <a:rPr lang="en-US" dirty="0" err="1" smtClean="0"/>
+              <a:t>blobstore</a:t>
+            </a:r>
+            <a:r>
+              <a:rPr lang="en-US" dirty="0" smtClean="0"/>
+              <a:t>. The Task also uploads the </a:t>
+            </a:r>
+            <a:r>
+              <a:rPr lang="en-US" dirty="0" err="1" smtClean="0"/>
+              <a:t>buildpack</a:t>
+            </a:r>
+            <a:r>
+              <a:rPr lang="en-US" dirty="0" smtClean="0"/>
+              <a:t> cache to the </a:t>
+            </a:r>
+            <a:r>
+              <a:rPr lang="en-US" dirty="0" err="1" smtClean="0"/>
+              <a:t>blobstore</a:t>
+            </a:r>
+            <a:r>
+              <a:rPr lang="en-US" dirty="0" smtClean="0"/>
+              <a:t> for use the next time the application is staged.</a:t>
+            </a:r>
+          </a:p>
+          <a:p>
+            <a:r>
+              <a:rPr lang="en-US" dirty="0" smtClean="0"/>
+              <a:t>The Diego Bulletin Board System reports to the Cloud Controller that staging is complete. Staging must complete within 15 minutes or the staging is considered failed. Apps are given a minimum of 1GB memory to stage, even if the requested running memory is smaller.</a:t>
+            </a:r>
+          </a:p>
+          <a:p>
+            <a:r>
+              <a:rPr lang="en-US" dirty="0" smtClean="0"/>
+              <a:t>Diego schedules the application as a Long Running Process on one or more Diego Cells.</a:t>
+            </a:r>
+          </a:p>
+          <a:p>
+            <a:r>
+              <a:rPr lang="en-US" dirty="0" smtClean="0"/>
+              <a:t>The Diego Cells report the status of the application to the Cloud Controller.</a:t>
+            </a:r>
+            <a:endParaRPr lang="en-US" dirty="0"/>
+          </a:p>
+        </p:txBody>
+      </p:sp>
+    </p:spTree>
+    <p:extLst>
+      <p:ext uri="{BB962C8B-B14F-4D97-AF65-F5344CB8AC3E}">
+        <p14:creationId xmlns:p14="http://schemas.microsoft.com/office/powerpoint/2010/main" val="99903731"/>
+      </p:ext>
+    </p:extLst>
+  </p:cSld>
+  <p:clrMapOvr>
+    <a:masterClrMapping/>
+  </p:clrMapOvr>
+</p:notes>
+</file>
+
+<file path=ppt/notesSlides/notesSlide9.xml><?xml version="1.0" encoding="utf-8"?>
+<p:notes xmlns:a="http://schemas.openxmlformats.org/drawingml/2006/main" xmlns:r="http://schemas.openxmlformats.org/officeDocument/2006/relationships" xmlns:p="http://schemas.openxmlformats.org/presentationml/2006/main">
+  <p:cSld>
+    <p:spTree>
+      <p:nvGrpSpPr>
+        <p:cNvPr id="1" name=""/>
+        <p:cNvGrpSpPr/>
+        <p:nvPr/>
+      </p:nvGrpSpPr>
+      <p:grpSpPr>
+        <a:xfrm>
+          <a:off x="0" y="0"/>
+          <a:ext cx="0" cy="0"/>
+          <a:chOff x="0" y="0"/>
+          <a:chExt cx="0" cy="0"/>
+        </a:xfrm>
+      </p:grpSpPr>
+      <p:sp>
+        <p:nvSpPr>
+          <p:cNvPr id="2" name="Slide Image Placeholder 1"/>
+          <p:cNvSpPr>
+            <a:spLocks noGrp="1" noRot="1" noChangeAspect="1"/>
+          </p:cNvSpPr>
+          <p:nvPr>
+            <p:ph type="sldImg"/>
+          </p:nvPr>
+        </p:nvSpPr>
+        <p:spPr/>
+      </p:sp>
+      <p:sp>
+        <p:nvSpPr>
+          <p:cNvPr id="3" name="Notes Placeholder 2"/>
+          <p:cNvSpPr>
+            <a:spLocks noGrp="1"/>
+          </p:cNvSpPr>
+          <p:nvPr>
+            <p:ph type="body" idx="1"/>
+          </p:nvPr>
+        </p:nvSpPr>
+        <p:spPr/>
+        <p:txBody>
+          <a:bodyPr/>
+          <a:lstStyle/>
+          <a:p>
+            <a:r>
+              <a:rPr lang="en-US" dirty="0" smtClean="0"/>
+              <a:t>The Command Line Interface (CLI) is the primary operator interface to BOSH</a:t>
+            </a:r>
+          </a:p>
+          <a:p>
+            <a:endParaRPr lang="en-US" dirty="0" smtClean="0"/>
+          </a:p>
+          <a:p>
+            <a:r>
+              <a:rPr lang="en-US" dirty="0" smtClean="0"/>
+              <a:t>Director</a:t>
+            </a:r>
+          </a:p>
+          <a:p>
+            <a:r>
+              <a:rPr lang="en-US" dirty="0" smtClean="0"/>
+              <a:t>The Director is the core orchestrating component in BOSH. The Director controls VM creation and deployment, as well as other software and service lifecycle events.</a:t>
+            </a:r>
+          </a:p>
+          <a:p>
+            <a:r>
+              <a:rPr lang="en-US" dirty="0" smtClean="0"/>
+              <a:t>The Director creates actionable tasks:</a:t>
+            </a:r>
+          </a:p>
+          <a:p>
+            <a:r>
+              <a:rPr lang="en-US" dirty="0" smtClean="0"/>
+              <a:t>By translating commands sent by an operator through the CLI</a:t>
+            </a:r>
+          </a:p>
+          <a:p>
+            <a:r>
+              <a:rPr lang="en-US" dirty="0" smtClean="0"/>
+              <a:t>From scheduled processes like backups or snapshots</a:t>
+            </a:r>
+          </a:p>
+          <a:p>
+            <a:r>
+              <a:rPr lang="en-US" dirty="0" smtClean="0"/>
+              <a:t>If needed to reconcile the expected state with the actual state of a VM</a:t>
+            </a:r>
+          </a:p>
+          <a:p>
+            <a:r>
+              <a:rPr lang="en-US" dirty="0" smtClean="0"/>
+              <a:t>Once created, the Director adds these tasks to the Task Queue. Worker processes take tasks from the Task Queue and act on them.</a:t>
+            </a:r>
+          </a:p>
+          <a:p>
+            <a:endParaRPr lang="en-US" dirty="0" smtClean="0"/>
+          </a:p>
+          <a:p>
+            <a:r>
+              <a:rPr lang="en-US" dirty="0" smtClean="0"/>
+              <a:t>Task Queue</a:t>
+            </a:r>
+          </a:p>
+          <a:p>
+            <a:r>
+              <a:rPr lang="en-US" dirty="0" smtClean="0"/>
+              <a:t>An asynchronous queue used by the Director and Workers to manage tasks. The Task Queue resides in the Database.</a:t>
+            </a:r>
+          </a:p>
+          <a:p>
+            <a:endParaRPr lang="en-US" dirty="0" smtClean="0"/>
+          </a:p>
+          <a:p>
+            <a:r>
+              <a:rPr lang="en-US" dirty="0" smtClean="0"/>
+              <a:t>Workers</a:t>
+            </a:r>
+          </a:p>
+          <a:p>
+            <a:r>
+              <a:rPr lang="en-US" dirty="0" smtClean="0"/>
+              <a:t>Director workers take tasks from the Task Queue and act on them.</a:t>
+            </a:r>
+          </a:p>
+          <a:p>
+            <a:endParaRPr lang="en-US" dirty="0" smtClean="0"/>
+          </a:p>
+          <a:p>
+            <a:r>
+              <a:rPr lang="en-US" dirty="0" smtClean="0"/>
+              <a:t>Cloud Provider Interface (CPI)</a:t>
+            </a:r>
+          </a:p>
+          <a:p>
+            <a:r>
+              <a:rPr lang="en-US" dirty="0" smtClean="0"/>
+              <a:t>A Cloud Provider Interface (CPI) is an API that the Director uses to interact with an </a:t>
+            </a:r>
+            <a:r>
+              <a:rPr lang="en-US" dirty="0" err="1" smtClean="0"/>
+              <a:t>IaaS</a:t>
+            </a:r>
+            <a:r>
+              <a:rPr lang="en-US" dirty="0" smtClean="0"/>
+              <a:t> to create and manage </a:t>
+            </a:r>
+            <a:r>
+              <a:rPr lang="en-US" dirty="0" err="1" smtClean="0"/>
+              <a:t>stemcells</a:t>
+            </a:r>
+            <a:r>
+              <a:rPr lang="en-US" dirty="0" smtClean="0"/>
+              <a:t>, VMs, and disks. A CPI abstracts infrastructure differences from the rest of BOSH.</a:t>
+            </a:r>
+          </a:p>
+          <a:p>
+            <a:endParaRPr lang="en-US" dirty="0" smtClean="0"/>
+          </a:p>
+          <a:p>
+            <a:r>
+              <a:rPr lang="en-US" dirty="0" smtClean="0"/>
+              <a:t>Health Monitor</a:t>
+            </a:r>
+          </a:p>
+          <a:p>
+            <a:r>
+              <a:rPr lang="en-US" dirty="0" smtClean="0"/>
+              <a:t>The Health Monitor uses status and lifecycle events received from Agents to monitor the health of VMs. If the Health Monitor detects a problem with a VM, it can send an alert through notification plugins, or trigger the </a:t>
+            </a:r>
+            <a:r>
+              <a:rPr lang="en-US" dirty="0" err="1" smtClean="0"/>
+              <a:t>Resurrector</a:t>
+            </a:r>
+            <a:r>
+              <a:rPr lang="en-US" dirty="0" smtClean="0"/>
+              <a:t>.</a:t>
+            </a:r>
+          </a:p>
+          <a:p>
+            <a:endParaRPr lang="en-US" dirty="0" smtClean="0"/>
+          </a:p>
+          <a:p>
+            <a:r>
+              <a:rPr lang="en-US" dirty="0" err="1" smtClean="0"/>
+              <a:t>Resurrector</a:t>
+            </a:r>
+            <a:endParaRPr lang="en-US" dirty="0" smtClean="0"/>
+          </a:p>
+          <a:p>
+            <a:r>
+              <a:rPr lang="en-US" dirty="0" smtClean="0"/>
+              <a:t>If enabled, the </a:t>
+            </a:r>
+            <a:r>
+              <a:rPr lang="en-US" dirty="0" err="1" smtClean="0"/>
+              <a:t>Resurrector</a:t>
+            </a:r>
+            <a:r>
+              <a:rPr lang="en-US" dirty="0" smtClean="0"/>
+              <a:t> plugin automatically recreates VMs identified by the Health Monitor as missing or unresponsive. It uses same Director API that CLI uses.</a:t>
+            </a:r>
+          </a:p>
+          <a:p>
+            <a:endParaRPr lang="en-US" dirty="0" smtClean="0"/>
+          </a:p>
+          <a:p>
+            <a:r>
+              <a:rPr lang="en-US" dirty="0" smtClean="0"/>
+              <a:t>DNS Server</a:t>
+            </a:r>
+          </a:p>
+          <a:p>
+            <a:r>
+              <a:rPr lang="en-US" dirty="0" smtClean="0"/>
+              <a:t>BOSH uses </a:t>
+            </a:r>
+            <a:r>
+              <a:rPr lang="en-US" dirty="0" err="1" smtClean="0"/>
+              <a:t>PowerDNS</a:t>
+            </a:r>
+            <a:r>
+              <a:rPr lang="en-US" dirty="0" smtClean="0"/>
+              <a:t> to provide DNS resolution between the VMs in a deployment.</a:t>
+            </a:r>
+          </a:p>
+          <a:p>
+            <a:endParaRPr lang="en-US" dirty="0" smtClean="0"/>
+          </a:p>
+          <a:p>
+            <a:r>
+              <a:rPr lang="en-US" dirty="0" smtClean="0"/>
+              <a:t>Components used to store Director’s persistent data</a:t>
+            </a:r>
+          </a:p>
+          <a:p>
+            <a:r>
+              <a:rPr lang="en-US" dirty="0" smtClean="0"/>
+              <a:t>Database</a:t>
+            </a:r>
+          </a:p>
+          <a:p>
+            <a:r>
+              <a:rPr lang="en-US" dirty="0" smtClean="0"/>
+              <a:t>The Director uses a </a:t>
+            </a:r>
+            <a:r>
+              <a:rPr lang="en-US" dirty="0" err="1" smtClean="0"/>
+              <a:t>Postgres</a:t>
+            </a:r>
+            <a:r>
+              <a:rPr lang="en-US" dirty="0" smtClean="0"/>
+              <a:t> database to store information about the desired state of a deployment. This includes information about </a:t>
+            </a:r>
+            <a:r>
+              <a:rPr lang="en-US" dirty="0" err="1" smtClean="0"/>
+              <a:t>stemcells</a:t>
+            </a:r>
+            <a:r>
+              <a:rPr lang="en-US" dirty="0" smtClean="0"/>
+              <a:t>, releases, and deployments.</a:t>
+            </a:r>
+          </a:p>
+          <a:p>
+            <a:r>
+              <a:rPr lang="en-US" dirty="0" err="1" smtClean="0"/>
+              <a:t>Blobstore</a:t>
+            </a:r>
+            <a:endParaRPr lang="en-US" dirty="0" smtClean="0"/>
+          </a:p>
+          <a:p>
+            <a:r>
+              <a:rPr lang="en-US" dirty="0" smtClean="0"/>
+              <a:t>The </a:t>
+            </a:r>
+            <a:r>
+              <a:rPr lang="en-US" dirty="0" err="1" smtClean="0"/>
+              <a:t>Blobstore</a:t>
+            </a:r>
+            <a:r>
+              <a:rPr lang="en-US" dirty="0" smtClean="0"/>
+              <a:t> stores the source forms of releases and the compiled images of releases. An operator uploads a release using the CLI, and the Director inserts the release into the </a:t>
+            </a:r>
+            <a:r>
+              <a:rPr lang="en-US" dirty="0" err="1" smtClean="0"/>
+              <a:t>Blobstore</a:t>
+            </a:r>
+            <a:r>
+              <a:rPr lang="en-US" dirty="0" smtClean="0"/>
+              <a:t>. When you deploy a release, BOSH orchestrates the compilation of packages and stores the result in the </a:t>
+            </a:r>
+            <a:r>
+              <a:rPr lang="en-US" dirty="0" err="1" smtClean="0"/>
+              <a:t>Blobstore</a:t>
+            </a:r>
+            <a:r>
+              <a:rPr lang="en-US" dirty="0" smtClean="0"/>
+              <a:t>.</a:t>
+            </a:r>
+          </a:p>
+          <a:p>
+            <a:endParaRPr lang="en-US" dirty="0" smtClean="0"/>
+          </a:p>
+          <a:p>
+            <a:r>
+              <a:rPr lang="en-US" dirty="0" smtClean="0"/>
+              <a:t>Agent</a:t>
+            </a:r>
+          </a:p>
+          <a:p>
+            <a:r>
+              <a:rPr lang="en-US" dirty="0" smtClean="0"/>
+              <a:t>BOSH includes an Agent on every VM that it deploys. The Agent listens for instructions from the Director and carries out those instructions. The Agent receives job specifications from the Director and uses them to assign a role, or Job, to the VM.</a:t>
+            </a:r>
+          </a:p>
+          <a:p>
+            <a:endParaRPr lang="en-US" dirty="0" smtClean="0"/>
+          </a:p>
+          <a:p>
+            <a:r>
+              <a:rPr lang="en-US" dirty="0" smtClean="0"/>
+              <a:t>Components used for cross-component communication</a:t>
+            </a:r>
+          </a:p>
+          <a:p>
+            <a:r>
+              <a:rPr lang="en-US" dirty="0" smtClean="0"/>
+              <a:t>Message Bus (NATS)</a:t>
+            </a:r>
+          </a:p>
+          <a:p>
+            <a:r>
+              <a:rPr lang="en-US" dirty="0" smtClean="0"/>
+              <a:t>The Director and the Agents communicate through a lightweight publish-subscribe messaging system called NATS. These messages have two purposes: to perform provisioning instructions on the VMs, and to inform the Health Monitor about changes in the health of monitored processes.</a:t>
+            </a:r>
+          </a:p>
+          <a:p>
+            <a:r>
+              <a:rPr lang="en-US" dirty="0" smtClean="0"/>
+              <a:t>Registry</a:t>
+            </a:r>
+          </a:p>
+          <a:p>
+            <a:r>
+              <a:rPr lang="en-US" smtClean="0"/>
+              <a:t>When the Director creates or updates a VM, it stores configuration information for the VM in the Registry so that it can be used during bootstrapping stage of the VM.</a:t>
+            </a:r>
+            <a:endParaRPr lang="en-US" dirty="0"/>
+          </a:p>
+        </p:txBody>
+      </p:sp>
+    </p:spTree>
+    <p:extLst>
+      <p:ext uri="{BB962C8B-B14F-4D97-AF65-F5344CB8AC3E}">
+        <p14:creationId xmlns:p14="http://schemas.microsoft.com/office/powerpoint/2010/main" val="576377407"/>
       </p:ext>
     </p:extLst>
   </p:cSld>
@@ -8486,13 +8757,13 @@
   <p:clrMapOvr>
     <a:masterClrMapping/>
   </p:clrMapOvr>
-  <p:transition xmlns:p14="http://schemas.microsoft.com/office/powerpoint/2010/main">
+  <p:transition>
     <p:fade/>
   </p:transition>
   <p:timing>
     <p:tnLst>
       <p:par>
-        <p:cTn xmlns:p14="http://schemas.microsoft.com/office/powerpoint/2010/main" id="1" dur="indefinite" restart="never" nodeType="tmRoot"/>
+        <p:cTn id="1" dur="indefinite" restart="never" nodeType="tmRoot"/>
       </p:par>
     </p:tnLst>
   </p:timing>
@@ -8500,6 +8771,177 @@
 </file>
 
 <file path=ppt/slides/slide10.xml><?xml version="1.0" encoding="utf-8"?>
+<p:sld xmlns:a="http://schemas.openxmlformats.org/drawingml/2006/main" xmlns:r="http://schemas.openxmlformats.org/officeDocument/2006/relationships" xmlns:p="http://schemas.openxmlformats.org/presentationml/2006/main">
+  <p:cSld>
+    <p:spTree>
+      <p:nvGrpSpPr>
+        <p:cNvPr id="1" name=""/>
+        <p:cNvGrpSpPr/>
+        <p:nvPr/>
+      </p:nvGrpSpPr>
+      <p:grpSpPr>
+        <a:xfrm>
+          <a:off x="0" y="0"/>
+          <a:ext cx="0" cy="0"/>
+          <a:chOff x="0" y="0"/>
+          <a:chExt cx="0" cy="0"/>
+        </a:xfrm>
+      </p:grpSpPr>
+      <p:sp>
+        <p:nvSpPr>
+          <p:cNvPr id="2" name="TextBox 1"/>
+          <p:cNvSpPr txBox="1"/>
+          <p:nvPr/>
+        </p:nvSpPr>
+        <p:spPr>
+          <a:xfrm>
+            <a:off x="96862" y="129159"/>
+            <a:ext cx="9047138" cy="1446550"/>
+          </a:xfrm>
+          <a:prstGeom prst="rect">
+            <a:avLst/>
+          </a:prstGeom>
+          <a:noFill/>
+        </p:spPr>
+        <p:txBody>
+          <a:bodyPr wrap="square" rtlCol="0">
+            <a:spAutoFit/>
+          </a:bodyPr>
+          <a:lstStyle/>
+          <a:p>
+            <a:pPr algn="ctr"/>
+            <a:r>
+              <a:rPr lang="en-US" sz="8800"/>
+              <a:t>WHAT?</a:t>
+            </a:r>
+          </a:p>
+        </p:txBody>
+      </p:sp>
+      <p:pic>
+        <p:nvPicPr>
+          <p:cNvPr id="4" name="Picture 3" descr="what.png"/>
+          <p:cNvPicPr>
+            <a:picLocks noChangeAspect="1"/>
+          </p:cNvPicPr>
+          <p:nvPr/>
+        </p:nvPicPr>
+        <p:blipFill>
+          <a:blip r:embed="rId3">
+            <a:extLst>
+              <a:ext uri="{28A0092B-C50C-407E-A947-70E740481C1C}">
+                <a14:useLocalDpi xmlns:a14="http://schemas.microsoft.com/office/drawing/2010/main" val="0"/>
+              </a:ext>
+            </a:extLst>
+          </a:blip>
+          <a:stretch>
+            <a:fillRect/>
+          </a:stretch>
+        </p:blipFill>
+        <p:spPr>
+          <a:xfrm>
+            <a:off x="0" y="340449"/>
+            <a:ext cx="9144000" cy="4803051"/>
+          </a:xfrm>
+          <a:prstGeom prst="rect">
+            <a:avLst/>
+          </a:prstGeom>
+        </p:spPr>
+      </p:pic>
+    </p:spTree>
+    <p:extLst>
+      <p:ext uri="{BB962C8B-B14F-4D97-AF65-F5344CB8AC3E}">
+        <p14:creationId xmlns:p14="http://schemas.microsoft.com/office/powerpoint/2010/main" val="4232526777"/>
+      </p:ext>
+    </p:extLst>
+  </p:cSld>
+  <p:clrMapOvr>
+    <a:masterClrMapping/>
+  </p:clrMapOvr>
+  <p:timing>
+    <p:tnLst>
+      <p:par>
+        <p:cTn id="1" dur="indefinite" restart="never" nodeType="tmRoot"/>
+      </p:par>
+    </p:tnLst>
+  </p:timing>
+</p:sld>
+</file>
+
+<file path=ppt/slides/slide11.xml><?xml version="1.0" encoding="utf-8"?>
+<p:sld xmlns:a="http://schemas.openxmlformats.org/drawingml/2006/main" xmlns:r="http://schemas.openxmlformats.org/officeDocument/2006/relationships" xmlns:p="http://schemas.openxmlformats.org/presentationml/2006/main">
+  <p:cSld>
+    <p:spTree>
+      <p:nvGrpSpPr>
+        <p:cNvPr id="1" name=""/>
+        <p:cNvGrpSpPr/>
+        <p:nvPr/>
+      </p:nvGrpSpPr>
+      <p:grpSpPr>
+        <a:xfrm>
+          <a:off x="0" y="0"/>
+          <a:ext cx="0" cy="0"/>
+          <a:chOff x="0" y="0"/>
+          <a:chExt cx="0" cy="0"/>
+        </a:xfrm>
+      </p:grpSpPr>
+      <p:sp>
+        <p:nvSpPr>
+          <p:cNvPr id="2" name="TextBox 1"/>
+          <p:cNvSpPr txBox="1"/>
+          <p:nvPr/>
+        </p:nvSpPr>
+        <p:spPr>
+          <a:xfrm>
+            <a:off x="96862" y="1149448"/>
+            <a:ext cx="9047138" cy="2308324"/>
+          </a:xfrm>
+          <a:prstGeom prst="rect">
+            <a:avLst/>
+          </a:prstGeom>
+          <a:noFill/>
+        </p:spPr>
+        <p:txBody>
+          <a:bodyPr wrap="square" rtlCol="0">
+            <a:spAutoFit/>
+          </a:bodyPr>
+          <a:lstStyle/>
+          <a:p>
+            <a:pPr algn="ctr"/>
+            <a:r>
+              <a:rPr lang="en-US" sz="7200"/>
+              <a:t>ELASTIC </a:t>
+            </a:r>
+          </a:p>
+          <a:p>
+            <a:pPr algn="ctr"/>
+            <a:r>
+              <a:rPr lang="en-US" sz="7200"/>
+              <a:t>RUNTIME</a:t>
+            </a:r>
+          </a:p>
+        </p:txBody>
+      </p:sp>
+    </p:spTree>
+    <p:extLst>
+      <p:ext uri="{BB962C8B-B14F-4D97-AF65-F5344CB8AC3E}">
+        <p14:creationId xmlns:p14="http://schemas.microsoft.com/office/powerpoint/2010/main" val="1209637957"/>
+      </p:ext>
+    </p:extLst>
+  </p:cSld>
+  <p:clrMapOvr>
+    <a:masterClrMapping/>
+  </p:clrMapOvr>
+  <p:timing>
+    <p:tnLst>
+      <p:par>
+        <p:cTn id="1" dur="indefinite" restart="never" nodeType="tmRoot"/>
+      </p:par>
+    </p:tnLst>
+  </p:timing>
+</p:sld>
+</file>
+
+<file path=ppt/slides/slide12.xml><?xml version="1.0" encoding="utf-8"?>
 <p:sld xmlns:a="http://schemas.openxmlformats.org/drawingml/2006/main" xmlns:r="http://schemas.openxmlformats.org/officeDocument/2006/relationships" xmlns:p="http://schemas.openxmlformats.org/presentationml/2006/main">
   <p:cSld>
     <p:spTree>
@@ -8559,14 +9001,14 @@
   <p:timing>
     <p:tnLst>
       <p:par>
-        <p:cTn xmlns:p14="http://schemas.microsoft.com/office/powerpoint/2010/main" id="1" dur="indefinite" restart="never" nodeType="tmRoot"/>
+        <p:cTn id="1" dur="indefinite" restart="never" nodeType="tmRoot"/>
       </p:par>
     </p:tnLst>
   </p:timing>
 </p:sld>
 </file>
 
-<file path=ppt/slides/slide11.xml><?xml version="1.0" encoding="utf-8"?>
+<file path=ppt/slides/slide13.xml><?xml version="1.0" encoding="utf-8"?>
 <p:sld xmlns:a="http://schemas.openxmlformats.org/drawingml/2006/main" xmlns:r="http://schemas.openxmlformats.org/officeDocument/2006/relationships" xmlns:p="http://schemas.openxmlformats.org/presentationml/2006/main">
   <p:cSld>
     <p:spTree>
@@ -8626,14 +9068,14 @@
   <p:timing>
     <p:tnLst>
       <p:par>
-        <p:cTn xmlns:p14="http://schemas.microsoft.com/office/powerpoint/2010/main" id="1" dur="indefinite" restart="never" nodeType="tmRoot"/>
+        <p:cTn id="1" dur="indefinite" restart="never" nodeType="tmRoot"/>
       </p:par>
     </p:tnLst>
   </p:timing>
 </p:sld>
 </file>
 
-<file path=ppt/slides/slide12.xml><?xml version="1.0" encoding="utf-8"?>
+<file path=ppt/slides/slide14.xml><?xml version="1.0" encoding="utf-8"?>
 <p:sld xmlns:a="http://schemas.openxmlformats.org/drawingml/2006/main" xmlns:r="http://schemas.openxmlformats.org/officeDocument/2006/relationships" xmlns:p="http://schemas.openxmlformats.org/presentationml/2006/main">
   <p:cSld>
     <p:spTree>
@@ -8693,14 +9135,14 @@
   <p:timing>
     <p:tnLst>
       <p:par>
-        <p:cTn xmlns:p14="http://schemas.microsoft.com/office/powerpoint/2010/main" id="1" dur="indefinite" restart="never" nodeType="tmRoot"/>
+        <p:cTn id="1" dur="indefinite" restart="never" nodeType="tmRoot"/>
       </p:par>
     </p:tnLst>
   </p:timing>
 </p:sld>
 </file>
 
-<file path=ppt/slides/slide13.xml><?xml version="1.0" encoding="utf-8"?>
+<file path=ppt/slides/slide15.xml><?xml version="1.0" encoding="utf-8"?>
 <p:sld xmlns:a="http://schemas.openxmlformats.org/drawingml/2006/main" xmlns:r="http://schemas.openxmlformats.org/officeDocument/2006/relationships" xmlns:p="http://schemas.openxmlformats.org/presentationml/2006/main">
   <p:cSld>
     <p:spTree>
@@ -8876,14 +9318,14 @@
   <p:timing>
     <p:tnLst>
       <p:par>
-        <p:cTn xmlns:p14="http://schemas.microsoft.com/office/powerpoint/2010/main" id="1" dur="indefinite" restart="never" nodeType="tmRoot"/>
+        <p:cTn id="1" dur="indefinite" restart="never" nodeType="tmRoot"/>
       </p:par>
     </p:tnLst>
   </p:timing>
 </p:sld>
 </file>
 
-<file path=ppt/slides/slide14.xml><?xml version="1.0" encoding="utf-8"?>
+<file path=ppt/slides/slide16.xml><?xml version="1.0" encoding="utf-8"?>
 <p:sld xmlns:a="http://schemas.openxmlformats.org/drawingml/2006/main" xmlns:r="http://schemas.openxmlformats.org/officeDocument/2006/relationships" xmlns:p="http://schemas.openxmlformats.org/presentationml/2006/main">
   <p:cSld>
     <p:spTree>
@@ -8943,14 +9385,14 @@
   <p:timing>
     <p:tnLst>
       <p:par>
-        <p:cTn xmlns:p14="http://schemas.microsoft.com/office/powerpoint/2010/main" id="1" dur="indefinite" restart="never" nodeType="tmRoot"/>
+        <p:cTn id="1" dur="indefinite" restart="never" nodeType="tmRoot"/>
       </p:par>
     </p:tnLst>
   </p:timing>
 </p:sld>
 </file>
 
-<file path=ppt/slides/slide15.xml><?xml version="1.0" encoding="utf-8"?>
+<file path=ppt/slides/slide17.xml><?xml version="1.0" encoding="utf-8"?>
 <p:sld xmlns:a="http://schemas.openxmlformats.org/drawingml/2006/main" xmlns:r="http://schemas.openxmlformats.org/officeDocument/2006/relationships" xmlns:p="http://schemas.openxmlformats.org/presentationml/2006/main">
   <p:cSld>
     <p:spTree>
@@ -9087,14 +9529,14 @@
   <p:timing>
     <p:tnLst>
       <p:par>
-        <p:cTn xmlns:p14="http://schemas.microsoft.com/office/powerpoint/2010/main" id="1" dur="indefinite" restart="never" nodeType="tmRoot"/>
+        <p:cTn id="1" dur="indefinite" restart="never" nodeType="tmRoot"/>
       </p:par>
     </p:tnLst>
   </p:timing>
 </p:sld>
 </file>
 
-<file path=ppt/slides/slide16.xml><?xml version="1.0" encoding="utf-8"?>
+<file path=ppt/slides/slide18.xml><?xml version="1.0" encoding="utf-8"?>
 <p:sld xmlns:a="http://schemas.openxmlformats.org/drawingml/2006/main" xmlns:r="http://schemas.openxmlformats.org/officeDocument/2006/relationships" xmlns:p="http://schemas.openxmlformats.org/presentationml/2006/main">
   <p:cSld>
     <p:spTree>
@@ -9185,14 +9627,14 @@
   <p:timing>
     <p:tnLst>
       <p:par>
-        <p:cTn xmlns:p14="http://schemas.microsoft.com/office/powerpoint/2010/main" id="1" dur="indefinite" restart="never" nodeType="tmRoot"/>
+        <p:cTn id="1" dur="indefinite" restart="never" nodeType="tmRoot"/>
       </p:par>
     </p:tnLst>
   </p:timing>
 </p:sld>
 </file>
 
-<file path=ppt/slides/slide17.xml><?xml version="1.0" encoding="utf-8"?>
+<file path=ppt/slides/slide19.xml><?xml version="1.0" encoding="utf-8"?>
 <p:sld xmlns:a="http://schemas.openxmlformats.org/drawingml/2006/main" xmlns:r="http://schemas.openxmlformats.org/officeDocument/2006/relationships" xmlns:p="http://schemas.openxmlformats.org/presentationml/2006/main">
   <p:cSld>
     <p:spTree>
@@ -9236,7 +9678,6 @@
               <a:rPr lang="en-US" sz="7200" dirty="0"/>
               <a:t>Orgs, Spaces, Roles, and Permissions</a:t>
             </a:r>
-            <a:endParaRPr lang="en-US" sz="7200" dirty="0"/>
           </a:p>
         </p:txBody>
       </p:sp>
@@ -9253,186 +9694,10 @@
   <p:timing>
     <p:tnLst>
       <p:par>
-        <p:cTn xmlns:p14="http://schemas.microsoft.com/office/powerpoint/2010/main" id="1" dur="indefinite" restart="never" nodeType="tmRoot"/>
+        <p:cTn id="1" dur="indefinite" restart="never" nodeType="tmRoot"/>
       </p:par>
     </p:tnLst>
   </p:timing>
-</p:sld>
-</file>
-
-<file path=ppt/slides/slide18.xml><?xml version="1.0" encoding="utf-8"?>
-<p:sld xmlns:a="http://schemas.openxmlformats.org/drawingml/2006/main" xmlns:r="http://schemas.openxmlformats.org/officeDocument/2006/relationships" xmlns:p="http://schemas.openxmlformats.org/presentationml/2006/main">
-  <p:cSld>
-    <p:spTree>
-      <p:nvGrpSpPr>
-        <p:cNvPr id="1" name=""/>
-        <p:cNvGrpSpPr/>
-        <p:nvPr/>
-      </p:nvGrpSpPr>
-      <p:grpSpPr>
-        <a:xfrm>
-          <a:off x="0" y="0"/>
-          <a:ext cx="0" cy="0"/>
-          <a:chOff x="0" y="0"/>
-          <a:chExt cx="0" cy="0"/>
-        </a:xfrm>
-      </p:grpSpPr>
-      <p:sp>
-        <p:nvSpPr>
-          <p:cNvPr id="3" name="Rectangle 2"/>
-          <p:cNvSpPr/>
-          <p:nvPr/>
-        </p:nvSpPr>
-        <p:spPr>
-          <a:xfrm>
-            <a:off x="974651" y="210607"/>
-            <a:ext cx="7171353" cy="2893100"/>
-          </a:xfrm>
-          <a:prstGeom prst="rect">
-            <a:avLst/>
-          </a:prstGeom>
-        </p:spPr>
-        <p:txBody>
-          <a:bodyPr wrap="square">
-            <a:spAutoFit/>
-          </a:bodyPr>
-          <a:lstStyle/>
-          <a:p>
-            <a:pPr marL="285750" indent="-285750">
-              <a:buFont typeface="Arial"/>
-              <a:buChar char="•"/>
-            </a:pPr>
-            <a:r>
-              <a:rPr lang="en-US" dirty="0"/>
-              <a:t>An org is a development account that an individual or multiple collaborators can own and use. All collaborators access an org with user accounts</a:t>
-            </a:r>
-            <a:r>
-              <a:rPr lang="en-US" dirty="0" smtClean="0"/>
-              <a:t>.</a:t>
-            </a:r>
-          </a:p>
-          <a:p>
-            <a:endParaRPr lang="en-US" dirty="0" smtClean="0"/>
-          </a:p>
-          <a:p>
-            <a:pPr marL="285750" indent="-285750">
-              <a:buFont typeface="Arial"/>
-              <a:buChar char="•"/>
-            </a:pPr>
-            <a:r>
-              <a:rPr lang="en-US" dirty="0"/>
-              <a:t>A user account represents an individual person within the context of a PCF installation. A user can have different roles in different spaces within an org</a:t>
-            </a:r>
-          </a:p>
-          <a:p>
-            <a:endParaRPr lang="en-US" dirty="0" smtClean="0"/>
-          </a:p>
-          <a:p>
-            <a:pPr marL="285750" indent="-285750">
-              <a:buFont typeface="Arial"/>
-              <a:buChar char="•"/>
-            </a:pPr>
-            <a:r>
-              <a:rPr lang="en-US" dirty="0"/>
-              <a:t>Every application and service is scoped to a space. Each org contains at least one space. A space provides users with access to a shared location for application development, deployment, and maintenance</a:t>
-            </a:r>
-            <a:endParaRPr lang="en-US" dirty="0" smtClean="0"/>
-          </a:p>
-          <a:p>
-            <a:endParaRPr lang="en-US" dirty="0" smtClean="0"/>
-          </a:p>
-          <a:p>
-            <a:pPr marL="285750" indent="-285750">
-              <a:buFont typeface="Arial"/>
-              <a:buChar char="•"/>
-            </a:pPr>
-            <a:r>
-              <a:rPr lang="en-US" dirty="0"/>
-              <a:t>A user can have one or more roles. The combination of these roles defines the user’s overall permissions in the org and within specific spaces in that org.</a:t>
-            </a:r>
-          </a:p>
-          <a:p>
-            <a:endParaRPr lang="en-US" dirty="0"/>
-          </a:p>
-        </p:txBody>
-      </p:sp>
-    </p:spTree>
-    <p:extLst>
-      <p:ext uri="{BB962C8B-B14F-4D97-AF65-F5344CB8AC3E}">
-        <p14:creationId xmlns:p14="http://schemas.microsoft.com/office/powerpoint/2010/main" val="3516788959"/>
-      </p:ext>
-    </p:extLst>
-  </p:cSld>
-  <p:clrMapOvr>
-    <a:masterClrMapping/>
-  </p:clrMapOvr>
-</p:sld>
-</file>
-
-<file path=ppt/slides/slide19.xml><?xml version="1.0" encoding="utf-8"?>
-<p:sld xmlns:a="http://schemas.openxmlformats.org/drawingml/2006/main" xmlns:r="http://schemas.openxmlformats.org/officeDocument/2006/relationships" xmlns:p="http://schemas.openxmlformats.org/presentationml/2006/main">
-  <p:cSld>
-    <p:spTree>
-      <p:nvGrpSpPr>
-        <p:cNvPr id="1" name=""/>
-        <p:cNvGrpSpPr/>
-        <p:nvPr/>
-      </p:nvGrpSpPr>
-      <p:grpSpPr>
-        <a:xfrm>
-          <a:off x="0" y="0"/>
-          <a:ext cx="0" cy="0"/>
-          <a:chOff x="0" y="0"/>
-          <a:chExt cx="0" cy="0"/>
-        </a:xfrm>
-      </p:grpSpPr>
-      <p:sp>
-        <p:nvSpPr>
-          <p:cNvPr id="2" name="TextBox 1"/>
-          <p:cNvSpPr txBox="1"/>
-          <p:nvPr/>
-        </p:nvSpPr>
-        <p:spPr>
-          <a:xfrm>
-            <a:off x="96862" y="1162348"/>
-            <a:ext cx="9047138" cy="2308324"/>
-          </a:xfrm>
-          <a:prstGeom prst="rect">
-            <a:avLst/>
-          </a:prstGeom>
-          <a:noFill/>
-        </p:spPr>
-        <p:txBody>
-          <a:bodyPr wrap="square" rtlCol="0">
-            <a:spAutoFit/>
-          </a:bodyPr>
-          <a:lstStyle/>
-          <a:p>
-            <a:pPr algn="ctr"/>
-            <a:r>
-              <a:rPr lang="en-US" sz="7200"/>
-              <a:t>OPERATIONS</a:t>
-            </a:r>
-          </a:p>
-          <a:p>
-            <a:pPr algn="ctr"/>
-            <a:r>
-              <a:rPr lang="en-US" sz="7200"/>
-              <a:t>MANAGER</a:t>
-            </a:r>
-          </a:p>
-        </p:txBody>
-      </p:sp>
-    </p:spTree>
-    <p:extLst>
-      <p:ext uri="{BB962C8B-B14F-4D97-AF65-F5344CB8AC3E}">
-        <p14:creationId xmlns:p14="http://schemas.microsoft.com/office/powerpoint/2010/main" val="1026811927"/>
-      </p:ext>
-    </p:extLst>
-  </p:cSld>
-  <p:clrMapOvr>
-    <a:masterClrMapping/>
-  </p:clrMapOvr>
 </p:sld>
 </file>
 
@@ -9530,7 +9795,7 @@
   <p:timing>
     <p:tnLst>
       <p:par>
-        <p:cTn xmlns:p14="http://schemas.microsoft.com/office/powerpoint/2010/main" id="1" dur="indefinite" restart="never" nodeType="tmRoot"/>
+        <p:cTn id="1" dur="indefinite" restart="never" nodeType="tmRoot"/>
       </p:par>
     </p:tnLst>
   </p:timing>
@@ -9538,6 +9803,115 @@
 </file>
 
 <file path=ppt/slides/slide20.xml><?xml version="1.0" encoding="utf-8"?>
+<p:sld xmlns:a="http://schemas.openxmlformats.org/drawingml/2006/main" xmlns:r="http://schemas.openxmlformats.org/officeDocument/2006/relationships" xmlns:p="http://schemas.openxmlformats.org/presentationml/2006/main">
+  <p:cSld>
+    <p:spTree>
+      <p:nvGrpSpPr>
+        <p:cNvPr id="1" name=""/>
+        <p:cNvGrpSpPr/>
+        <p:nvPr/>
+      </p:nvGrpSpPr>
+      <p:grpSpPr>
+        <a:xfrm>
+          <a:off x="0" y="0"/>
+          <a:ext cx="0" cy="0"/>
+          <a:chOff x="0" y="0"/>
+          <a:chExt cx="0" cy="0"/>
+        </a:xfrm>
+      </p:grpSpPr>
+      <p:sp>
+        <p:nvSpPr>
+          <p:cNvPr id="3" name="Rectangle 2"/>
+          <p:cNvSpPr/>
+          <p:nvPr/>
+        </p:nvSpPr>
+        <p:spPr>
+          <a:xfrm>
+            <a:off x="974651" y="210607"/>
+            <a:ext cx="7171353" cy="2893100"/>
+          </a:xfrm>
+          <a:prstGeom prst="rect">
+            <a:avLst/>
+          </a:prstGeom>
+        </p:spPr>
+        <p:txBody>
+          <a:bodyPr wrap="square">
+            <a:spAutoFit/>
+          </a:bodyPr>
+          <a:lstStyle/>
+          <a:p>
+            <a:pPr marL="285750" indent="-285750">
+              <a:buFont typeface="Arial"/>
+              <a:buChar char="•"/>
+            </a:pPr>
+            <a:r>
+              <a:rPr lang="en-US" dirty="0"/>
+              <a:t>An org is a development account that an individual or multiple collaborators can own and use. All collaborators access an org with user accounts</a:t>
+            </a:r>
+            <a:r>
+              <a:rPr lang="en-US" dirty="0" smtClean="0"/>
+              <a:t>.</a:t>
+            </a:r>
+          </a:p>
+          <a:p>
+            <a:endParaRPr lang="en-US" dirty="0" smtClean="0"/>
+          </a:p>
+          <a:p>
+            <a:pPr marL="285750" indent="-285750">
+              <a:buFont typeface="Arial"/>
+              <a:buChar char="•"/>
+            </a:pPr>
+            <a:r>
+              <a:rPr lang="en-US" dirty="0"/>
+              <a:t>A user account represents an individual person within the context of a PCF installation. A user can have different roles in different spaces within an org</a:t>
+            </a:r>
+          </a:p>
+          <a:p>
+            <a:endParaRPr lang="en-US" dirty="0" smtClean="0"/>
+          </a:p>
+          <a:p>
+            <a:pPr marL="285750" indent="-285750">
+              <a:buFont typeface="Arial"/>
+              <a:buChar char="•"/>
+            </a:pPr>
+            <a:r>
+              <a:rPr lang="en-US" dirty="0"/>
+              <a:t>Every application and service is scoped to a space. Each org contains at least one space. A space provides users with access to a shared location for application development, deployment, and maintenance</a:t>
+            </a:r>
+            <a:endParaRPr lang="en-US" dirty="0" smtClean="0"/>
+          </a:p>
+          <a:p>
+            <a:endParaRPr lang="en-US" dirty="0" smtClean="0"/>
+          </a:p>
+          <a:p>
+            <a:pPr marL="285750" indent="-285750">
+              <a:buFont typeface="Arial"/>
+              <a:buChar char="•"/>
+            </a:pPr>
+            <a:r>
+              <a:rPr lang="en-US" dirty="0"/>
+              <a:t>A user can have one or more roles. The combination of these roles defines the user’s overall permissions in the org and within specific spaces in that org.</a:t>
+            </a:r>
+          </a:p>
+          <a:p>
+            <a:endParaRPr lang="en-US" dirty="0"/>
+          </a:p>
+        </p:txBody>
+      </p:sp>
+    </p:spTree>
+    <p:extLst>
+      <p:ext uri="{BB962C8B-B14F-4D97-AF65-F5344CB8AC3E}">
+        <p14:creationId xmlns:p14="http://schemas.microsoft.com/office/powerpoint/2010/main" val="3516788959"/>
+      </p:ext>
+    </p:extLst>
+  </p:cSld>
+  <p:clrMapOvr>
+    <a:masterClrMapping/>
+  </p:clrMapOvr>
+</p:sld>
+</file>
+
+<file path=ppt/slides/slide21.xml><?xml version="1.0" encoding="utf-8"?>
 <p:sld xmlns:a="http://schemas.openxmlformats.org/drawingml/2006/main" xmlns:r="http://schemas.openxmlformats.org/officeDocument/2006/relationships" xmlns:p="http://schemas.openxmlformats.org/presentationml/2006/main">
   <p:cSld>
     <p:spTree>
@@ -9604,7 +9978,7 @@
 </p:sld>
 </file>
 
-<file path=ppt/slides/slide21.xml><?xml version="1.0" encoding="utf-8"?>
+<file path=ppt/slides/slide22.xml><?xml version="1.0" encoding="utf-8"?>
 <p:sld xmlns:a="http://schemas.openxmlformats.org/drawingml/2006/main" xmlns:r="http://schemas.openxmlformats.org/officeDocument/2006/relationships" xmlns:p="http://schemas.openxmlformats.org/presentationml/2006/main">
   <p:cSld>
     <p:spTree>
@@ -9661,7 +10035,7 @@
         <p:spPr>
           <a:xfrm>
             <a:off x="1159846" y="1004459"/>
-            <a:ext cx="7171353" cy="3539431"/>
+            <a:ext cx="7171353" cy="3323987"/>
           </a:xfrm>
           <a:prstGeom prst="rect">
             <a:avLst/>
@@ -9798,7 +10172,11 @@
           <a:p>
             <a:r>
               <a:rPr lang="en-US" dirty="0" smtClean="0"/>
-              <a:t>      Cells (Rep + Executer) -&gt; BBS -&gt; Brain (Auctioneer/Desired State + </a:t>
+              <a:t>      Cells (Rep + Executer) -&gt; BBS -&gt; Brain (</a:t>
+            </a:r>
+            <a:r>
+              <a:rPr lang="en-US" dirty="0" smtClean="0"/>
+              <a:t>Auctioneer+ </a:t>
             </a:r>
             <a:r>
               <a:rPr lang="en-US" dirty="0" err="1" smtClean="0"/>
@@ -9806,7 +10184,7 @@
             </a:r>
             <a:r>
               <a:rPr lang="en-US" dirty="0" smtClean="0"/>
-              <a:t>/   Actual State)</a:t>
+              <a:t>)</a:t>
             </a:r>
             <a:endParaRPr lang="en-US" dirty="0"/>
           </a:p>
@@ -9825,7 +10203,7 @@
 </p:sld>
 </file>
 
-<file path=ppt/slides/slide22.xml><?xml version="1.0" encoding="utf-8"?>
+<file path=ppt/slides/slide23.xml><?xml version="1.0" encoding="utf-8"?>
 <p:sld xmlns:a="http://schemas.openxmlformats.org/drawingml/2006/main" xmlns:r="http://schemas.openxmlformats.org/officeDocument/2006/relationships" xmlns:p="http://schemas.openxmlformats.org/presentationml/2006/main">
   <p:cSld>
     <p:spTree>
@@ -9919,7 +10297,7 @@
   <p:timing>
     <p:tnLst>
       <p:par>
-        <p:cTn xmlns:p14="http://schemas.microsoft.com/office/powerpoint/2010/main" id="1" dur="indefinite" restart="never" nodeType="tmRoot"/>
+        <p:cTn id="1" dur="indefinite" restart="never" nodeType="tmRoot"/>
       </p:par>
     </p:tnLst>
   </p:timing>
@@ -9927,226 +10305,6 @@
 </file>
 
 <file path=ppt/slides/slide3.xml><?xml version="1.0" encoding="utf-8"?>
-<p:sld xmlns:a="http://schemas.openxmlformats.org/drawingml/2006/main" xmlns:r="http://schemas.openxmlformats.org/officeDocument/2006/relationships" xmlns:p="http://schemas.openxmlformats.org/presentationml/2006/main">
-  <p:cSld>
-    <p:spTree>
-      <p:nvGrpSpPr>
-        <p:cNvPr id="1" name=""/>
-        <p:cNvGrpSpPr/>
-        <p:nvPr/>
-      </p:nvGrpSpPr>
-      <p:grpSpPr>
-        <a:xfrm>
-          <a:off x="0" y="0"/>
-          <a:ext cx="0" cy="0"/>
-          <a:chOff x="0" y="0"/>
-          <a:chExt cx="0" cy="0"/>
-        </a:xfrm>
-      </p:grpSpPr>
-      <p:sp>
-        <p:nvSpPr>
-          <p:cNvPr id="3" name="Rectangle 2"/>
-          <p:cNvSpPr/>
-          <p:nvPr/>
-        </p:nvSpPr>
-        <p:spPr>
-          <a:xfrm>
-            <a:off x="1159846" y="1004459"/>
-            <a:ext cx="7171353" cy="2246769"/>
-          </a:xfrm>
-          <a:prstGeom prst="rect">
-            <a:avLst/>
-          </a:prstGeom>
-        </p:spPr>
-        <p:txBody>
-          <a:bodyPr wrap="square">
-            <a:spAutoFit/>
-          </a:bodyPr>
-          <a:lstStyle/>
-          <a:p>
-            <a:pPr marL="285750" indent="-285750">
-              <a:buFont typeface="Arial"/>
-              <a:buChar char="•"/>
-            </a:pPr>
-            <a:r>
-              <a:rPr lang="en-US" dirty="0" smtClean="0"/>
-              <a:t>Application </a:t>
-            </a:r>
-            <a:r>
-              <a:rPr lang="en-US" dirty="0"/>
-              <a:t>auto-scaling.</a:t>
-            </a:r>
-          </a:p>
-          <a:p>
-            <a:pPr marL="285750" indent="-285750">
-              <a:buFont typeface="Arial"/>
-              <a:buChar char="•"/>
-            </a:pPr>
-            <a:r>
-              <a:rPr lang="en-US" dirty="0"/>
-              <a:t>Centralized platform administration.</a:t>
-            </a:r>
-          </a:p>
-          <a:p>
-            <a:pPr marL="285750" indent="-285750">
-              <a:buFont typeface="Arial"/>
-              <a:buChar char="•"/>
-            </a:pPr>
-            <a:r>
-              <a:rPr lang="en-US" dirty="0"/>
-              <a:t>Centralized logging.</a:t>
-            </a:r>
-          </a:p>
-          <a:p>
-            <a:pPr marL="285750" indent="-285750">
-              <a:buFont typeface="Arial"/>
-              <a:buChar char="•"/>
-            </a:pPr>
-            <a:r>
-              <a:rPr lang="en-US" dirty="0"/>
-              <a:t>Dynamic routing.</a:t>
-            </a:r>
-          </a:p>
-          <a:p>
-            <a:pPr marL="285750" indent="-285750">
-              <a:buFont typeface="Arial"/>
-              <a:buChar char="•"/>
-            </a:pPr>
-            <a:r>
-              <a:rPr lang="en-US" dirty="0"/>
-              <a:t>Application health management.</a:t>
-            </a:r>
-          </a:p>
-          <a:p>
-            <a:pPr marL="285750" indent="-285750">
-              <a:buFont typeface="Arial"/>
-              <a:buChar char="•"/>
-            </a:pPr>
-            <a:r>
-              <a:rPr lang="en-US" dirty="0"/>
-              <a:t>Integration with external logging components like </a:t>
-            </a:r>
-            <a:r>
-              <a:rPr lang="en-US" dirty="0" err="1"/>
-              <a:t>Elasticsearch</a:t>
-            </a:r>
-            <a:r>
-              <a:rPr lang="en-US" dirty="0"/>
-              <a:t> and </a:t>
-            </a:r>
-            <a:r>
-              <a:rPr lang="en-US" dirty="0" err="1"/>
-              <a:t>Logstash</a:t>
-            </a:r>
-            <a:r>
-              <a:rPr lang="en-US" dirty="0"/>
-              <a:t>.</a:t>
-            </a:r>
-          </a:p>
-          <a:p>
-            <a:pPr marL="285750" indent="-285750">
-              <a:buFont typeface="Arial"/>
-              <a:buChar char="•"/>
-            </a:pPr>
-            <a:r>
-              <a:rPr lang="en-US" dirty="0"/>
-              <a:t>Role based access for deployed applications.</a:t>
-            </a:r>
-          </a:p>
-          <a:p>
-            <a:pPr marL="285750" indent="-285750">
-              <a:buFont typeface="Arial"/>
-              <a:buChar char="•"/>
-            </a:pPr>
-            <a:r>
-              <a:rPr lang="en-US" dirty="0"/>
-              <a:t>Provision for vertical and horizontal scaling.</a:t>
-            </a:r>
-          </a:p>
-          <a:p>
-            <a:pPr marL="285750" indent="-285750">
-              <a:buFont typeface="Arial"/>
-              <a:buChar char="•"/>
-            </a:pPr>
-            <a:r>
-              <a:rPr lang="en-US" dirty="0"/>
-              <a:t>Infrastructure security.</a:t>
-            </a:r>
-          </a:p>
-          <a:p>
-            <a:pPr marL="285750" indent="-285750">
-              <a:buFont typeface="Arial"/>
-              <a:buChar char="•"/>
-            </a:pPr>
-            <a:r>
-              <a:rPr lang="en-US" dirty="0"/>
-              <a:t>Support for various </a:t>
-            </a:r>
-            <a:r>
-              <a:rPr lang="en-US" dirty="0" err="1"/>
-              <a:t>IaaS</a:t>
-            </a:r>
-            <a:r>
-              <a:rPr lang="en-US" dirty="0"/>
-              <a:t> providers.</a:t>
-            </a:r>
-          </a:p>
-        </p:txBody>
-      </p:sp>
-      <p:sp>
-        <p:nvSpPr>
-          <p:cNvPr id="4" name="Rectangle 3"/>
-          <p:cNvSpPr/>
-          <p:nvPr/>
-        </p:nvSpPr>
-        <p:spPr>
-          <a:xfrm>
-            <a:off x="1922304" y="252673"/>
-            <a:ext cx="5014965" cy="523220"/>
-          </a:xfrm>
-          <a:prstGeom prst="rect">
-            <a:avLst/>
-          </a:prstGeom>
-        </p:spPr>
-        <p:txBody>
-          <a:bodyPr wrap="none">
-            <a:spAutoFit/>
-          </a:bodyPr>
-          <a:lstStyle/>
-          <a:p>
-            <a:r>
-              <a:rPr lang="en-US" sz="2800" dirty="0"/>
-              <a:t>Key benefits of Cloud </a:t>
-            </a:r>
-            <a:r>
-              <a:rPr lang="en-US" sz="2800" dirty="0" smtClean="0"/>
-              <a:t>Foundry</a:t>
-            </a:r>
-            <a:endParaRPr lang="en-US" sz="2800" dirty="0"/>
-          </a:p>
-        </p:txBody>
-      </p:sp>
-    </p:spTree>
-    <p:extLst>
-      <p:ext uri="{BB962C8B-B14F-4D97-AF65-F5344CB8AC3E}">
-        <p14:creationId xmlns:p14="http://schemas.microsoft.com/office/powerpoint/2010/main" val="2426703649"/>
-      </p:ext>
-    </p:extLst>
-  </p:cSld>
-  <p:clrMapOvr>
-    <a:masterClrMapping/>
-  </p:clrMapOvr>
-  <p:timing>
-    <p:tnLst>
-      <p:par>
-        <p:cTn xmlns:p14="http://schemas.microsoft.com/office/powerpoint/2010/main" id="1" dur="indefinite" restart="never" nodeType="tmRoot"/>
-      </p:par>
-    </p:tnLst>
-  </p:timing>
-</p:sld>
-</file>
-
-<file path=ppt/slides/slide4.xml><?xml version="1.0" encoding="utf-8"?>
 <p:sld xmlns:a="http://schemas.openxmlformats.org/drawingml/2006/main" xmlns:r="http://schemas.openxmlformats.org/officeDocument/2006/relationships" xmlns:p="http://schemas.openxmlformats.org/presentationml/2006/main">
   <p:cSld>
     <p:spTree>
@@ -10236,7 +10394,227 @@
   <p:timing>
     <p:tnLst>
       <p:par>
-        <p:cTn xmlns:p14="http://schemas.microsoft.com/office/powerpoint/2010/main" id="1" dur="indefinite" restart="never" nodeType="tmRoot"/>
+        <p:cTn id="1" dur="indefinite" restart="never" nodeType="tmRoot"/>
+      </p:par>
+    </p:tnLst>
+  </p:timing>
+</p:sld>
+</file>
+
+<file path=ppt/slides/slide4.xml><?xml version="1.0" encoding="utf-8"?>
+<p:sld xmlns:a="http://schemas.openxmlformats.org/drawingml/2006/main" xmlns:r="http://schemas.openxmlformats.org/officeDocument/2006/relationships" xmlns:p="http://schemas.openxmlformats.org/presentationml/2006/main">
+  <p:cSld>
+    <p:spTree>
+      <p:nvGrpSpPr>
+        <p:cNvPr id="1" name=""/>
+        <p:cNvGrpSpPr/>
+        <p:nvPr/>
+      </p:nvGrpSpPr>
+      <p:grpSpPr>
+        <a:xfrm>
+          <a:off x="0" y="0"/>
+          <a:ext cx="0" cy="0"/>
+          <a:chOff x="0" y="0"/>
+          <a:chExt cx="0" cy="0"/>
+        </a:xfrm>
+      </p:grpSpPr>
+      <p:sp>
+        <p:nvSpPr>
+          <p:cNvPr id="3" name="Rectangle 2"/>
+          <p:cNvSpPr/>
+          <p:nvPr/>
+        </p:nvSpPr>
+        <p:spPr>
+          <a:xfrm>
+            <a:off x="1159846" y="1004459"/>
+            <a:ext cx="7171353" cy="2246769"/>
+          </a:xfrm>
+          <a:prstGeom prst="rect">
+            <a:avLst/>
+          </a:prstGeom>
+        </p:spPr>
+        <p:txBody>
+          <a:bodyPr wrap="square">
+            <a:spAutoFit/>
+          </a:bodyPr>
+          <a:lstStyle/>
+          <a:p>
+            <a:pPr marL="285750" indent="-285750">
+              <a:buFont typeface="Arial"/>
+              <a:buChar char="•"/>
+            </a:pPr>
+            <a:r>
+              <a:rPr lang="en-US" dirty="0" smtClean="0"/>
+              <a:t>Application </a:t>
+            </a:r>
+            <a:r>
+              <a:rPr lang="en-US" dirty="0"/>
+              <a:t>auto-scaling.</a:t>
+            </a:r>
+          </a:p>
+          <a:p>
+            <a:pPr marL="285750" indent="-285750">
+              <a:buFont typeface="Arial"/>
+              <a:buChar char="•"/>
+            </a:pPr>
+            <a:r>
+              <a:rPr lang="en-US" dirty="0"/>
+              <a:t>Centralized platform administration.</a:t>
+            </a:r>
+          </a:p>
+          <a:p>
+            <a:pPr marL="285750" indent="-285750">
+              <a:buFont typeface="Arial"/>
+              <a:buChar char="•"/>
+            </a:pPr>
+            <a:r>
+              <a:rPr lang="en-US" dirty="0"/>
+              <a:t>Centralized logging.</a:t>
+            </a:r>
+          </a:p>
+          <a:p>
+            <a:pPr marL="285750" indent="-285750">
+              <a:buFont typeface="Arial"/>
+              <a:buChar char="•"/>
+            </a:pPr>
+            <a:r>
+              <a:rPr lang="en-US" dirty="0"/>
+              <a:t>Dynamic routing.</a:t>
+            </a:r>
+          </a:p>
+          <a:p>
+            <a:pPr marL="285750" indent="-285750">
+              <a:buFont typeface="Arial"/>
+              <a:buChar char="•"/>
+            </a:pPr>
+            <a:r>
+              <a:rPr lang="en-US" dirty="0"/>
+              <a:t>Application health management.</a:t>
+            </a:r>
+          </a:p>
+          <a:p>
+            <a:pPr marL="285750" indent="-285750">
+              <a:buFont typeface="Arial"/>
+              <a:buChar char="•"/>
+            </a:pPr>
+            <a:r>
+              <a:rPr lang="en-US" dirty="0"/>
+              <a:t>Integration with external logging components like </a:t>
+            </a:r>
+            <a:r>
+              <a:rPr lang="en-US" dirty="0" err="1"/>
+              <a:t>Elasticsearch</a:t>
+            </a:r>
+            <a:r>
+              <a:rPr lang="en-US" dirty="0"/>
+              <a:t> and </a:t>
+            </a:r>
+            <a:r>
+              <a:rPr lang="en-US" dirty="0" err="1"/>
+              <a:t>Logstash</a:t>
+            </a:r>
+            <a:r>
+              <a:rPr lang="en-US" dirty="0"/>
+              <a:t>.</a:t>
+            </a:r>
+          </a:p>
+          <a:p>
+            <a:pPr marL="285750" indent="-285750">
+              <a:buFont typeface="Arial"/>
+              <a:buChar char="•"/>
+            </a:pPr>
+            <a:r>
+              <a:rPr lang="en-US" dirty="0"/>
+              <a:t>Role based access for deployed applications.</a:t>
+            </a:r>
+          </a:p>
+          <a:p>
+            <a:pPr marL="285750" indent="-285750">
+              <a:buFont typeface="Arial"/>
+              <a:buChar char="•"/>
+            </a:pPr>
+            <a:r>
+              <a:rPr lang="en-US" dirty="0"/>
+              <a:t>Provision for vertical and horizontal scaling.</a:t>
+            </a:r>
+          </a:p>
+          <a:p>
+            <a:pPr marL="285750" indent="-285750">
+              <a:buFont typeface="Arial"/>
+              <a:buChar char="•"/>
+            </a:pPr>
+            <a:r>
+              <a:rPr lang="en-US" dirty="0"/>
+              <a:t>Infrastructure security.</a:t>
+            </a:r>
+          </a:p>
+          <a:p>
+            <a:pPr marL="285750" indent="-285750">
+              <a:buFont typeface="Arial"/>
+              <a:buChar char="•"/>
+            </a:pPr>
+            <a:r>
+              <a:rPr lang="en-US" dirty="0"/>
+              <a:t>Support for various </a:t>
+            </a:r>
+            <a:r>
+              <a:rPr lang="en-US" dirty="0" err="1"/>
+              <a:t>IaaS</a:t>
+            </a:r>
+            <a:r>
+              <a:rPr lang="en-US" dirty="0"/>
+              <a:t> providers.</a:t>
+            </a:r>
+          </a:p>
+        </p:txBody>
+      </p:sp>
+      <p:sp>
+        <p:nvSpPr>
+          <p:cNvPr id="4" name="Rectangle 3"/>
+          <p:cNvSpPr/>
+          <p:nvPr/>
+        </p:nvSpPr>
+        <p:spPr>
+          <a:xfrm>
+            <a:off x="1922304" y="252673"/>
+            <a:ext cx="5014965" cy="523220"/>
+          </a:xfrm>
+          <a:prstGeom prst="rect">
+            <a:avLst/>
+          </a:prstGeom>
+        </p:spPr>
+        <p:txBody>
+          <a:bodyPr wrap="none">
+            <a:spAutoFit/>
+          </a:bodyPr>
+          <a:lstStyle/>
+          <a:p>
+            <a:r>
+              <a:rPr lang="en-US" sz="2800" dirty="0"/>
+              <a:t>Key benefits of Cloud </a:t>
+            </a:r>
+            <a:r>
+              <a:rPr lang="en-US" sz="2800" dirty="0" smtClean="0"/>
+              <a:t>Foundry</a:t>
+            </a:r>
+            <a:endParaRPr lang="en-US" sz="2800" dirty="0"/>
+          </a:p>
+        </p:txBody>
+      </p:sp>
+    </p:spTree>
+    <p:extLst>
+      <p:ext uri="{BB962C8B-B14F-4D97-AF65-F5344CB8AC3E}">
+        <p14:creationId xmlns:p14="http://schemas.microsoft.com/office/powerpoint/2010/main" val="2426703649"/>
+      </p:ext>
+    </p:extLst>
+  </p:cSld>
+  <p:clrMapOvr>
+    <a:masterClrMapping/>
+  </p:clrMapOvr>
+  <p:timing>
+    <p:tnLst>
+      <p:par>
+        <p:cTn id="1" dur="indefinite" restart="never" nodeType="tmRoot"/>
       </p:par>
     </p:tnLst>
   </p:timing>
@@ -10244,6 +10622,520 @@
 </file>
 
 <file path=ppt/slides/slide5.xml><?xml version="1.0" encoding="utf-8"?>
+<p:sld xmlns:a="http://schemas.openxmlformats.org/drawingml/2006/main" xmlns:r="http://schemas.openxmlformats.org/officeDocument/2006/relationships" xmlns:p="http://schemas.openxmlformats.org/presentationml/2006/main">
+  <p:cSld>
+    <p:spTree>
+      <p:nvGrpSpPr>
+        <p:cNvPr id="1" name=""/>
+        <p:cNvGrpSpPr/>
+        <p:nvPr/>
+      </p:nvGrpSpPr>
+      <p:grpSpPr>
+        <a:xfrm>
+          <a:off x="0" y="0"/>
+          <a:ext cx="0" cy="0"/>
+          <a:chOff x="0" y="0"/>
+          <a:chExt cx="0" cy="0"/>
+        </a:xfrm>
+      </p:grpSpPr>
+      <p:sp>
+        <p:nvSpPr>
+          <p:cNvPr id="2" name="TextBox 1"/>
+          <p:cNvSpPr txBox="1"/>
+          <p:nvPr/>
+        </p:nvSpPr>
+        <p:spPr>
+          <a:xfrm>
+            <a:off x="96862" y="1719902"/>
+            <a:ext cx="9047138" cy="1200329"/>
+          </a:xfrm>
+          <a:prstGeom prst="rect">
+            <a:avLst/>
+          </a:prstGeom>
+          <a:noFill/>
+        </p:spPr>
+        <p:txBody>
+          <a:bodyPr wrap="square" rtlCol="0">
+            <a:spAutoFit/>
+          </a:bodyPr>
+          <a:lstStyle/>
+          <a:p>
+            <a:pPr algn="ctr"/>
+            <a:r>
+              <a:rPr lang="en-US" sz="7200"/>
+              <a:t>MICROSERVICES</a:t>
+            </a:r>
+          </a:p>
+        </p:txBody>
+      </p:sp>
+    </p:spTree>
+    <p:extLst>
+      <p:ext uri="{BB962C8B-B14F-4D97-AF65-F5344CB8AC3E}">
+        <p14:creationId xmlns:p14="http://schemas.microsoft.com/office/powerpoint/2010/main" val="2629060298"/>
+      </p:ext>
+    </p:extLst>
+  </p:cSld>
+  <p:clrMapOvr>
+    <a:masterClrMapping/>
+  </p:clrMapOvr>
+  <p:timing>
+    <p:tnLst>
+      <p:par>
+        <p:cTn id="1" dur="indefinite" restart="never" nodeType="tmRoot"/>
+      </p:par>
+    </p:tnLst>
+  </p:timing>
+</p:sld>
+</file>
+
+<file path=ppt/slides/slide6.xml><?xml version="1.0" encoding="utf-8"?>
+<p:sld xmlns:a="http://schemas.openxmlformats.org/drawingml/2006/main" xmlns:r="http://schemas.openxmlformats.org/officeDocument/2006/relationships" xmlns:p="http://schemas.openxmlformats.org/presentationml/2006/main">
+  <p:cSld>
+    <p:spTree>
+      <p:nvGrpSpPr>
+        <p:cNvPr id="1" name=""/>
+        <p:cNvGrpSpPr/>
+        <p:nvPr/>
+      </p:nvGrpSpPr>
+      <p:grpSpPr>
+        <a:xfrm>
+          <a:off x="0" y="0"/>
+          <a:ext cx="0" cy="0"/>
+          <a:chOff x="0" y="0"/>
+          <a:chExt cx="0" cy="0"/>
+        </a:xfrm>
+      </p:grpSpPr>
+      <p:sp>
+        <p:nvSpPr>
+          <p:cNvPr id="3" name="Rectangle 2"/>
+          <p:cNvSpPr/>
+          <p:nvPr/>
+        </p:nvSpPr>
+        <p:spPr>
+          <a:xfrm>
+            <a:off x="416689" y="1122745"/>
+            <a:ext cx="6476035" cy="1815882"/>
+          </a:xfrm>
+          <a:prstGeom prst="rect">
+            <a:avLst/>
+          </a:prstGeom>
+        </p:spPr>
+        <p:txBody>
+          <a:bodyPr wrap="square">
+            <a:spAutoFit/>
+          </a:bodyPr>
+          <a:lstStyle/>
+          <a:p>
+            <a:r>
+              <a:rPr lang="en-US" dirty="0" err="1"/>
+              <a:t>Microservices</a:t>
+            </a:r>
+            <a:r>
+              <a:rPr lang="en-US" dirty="0"/>
+              <a:t> </a:t>
+            </a:r>
+            <a:r>
+              <a:rPr lang="en-US" dirty="0" smtClean="0"/>
+              <a:t>describes </a:t>
+            </a:r>
+            <a:r>
+              <a:rPr lang="en-US" dirty="0"/>
+              <a:t>a modular approach to building software in which complex applications are composed of several small, independent processes communicating with each other through explicitly defined boundaries using language-agnostic APIs. </a:t>
+            </a:r>
+            <a:endParaRPr lang="en-US" dirty="0" smtClean="0"/>
+          </a:p>
+          <a:p>
+            <a:endParaRPr lang="en-US" dirty="0" smtClean="0"/>
+          </a:p>
+          <a:p>
+            <a:r>
+              <a:rPr lang="en-US" dirty="0" smtClean="0"/>
+              <a:t>These </a:t>
+            </a:r>
+            <a:r>
+              <a:rPr lang="en-US" dirty="0"/>
+              <a:t>smaller services focus on doing a single task very well</a:t>
+            </a:r>
+            <a:r>
+              <a:rPr lang="en-US" dirty="0" smtClean="0"/>
+              <a:t>.</a:t>
+            </a:r>
+          </a:p>
+          <a:p>
+            <a:endParaRPr lang="en-US" dirty="0" smtClean="0"/>
+          </a:p>
+          <a:p>
+            <a:r>
+              <a:rPr lang="en-US" dirty="0" smtClean="0"/>
+              <a:t>They </a:t>
+            </a:r>
+            <a:r>
+              <a:rPr lang="en-US" dirty="0"/>
+              <a:t>are highly decoupled and can scale independently.</a:t>
+            </a:r>
+          </a:p>
+        </p:txBody>
+      </p:sp>
+    </p:spTree>
+    <p:extLst>
+      <p:ext uri="{BB962C8B-B14F-4D97-AF65-F5344CB8AC3E}">
+        <p14:creationId xmlns:p14="http://schemas.microsoft.com/office/powerpoint/2010/main" val="677522017"/>
+      </p:ext>
+    </p:extLst>
+  </p:cSld>
+  <p:clrMapOvr>
+    <a:masterClrMapping/>
+  </p:clrMapOvr>
+  <p:timing>
+    <p:tnLst>
+      <p:par>
+        <p:cTn id="1" dur="indefinite" restart="never" nodeType="tmRoot"/>
+      </p:par>
+    </p:tnLst>
+  </p:timing>
+</p:sld>
+</file>
+
+<file path=ppt/slides/slide7.xml><?xml version="1.0" encoding="utf-8"?>
+<p:sld xmlns:a="http://schemas.openxmlformats.org/drawingml/2006/main" xmlns:r="http://schemas.openxmlformats.org/officeDocument/2006/relationships" xmlns:p="http://schemas.openxmlformats.org/presentationml/2006/main">
+  <p:cSld>
+    <p:spTree>
+      <p:nvGrpSpPr>
+        <p:cNvPr id="1" name=""/>
+        <p:cNvGrpSpPr/>
+        <p:nvPr/>
+      </p:nvGrpSpPr>
+      <p:grpSpPr>
+        <a:xfrm>
+          <a:off x="0" y="0"/>
+          <a:ext cx="0" cy="0"/>
+          <a:chOff x="0" y="0"/>
+          <a:chExt cx="0" cy="0"/>
+        </a:xfrm>
+      </p:grpSpPr>
+      <p:sp>
+        <p:nvSpPr>
+          <p:cNvPr id="3" name="Rectangle 2"/>
+          <p:cNvSpPr/>
+          <p:nvPr/>
+        </p:nvSpPr>
+        <p:spPr>
+          <a:xfrm>
+            <a:off x="902824" y="694481"/>
+            <a:ext cx="6476035" cy="3754874"/>
+          </a:xfrm>
+          <a:prstGeom prst="rect">
+            <a:avLst/>
+          </a:prstGeom>
+        </p:spPr>
+        <p:txBody>
+          <a:bodyPr wrap="square">
+            <a:spAutoFit/>
+          </a:bodyPr>
+          <a:lstStyle/>
+          <a:p>
+            <a:r>
+              <a:rPr lang="en-US" dirty="0"/>
+              <a:t>These 12 factors were used as guidelines to help steer </a:t>
+            </a:r>
+            <a:r>
+              <a:rPr lang="en-US" dirty="0" smtClean="0"/>
+              <a:t>development of </a:t>
+            </a:r>
+            <a:r>
+              <a:rPr lang="en-US" dirty="0"/>
+              <a:t>new applications, as well as to create a scorecard with which </a:t>
+            </a:r>
+            <a:r>
+              <a:rPr lang="en-US" dirty="0" smtClean="0"/>
+              <a:t>to measure </a:t>
+            </a:r>
+            <a:r>
+              <a:rPr lang="en-US" dirty="0"/>
+              <a:t>existing applications and their suitability for the cloud</a:t>
+            </a:r>
+            <a:r>
+              <a:rPr lang="en-US" dirty="0" smtClean="0"/>
+              <a:t>:</a:t>
+            </a:r>
+          </a:p>
+          <a:p>
+            <a:endParaRPr lang="en-US" dirty="0"/>
+          </a:p>
+          <a:p>
+            <a:pPr marL="285750" indent="-285750">
+              <a:buFont typeface="Arial" charset="0"/>
+              <a:buChar char="•"/>
+            </a:pPr>
+            <a:r>
+              <a:rPr lang="en-US" dirty="0" smtClean="0"/>
+              <a:t>Codebase</a:t>
+            </a:r>
+            <a:r>
+              <a:rPr lang="en-US" dirty="0"/>
+              <a:t>: One codebase tracked in revision control, many </a:t>
+            </a:r>
+            <a:r>
+              <a:rPr lang="en-US" dirty="0" smtClean="0"/>
+              <a:t>deploys</a:t>
+            </a:r>
+          </a:p>
+          <a:p>
+            <a:pPr marL="285750" indent="-285750">
+              <a:buFont typeface="Arial" charset="0"/>
+              <a:buChar char="•"/>
+            </a:pPr>
+            <a:r>
+              <a:rPr lang="en-US" dirty="0" smtClean="0"/>
+              <a:t>Dependencies</a:t>
+            </a:r>
+            <a:r>
+              <a:rPr lang="en-US" dirty="0"/>
+              <a:t>: Explicitly declare and isolate </a:t>
+            </a:r>
+            <a:r>
+              <a:rPr lang="en-US" dirty="0" smtClean="0"/>
+              <a:t>dependencies</a:t>
+            </a:r>
+          </a:p>
+          <a:p>
+            <a:pPr marL="285750" indent="-285750">
+              <a:buFont typeface="Arial" charset="0"/>
+              <a:buChar char="•"/>
+            </a:pPr>
+            <a:r>
+              <a:rPr lang="en-US" dirty="0" smtClean="0"/>
+              <a:t>Configuration</a:t>
+            </a:r>
+            <a:r>
+              <a:rPr lang="en-US" dirty="0"/>
+              <a:t>: Store configuration in the </a:t>
+            </a:r>
+            <a:r>
+              <a:rPr lang="en-US" dirty="0" smtClean="0"/>
+              <a:t>environment</a:t>
+            </a:r>
+          </a:p>
+          <a:p>
+            <a:pPr marL="285750" indent="-285750">
+              <a:buFont typeface="Arial" charset="0"/>
+              <a:buChar char="•"/>
+            </a:pPr>
+            <a:r>
+              <a:rPr lang="en-US" dirty="0" smtClean="0"/>
+              <a:t>Backing </a:t>
+            </a:r>
+            <a:r>
+              <a:rPr lang="en-US" dirty="0"/>
+              <a:t>Services: Treat backing services as attached </a:t>
+            </a:r>
+            <a:r>
+              <a:rPr lang="en-US" dirty="0" smtClean="0"/>
+              <a:t>resources</a:t>
+            </a:r>
+          </a:p>
+          <a:p>
+            <a:pPr marL="285750" indent="-285750">
+              <a:buFont typeface="Arial" charset="0"/>
+              <a:buChar char="•"/>
+            </a:pPr>
+            <a:r>
+              <a:rPr lang="en-US" dirty="0" smtClean="0"/>
+              <a:t>Build</a:t>
+            </a:r>
+            <a:r>
+              <a:rPr lang="en-US" dirty="0"/>
+              <a:t>, release, run: Strictly separate build and run </a:t>
+            </a:r>
+            <a:r>
+              <a:rPr lang="en-US" dirty="0" smtClean="0"/>
+              <a:t>stages</a:t>
+            </a:r>
+          </a:p>
+          <a:p>
+            <a:pPr marL="285750" indent="-285750">
+              <a:buFont typeface="Arial" charset="0"/>
+              <a:buChar char="•"/>
+            </a:pPr>
+            <a:r>
+              <a:rPr lang="en-US" dirty="0" smtClean="0"/>
+              <a:t>Processes</a:t>
+            </a:r>
+            <a:r>
+              <a:rPr lang="en-US" dirty="0"/>
+              <a:t>: Execute the app as one or more stateless </a:t>
+            </a:r>
+            <a:r>
+              <a:rPr lang="en-US" dirty="0" smtClean="0"/>
+              <a:t>processes</a:t>
+            </a:r>
+          </a:p>
+          <a:p>
+            <a:pPr marL="285750" indent="-285750">
+              <a:buFont typeface="Arial" charset="0"/>
+              <a:buChar char="•"/>
+            </a:pPr>
+            <a:r>
+              <a:rPr lang="en-US" dirty="0" smtClean="0"/>
+              <a:t>Port </a:t>
+            </a:r>
+            <a:r>
+              <a:rPr lang="en-US" dirty="0"/>
+              <a:t>binding: Export services via port </a:t>
+            </a:r>
+            <a:r>
+              <a:rPr lang="en-US" dirty="0" smtClean="0"/>
+              <a:t>binding</a:t>
+            </a:r>
+          </a:p>
+          <a:p>
+            <a:pPr marL="285750" indent="-285750">
+              <a:buFont typeface="Arial" charset="0"/>
+              <a:buChar char="•"/>
+            </a:pPr>
+            <a:r>
+              <a:rPr lang="en-US" dirty="0" smtClean="0"/>
+              <a:t>Concurrency</a:t>
+            </a:r>
+            <a:r>
+              <a:rPr lang="en-US" dirty="0"/>
+              <a:t>: Scale out via the process </a:t>
+            </a:r>
+            <a:r>
+              <a:rPr lang="en-US" dirty="0" smtClean="0"/>
+              <a:t>model</a:t>
+            </a:r>
+          </a:p>
+          <a:p>
+            <a:pPr marL="285750" indent="-285750">
+              <a:buFont typeface="Arial" charset="0"/>
+              <a:buChar char="•"/>
+            </a:pPr>
+            <a:r>
+              <a:rPr lang="en-US" dirty="0" smtClean="0"/>
+              <a:t>Disposability: Maximize </a:t>
+            </a:r>
+            <a:r>
+              <a:rPr lang="en-US" dirty="0"/>
+              <a:t>robustness with fast startup and graceful </a:t>
+            </a:r>
+            <a:r>
+              <a:rPr lang="en-US" dirty="0" smtClean="0"/>
+              <a:t>shutdown</a:t>
+            </a:r>
+          </a:p>
+          <a:p>
+            <a:pPr marL="285750" indent="-285750">
+              <a:buFont typeface="Arial" charset="0"/>
+              <a:buChar char="•"/>
+            </a:pPr>
+            <a:r>
+              <a:rPr lang="en-US" dirty="0" smtClean="0"/>
+              <a:t>Dev/prod </a:t>
+            </a:r>
+            <a:r>
+              <a:rPr lang="en-US" dirty="0"/>
+              <a:t>parity</a:t>
+            </a:r>
+            <a:r>
+              <a:rPr lang="en-US" dirty="0" smtClean="0"/>
+              <a:t>: Keep </a:t>
+            </a:r>
+            <a:r>
+              <a:rPr lang="en-US" dirty="0"/>
+              <a:t>development, staging, and production as similar </a:t>
+            </a:r>
+            <a:r>
+              <a:rPr lang="en-US" dirty="0" smtClean="0"/>
+              <a:t>as possible</a:t>
+            </a:r>
+          </a:p>
+          <a:p>
+            <a:pPr marL="285750" indent="-285750">
+              <a:buFont typeface="Arial" charset="0"/>
+              <a:buChar char="•"/>
+            </a:pPr>
+            <a:r>
+              <a:rPr lang="en-US" dirty="0" smtClean="0"/>
+              <a:t>Logs</a:t>
+            </a:r>
+            <a:r>
+              <a:rPr lang="en-US" dirty="0"/>
+              <a:t>: Treat logs as event </a:t>
+            </a:r>
+            <a:r>
+              <a:rPr lang="en-US" dirty="0" smtClean="0"/>
+              <a:t>streams</a:t>
+            </a:r>
+          </a:p>
+          <a:p>
+            <a:pPr marL="285750" indent="-285750">
+              <a:buFont typeface="Arial" charset="0"/>
+              <a:buChar char="•"/>
+            </a:pPr>
+            <a:r>
+              <a:rPr lang="en-US" dirty="0" smtClean="0"/>
+              <a:t>Admin </a:t>
+            </a:r>
+            <a:r>
+              <a:rPr lang="en-US" dirty="0"/>
+              <a:t>processes: Run admin/management tasks as one-off processes</a:t>
+            </a:r>
+          </a:p>
+        </p:txBody>
+      </p:sp>
+      <p:sp>
+        <p:nvSpPr>
+          <p:cNvPr id="4" name="TextBox 3"/>
+          <p:cNvSpPr txBox="1"/>
+          <p:nvPr/>
+        </p:nvSpPr>
+        <p:spPr>
+          <a:xfrm>
+            <a:off x="96862" y="129159"/>
+            <a:ext cx="9047138" cy="523220"/>
+          </a:xfrm>
+          <a:prstGeom prst="rect">
+            <a:avLst/>
+          </a:prstGeom>
+          <a:noFill/>
+        </p:spPr>
+        <p:txBody>
+          <a:bodyPr wrap="square" rtlCol="0">
+            <a:spAutoFit/>
+          </a:bodyPr>
+          <a:lstStyle/>
+          <a:p>
+            <a:pPr algn="ctr"/>
+            <a:r>
+              <a:rPr lang="en-US" sz="2800" dirty="0" smtClean="0"/>
+              <a:t>12 Factor App</a:t>
+            </a:r>
+            <a:endParaRPr lang="en-US" sz="2800" dirty="0"/>
+          </a:p>
+        </p:txBody>
+      </p:sp>
+    </p:spTree>
+    <p:extLst>
+      <p:ext uri="{BB962C8B-B14F-4D97-AF65-F5344CB8AC3E}">
+        <p14:creationId xmlns:p14="http://schemas.microsoft.com/office/powerpoint/2010/main" val="104848665"/>
+      </p:ext>
+    </p:extLst>
+  </p:cSld>
+  <p:clrMapOvr>
+    <a:masterClrMapping/>
+  </p:clrMapOvr>
+  <p:timing>
+    <p:tnLst>
+      <p:par>
+        <p:cTn id="1" dur="indefinite" restart="never" nodeType="tmRoot"/>
+      </p:par>
+    </p:tnLst>
+  </p:timing>
+</p:sld>
+</file>
+
+<file path=ppt/slides/slide8.xml><?xml version="1.0" encoding="utf-8"?>
 <p:sld xmlns:a="http://schemas.openxmlformats.org/drawingml/2006/main" xmlns:r="http://schemas.openxmlformats.org/officeDocument/2006/relationships" xmlns:p="http://schemas.openxmlformats.org/presentationml/2006/main">
   <p:cSld>
     <p:spTree>
@@ -10338,14 +11230,14 @@
   <p:timing>
     <p:tnLst>
       <p:par>
-        <p:cTn xmlns:p14="http://schemas.microsoft.com/office/powerpoint/2010/main" id="1" dur="indefinite" restart="never" nodeType="tmRoot"/>
+        <p:cTn id="1" dur="indefinite" restart="never" nodeType="tmRoot"/>
       </p:par>
     </p:tnLst>
   </p:timing>
 </p:sld>
 </file>
 
-<file path=ppt/slides/slide6.xml><?xml version="1.0" encoding="utf-8"?>
+<file path=ppt/slides/slide9.xml><?xml version="1.0" encoding="utf-8"?>
 <p:sld xmlns:a="http://schemas.openxmlformats.org/drawingml/2006/main" xmlns:r="http://schemas.openxmlformats.org/officeDocument/2006/relationships" xmlns:p="http://schemas.openxmlformats.org/presentationml/2006/main">
   <p:cSld>
     <p:spTree>
@@ -10393,7 +11285,6 @@
               <a:rPr lang="en-US" sz="7200" dirty="0"/>
               <a:t>Runtime</a:t>
             </a:r>
-            <a:endParaRPr lang="en-US" sz="7200" dirty="0"/>
           </a:p>
         </p:txBody>
       </p:sp>
@@ -10410,245 +11301,7 @@
   <p:timing>
     <p:tnLst>
       <p:par>
-        <p:cTn xmlns:p14="http://schemas.microsoft.com/office/powerpoint/2010/main" id="1" dur="indefinite" restart="never" nodeType="tmRoot"/>
-      </p:par>
-    </p:tnLst>
-  </p:timing>
-</p:sld>
-</file>
-
-<file path=ppt/slides/slide7.xml><?xml version="1.0" encoding="utf-8"?>
-<p:sld xmlns:a="http://schemas.openxmlformats.org/drawingml/2006/main" xmlns:r="http://schemas.openxmlformats.org/officeDocument/2006/relationships" xmlns:p="http://schemas.openxmlformats.org/presentationml/2006/main">
-  <p:cSld>
-    <p:spTree>
-      <p:nvGrpSpPr>
-        <p:cNvPr id="1" name=""/>
-        <p:cNvGrpSpPr/>
-        <p:nvPr/>
-      </p:nvGrpSpPr>
-      <p:grpSpPr>
-        <a:xfrm>
-          <a:off x="0" y="0"/>
-          <a:ext cx="0" cy="0"/>
-          <a:chOff x="0" y="0"/>
-          <a:chExt cx="0" cy="0"/>
-        </a:xfrm>
-      </p:grpSpPr>
-      <p:sp>
-        <p:nvSpPr>
-          <p:cNvPr id="2" name="TextBox 1"/>
-          <p:cNvSpPr txBox="1"/>
-          <p:nvPr/>
-        </p:nvSpPr>
-        <p:spPr>
-          <a:xfrm>
-            <a:off x="96862" y="129159"/>
-            <a:ext cx="9047138" cy="1446550"/>
-          </a:xfrm>
-          <a:prstGeom prst="rect">
-            <a:avLst/>
-          </a:prstGeom>
-          <a:noFill/>
-        </p:spPr>
-        <p:txBody>
-          <a:bodyPr wrap="square" rtlCol="0">
-            <a:spAutoFit/>
-          </a:bodyPr>
-          <a:lstStyle/>
-          <a:p>
-            <a:pPr algn="ctr"/>
-            <a:r>
-              <a:rPr lang="en-US" sz="8800"/>
-              <a:t>WHAT?</a:t>
-            </a:r>
-          </a:p>
-        </p:txBody>
-      </p:sp>
-      <p:pic>
-        <p:nvPicPr>
-          <p:cNvPr id="4" name="Picture 3" descr="what.png"/>
-          <p:cNvPicPr>
-            <a:picLocks noChangeAspect="1"/>
-          </p:cNvPicPr>
-          <p:nvPr/>
-        </p:nvPicPr>
-        <p:blipFill>
-          <a:blip r:embed="rId3">
-            <a:extLst>
-              <a:ext uri="{28A0092B-C50C-407E-A947-70E740481C1C}">
-                <a14:useLocalDpi xmlns:a14="http://schemas.microsoft.com/office/drawing/2010/main" val="0"/>
-              </a:ext>
-            </a:extLst>
-          </a:blip>
-          <a:stretch>
-            <a:fillRect/>
-          </a:stretch>
-        </p:blipFill>
-        <p:spPr>
-          <a:xfrm>
-            <a:off x="0" y="340449"/>
-            <a:ext cx="9144000" cy="4803051"/>
-          </a:xfrm>
-          <a:prstGeom prst="rect">
-            <a:avLst/>
-          </a:prstGeom>
-        </p:spPr>
-      </p:pic>
-    </p:spTree>
-    <p:extLst>
-      <p:ext uri="{BB962C8B-B14F-4D97-AF65-F5344CB8AC3E}">
-        <p14:creationId xmlns:p14="http://schemas.microsoft.com/office/powerpoint/2010/main" val="4232526777"/>
-      </p:ext>
-    </p:extLst>
-  </p:cSld>
-  <p:clrMapOvr>
-    <a:masterClrMapping/>
-  </p:clrMapOvr>
-  <p:timing>
-    <p:tnLst>
-      <p:par>
-        <p:cTn xmlns:p14="http://schemas.microsoft.com/office/powerpoint/2010/main" id="1" dur="indefinite" restart="never" nodeType="tmRoot"/>
-      </p:par>
-    </p:tnLst>
-  </p:timing>
-</p:sld>
-</file>
-
-<file path=ppt/slides/slide8.xml><?xml version="1.0" encoding="utf-8"?>
-<p:sld xmlns:a="http://schemas.openxmlformats.org/drawingml/2006/main" xmlns:r="http://schemas.openxmlformats.org/officeDocument/2006/relationships" xmlns:p="http://schemas.openxmlformats.org/presentationml/2006/main">
-  <p:cSld>
-    <p:spTree>
-      <p:nvGrpSpPr>
-        <p:cNvPr id="1" name=""/>
-        <p:cNvGrpSpPr/>
-        <p:nvPr/>
-      </p:nvGrpSpPr>
-      <p:grpSpPr>
-        <a:xfrm>
-          <a:off x="0" y="0"/>
-          <a:ext cx="0" cy="0"/>
-          <a:chOff x="0" y="0"/>
-          <a:chExt cx="0" cy="0"/>
-        </a:xfrm>
-      </p:grpSpPr>
-      <p:sp>
-        <p:nvSpPr>
-          <p:cNvPr id="2" name="TextBox 1"/>
-          <p:cNvSpPr txBox="1"/>
-          <p:nvPr/>
-        </p:nvSpPr>
-        <p:spPr>
-          <a:xfrm>
-            <a:off x="96862" y="1719902"/>
-            <a:ext cx="9047138" cy="1200329"/>
-          </a:xfrm>
-          <a:prstGeom prst="rect">
-            <a:avLst/>
-          </a:prstGeom>
-          <a:noFill/>
-        </p:spPr>
-        <p:txBody>
-          <a:bodyPr wrap="square" rtlCol="0">
-            <a:spAutoFit/>
-          </a:bodyPr>
-          <a:lstStyle/>
-          <a:p>
-            <a:pPr algn="ctr"/>
-            <a:r>
-              <a:rPr lang="en-US" sz="7200"/>
-              <a:t>MICROSERVICES</a:t>
-            </a:r>
-          </a:p>
-        </p:txBody>
-      </p:sp>
-    </p:spTree>
-    <p:extLst>
-      <p:ext uri="{BB962C8B-B14F-4D97-AF65-F5344CB8AC3E}">
-        <p14:creationId xmlns:p14="http://schemas.microsoft.com/office/powerpoint/2010/main" val="2629060298"/>
-      </p:ext>
-    </p:extLst>
-  </p:cSld>
-  <p:clrMapOvr>
-    <a:masterClrMapping/>
-  </p:clrMapOvr>
-  <p:timing>
-    <p:tnLst>
-      <p:par>
-        <p:cTn xmlns:p14="http://schemas.microsoft.com/office/powerpoint/2010/main" id="1" dur="indefinite" restart="never" nodeType="tmRoot"/>
-      </p:par>
-    </p:tnLst>
-  </p:timing>
-</p:sld>
-</file>
-
-<file path=ppt/slides/slide9.xml><?xml version="1.0" encoding="utf-8"?>
-<p:sld xmlns:a="http://schemas.openxmlformats.org/drawingml/2006/main" xmlns:r="http://schemas.openxmlformats.org/officeDocument/2006/relationships" xmlns:p="http://schemas.openxmlformats.org/presentationml/2006/main">
-  <p:cSld>
-    <p:spTree>
-      <p:nvGrpSpPr>
-        <p:cNvPr id="1" name=""/>
-        <p:cNvGrpSpPr/>
-        <p:nvPr/>
-      </p:nvGrpSpPr>
-      <p:grpSpPr>
-        <a:xfrm>
-          <a:off x="0" y="0"/>
-          <a:ext cx="0" cy="0"/>
-          <a:chOff x="0" y="0"/>
-          <a:chExt cx="0" cy="0"/>
-        </a:xfrm>
-      </p:grpSpPr>
-      <p:sp>
-        <p:nvSpPr>
-          <p:cNvPr id="2" name="TextBox 1"/>
-          <p:cNvSpPr txBox="1"/>
-          <p:nvPr/>
-        </p:nvSpPr>
-        <p:spPr>
-          <a:xfrm>
-            <a:off x="96862" y="1149448"/>
-            <a:ext cx="9047138" cy="2308324"/>
-          </a:xfrm>
-          <a:prstGeom prst="rect">
-            <a:avLst/>
-          </a:prstGeom>
-          <a:noFill/>
-        </p:spPr>
-        <p:txBody>
-          <a:bodyPr wrap="square" rtlCol="0">
-            <a:spAutoFit/>
-          </a:bodyPr>
-          <a:lstStyle/>
-          <a:p>
-            <a:pPr algn="ctr"/>
-            <a:r>
-              <a:rPr lang="en-US" sz="7200"/>
-              <a:t>ELASTIC </a:t>
-            </a:r>
-          </a:p>
-          <a:p>
-            <a:pPr algn="ctr"/>
-            <a:r>
-              <a:rPr lang="en-US" sz="7200"/>
-              <a:t>RUNTIME</a:t>
-            </a:r>
-          </a:p>
-        </p:txBody>
-      </p:sp>
-    </p:spTree>
-    <p:extLst>
-      <p:ext uri="{BB962C8B-B14F-4D97-AF65-F5344CB8AC3E}">
-        <p14:creationId xmlns:p14="http://schemas.microsoft.com/office/powerpoint/2010/main" val="1209637957"/>
-      </p:ext>
-    </p:extLst>
-  </p:cSld>
-  <p:clrMapOvr>
-    <a:masterClrMapping/>
-  </p:clrMapOvr>
-  <p:timing>
-    <p:tnLst>
-      <p:par>
-        <p:cTn xmlns:p14="http://schemas.microsoft.com/office/powerpoint/2010/main" id="1" dur="indefinite" restart="never" nodeType="tmRoot"/>
+        <p:cTn id="1" dur="indefinite" restart="never" nodeType="tmRoot"/>
       </p:par>
     </p:tnLst>
   </p:timing>

--- a/Hour_of_Power_v2.pptx
+++ b/Hour_of_Power_v2.pptx
@@ -5,32 +5,33 @@
     <p:sldMasterId id="2147483681" r:id="rId1"/>
   </p:sldMasterIdLst>
   <p:notesMasterIdLst>
-    <p:notesMasterId r:id="rId25"/>
+    <p:notesMasterId r:id="rId26"/>
   </p:notesMasterIdLst>
   <p:sldIdLst>
     <p:sldId id="256" r:id="rId2"/>
     <p:sldId id="278" r:id="rId3"/>
     <p:sldId id="279" r:id="rId4"/>
-    <p:sldId id="281" r:id="rId5"/>
-    <p:sldId id="288" r:id="rId6"/>
-    <p:sldId id="300" r:id="rId7"/>
-    <p:sldId id="301" r:id="rId8"/>
-    <p:sldId id="290" r:id="rId9"/>
-    <p:sldId id="291" r:id="rId10"/>
-    <p:sldId id="280" r:id="rId11"/>
-    <p:sldId id="282" r:id="rId12"/>
-    <p:sldId id="293" r:id="rId13"/>
-    <p:sldId id="283" r:id="rId14"/>
-    <p:sldId id="294" r:id="rId15"/>
-    <p:sldId id="295" r:id="rId16"/>
-    <p:sldId id="284" r:id="rId17"/>
-    <p:sldId id="298" r:id="rId18"/>
-    <p:sldId id="299" r:id="rId19"/>
-    <p:sldId id="296" r:id="rId20"/>
-    <p:sldId id="297" r:id="rId21"/>
-    <p:sldId id="285" r:id="rId22"/>
-    <p:sldId id="292" r:id="rId23"/>
-    <p:sldId id="287" r:id="rId24"/>
+    <p:sldId id="290" r:id="rId5"/>
+    <p:sldId id="291" r:id="rId6"/>
+    <p:sldId id="280" r:id="rId7"/>
+    <p:sldId id="296" r:id="rId8"/>
+    <p:sldId id="297" r:id="rId9"/>
+    <p:sldId id="288" r:id="rId10"/>
+    <p:sldId id="300" r:id="rId11"/>
+    <p:sldId id="301" r:id="rId12"/>
+    <p:sldId id="282" r:id="rId13"/>
+    <p:sldId id="293" r:id="rId14"/>
+    <p:sldId id="283" r:id="rId15"/>
+    <p:sldId id="294" r:id="rId16"/>
+    <p:sldId id="295" r:id="rId17"/>
+    <p:sldId id="284" r:id="rId18"/>
+    <p:sldId id="302" r:id="rId19"/>
+    <p:sldId id="298" r:id="rId20"/>
+    <p:sldId id="299" r:id="rId21"/>
+    <p:sldId id="303" r:id="rId22"/>
+    <p:sldId id="285" r:id="rId23"/>
+    <p:sldId id="292" r:id="rId24"/>
+    <p:sldId id="287" r:id="rId25"/>
   </p:sldIdLst>
   <p:sldSz cx="9144000" cy="5143500" type="screen16x9"/>
   <p:notesSz cx="6934200" cy="9220200"/>
@@ -276,18 +277,18 @@
 
 <file path=ppt/comments/comment1.xml><?xml version="1.0" encoding="utf-8"?>
 <p:cmLst xmlns:a="http://schemas.openxmlformats.org/drawingml/2006/main" xmlns:r="http://schemas.openxmlformats.org/officeDocument/2006/relationships" xmlns:p="http://schemas.openxmlformats.org/presentationml/2006/main">
-  <p:cm authorId="1" idx="3">
-    <p:pos x="6000" y="200"/>
-    <p:text>I personally would like to keep it as simple as possible and maybe aligned to actual VMs of ERS Deployment and not processes. I think we can have a more detail slides with the individual processes. Said that, we could stick with the VMs: Diego Brain,  BBS and Cell. To Vivian's point, we can remove Diego which is more of a code name. I'm trying to send out the shared ERS SME info today. I would also remove CC Bridge per Rajesh's note.</p:text>
+  <p:cm authorId="3" idx="2">
+    <p:pos x="6000" y="0"/>
+    <p:text>CC Bridge might go away, do you want to show it as separate component. 
+Do you think it makes sense to put the BBS, Auctioneer and Cells in one box called Diego, refer to the Diego architecture diagram on Github?</p:text>
   </p:cm>
   <p:cm authorId="4" idx="2">
     <p:pos x="6000" y="100"/>
     <p:text>The original slide had this box, but I changed based on a feedback from Derek Beauregard. "We don't actually want to refer to Diego with customers.  This is simply the 1.6 ERS". I agree with him. I think this also something Marcelo will work on as part of the message we want to pass to the customers.</p:text>
   </p:cm>
-  <p:cm authorId="3" idx="2">
-    <p:pos x="6000" y="0"/>
-    <p:text>CC Bridge might go away, do you want to show it as separate component. 
-Do you think it makes sense to put the BBS, Auctioneer and Cells in one box called Diego, refer to the Diego architecture diagram on Github?</p:text>
+  <p:cm authorId="1" idx="3">
+    <p:pos x="6000" y="200"/>
+    <p:text>I personally would like to keep it as simple as possible and maybe aligned to actual VMs of ERS Deployment and not processes. I think we can have a more detail slides with the individual processes. Said that, we could stick with the VMs: Diego Brain,  BBS and Cell. To Vivian's point, we can remove Diego which is more of a code name. I'm trying to send out the shared ERS SME info today. I would also remove CC Bridge per Rajesh's note.</p:text>
   </p:cm>
 </p:cmLst>
 </file>
@@ -1240,12 +1241,7 @@
             <p:ph type="sldImg"/>
           </p:nvPr>
         </p:nvSpPr>
-        <p:spPr>
-          <a:xfrm>
-            <a:off x="1628775" y="692150"/>
-            <a:ext cx="3733800" cy="2100263"/>
-          </a:xfrm>
-        </p:spPr>
+        <p:spPr/>
       </p:sp>
       <p:sp>
         <p:nvSpPr>
@@ -1264,57 +1260,502 @@
           <a:p>
             <a:r>
               <a:rPr lang="en-US" dirty="0" smtClean="0"/>
-              <a:t>Admin - has permissions on all orgs and spaces</a:t>
-            </a:r>
-          </a:p>
-          <a:p>
-            <a:r>
-              <a:rPr lang="en-US" dirty="0" smtClean="0"/>
-              <a:t>Admin Read-Only - has read-only access to all Cloud Controller API resources.</a:t>
-            </a:r>
-          </a:p>
-          <a:p>
-            <a:r>
-              <a:rPr lang="en-US" dirty="0" smtClean="0"/>
-              <a:t>Global Auditor - has read-only access to all Cloud Controller API resources except for secrets such as environment variables. </a:t>
-            </a:r>
-          </a:p>
-          <a:p>
-            <a:r>
-              <a:rPr lang="en-US" dirty="0" smtClean="0"/>
-              <a:t>Org Managers - are managers who need to administer the org.</a:t>
-            </a:r>
-          </a:p>
-          <a:p>
-            <a:r>
-              <a:rPr lang="en-US" dirty="0" smtClean="0"/>
-              <a:t>Org Auditors  - view but cannot edit user information and org quota usage information.</a:t>
-            </a:r>
-          </a:p>
-          <a:p>
-            <a:r>
-              <a:rPr lang="en-US" dirty="0" smtClean="0"/>
-              <a:t>Space Managers - are managers who administer a space within an org.</a:t>
-            </a:r>
-          </a:p>
-          <a:p>
-            <a:r>
-              <a:rPr lang="en-US" dirty="0" smtClean="0"/>
-              <a:t>Space Developers - are application developers who manage applications and services in a space.</a:t>
-            </a:r>
-          </a:p>
-          <a:p>
-            <a:r>
-              <a:rPr lang="en-US" dirty="0" smtClean="0"/>
-              <a:t>Space Auditors - view but cannot edit the space.</a:t>
-            </a:r>
+              <a:t>The Command Line Interface (CLI) is the primary operator interface to BOSH</a:t>
+            </a:r>
+          </a:p>
+          <a:p>
+            <a:endParaRPr lang="en-US" dirty="0" smtClean="0"/>
+          </a:p>
+          <a:p>
+            <a:r>
+              <a:rPr lang="en-US" dirty="0" smtClean="0"/>
+              <a:t>Director</a:t>
+            </a:r>
+          </a:p>
+          <a:p>
+            <a:r>
+              <a:rPr lang="en-US" dirty="0" smtClean="0"/>
+              <a:t>The Director is the core orchestrating component in BOSH. The Director controls VM creation and deployment, as well as other software and service lifecycle events.</a:t>
+            </a:r>
+          </a:p>
+          <a:p>
+            <a:r>
+              <a:rPr lang="en-US" dirty="0" smtClean="0"/>
+              <a:t>The Director creates actionable tasks:</a:t>
+            </a:r>
+          </a:p>
+          <a:p>
+            <a:r>
+              <a:rPr lang="en-US" dirty="0" smtClean="0"/>
+              <a:t>By translating commands sent by an operator through the CLI</a:t>
+            </a:r>
+          </a:p>
+          <a:p>
+            <a:r>
+              <a:rPr lang="en-US" dirty="0" smtClean="0"/>
+              <a:t>From scheduled processes like backups or snapshots</a:t>
+            </a:r>
+          </a:p>
+          <a:p>
+            <a:r>
+              <a:rPr lang="en-US" dirty="0" smtClean="0"/>
+              <a:t>If needed to reconcile the expected state with the actual state of a VM</a:t>
+            </a:r>
+          </a:p>
+          <a:p>
+            <a:r>
+              <a:rPr lang="en-US" dirty="0" smtClean="0"/>
+              <a:t>Once created, the Director adds these tasks to the Task Queue. Worker processes take tasks from the Task Queue and act on them.</a:t>
+            </a:r>
+          </a:p>
+          <a:p>
+            <a:endParaRPr lang="en-US" dirty="0" smtClean="0"/>
+          </a:p>
+          <a:p>
+            <a:r>
+              <a:rPr lang="en-US" dirty="0" smtClean="0"/>
+              <a:t>Task Queue</a:t>
+            </a:r>
+          </a:p>
+          <a:p>
+            <a:r>
+              <a:rPr lang="en-US" dirty="0" smtClean="0"/>
+              <a:t>An asynchronous queue used by the Director and Workers to manage tasks. The Task Queue resides in the Database.</a:t>
+            </a:r>
+          </a:p>
+          <a:p>
+            <a:endParaRPr lang="en-US" dirty="0" smtClean="0"/>
+          </a:p>
+          <a:p>
+            <a:r>
+              <a:rPr lang="en-US" dirty="0" smtClean="0"/>
+              <a:t>Workers</a:t>
+            </a:r>
+          </a:p>
+          <a:p>
+            <a:r>
+              <a:rPr lang="en-US" dirty="0" smtClean="0"/>
+              <a:t>Director workers take tasks from the Task Queue and act on them.</a:t>
+            </a:r>
+          </a:p>
+          <a:p>
+            <a:endParaRPr lang="en-US" dirty="0" smtClean="0"/>
+          </a:p>
+          <a:p>
+            <a:r>
+              <a:rPr lang="en-US" dirty="0" smtClean="0"/>
+              <a:t>Cloud Provider Interface (CPI)</a:t>
+            </a:r>
+          </a:p>
+          <a:p>
+            <a:r>
+              <a:rPr lang="en-US" dirty="0" smtClean="0"/>
+              <a:t>A Cloud Provider Interface (CPI) is an API that the Director uses to interact with an </a:t>
+            </a:r>
+            <a:r>
+              <a:rPr lang="en-US" dirty="0" err="1" smtClean="0"/>
+              <a:t>IaaS</a:t>
+            </a:r>
+            <a:r>
+              <a:rPr lang="en-US" dirty="0" smtClean="0"/>
+              <a:t> to create and manage </a:t>
+            </a:r>
+            <a:r>
+              <a:rPr lang="en-US" dirty="0" err="1" smtClean="0"/>
+              <a:t>stemcells</a:t>
+            </a:r>
+            <a:r>
+              <a:rPr lang="en-US" dirty="0" smtClean="0"/>
+              <a:t>, VMs, and disks. A CPI abstracts infrastructure differences from the rest of BOSH.</a:t>
+            </a:r>
+          </a:p>
+          <a:p>
+            <a:endParaRPr lang="en-US" dirty="0" smtClean="0"/>
+          </a:p>
+          <a:p>
+            <a:r>
+              <a:rPr lang="en-US" dirty="0" smtClean="0"/>
+              <a:t>Health Monitor</a:t>
+            </a:r>
+          </a:p>
+          <a:p>
+            <a:r>
+              <a:rPr lang="en-US" dirty="0" smtClean="0"/>
+              <a:t>The Health Monitor uses status and lifecycle events received from Agents to monitor the health of VMs. If the Health Monitor detects a problem with a VM, it can send an alert through notification plugins, or trigger the </a:t>
+            </a:r>
+            <a:r>
+              <a:rPr lang="en-US" dirty="0" err="1" smtClean="0"/>
+              <a:t>Resurrector</a:t>
+            </a:r>
+            <a:r>
+              <a:rPr lang="en-US" dirty="0" smtClean="0"/>
+              <a:t>.</a:t>
+            </a:r>
+          </a:p>
+          <a:p>
+            <a:endParaRPr lang="en-US" dirty="0" smtClean="0"/>
+          </a:p>
+          <a:p>
+            <a:r>
+              <a:rPr lang="en-US" dirty="0" err="1" smtClean="0"/>
+              <a:t>Resurrector</a:t>
+            </a:r>
+            <a:endParaRPr lang="en-US" dirty="0" smtClean="0"/>
+          </a:p>
+          <a:p>
+            <a:r>
+              <a:rPr lang="en-US" dirty="0" smtClean="0"/>
+              <a:t>If enabled, the </a:t>
+            </a:r>
+            <a:r>
+              <a:rPr lang="en-US" dirty="0" err="1" smtClean="0"/>
+              <a:t>Resurrector</a:t>
+            </a:r>
+            <a:r>
+              <a:rPr lang="en-US" dirty="0" smtClean="0"/>
+              <a:t> plugin automatically recreates VMs identified by the Health Monitor as missing or unresponsive. It uses same Director API that CLI uses.</a:t>
+            </a:r>
+          </a:p>
+          <a:p>
+            <a:endParaRPr lang="en-US" dirty="0" smtClean="0"/>
+          </a:p>
+          <a:p>
+            <a:r>
+              <a:rPr lang="en-US" dirty="0" smtClean="0"/>
+              <a:t>DNS Server</a:t>
+            </a:r>
+          </a:p>
+          <a:p>
+            <a:r>
+              <a:rPr lang="en-US" dirty="0" smtClean="0"/>
+              <a:t>BOSH uses </a:t>
+            </a:r>
+            <a:r>
+              <a:rPr lang="en-US" dirty="0" err="1" smtClean="0"/>
+              <a:t>PowerDNS</a:t>
+            </a:r>
+            <a:r>
+              <a:rPr lang="en-US" dirty="0" smtClean="0"/>
+              <a:t> to provide DNS resolution between the VMs in a deployment.</a:t>
+            </a:r>
+          </a:p>
+          <a:p>
+            <a:endParaRPr lang="en-US" dirty="0" smtClean="0"/>
+          </a:p>
+          <a:p>
+            <a:r>
+              <a:rPr lang="en-US" dirty="0" smtClean="0"/>
+              <a:t>Components used to store Director’s persistent data</a:t>
+            </a:r>
+          </a:p>
+          <a:p>
+            <a:r>
+              <a:rPr lang="en-US" dirty="0" smtClean="0"/>
+              <a:t>Database</a:t>
+            </a:r>
+          </a:p>
+          <a:p>
+            <a:r>
+              <a:rPr lang="en-US" dirty="0" smtClean="0"/>
+              <a:t>The Director uses a </a:t>
+            </a:r>
+            <a:r>
+              <a:rPr lang="en-US" dirty="0" err="1" smtClean="0"/>
+              <a:t>Postgres</a:t>
+            </a:r>
+            <a:r>
+              <a:rPr lang="en-US" dirty="0" smtClean="0"/>
+              <a:t> database to store information about the desired state of a deployment. This includes information about </a:t>
+            </a:r>
+            <a:r>
+              <a:rPr lang="en-US" dirty="0" err="1" smtClean="0"/>
+              <a:t>stemcells</a:t>
+            </a:r>
+            <a:r>
+              <a:rPr lang="en-US" dirty="0" smtClean="0"/>
+              <a:t>, releases, and deployments.</a:t>
+            </a:r>
+          </a:p>
+          <a:p>
+            <a:r>
+              <a:rPr lang="en-US" dirty="0" err="1" smtClean="0"/>
+              <a:t>Blobstore</a:t>
+            </a:r>
+            <a:endParaRPr lang="en-US" dirty="0" smtClean="0"/>
+          </a:p>
+          <a:p>
+            <a:r>
+              <a:rPr lang="en-US" dirty="0" smtClean="0"/>
+              <a:t>The </a:t>
+            </a:r>
+            <a:r>
+              <a:rPr lang="en-US" dirty="0" err="1" smtClean="0"/>
+              <a:t>Blobstore</a:t>
+            </a:r>
+            <a:r>
+              <a:rPr lang="en-US" dirty="0" smtClean="0"/>
+              <a:t> stores the source forms of releases and the compiled images of releases. An operator uploads a release using the CLI, and the Director inserts the release into the </a:t>
+            </a:r>
+            <a:r>
+              <a:rPr lang="en-US" dirty="0" err="1" smtClean="0"/>
+              <a:t>Blobstore</a:t>
+            </a:r>
+            <a:r>
+              <a:rPr lang="en-US" dirty="0" smtClean="0"/>
+              <a:t>. When you deploy a release, BOSH orchestrates the compilation of packages and stores the result in the </a:t>
+            </a:r>
+            <a:r>
+              <a:rPr lang="en-US" dirty="0" err="1" smtClean="0"/>
+              <a:t>Blobstore</a:t>
+            </a:r>
+            <a:r>
+              <a:rPr lang="en-US" dirty="0" smtClean="0"/>
+              <a:t>.</a:t>
+            </a:r>
+          </a:p>
+          <a:p>
+            <a:endParaRPr lang="en-US" dirty="0" smtClean="0"/>
+          </a:p>
+          <a:p>
+            <a:r>
+              <a:rPr lang="en-US" dirty="0" smtClean="0"/>
+              <a:t>Agent</a:t>
+            </a:r>
+          </a:p>
+          <a:p>
+            <a:r>
+              <a:rPr lang="en-US" dirty="0" smtClean="0"/>
+              <a:t>BOSH includes an Agent on every VM that it deploys. The Agent listens for instructions from the Director and carries out those instructions. The Agent receives job specifications from the Director and uses them to assign a role, or Job, to the VM.</a:t>
+            </a:r>
+          </a:p>
+          <a:p>
+            <a:endParaRPr lang="en-US" dirty="0" smtClean="0"/>
+          </a:p>
+          <a:p>
+            <a:r>
+              <a:rPr lang="en-US" dirty="0" smtClean="0"/>
+              <a:t>Components used for cross-component communication</a:t>
+            </a:r>
+          </a:p>
+          <a:p>
+            <a:r>
+              <a:rPr lang="en-US" dirty="0" smtClean="0"/>
+              <a:t>Message Bus (NATS)</a:t>
+            </a:r>
+          </a:p>
+          <a:p>
+            <a:r>
+              <a:rPr lang="en-US" dirty="0" smtClean="0"/>
+              <a:t>The Director and the Agents communicate through a lightweight publish-subscribe messaging system called NATS. These messages have two purposes: to perform provisioning instructions on the VMs, and to inform the Health Monitor about changes in the health of monitored processes.</a:t>
+            </a:r>
+          </a:p>
+          <a:p>
+            <a:r>
+              <a:rPr lang="en-US" dirty="0" smtClean="0"/>
+              <a:t>Registry</a:t>
+            </a:r>
+          </a:p>
+          <a:p>
+            <a:r>
+              <a:rPr lang="en-US" dirty="0" smtClean="0"/>
+              <a:t>When the Director creates or updates a VM, it stores configuration information for the VM in the Registry so that it can be used during bootstrapping stage of the VM.</a:t>
+            </a:r>
+            <a:endParaRPr lang="en-US" dirty="0"/>
           </a:p>
         </p:txBody>
       </p:sp>
     </p:spTree>
     <p:extLst>
       <p:ext uri="{BB962C8B-B14F-4D97-AF65-F5344CB8AC3E}">
-        <p14:creationId xmlns:p14="http://schemas.microsoft.com/office/powerpoint/2010/main" val="2952323326"/>
+        <p14:creationId xmlns:p14="http://schemas.microsoft.com/office/powerpoint/2010/main" val="576377407"/>
+      </p:ext>
+    </p:extLst>
+  </p:cSld>
+  <p:clrMapOvr>
+    <a:masterClrMapping/>
+  </p:clrMapOvr>
+</p:notes>
+</file>
+
+<file path=ppt/notesSlides/notesSlide11.xml><?xml version="1.0" encoding="utf-8"?>
+<p:notes xmlns:a="http://schemas.openxmlformats.org/drawingml/2006/main" xmlns:r="http://schemas.openxmlformats.org/officeDocument/2006/relationships" xmlns:p="http://schemas.openxmlformats.org/presentationml/2006/main">
+  <p:cSld>
+    <p:spTree>
+      <p:nvGrpSpPr>
+        <p:cNvPr id="1" name=""/>
+        <p:cNvGrpSpPr/>
+        <p:nvPr/>
+      </p:nvGrpSpPr>
+      <p:grpSpPr>
+        <a:xfrm>
+          <a:off x="0" y="0"/>
+          <a:ext cx="0" cy="0"/>
+          <a:chOff x="0" y="0"/>
+          <a:chExt cx="0" cy="0"/>
+        </a:xfrm>
+      </p:grpSpPr>
+      <p:sp>
+        <p:nvSpPr>
+          <p:cNvPr id="2" name="Slide Image Placeholder 1"/>
+          <p:cNvSpPr>
+            <a:spLocks noGrp="1" noRot="1" noChangeAspect="1"/>
+          </p:cNvSpPr>
+          <p:nvPr>
+            <p:ph type="sldImg"/>
+          </p:nvPr>
+        </p:nvSpPr>
+        <p:spPr/>
+      </p:sp>
+      <p:sp>
+        <p:nvSpPr>
+          <p:cNvPr id="3" name="Notes Placeholder 2"/>
+          <p:cNvSpPr>
+            <a:spLocks noGrp="1"/>
+          </p:cNvSpPr>
+          <p:nvPr>
+            <p:ph type="body" idx="1"/>
+          </p:nvPr>
+        </p:nvSpPr>
+        <p:spPr/>
+        <p:txBody>
+          <a:bodyPr/>
+          <a:lstStyle/>
+          <a:p>
+            <a:r>
+              <a:rPr lang="en-US" sz="1100" b="0" i="0" u="none" strike="noStrike" kern="1200" cap="none" dirty="0" smtClean="0">
+                <a:solidFill>
+                  <a:schemeClr val="dk1"/>
+                </a:solidFill>
+                <a:effectLst/>
+                <a:latin typeface="Verdana"/>
+                <a:ea typeface="Verdana"/>
+                <a:cs typeface="Verdana"/>
+                <a:sym typeface="Verdana"/>
+              </a:rPr>
+              <a:t>1.Through the CLI, the operator takes an action (e.g. deploy for the first time, scaling up deployment) which requires creating a new VM.</a:t>
+            </a:r>
+          </a:p>
+          <a:p>
+            <a:r>
+              <a:rPr lang="en-US" sz="1100" b="0" i="0" u="none" strike="noStrike" kern="1200" cap="none" dirty="0" smtClean="0">
+                <a:solidFill>
+                  <a:schemeClr val="dk1"/>
+                </a:solidFill>
+                <a:effectLst/>
+                <a:latin typeface="Verdana"/>
+                <a:ea typeface="Verdana"/>
+                <a:cs typeface="Verdana"/>
+                <a:sym typeface="Verdana"/>
+              </a:rPr>
+              <a:t>2.The CLI passes the instruction to the Director.</a:t>
+            </a:r>
+          </a:p>
+          <a:p>
+            <a:r>
+              <a:rPr lang="en-US" sz="1100" b="0" i="0" u="none" strike="noStrike" kern="1200" cap="none" dirty="0" smtClean="0">
+                <a:solidFill>
+                  <a:schemeClr val="dk1"/>
+                </a:solidFill>
+                <a:effectLst/>
+                <a:latin typeface="Verdana"/>
+                <a:ea typeface="Verdana"/>
+                <a:cs typeface="Verdana"/>
+                <a:sym typeface="Verdana"/>
+              </a:rPr>
+              <a:t>3.The Director uses the CPI to tell the IaaS to launch a VM.</a:t>
+            </a:r>
+          </a:p>
+          <a:p>
+            <a:r>
+              <a:rPr lang="en-US" sz="1100" b="0" i="0" u="none" strike="noStrike" kern="1200" cap="none" dirty="0" smtClean="0">
+                <a:solidFill>
+                  <a:schemeClr val="dk1"/>
+                </a:solidFill>
+                <a:effectLst/>
+                <a:latin typeface="Verdana"/>
+                <a:ea typeface="Verdana"/>
+                <a:cs typeface="Verdana"/>
+                <a:sym typeface="Verdana"/>
+              </a:rPr>
+              <a:t>4.The IaaS provides the Director with information (IP addresses and IDs) the Agent on the VM needs to configure the VM.</a:t>
+            </a:r>
+          </a:p>
+          <a:p>
+            <a:r>
+              <a:rPr lang="en-US" sz="1100" b="0" i="0" u="none" strike="noStrike" kern="1200" cap="none" dirty="0" smtClean="0">
+                <a:solidFill>
+                  <a:schemeClr val="dk1"/>
+                </a:solidFill>
+                <a:effectLst/>
+                <a:latin typeface="Verdana"/>
+                <a:ea typeface="Verdana"/>
+                <a:cs typeface="Verdana"/>
+                <a:sym typeface="Verdana"/>
+              </a:rPr>
+              <a:t>5.The Director updates the Registry with the configuration information for the VM.</a:t>
+            </a:r>
+          </a:p>
+          <a:p>
+            <a:r>
+              <a:rPr lang="en-US" sz="1100" b="0" i="0" u="none" strike="noStrike" kern="1200" cap="none" dirty="0" smtClean="0">
+                <a:solidFill>
+                  <a:schemeClr val="dk1"/>
+                </a:solidFill>
+                <a:effectLst/>
+                <a:latin typeface="Verdana"/>
+                <a:ea typeface="Verdana"/>
+                <a:cs typeface="Verdana"/>
+                <a:sym typeface="Verdana"/>
+              </a:rPr>
+              <a:t>6.The Agent running on the VM requests the configuration information for the VM from the Registry.</a:t>
+            </a:r>
+          </a:p>
+          <a:p>
+            <a:r>
+              <a:rPr lang="en-US" sz="1100" b="0" i="0" u="none" strike="noStrike" kern="1200" cap="none" dirty="0" smtClean="0">
+                <a:solidFill>
+                  <a:schemeClr val="dk1"/>
+                </a:solidFill>
+                <a:effectLst/>
+                <a:latin typeface="Verdana"/>
+                <a:ea typeface="Verdana"/>
+                <a:cs typeface="Verdana"/>
+                <a:sym typeface="Verdana"/>
+              </a:rPr>
+              <a:t>7.The Registry responds with the IP addresses and IDs.</a:t>
+            </a:r>
+          </a:p>
+          <a:p>
+            <a:r>
+              <a:rPr lang="en-US" sz="1100" b="0" i="0" u="none" strike="noStrike" kern="1200" cap="none" dirty="0" smtClean="0">
+                <a:solidFill>
+                  <a:schemeClr val="dk1"/>
+                </a:solidFill>
+                <a:effectLst/>
+                <a:latin typeface="Verdana"/>
+                <a:ea typeface="Verdana"/>
+                <a:cs typeface="Verdana"/>
+                <a:sym typeface="Verdana"/>
+              </a:rPr>
+              <a:t>8.The Agent uses the IP addresses and IDs to configure the VM.</a:t>
+            </a:r>
+            <a:endParaRPr lang="en-US" sz="1100" b="0" i="0" u="none" strike="noStrike" kern="1200" cap="none" dirty="0">
+              <a:solidFill>
+                <a:schemeClr val="dk1"/>
+              </a:solidFill>
+              <a:effectLst/>
+              <a:latin typeface="Verdana"/>
+              <a:ea typeface="Verdana"/>
+              <a:cs typeface="Verdana"/>
+              <a:sym typeface="Verdana"/>
+            </a:endParaRPr>
+          </a:p>
+        </p:txBody>
+      </p:sp>
+    </p:spTree>
+    <p:extLst>
+      <p:ext uri="{BB962C8B-B14F-4D97-AF65-F5344CB8AC3E}">
+        <p14:creationId xmlns:p14="http://schemas.microsoft.com/office/powerpoint/2010/main" val="308719690"/>
       </p:ext>
     </p:extLst>
   </p:cSld>
@@ -1368,14 +1809,14 @@
           <a:bodyPr/>
           <a:lstStyle/>
           <a:p>
-            <a:endParaRPr lang="en-US" dirty="0"/>
+            <a:endParaRPr lang="en-US"/>
           </a:p>
         </p:txBody>
       </p:sp>
     </p:spTree>
     <p:extLst>
       <p:ext uri="{BB962C8B-B14F-4D97-AF65-F5344CB8AC3E}">
-        <p14:creationId xmlns:p14="http://schemas.microsoft.com/office/powerpoint/2010/main" val="1837848497"/>
+        <p14:creationId xmlns:p14="http://schemas.microsoft.com/office/powerpoint/2010/main" val="4231368525"/>
       </p:ext>
     </p:extLst>
   </p:cSld>
@@ -1434,14 +1875,59 @@
           <a:bodyPr/>
           <a:lstStyle/>
           <a:p>
-            <a:endParaRPr lang="en-US" dirty="0"/>
+            <a:r>
+              <a:rPr lang="en-US" dirty="0" smtClean="0"/>
+              <a:t>Admin - has permissions on all orgs and spaces</a:t>
+            </a:r>
+          </a:p>
+          <a:p>
+            <a:r>
+              <a:rPr lang="en-US" dirty="0" smtClean="0"/>
+              <a:t>Admin Read-Only - has read-only access to all Cloud Controller API resources.</a:t>
+            </a:r>
+          </a:p>
+          <a:p>
+            <a:r>
+              <a:rPr lang="en-US" dirty="0" smtClean="0"/>
+              <a:t>Global Auditor - has read-only access to all Cloud Controller API resources except for secrets such as environment variables. </a:t>
+            </a:r>
+          </a:p>
+          <a:p>
+            <a:r>
+              <a:rPr lang="en-US" dirty="0" smtClean="0"/>
+              <a:t>Org Managers - are managers who need to administer the org.</a:t>
+            </a:r>
+          </a:p>
+          <a:p>
+            <a:r>
+              <a:rPr lang="en-US" dirty="0" smtClean="0"/>
+              <a:t>Org Auditors  - view but cannot edit user information and org quota usage information.</a:t>
+            </a:r>
+          </a:p>
+          <a:p>
+            <a:r>
+              <a:rPr lang="en-US" dirty="0" smtClean="0"/>
+              <a:t>Space Managers - are managers who administer a space within an org.</a:t>
+            </a:r>
+          </a:p>
+          <a:p>
+            <a:r>
+              <a:rPr lang="en-US" dirty="0" smtClean="0"/>
+              <a:t>Space Developers - are application developers who manage applications and services in a space.</a:t>
+            </a:r>
+          </a:p>
+          <a:p>
+            <a:r>
+              <a:rPr lang="en-US" dirty="0" smtClean="0"/>
+              <a:t>Space Auditors - view but cannot edit the space.</a:t>
+            </a:r>
           </a:p>
         </p:txBody>
       </p:sp>
     </p:spTree>
     <p:extLst>
       <p:ext uri="{BB962C8B-B14F-4D97-AF65-F5344CB8AC3E}">
-        <p14:creationId xmlns:p14="http://schemas.microsoft.com/office/powerpoint/2010/main" val="1154243325"/>
+        <p14:creationId xmlns:p14="http://schemas.microsoft.com/office/powerpoint/2010/main" val="2952323326"/>
       </p:ext>
     </p:extLst>
   </p:cSld>
@@ -1452,6 +1938,67 @@
 </file>
 
 <file path=ppt/notesSlides/notesSlide4.xml><?xml version="1.0" encoding="utf-8"?>
+<p:notes xmlns:a="http://schemas.openxmlformats.org/drawingml/2006/main" xmlns:r="http://schemas.openxmlformats.org/officeDocument/2006/relationships" xmlns:p="http://schemas.openxmlformats.org/presentationml/2006/main">
+  <p:cSld>
+    <p:spTree>
+      <p:nvGrpSpPr>
+        <p:cNvPr id="1" name=""/>
+        <p:cNvGrpSpPr/>
+        <p:nvPr/>
+      </p:nvGrpSpPr>
+      <p:grpSpPr>
+        <a:xfrm>
+          <a:off x="0" y="0"/>
+          <a:ext cx="0" cy="0"/>
+          <a:chOff x="0" y="0"/>
+          <a:chExt cx="0" cy="0"/>
+        </a:xfrm>
+      </p:grpSpPr>
+      <p:sp>
+        <p:nvSpPr>
+          <p:cNvPr id="2" name="Slide Image Placeholder 1"/>
+          <p:cNvSpPr>
+            <a:spLocks noGrp="1" noRot="1" noChangeAspect="1"/>
+          </p:cNvSpPr>
+          <p:nvPr>
+            <p:ph type="sldImg"/>
+          </p:nvPr>
+        </p:nvSpPr>
+        <p:spPr/>
+      </p:sp>
+      <p:sp>
+        <p:nvSpPr>
+          <p:cNvPr id="3" name="Notes Placeholder 2"/>
+          <p:cNvSpPr>
+            <a:spLocks noGrp="1"/>
+          </p:cNvSpPr>
+          <p:nvPr>
+            <p:ph type="body" idx="1"/>
+          </p:nvPr>
+        </p:nvSpPr>
+        <p:spPr/>
+        <p:txBody>
+          <a:bodyPr/>
+          <a:lstStyle/>
+          <a:p>
+            <a:endParaRPr lang="en-US" dirty="0"/>
+          </a:p>
+        </p:txBody>
+      </p:sp>
+    </p:spTree>
+    <p:extLst>
+      <p:ext uri="{BB962C8B-B14F-4D97-AF65-F5344CB8AC3E}">
+        <p14:creationId xmlns:p14="http://schemas.microsoft.com/office/powerpoint/2010/main" val="1837848497"/>
+      </p:ext>
+    </p:extLst>
+  </p:cSld>
+  <p:clrMapOvr>
+    <a:masterClrMapping/>
+  </p:clrMapOvr>
+</p:notes>
+</file>
+
+<file path=ppt/notesSlides/notesSlide5.xml><?xml version="1.0" encoding="utf-8"?>
 <p:notes xmlns:a="http://schemas.openxmlformats.org/drawingml/2006/main" xmlns:r="http://schemas.openxmlformats.org/officeDocument/2006/relationships" xmlns:p="http://schemas.openxmlformats.org/presentationml/2006/main">
   <p:cSld>
     <p:spTree>
@@ -1507,68 +2054,7 @@
     </p:spTree>
     <p:extLst>
       <p:ext uri="{BB962C8B-B14F-4D97-AF65-F5344CB8AC3E}">
-        <p14:creationId xmlns:p14="http://schemas.microsoft.com/office/powerpoint/2010/main" val="1254922115"/>
-      </p:ext>
-    </p:extLst>
-  </p:cSld>
-  <p:clrMapOvr>
-    <a:masterClrMapping/>
-  </p:clrMapOvr>
-</p:notes>
-</file>
-
-<file path=ppt/notesSlides/notesSlide5.xml><?xml version="1.0" encoding="utf-8"?>
-<p:notes xmlns:a="http://schemas.openxmlformats.org/drawingml/2006/main" xmlns:r="http://schemas.openxmlformats.org/officeDocument/2006/relationships" xmlns:p="http://schemas.openxmlformats.org/presentationml/2006/main">
-  <p:cSld>
-    <p:spTree>
-      <p:nvGrpSpPr>
-        <p:cNvPr id="1" name=""/>
-        <p:cNvGrpSpPr/>
-        <p:nvPr/>
-      </p:nvGrpSpPr>
-      <p:grpSpPr>
-        <a:xfrm>
-          <a:off x="0" y="0"/>
-          <a:ext cx="0" cy="0"/>
-          <a:chOff x="0" y="0"/>
-          <a:chExt cx="0" cy="0"/>
-        </a:xfrm>
-      </p:grpSpPr>
-      <p:sp>
-        <p:nvSpPr>
-          <p:cNvPr id="2" name="Slide Image Placeholder 1"/>
-          <p:cNvSpPr>
-            <a:spLocks noGrp="1" noRot="1" noChangeAspect="1"/>
-          </p:cNvSpPr>
-          <p:nvPr>
-            <p:ph type="sldImg"/>
-          </p:nvPr>
-        </p:nvSpPr>
-        <p:spPr/>
-      </p:sp>
-      <p:sp>
-        <p:nvSpPr>
-          <p:cNvPr id="3" name="Notes Placeholder 2"/>
-          <p:cNvSpPr>
-            <a:spLocks noGrp="1"/>
-          </p:cNvSpPr>
-          <p:nvPr>
-            <p:ph type="body" idx="1"/>
-          </p:nvPr>
-        </p:nvSpPr>
-        <p:spPr/>
-        <p:txBody>
-          <a:bodyPr/>
-          <a:lstStyle/>
-          <a:p>
-            <a:endParaRPr lang="en-US"/>
-          </a:p>
-        </p:txBody>
-      </p:sp>
-    </p:spTree>
-    <p:extLst>
-      <p:ext uri="{BB962C8B-B14F-4D97-AF65-F5344CB8AC3E}">
-        <p14:creationId xmlns:p14="http://schemas.microsoft.com/office/powerpoint/2010/main" val="4231368525"/>
+        <p14:creationId xmlns:p14="http://schemas.microsoft.com/office/powerpoint/2010/main" val="1154243325"/>
       </p:ext>
     </p:extLst>
   </p:cSld>
@@ -1605,7 +2091,12 @@
             <p:ph type="sldImg"/>
           </p:nvPr>
         </p:nvSpPr>
-        <p:spPr/>
+        <p:spPr>
+          <a:xfrm>
+            <a:off x="1628775" y="692150"/>
+            <a:ext cx="3733800" cy="2100263"/>
+          </a:xfrm>
+        </p:spPr>
       </p:sp>
       <p:sp>
         <p:nvSpPr>
@@ -1622,822 +2113,14 @@
           <a:bodyPr/>
           <a:lstStyle/>
           <a:p>
-            <a:pPr marL="0" marR="0" indent="0" algn="l" defTabSz="457200" rtl="0" eaLnBrk="1" fontAlgn="auto" latinLnBrk="0" hangingPunct="1">
-              <a:lnSpc>
-                <a:spcPct val="100000"/>
-              </a:lnSpc>
-              <a:spcBef>
-                <a:spcPts val="1200"/>
-              </a:spcBef>
-              <a:spcAft>
-                <a:spcPts val="0"/>
-              </a:spcAft>
-              <a:buClr>
-                <a:schemeClr val="dk1"/>
-              </a:buClr>
-              <a:buSzTx/>
-              <a:buFont typeface="Arial"/>
-              <a:buNone/>
-              <a:tabLst/>
-              <a:defRPr/>
-            </a:pPr>
-            <a:r>
-              <a:rPr lang="en-US" dirty="0" smtClean="0"/>
-              <a:t>The router routes incoming traffic to the appropriate component, either a Cloud Controller component or a hosted application running on a Diego Cell.</a:t>
-            </a:r>
-          </a:p>
-          <a:p>
-            <a:pPr marL="0" marR="0" indent="0" algn="l" defTabSz="457200" rtl="0" eaLnBrk="1" fontAlgn="auto" latinLnBrk="0" hangingPunct="1">
-              <a:lnSpc>
-                <a:spcPct val="100000"/>
-              </a:lnSpc>
-              <a:spcBef>
-                <a:spcPts val="1200"/>
-              </a:spcBef>
-              <a:spcAft>
-                <a:spcPts val="0"/>
-              </a:spcAft>
-              <a:buClr>
-                <a:schemeClr val="dk1"/>
-              </a:buClr>
-              <a:buSzTx/>
-              <a:buFont typeface="Arial"/>
-              <a:buNone/>
-              <a:tabLst/>
-              <a:defRPr/>
-            </a:pPr>
-            <a:endParaRPr lang="en-US" dirty="0" smtClean="0"/>
-          </a:p>
-          <a:p>
-            <a:pPr marL="0" marR="0" indent="0" algn="l" defTabSz="457200" rtl="0" eaLnBrk="1" fontAlgn="auto" latinLnBrk="0" hangingPunct="1">
-              <a:lnSpc>
-                <a:spcPct val="100000"/>
-              </a:lnSpc>
-              <a:spcBef>
-                <a:spcPts val="1200"/>
-              </a:spcBef>
-              <a:spcAft>
-                <a:spcPts val="0"/>
-              </a:spcAft>
-              <a:buClr>
-                <a:schemeClr val="dk1"/>
-              </a:buClr>
-              <a:buSzTx/>
-              <a:buFont typeface="Arial"/>
-              <a:buNone/>
-              <a:tabLst/>
-              <a:defRPr/>
-            </a:pPr>
-            <a:r>
-              <a:rPr lang="en-US" dirty="0" smtClean="0"/>
-              <a:t>The OAuth2 server (the UAA) and Login Server work together to provide identity management.</a:t>
-            </a:r>
-          </a:p>
-          <a:p>
-            <a:pPr marL="0" marR="0" indent="0" algn="l" defTabSz="457200" rtl="0" eaLnBrk="1" fontAlgn="auto" latinLnBrk="0" hangingPunct="1">
-              <a:lnSpc>
-                <a:spcPct val="100000"/>
-              </a:lnSpc>
-              <a:spcBef>
-                <a:spcPts val="1200"/>
-              </a:spcBef>
-              <a:spcAft>
-                <a:spcPts val="0"/>
-              </a:spcAft>
-              <a:buClr>
-                <a:schemeClr val="dk1"/>
-              </a:buClr>
-              <a:buSzTx/>
-              <a:buFont typeface="Arial"/>
-              <a:buNone/>
-              <a:tabLst/>
-              <a:defRPr/>
-            </a:pPr>
-            <a:endParaRPr lang="en-US" dirty="0" smtClean="0"/>
-          </a:p>
-          <a:p>
-            <a:pPr marL="0" marR="0" indent="0" algn="l" defTabSz="457200" rtl="0" eaLnBrk="1" fontAlgn="auto" latinLnBrk="0" hangingPunct="1">
-              <a:lnSpc>
-                <a:spcPct val="100000"/>
-              </a:lnSpc>
-              <a:spcBef>
-                <a:spcPts val="1200"/>
-              </a:spcBef>
-              <a:spcAft>
-                <a:spcPts val="0"/>
-              </a:spcAft>
-              <a:buClr>
-                <a:schemeClr val="dk1"/>
-              </a:buClr>
-              <a:buSzTx/>
-              <a:buFont typeface="Arial"/>
-              <a:buNone/>
-              <a:tabLst/>
-              <a:defRPr/>
-            </a:pPr>
-            <a:r>
-              <a:rPr lang="en-US" dirty="0" smtClean="0"/>
-              <a:t>The Cloud Controller (CC) directs the deployment of applications. To push an app to Cloud Foundry, you target the Cloud Controller. The Cloud Controller then directs the Diego Brain through the CC-Bridge to coordinate individual Diego cells to stage and run applications.</a:t>
-            </a:r>
-          </a:p>
-          <a:p>
-            <a:pPr marL="0" marR="0" indent="0" algn="l" defTabSz="457200" rtl="0" eaLnBrk="1" fontAlgn="auto" latinLnBrk="0" hangingPunct="1">
-              <a:lnSpc>
-                <a:spcPct val="100000"/>
-              </a:lnSpc>
-              <a:spcBef>
-                <a:spcPts val="1200"/>
-              </a:spcBef>
-              <a:spcAft>
-                <a:spcPts val="0"/>
-              </a:spcAft>
-              <a:buClr>
-                <a:schemeClr val="dk1"/>
-              </a:buClr>
-              <a:buSzTx/>
-              <a:buFont typeface="Arial"/>
-              <a:buNone/>
-              <a:tabLst/>
-              <a:defRPr/>
-            </a:pPr>
-            <a:endParaRPr lang="en-US" dirty="0" smtClean="0"/>
-          </a:p>
-          <a:p>
-            <a:pPr marL="0" marR="0" indent="0" algn="l" defTabSz="457200" rtl="0" eaLnBrk="1" fontAlgn="auto" latinLnBrk="0" hangingPunct="1">
-              <a:lnSpc>
-                <a:spcPct val="100000"/>
-              </a:lnSpc>
-              <a:spcBef>
-                <a:spcPts val="1200"/>
-              </a:spcBef>
-              <a:spcAft>
-                <a:spcPts val="0"/>
-              </a:spcAft>
-              <a:buClr>
-                <a:schemeClr val="dk1"/>
-              </a:buClr>
-              <a:buSzTx/>
-              <a:buFont typeface="Arial"/>
-              <a:buNone/>
-              <a:tabLst/>
-              <a:defRPr/>
-            </a:pPr>
-            <a:r>
-              <a:rPr lang="en-US" dirty="0" err="1" smtClean="0"/>
-              <a:t>nsync</a:t>
-            </a:r>
-            <a:r>
-              <a:rPr lang="en-US" dirty="0" smtClean="0"/>
-              <a:t> receives a message from the Cloud Controller when the user scales an app. It writes the number of instances into a </a:t>
-            </a:r>
-            <a:r>
-              <a:rPr lang="en-US" dirty="0" err="1" smtClean="0"/>
-              <a:t>DesiredLRP</a:t>
-            </a:r>
-            <a:r>
-              <a:rPr lang="en-US" dirty="0" smtClean="0"/>
-              <a:t> structure in the Diego BBS database.</a:t>
-            </a:r>
-          </a:p>
-          <a:p>
-            <a:pPr marL="0" marR="0" indent="0" algn="l" defTabSz="457200" rtl="0" eaLnBrk="1" fontAlgn="auto" latinLnBrk="0" hangingPunct="1">
-              <a:lnSpc>
-                <a:spcPct val="100000"/>
-              </a:lnSpc>
-              <a:spcBef>
-                <a:spcPts val="1200"/>
-              </a:spcBef>
-              <a:spcAft>
-                <a:spcPts val="0"/>
-              </a:spcAft>
-              <a:buClr>
-                <a:schemeClr val="dk1"/>
-              </a:buClr>
-              <a:buSzTx/>
-              <a:buFont typeface="Arial"/>
-              <a:buNone/>
-              <a:tabLst/>
-              <a:defRPr/>
-            </a:pPr>
-            <a:r>
-              <a:rPr lang="en-US" dirty="0" smtClean="0"/>
-              <a:t>BBS uses its convergence process to monitor the </a:t>
-            </a:r>
-            <a:r>
-              <a:rPr lang="en-US" dirty="0" err="1" smtClean="0"/>
-              <a:t>DesiredLRP</a:t>
-            </a:r>
-            <a:r>
-              <a:rPr lang="en-US" dirty="0" smtClean="0"/>
-              <a:t> and </a:t>
-            </a:r>
-            <a:r>
-              <a:rPr lang="en-US" dirty="0" err="1" smtClean="0"/>
-              <a:t>ActualLRP</a:t>
-            </a:r>
-            <a:r>
-              <a:rPr lang="en-US" dirty="0" smtClean="0"/>
-              <a:t> values. It launches or kills application instances as appropriate to ensure the </a:t>
-            </a:r>
-            <a:r>
-              <a:rPr lang="en-US" dirty="0" err="1" smtClean="0"/>
-              <a:t>ActualLRP</a:t>
-            </a:r>
-            <a:r>
-              <a:rPr lang="en-US" dirty="0" smtClean="0"/>
-              <a:t> count matches the </a:t>
-            </a:r>
-            <a:r>
-              <a:rPr lang="en-US" dirty="0" err="1" smtClean="0"/>
-              <a:t>DesiredLRP</a:t>
-            </a:r>
-            <a:r>
-              <a:rPr lang="en-US" dirty="0" smtClean="0"/>
-              <a:t> count.</a:t>
-            </a:r>
-          </a:p>
-          <a:p>
-            <a:pPr marL="0" marR="0" indent="0" algn="l" defTabSz="457200" rtl="0" eaLnBrk="1" fontAlgn="auto" latinLnBrk="0" hangingPunct="1">
-              <a:lnSpc>
-                <a:spcPct val="100000"/>
-              </a:lnSpc>
-              <a:spcBef>
-                <a:spcPts val="1200"/>
-              </a:spcBef>
-              <a:spcAft>
-                <a:spcPts val="0"/>
-              </a:spcAft>
-              <a:buClr>
-                <a:schemeClr val="dk1"/>
-              </a:buClr>
-              <a:buSzTx/>
-              <a:buFont typeface="Arial"/>
-              <a:buNone/>
-              <a:tabLst/>
-              <a:defRPr/>
-            </a:pPr>
-            <a:r>
-              <a:rPr lang="en-US" dirty="0" smtClean="0"/>
-              <a:t>Cell Rep monitors the containers and provides the </a:t>
-            </a:r>
-            <a:r>
-              <a:rPr lang="en-US" dirty="0" err="1" smtClean="0"/>
-              <a:t>ActualLRP</a:t>
-            </a:r>
-            <a:r>
-              <a:rPr lang="en-US" dirty="0" smtClean="0"/>
-              <a:t> value.</a:t>
-            </a:r>
-          </a:p>
-          <a:p>
-            <a:pPr marL="0" marR="0" indent="0" algn="l" defTabSz="457200" rtl="0" eaLnBrk="1" fontAlgn="auto" latinLnBrk="0" hangingPunct="1">
-              <a:lnSpc>
-                <a:spcPct val="100000"/>
-              </a:lnSpc>
-              <a:spcBef>
-                <a:spcPts val="1200"/>
-              </a:spcBef>
-              <a:spcAft>
-                <a:spcPts val="0"/>
-              </a:spcAft>
-              <a:buClr>
-                <a:schemeClr val="dk1"/>
-              </a:buClr>
-              <a:buSzTx/>
-              <a:buFont typeface="Arial"/>
-              <a:buNone/>
-              <a:tabLst/>
-              <a:defRPr/>
-            </a:pPr>
-            <a:endParaRPr lang="en-US" dirty="0" smtClean="0"/>
-          </a:p>
-          <a:p>
-            <a:pPr marL="0" marR="0" indent="0" algn="l" defTabSz="457200" rtl="0" eaLnBrk="1" fontAlgn="auto" latinLnBrk="0" hangingPunct="1">
-              <a:lnSpc>
-                <a:spcPct val="100000"/>
-              </a:lnSpc>
-              <a:spcBef>
-                <a:spcPts val="1200"/>
-              </a:spcBef>
-              <a:spcAft>
-                <a:spcPts val="0"/>
-              </a:spcAft>
-              <a:buClr>
-                <a:schemeClr val="dk1"/>
-              </a:buClr>
-              <a:buSzTx/>
-              <a:buFont typeface="Arial"/>
-              <a:buNone/>
-              <a:tabLst/>
-              <a:defRPr/>
-            </a:pPr>
-            <a:r>
-              <a:rPr lang="en-US" dirty="0" smtClean="0"/>
-              <a:t>The </a:t>
-            </a:r>
-            <a:r>
-              <a:rPr lang="en-US" dirty="0" err="1" smtClean="0"/>
-              <a:t>blobstore</a:t>
-            </a:r>
-            <a:r>
-              <a:rPr lang="en-US" dirty="0" smtClean="0"/>
-              <a:t> is a repository for large binary files, which </a:t>
-            </a:r>
-            <a:r>
-              <a:rPr lang="en-US" dirty="0" err="1" smtClean="0"/>
-              <a:t>Github</a:t>
-            </a:r>
-            <a:r>
-              <a:rPr lang="en-US" dirty="0" smtClean="0"/>
-              <a:t> cannot easily manage because </a:t>
-            </a:r>
-            <a:r>
-              <a:rPr lang="en-US" dirty="0" err="1" smtClean="0"/>
-              <a:t>Github</a:t>
-            </a:r>
-            <a:r>
-              <a:rPr lang="en-US" dirty="0" smtClean="0"/>
-              <a:t> is designed for code. </a:t>
-            </a:r>
-            <a:r>
-              <a:rPr lang="en-US" dirty="0" err="1" smtClean="0"/>
-              <a:t>Blobstore</a:t>
-            </a:r>
-            <a:r>
-              <a:rPr lang="en-US" dirty="0" smtClean="0"/>
-              <a:t> binaries include:</a:t>
-            </a:r>
-          </a:p>
-          <a:p>
-            <a:pPr marL="0" marR="0" indent="0" algn="l" defTabSz="457200" rtl="0" eaLnBrk="1" fontAlgn="auto" latinLnBrk="0" hangingPunct="1">
-              <a:lnSpc>
-                <a:spcPct val="100000"/>
-              </a:lnSpc>
-              <a:spcBef>
-                <a:spcPts val="1200"/>
-              </a:spcBef>
-              <a:spcAft>
-                <a:spcPts val="0"/>
-              </a:spcAft>
-              <a:buClr>
-                <a:schemeClr val="dk1"/>
-              </a:buClr>
-              <a:buSzTx/>
-              <a:buFont typeface="Arial"/>
-              <a:buNone/>
-              <a:tabLst/>
-              <a:defRPr/>
-            </a:pPr>
-            <a:r>
-              <a:rPr lang="en-US" dirty="0" smtClean="0"/>
-              <a:t>Application code packages</a:t>
-            </a:r>
-          </a:p>
-          <a:p>
-            <a:pPr marL="0" marR="0" indent="0" algn="l" defTabSz="457200" rtl="0" eaLnBrk="1" fontAlgn="auto" latinLnBrk="0" hangingPunct="1">
-              <a:lnSpc>
-                <a:spcPct val="100000"/>
-              </a:lnSpc>
-              <a:spcBef>
-                <a:spcPts val="1200"/>
-              </a:spcBef>
-              <a:spcAft>
-                <a:spcPts val="0"/>
-              </a:spcAft>
-              <a:buClr>
-                <a:schemeClr val="dk1"/>
-              </a:buClr>
-              <a:buSzTx/>
-              <a:buFont typeface="Arial"/>
-              <a:buNone/>
-              <a:tabLst/>
-              <a:defRPr/>
-            </a:pPr>
-            <a:r>
-              <a:rPr lang="en-US" dirty="0" err="1" smtClean="0"/>
-              <a:t>Buildpacks</a:t>
-            </a:r>
-            <a:endParaRPr lang="en-US" dirty="0" smtClean="0"/>
-          </a:p>
-          <a:p>
-            <a:pPr marL="0" marR="0" indent="0" algn="l" defTabSz="457200" rtl="0" eaLnBrk="1" fontAlgn="auto" latinLnBrk="0" hangingPunct="1">
-              <a:lnSpc>
-                <a:spcPct val="100000"/>
-              </a:lnSpc>
-              <a:spcBef>
-                <a:spcPts val="1200"/>
-              </a:spcBef>
-              <a:spcAft>
-                <a:spcPts val="0"/>
-              </a:spcAft>
-              <a:buClr>
-                <a:schemeClr val="dk1"/>
-              </a:buClr>
-              <a:buSzTx/>
-              <a:buFont typeface="Arial"/>
-              <a:buNone/>
-              <a:tabLst/>
-              <a:defRPr/>
-            </a:pPr>
-            <a:r>
-              <a:rPr lang="en-US" dirty="0" smtClean="0"/>
-              <a:t>Droplets</a:t>
-            </a:r>
-          </a:p>
-          <a:p>
-            <a:pPr marL="0" marR="0" indent="0" algn="l" defTabSz="457200" rtl="0" eaLnBrk="1" fontAlgn="auto" latinLnBrk="0" hangingPunct="1">
-              <a:lnSpc>
-                <a:spcPct val="100000"/>
-              </a:lnSpc>
-              <a:spcBef>
-                <a:spcPts val="1200"/>
-              </a:spcBef>
-              <a:spcAft>
-                <a:spcPts val="0"/>
-              </a:spcAft>
-              <a:buClr>
-                <a:schemeClr val="dk1"/>
-              </a:buClr>
-              <a:buSzTx/>
-              <a:buFont typeface="Arial"/>
-              <a:buNone/>
-              <a:tabLst/>
-              <a:defRPr/>
-            </a:pPr>
-            <a:endParaRPr lang="en-US" dirty="0" smtClean="0"/>
-          </a:p>
-          <a:p>
-            <a:pPr marL="0" marR="0" indent="0" algn="l" defTabSz="457200" rtl="0" eaLnBrk="1" fontAlgn="auto" latinLnBrk="0" hangingPunct="1">
-              <a:lnSpc>
-                <a:spcPct val="100000"/>
-              </a:lnSpc>
-              <a:spcBef>
-                <a:spcPts val="1200"/>
-              </a:spcBef>
-              <a:spcAft>
-                <a:spcPts val="0"/>
-              </a:spcAft>
-              <a:buClr>
-                <a:schemeClr val="dk1"/>
-              </a:buClr>
-              <a:buSzTx/>
-              <a:buFont typeface="Arial"/>
-              <a:buNone/>
-              <a:tabLst/>
-              <a:defRPr/>
-            </a:pPr>
-            <a:r>
-              <a:rPr lang="en-US" dirty="0" smtClean="0"/>
-              <a:t>Diego Cell</a:t>
-            </a:r>
-          </a:p>
-          <a:p>
-            <a:pPr marL="0" marR="0" indent="0" algn="l" defTabSz="457200" rtl="0" eaLnBrk="1" fontAlgn="auto" latinLnBrk="0" hangingPunct="1">
-              <a:lnSpc>
-                <a:spcPct val="100000"/>
-              </a:lnSpc>
-              <a:spcBef>
-                <a:spcPts val="1200"/>
-              </a:spcBef>
-              <a:spcAft>
-                <a:spcPts val="0"/>
-              </a:spcAft>
-              <a:buClr>
-                <a:schemeClr val="dk1"/>
-              </a:buClr>
-              <a:buSzTx/>
-              <a:buFont typeface="Arial"/>
-              <a:buNone/>
-              <a:tabLst/>
-              <a:defRPr/>
-            </a:pPr>
-            <a:r>
-              <a:rPr lang="en-US" dirty="0" smtClean="0"/>
-              <a:t>Each application VM has a Diego Cell that executes application start and stop actions locally, manages the VM’s containers, and reports app status and other data to the BBS and </a:t>
-            </a:r>
-            <a:r>
-              <a:rPr lang="en-US" dirty="0" err="1" smtClean="0"/>
-              <a:t>Loggregator</a:t>
-            </a:r>
-            <a:r>
-              <a:rPr lang="en-US" dirty="0" smtClean="0"/>
-              <a:t>.</a:t>
-            </a:r>
-          </a:p>
-          <a:p>
-            <a:pPr marL="0" marR="0" indent="0" algn="l" defTabSz="457200" rtl="0" eaLnBrk="1" fontAlgn="auto" latinLnBrk="0" hangingPunct="1">
-              <a:lnSpc>
-                <a:spcPct val="100000"/>
-              </a:lnSpc>
-              <a:spcBef>
-                <a:spcPts val="1200"/>
-              </a:spcBef>
-              <a:spcAft>
-                <a:spcPts val="0"/>
-              </a:spcAft>
-              <a:buClr>
-                <a:schemeClr val="dk1"/>
-              </a:buClr>
-              <a:buSzTx/>
-              <a:buFont typeface="Arial"/>
-              <a:buNone/>
-              <a:tabLst/>
-              <a:defRPr/>
-            </a:pPr>
-            <a:endParaRPr lang="en-US" dirty="0" smtClean="0"/>
-          </a:p>
-          <a:p>
-            <a:pPr marL="0" marR="0" indent="0" algn="l" defTabSz="457200" rtl="0" eaLnBrk="1" fontAlgn="auto" latinLnBrk="0" hangingPunct="1">
-              <a:lnSpc>
-                <a:spcPct val="100000"/>
-              </a:lnSpc>
-              <a:spcBef>
-                <a:spcPts val="1200"/>
-              </a:spcBef>
-              <a:spcAft>
-                <a:spcPts val="0"/>
-              </a:spcAft>
-              <a:buClr>
-                <a:schemeClr val="dk1"/>
-              </a:buClr>
-              <a:buSzTx/>
-              <a:buFont typeface="Arial"/>
-              <a:buNone/>
-              <a:tabLst/>
-              <a:defRPr/>
-            </a:pPr>
-            <a:r>
-              <a:rPr lang="en-US" dirty="0" smtClean="0"/>
-              <a:t>Service Brokers</a:t>
-            </a:r>
-          </a:p>
-          <a:p>
-            <a:pPr marL="0" marR="0" indent="0" algn="l" defTabSz="457200" rtl="0" eaLnBrk="1" fontAlgn="auto" latinLnBrk="0" hangingPunct="1">
-              <a:lnSpc>
-                <a:spcPct val="100000"/>
-              </a:lnSpc>
-              <a:spcBef>
-                <a:spcPts val="1200"/>
-              </a:spcBef>
-              <a:spcAft>
-                <a:spcPts val="0"/>
-              </a:spcAft>
-              <a:buClr>
-                <a:schemeClr val="dk1"/>
-              </a:buClr>
-              <a:buSzTx/>
-              <a:buFont typeface="Arial"/>
-              <a:buNone/>
-              <a:tabLst/>
-              <a:defRPr/>
-            </a:pPr>
-            <a:r>
-              <a:rPr lang="en-US" dirty="0" smtClean="0"/>
-              <a:t>Applications typically depend on services such as databases or third-party </a:t>
-            </a:r>
-            <a:r>
-              <a:rPr lang="en-US" dirty="0" err="1" smtClean="0"/>
-              <a:t>SaaS</a:t>
-            </a:r>
-            <a:r>
-              <a:rPr lang="en-US" dirty="0" smtClean="0"/>
-              <a:t> providers. When a developer provisions and binds a service to an application, the service broker for that service is responsible for providing the service instance.</a:t>
-            </a:r>
-          </a:p>
-          <a:p>
-            <a:pPr marL="0" marR="0" indent="0" algn="l" defTabSz="457200" rtl="0" eaLnBrk="1" fontAlgn="auto" latinLnBrk="0" hangingPunct="1">
-              <a:lnSpc>
-                <a:spcPct val="100000"/>
-              </a:lnSpc>
-              <a:spcBef>
-                <a:spcPts val="1200"/>
-              </a:spcBef>
-              <a:spcAft>
-                <a:spcPts val="0"/>
-              </a:spcAft>
-              <a:buClr>
-                <a:schemeClr val="dk1"/>
-              </a:buClr>
-              <a:buSzTx/>
-              <a:buFont typeface="Arial"/>
-              <a:buNone/>
-              <a:tabLst/>
-              <a:defRPr/>
-            </a:pPr>
-            <a:endParaRPr lang="en-US" dirty="0" smtClean="0"/>
-          </a:p>
-          <a:p>
-            <a:pPr marL="0" marR="0" indent="0" algn="l" defTabSz="457200" rtl="0" eaLnBrk="1" fontAlgn="auto" latinLnBrk="0" hangingPunct="1">
-              <a:lnSpc>
-                <a:spcPct val="100000"/>
-              </a:lnSpc>
-              <a:spcBef>
-                <a:spcPts val="1200"/>
-              </a:spcBef>
-              <a:spcAft>
-                <a:spcPts val="0"/>
-              </a:spcAft>
-              <a:buClr>
-                <a:schemeClr val="dk1"/>
-              </a:buClr>
-              <a:buSzTx/>
-              <a:buFont typeface="Arial"/>
-              <a:buNone/>
-              <a:tabLst/>
-              <a:defRPr/>
-            </a:pPr>
-            <a:r>
-              <a:rPr lang="en-US" dirty="0" smtClean="0"/>
-              <a:t>Messaging</a:t>
-            </a:r>
-          </a:p>
-          <a:p>
-            <a:pPr marL="0" marR="0" indent="0" algn="l" defTabSz="457200" rtl="0" eaLnBrk="1" fontAlgn="auto" latinLnBrk="0" hangingPunct="1">
-              <a:lnSpc>
-                <a:spcPct val="100000"/>
-              </a:lnSpc>
-              <a:spcBef>
-                <a:spcPts val="1200"/>
-              </a:spcBef>
-              <a:spcAft>
-                <a:spcPts val="0"/>
-              </a:spcAft>
-              <a:buClr>
-                <a:schemeClr val="dk1"/>
-              </a:buClr>
-              <a:buSzTx/>
-              <a:buFont typeface="Arial"/>
-              <a:buNone/>
-              <a:tabLst/>
-              <a:defRPr/>
-            </a:pPr>
-            <a:r>
-              <a:rPr lang="en-US" dirty="0" smtClean="0"/>
-              <a:t>Consul and BBS</a:t>
-            </a:r>
-          </a:p>
-          <a:p>
-            <a:pPr marL="0" marR="0" indent="0" algn="l" defTabSz="457200" rtl="0" eaLnBrk="1" fontAlgn="auto" latinLnBrk="0" hangingPunct="1">
-              <a:lnSpc>
-                <a:spcPct val="100000"/>
-              </a:lnSpc>
-              <a:spcBef>
-                <a:spcPts val="1200"/>
-              </a:spcBef>
-              <a:spcAft>
-                <a:spcPts val="0"/>
-              </a:spcAft>
-              <a:buClr>
-                <a:schemeClr val="dk1"/>
-              </a:buClr>
-              <a:buSzTx/>
-              <a:buFont typeface="Arial"/>
-              <a:buNone/>
-              <a:tabLst/>
-              <a:defRPr/>
-            </a:pPr>
-            <a:r>
-              <a:rPr lang="en-US" dirty="0" smtClean="0"/>
-              <a:t>A Consul server stores longer-lived control data, such as component IP addresses and distributed locks that prevent components from duplicating actions.</a:t>
-            </a:r>
-          </a:p>
-          <a:p>
-            <a:pPr marL="0" marR="0" indent="0" algn="l" defTabSz="457200" rtl="0" eaLnBrk="1" fontAlgn="auto" latinLnBrk="0" hangingPunct="1">
-              <a:lnSpc>
-                <a:spcPct val="100000"/>
-              </a:lnSpc>
-              <a:spcBef>
-                <a:spcPts val="1200"/>
-              </a:spcBef>
-              <a:spcAft>
-                <a:spcPts val="0"/>
-              </a:spcAft>
-              <a:buClr>
-                <a:schemeClr val="dk1"/>
-              </a:buClr>
-              <a:buSzTx/>
-              <a:buFont typeface="Arial"/>
-              <a:buNone/>
-              <a:tabLst/>
-              <a:defRPr/>
-            </a:pPr>
-            <a:r>
-              <a:rPr lang="en-US" dirty="0" smtClean="0"/>
-              <a:t>Diego’s Bulletin Board System (BBS) stores more frequently updated and disposable data such as cell and application status, unallocated work, and heartbeat messages. The BBS stores data in MySQL</a:t>
-            </a:r>
-          </a:p>
-          <a:p>
-            <a:pPr marL="0" marR="0" indent="0" algn="l" defTabSz="457200" rtl="0" eaLnBrk="1" fontAlgn="auto" latinLnBrk="0" hangingPunct="1">
-              <a:lnSpc>
-                <a:spcPct val="100000"/>
-              </a:lnSpc>
-              <a:spcBef>
-                <a:spcPts val="1200"/>
-              </a:spcBef>
-              <a:spcAft>
-                <a:spcPts val="0"/>
-              </a:spcAft>
-              <a:buClr>
-                <a:schemeClr val="dk1"/>
-              </a:buClr>
-              <a:buSzTx/>
-              <a:buFont typeface="Arial"/>
-              <a:buNone/>
-              <a:tabLst/>
-              <a:defRPr/>
-            </a:pPr>
-            <a:endParaRPr lang="en-US" dirty="0" smtClean="0"/>
-          </a:p>
-          <a:p>
-            <a:pPr marL="0" marR="0" indent="0" algn="l" defTabSz="457200" rtl="0" eaLnBrk="1" fontAlgn="auto" latinLnBrk="0" hangingPunct="1">
-              <a:lnSpc>
-                <a:spcPct val="100000"/>
-              </a:lnSpc>
-              <a:spcBef>
-                <a:spcPts val="1200"/>
-              </a:spcBef>
-              <a:spcAft>
-                <a:spcPts val="0"/>
-              </a:spcAft>
-              <a:buClr>
-                <a:schemeClr val="dk1"/>
-              </a:buClr>
-              <a:buSzTx/>
-              <a:buFont typeface="Arial"/>
-              <a:buNone/>
-              <a:tabLst/>
-              <a:defRPr/>
-            </a:pPr>
-            <a:r>
-              <a:rPr lang="en-US" dirty="0" smtClean="0"/>
-              <a:t>Metrics and Logging</a:t>
-            </a:r>
-          </a:p>
-          <a:p>
-            <a:pPr marL="0" marR="0" indent="0" algn="l" defTabSz="457200" rtl="0" eaLnBrk="1" fontAlgn="auto" latinLnBrk="0" hangingPunct="1">
-              <a:lnSpc>
-                <a:spcPct val="100000"/>
-              </a:lnSpc>
-              <a:spcBef>
-                <a:spcPts val="1200"/>
-              </a:spcBef>
-              <a:spcAft>
-                <a:spcPts val="0"/>
-              </a:spcAft>
-              <a:buClr>
-                <a:schemeClr val="dk1"/>
-              </a:buClr>
-              <a:buSzTx/>
-              <a:buFont typeface="Arial"/>
-              <a:buNone/>
-              <a:tabLst/>
-              <a:defRPr/>
-            </a:pPr>
-            <a:r>
-              <a:rPr lang="en-US" dirty="0" err="1" smtClean="0"/>
-              <a:t>Loggregator</a:t>
-            </a:r>
-            <a:endParaRPr lang="en-US" dirty="0" smtClean="0"/>
-          </a:p>
-          <a:p>
-            <a:pPr marL="0" marR="0" indent="0" algn="l" defTabSz="457200" rtl="0" eaLnBrk="1" fontAlgn="auto" latinLnBrk="0" hangingPunct="1">
-              <a:lnSpc>
-                <a:spcPct val="100000"/>
-              </a:lnSpc>
-              <a:spcBef>
-                <a:spcPts val="1200"/>
-              </a:spcBef>
-              <a:spcAft>
-                <a:spcPts val="0"/>
-              </a:spcAft>
-              <a:buClr>
-                <a:schemeClr val="dk1"/>
-              </a:buClr>
-              <a:buSzTx/>
-              <a:buFont typeface="Arial"/>
-              <a:buNone/>
-              <a:tabLst/>
-              <a:defRPr/>
-            </a:pPr>
-            <a:r>
-              <a:rPr lang="en-US" dirty="0" smtClean="0"/>
-              <a:t>The </a:t>
-            </a:r>
-            <a:r>
-              <a:rPr lang="en-US" dirty="0" err="1" smtClean="0"/>
-              <a:t>Loggregator</a:t>
-            </a:r>
-            <a:r>
-              <a:rPr lang="en-US" dirty="0" smtClean="0"/>
-              <a:t> (log aggregator) system streams application logs to developers.</a:t>
-            </a:r>
+            <a:endParaRPr lang="en-US" dirty="0"/>
           </a:p>
         </p:txBody>
       </p:sp>
     </p:spTree>
     <p:extLst>
       <p:ext uri="{BB962C8B-B14F-4D97-AF65-F5344CB8AC3E}">
-        <p14:creationId xmlns:p14="http://schemas.microsoft.com/office/powerpoint/2010/main" val="1065534740"/>
+        <p14:creationId xmlns:p14="http://schemas.microsoft.com/office/powerpoint/2010/main" val="1254922115"/>
       </p:ext>
     </p:extLst>
   </p:cSld>
@@ -2491,14 +2174,822 @@
           <a:bodyPr/>
           <a:lstStyle/>
           <a:p>
-            <a:endParaRPr lang="en-US" dirty="0"/>
+            <a:pPr marL="0" marR="0" indent="0" algn="l" defTabSz="457200" rtl="0" eaLnBrk="1" fontAlgn="auto" latinLnBrk="0" hangingPunct="1">
+              <a:lnSpc>
+                <a:spcPct val="100000"/>
+              </a:lnSpc>
+              <a:spcBef>
+                <a:spcPts val="1200"/>
+              </a:spcBef>
+              <a:spcAft>
+                <a:spcPts val="0"/>
+              </a:spcAft>
+              <a:buClr>
+                <a:schemeClr val="dk1"/>
+              </a:buClr>
+              <a:buSzTx/>
+              <a:buFont typeface="Arial"/>
+              <a:buNone/>
+              <a:tabLst/>
+              <a:defRPr/>
+            </a:pPr>
+            <a:r>
+              <a:rPr lang="en-US" dirty="0" smtClean="0"/>
+              <a:t>The router routes incoming traffic to the appropriate component, either a Cloud Controller component or a hosted application running on a Diego Cell.</a:t>
+            </a:r>
+          </a:p>
+          <a:p>
+            <a:pPr marL="0" marR="0" indent="0" algn="l" defTabSz="457200" rtl="0" eaLnBrk="1" fontAlgn="auto" latinLnBrk="0" hangingPunct="1">
+              <a:lnSpc>
+                <a:spcPct val="100000"/>
+              </a:lnSpc>
+              <a:spcBef>
+                <a:spcPts val="1200"/>
+              </a:spcBef>
+              <a:spcAft>
+                <a:spcPts val="0"/>
+              </a:spcAft>
+              <a:buClr>
+                <a:schemeClr val="dk1"/>
+              </a:buClr>
+              <a:buSzTx/>
+              <a:buFont typeface="Arial"/>
+              <a:buNone/>
+              <a:tabLst/>
+              <a:defRPr/>
+            </a:pPr>
+            <a:endParaRPr lang="en-US" dirty="0" smtClean="0"/>
+          </a:p>
+          <a:p>
+            <a:pPr marL="0" marR="0" indent="0" algn="l" defTabSz="457200" rtl="0" eaLnBrk="1" fontAlgn="auto" latinLnBrk="0" hangingPunct="1">
+              <a:lnSpc>
+                <a:spcPct val="100000"/>
+              </a:lnSpc>
+              <a:spcBef>
+                <a:spcPts val="1200"/>
+              </a:spcBef>
+              <a:spcAft>
+                <a:spcPts val="0"/>
+              </a:spcAft>
+              <a:buClr>
+                <a:schemeClr val="dk1"/>
+              </a:buClr>
+              <a:buSzTx/>
+              <a:buFont typeface="Arial"/>
+              <a:buNone/>
+              <a:tabLst/>
+              <a:defRPr/>
+            </a:pPr>
+            <a:r>
+              <a:rPr lang="en-US" dirty="0" smtClean="0"/>
+              <a:t>The OAuth2 server (the UAA) and Login Server work together to provide identity management.</a:t>
+            </a:r>
+          </a:p>
+          <a:p>
+            <a:pPr marL="0" marR="0" indent="0" algn="l" defTabSz="457200" rtl="0" eaLnBrk="1" fontAlgn="auto" latinLnBrk="0" hangingPunct="1">
+              <a:lnSpc>
+                <a:spcPct val="100000"/>
+              </a:lnSpc>
+              <a:spcBef>
+                <a:spcPts val="1200"/>
+              </a:spcBef>
+              <a:spcAft>
+                <a:spcPts val="0"/>
+              </a:spcAft>
+              <a:buClr>
+                <a:schemeClr val="dk1"/>
+              </a:buClr>
+              <a:buSzTx/>
+              <a:buFont typeface="Arial"/>
+              <a:buNone/>
+              <a:tabLst/>
+              <a:defRPr/>
+            </a:pPr>
+            <a:endParaRPr lang="en-US" dirty="0" smtClean="0"/>
+          </a:p>
+          <a:p>
+            <a:pPr marL="0" marR="0" indent="0" algn="l" defTabSz="457200" rtl="0" eaLnBrk="1" fontAlgn="auto" latinLnBrk="0" hangingPunct="1">
+              <a:lnSpc>
+                <a:spcPct val="100000"/>
+              </a:lnSpc>
+              <a:spcBef>
+                <a:spcPts val="1200"/>
+              </a:spcBef>
+              <a:spcAft>
+                <a:spcPts val="0"/>
+              </a:spcAft>
+              <a:buClr>
+                <a:schemeClr val="dk1"/>
+              </a:buClr>
+              <a:buSzTx/>
+              <a:buFont typeface="Arial"/>
+              <a:buNone/>
+              <a:tabLst/>
+              <a:defRPr/>
+            </a:pPr>
+            <a:r>
+              <a:rPr lang="en-US" dirty="0" smtClean="0"/>
+              <a:t>The Cloud Controller (CC) directs the deployment of applications. To push an app to Cloud Foundry, you target the Cloud Controller. The Cloud Controller then directs the Diego Brain through the CC-Bridge to coordinate individual Diego cells to stage and run applications.</a:t>
+            </a:r>
+          </a:p>
+          <a:p>
+            <a:pPr marL="0" marR="0" indent="0" algn="l" defTabSz="457200" rtl="0" eaLnBrk="1" fontAlgn="auto" latinLnBrk="0" hangingPunct="1">
+              <a:lnSpc>
+                <a:spcPct val="100000"/>
+              </a:lnSpc>
+              <a:spcBef>
+                <a:spcPts val="1200"/>
+              </a:spcBef>
+              <a:spcAft>
+                <a:spcPts val="0"/>
+              </a:spcAft>
+              <a:buClr>
+                <a:schemeClr val="dk1"/>
+              </a:buClr>
+              <a:buSzTx/>
+              <a:buFont typeface="Arial"/>
+              <a:buNone/>
+              <a:tabLst/>
+              <a:defRPr/>
+            </a:pPr>
+            <a:endParaRPr lang="en-US" dirty="0" smtClean="0"/>
+          </a:p>
+          <a:p>
+            <a:pPr marL="0" marR="0" indent="0" algn="l" defTabSz="457200" rtl="0" eaLnBrk="1" fontAlgn="auto" latinLnBrk="0" hangingPunct="1">
+              <a:lnSpc>
+                <a:spcPct val="100000"/>
+              </a:lnSpc>
+              <a:spcBef>
+                <a:spcPts val="1200"/>
+              </a:spcBef>
+              <a:spcAft>
+                <a:spcPts val="0"/>
+              </a:spcAft>
+              <a:buClr>
+                <a:schemeClr val="dk1"/>
+              </a:buClr>
+              <a:buSzTx/>
+              <a:buFont typeface="Arial"/>
+              <a:buNone/>
+              <a:tabLst/>
+              <a:defRPr/>
+            </a:pPr>
+            <a:r>
+              <a:rPr lang="en-US" dirty="0" err="1" smtClean="0"/>
+              <a:t>nsync</a:t>
+            </a:r>
+            <a:r>
+              <a:rPr lang="en-US" dirty="0" smtClean="0"/>
+              <a:t> receives a message from the Cloud Controller when the user scales an app. It writes the number of instances into a </a:t>
+            </a:r>
+            <a:r>
+              <a:rPr lang="en-US" dirty="0" err="1" smtClean="0"/>
+              <a:t>DesiredLRP</a:t>
+            </a:r>
+            <a:r>
+              <a:rPr lang="en-US" dirty="0" smtClean="0"/>
+              <a:t> structure in the Diego BBS database.</a:t>
+            </a:r>
+          </a:p>
+          <a:p>
+            <a:pPr marL="0" marR="0" indent="0" algn="l" defTabSz="457200" rtl="0" eaLnBrk="1" fontAlgn="auto" latinLnBrk="0" hangingPunct="1">
+              <a:lnSpc>
+                <a:spcPct val="100000"/>
+              </a:lnSpc>
+              <a:spcBef>
+                <a:spcPts val="1200"/>
+              </a:spcBef>
+              <a:spcAft>
+                <a:spcPts val="0"/>
+              </a:spcAft>
+              <a:buClr>
+                <a:schemeClr val="dk1"/>
+              </a:buClr>
+              <a:buSzTx/>
+              <a:buFont typeface="Arial"/>
+              <a:buNone/>
+              <a:tabLst/>
+              <a:defRPr/>
+            </a:pPr>
+            <a:r>
+              <a:rPr lang="en-US" dirty="0" smtClean="0"/>
+              <a:t>BBS uses its convergence process to monitor the </a:t>
+            </a:r>
+            <a:r>
+              <a:rPr lang="en-US" dirty="0" err="1" smtClean="0"/>
+              <a:t>DesiredLRP</a:t>
+            </a:r>
+            <a:r>
+              <a:rPr lang="en-US" dirty="0" smtClean="0"/>
+              <a:t> and </a:t>
+            </a:r>
+            <a:r>
+              <a:rPr lang="en-US" dirty="0" err="1" smtClean="0"/>
+              <a:t>ActualLRP</a:t>
+            </a:r>
+            <a:r>
+              <a:rPr lang="en-US" dirty="0" smtClean="0"/>
+              <a:t> values. It launches or kills application instances as appropriate to ensure the </a:t>
+            </a:r>
+            <a:r>
+              <a:rPr lang="en-US" dirty="0" err="1" smtClean="0"/>
+              <a:t>ActualLRP</a:t>
+            </a:r>
+            <a:r>
+              <a:rPr lang="en-US" dirty="0" smtClean="0"/>
+              <a:t> count matches the </a:t>
+            </a:r>
+            <a:r>
+              <a:rPr lang="en-US" dirty="0" err="1" smtClean="0"/>
+              <a:t>DesiredLRP</a:t>
+            </a:r>
+            <a:r>
+              <a:rPr lang="en-US" dirty="0" smtClean="0"/>
+              <a:t> count.</a:t>
+            </a:r>
+          </a:p>
+          <a:p>
+            <a:pPr marL="0" marR="0" indent="0" algn="l" defTabSz="457200" rtl="0" eaLnBrk="1" fontAlgn="auto" latinLnBrk="0" hangingPunct="1">
+              <a:lnSpc>
+                <a:spcPct val="100000"/>
+              </a:lnSpc>
+              <a:spcBef>
+                <a:spcPts val="1200"/>
+              </a:spcBef>
+              <a:spcAft>
+                <a:spcPts val="0"/>
+              </a:spcAft>
+              <a:buClr>
+                <a:schemeClr val="dk1"/>
+              </a:buClr>
+              <a:buSzTx/>
+              <a:buFont typeface="Arial"/>
+              <a:buNone/>
+              <a:tabLst/>
+              <a:defRPr/>
+            </a:pPr>
+            <a:r>
+              <a:rPr lang="en-US" dirty="0" smtClean="0"/>
+              <a:t>Cell Rep monitors the containers and provides the </a:t>
+            </a:r>
+            <a:r>
+              <a:rPr lang="en-US" dirty="0" err="1" smtClean="0"/>
+              <a:t>ActualLRP</a:t>
+            </a:r>
+            <a:r>
+              <a:rPr lang="en-US" dirty="0" smtClean="0"/>
+              <a:t> value.</a:t>
+            </a:r>
+          </a:p>
+          <a:p>
+            <a:pPr marL="0" marR="0" indent="0" algn="l" defTabSz="457200" rtl="0" eaLnBrk="1" fontAlgn="auto" latinLnBrk="0" hangingPunct="1">
+              <a:lnSpc>
+                <a:spcPct val="100000"/>
+              </a:lnSpc>
+              <a:spcBef>
+                <a:spcPts val="1200"/>
+              </a:spcBef>
+              <a:spcAft>
+                <a:spcPts val="0"/>
+              </a:spcAft>
+              <a:buClr>
+                <a:schemeClr val="dk1"/>
+              </a:buClr>
+              <a:buSzTx/>
+              <a:buFont typeface="Arial"/>
+              <a:buNone/>
+              <a:tabLst/>
+              <a:defRPr/>
+            </a:pPr>
+            <a:endParaRPr lang="en-US" dirty="0" smtClean="0"/>
+          </a:p>
+          <a:p>
+            <a:pPr marL="0" marR="0" indent="0" algn="l" defTabSz="457200" rtl="0" eaLnBrk="1" fontAlgn="auto" latinLnBrk="0" hangingPunct="1">
+              <a:lnSpc>
+                <a:spcPct val="100000"/>
+              </a:lnSpc>
+              <a:spcBef>
+                <a:spcPts val="1200"/>
+              </a:spcBef>
+              <a:spcAft>
+                <a:spcPts val="0"/>
+              </a:spcAft>
+              <a:buClr>
+                <a:schemeClr val="dk1"/>
+              </a:buClr>
+              <a:buSzTx/>
+              <a:buFont typeface="Arial"/>
+              <a:buNone/>
+              <a:tabLst/>
+              <a:defRPr/>
+            </a:pPr>
+            <a:r>
+              <a:rPr lang="en-US" dirty="0" smtClean="0"/>
+              <a:t>The </a:t>
+            </a:r>
+            <a:r>
+              <a:rPr lang="en-US" dirty="0" err="1" smtClean="0"/>
+              <a:t>blobstore</a:t>
+            </a:r>
+            <a:r>
+              <a:rPr lang="en-US" dirty="0" smtClean="0"/>
+              <a:t> is a repository for large binary files, which </a:t>
+            </a:r>
+            <a:r>
+              <a:rPr lang="en-US" dirty="0" err="1" smtClean="0"/>
+              <a:t>Github</a:t>
+            </a:r>
+            <a:r>
+              <a:rPr lang="en-US" dirty="0" smtClean="0"/>
+              <a:t> cannot easily manage because </a:t>
+            </a:r>
+            <a:r>
+              <a:rPr lang="en-US" dirty="0" err="1" smtClean="0"/>
+              <a:t>Github</a:t>
+            </a:r>
+            <a:r>
+              <a:rPr lang="en-US" dirty="0" smtClean="0"/>
+              <a:t> is designed for code. </a:t>
+            </a:r>
+            <a:r>
+              <a:rPr lang="en-US" dirty="0" err="1" smtClean="0"/>
+              <a:t>Blobstore</a:t>
+            </a:r>
+            <a:r>
+              <a:rPr lang="en-US" dirty="0" smtClean="0"/>
+              <a:t> binaries include:</a:t>
+            </a:r>
+          </a:p>
+          <a:p>
+            <a:pPr marL="0" marR="0" indent="0" algn="l" defTabSz="457200" rtl="0" eaLnBrk="1" fontAlgn="auto" latinLnBrk="0" hangingPunct="1">
+              <a:lnSpc>
+                <a:spcPct val="100000"/>
+              </a:lnSpc>
+              <a:spcBef>
+                <a:spcPts val="1200"/>
+              </a:spcBef>
+              <a:spcAft>
+                <a:spcPts val="0"/>
+              </a:spcAft>
+              <a:buClr>
+                <a:schemeClr val="dk1"/>
+              </a:buClr>
+              <a:buSzTx/>
+              <a:buFont typeface="Arial"/>
+              <a:buNone/>
+              <a:tabLst/>
+              <a:defRPr/>
+            </a:pPr>
+            <a:r>
+              <a:rPr lang="en-US" dirty="0" smtClean="0"/>
+              <a:t>Application code packages</a:t>
+            </a:r>
+          </a:p>
+          <a:p>
+            <a:pPr marL="0" marR="0" indent="0" algn="l" defTabSz="457200" rtl="0" eaLnBrk="1" fontAlgn="auto" latinLnBrk="0" hangingPunct="1">
+              <a:lnSpc>
+                <a:spcPct val="100000"/>
+              </a:lnSpc>
+              <a:spcBef>
+                <a:spcPts val="1200"/>
+              </a:spcBef>
+              <a:spcAft>
+                <a:spcPts val="0"/>
+              </a:spcAft>
+              <a:buClr>
+                <a:schemeClr val="dk1"/>
+              </a:buClr>
+              <a:buSzTx/>
+              <a:buFont typeface="Arial"/>
+              <a:buNone/>
+              <a:tabLst/>
+              <a:defRPr/>
+            </a:pPr>
+            <a:r>
+              <a:rPr lang="en-US" dirty="0" err="1" smtClean="0"/>
+              <a:t>Buildpacks</a:t>
+            </a:r>
+            <a:endParaRPr lang="en-US" dirty="0" smtClean="0"/>
+          </a:p>
+          <a:p>
+            <a:pPr marL="0" marR="0" indent="0" algn="l" defTabSz="457200" rtl="0" eaLnBrk="1" fontAlgn="auto" latinLnBrk="0" hangingPunct="1">
+              <a:lnSpc>
+                <a:spcPct val="100000"/>
+              </a:lnSpc>
+              <a:spcBef>
+                <a:spcPts val="1200"/>
+              </a:spcBef>
+              <a:spcAft>
+                <a:spcPts val="0"/>
+              </a:spcAft>
+              <a:buClr>
+                <a:schemeClr val="dk1"/>
+              </a:buClr>
+              <a:buSzTx/>
+              <a:buFont typeface="Arial"/>
+              <a:buNone/>
+              <a:tabLst/>
+              <a:defRPr/>
+            </a:pPr>
+            <a:r>
+              <a:rPr lang="en-US" dirty="0" smtClean="0"/>
+              <a:t>Droplets</a:t>
+            </a:r>
+          </a:p>
+          <a:p>
+            <a:pPr marL="0" marR="0" indent="0" algn="l" defTabSz="457200" rtl="0" eaLnBrk="1" fontAlgn="auto" latinLnBrk="0" hangingPunct="1">
+              <a:lnSpc>
+                <a:spcPct val="100000"/>
+              </a:lnSpc>
+              <a:spcBef>
+                <a:spcPts val="1200"/>
+              </a:spcBef>
+              <a:spcAft>
+                <a:spcPts val="0"/>
+              </a:spcAft>
+              <a:buClr>
+                <a:schemeClr val="dk1"/>
+              </a:buClr>
+              <a:buSzTx/>
+              <a:buFont typeface="Arial"/>
+              <a:buNone/>
+              <a:tabLst/>
+              <a:defRPr/>
+            </a:pPr>
+            <a:endParaRPr lang="en-US" dirty="0" smtClean="0"/>
+          </a:p>
+          <a:p>
+            <a:pPr marL="0" marR="0" indent="0" algn="l" defTabSz="457200" rtl="0" eaLnBrk="1" fontAlgn="auto" latinLnBrk="0" hangingPunct="1">
+              <a:lnSpc>
+                <a:spcPct val="100000"/>
+              </a:lnSpc>
+              <a:spcBef>
+                <a:spcPts val="1200"/>
+              </a:spcBef>
+              <a:spcAft>
+                <a:spcPts val="0"/>
+              </a:spcAft>
+              <a:buClr>
+                <a:schemeClr val="dk1"/>
+              </a:buClr>
+              <a:buSzTx/>
+              <a:buFont typeface="Arial"/>
+              <a:buNone/>
+              <a:tabLst/>
+              <a:defRPr/>
+            </a:pPr>
+            <a:r>
+              <a:rPr lang="en-US" dirty="0" smtClean="0"/>
+              <a:t>Diego Cell</a:t>
+            </a:r>
+          </a:p>
+          <a:p>
+            <a:pPr marL="0" marR="0" indent="0" algn="l" defTabSz="457200" rtl="0" eaLnBrk="1" fontAlgn="auto" latinLnBrk="0" hangingPunct="1">
+              <a:lnSpc>
+                <a:spcPct val="100000"/>
+              </a:lnSpc>
+              <a:spcBef>
+                <a:spcPts val="1200"/>
+              </a:spcBef>
+              <a:spcAft>
+                <a:spcPts val="0"/>
+              </a:spcAft>
+              <a:buClr>
+                <a:schemeClr val="dk1"/>
+              </a:buClr>
+              <a:buSzTx/>
+              <a:buFont typeface="Arial"/>
+              <a:buNone/>
+              <a:tabLst/>
+              <a:defRPr/>
+            </a:pPr>
+            <a:r>
+              <a:rPr lang="en-US" dirty="0" smtClean="0"/>
+              <a:t>Each application VM has a Diego Cell that executes application start and stop actions locally, manages the VM’s containers, and reports app status and other data to the BBS and </a:t>
+            </a:r>
+            <a:r>
+              <a:rPr lang="en-US" dirty="0" err="1" smtClean="0"/>
+              <a:t>Loggregator</a:t>
+            </a:r>
+            <a:r>
+              <a:rPr lang="en-US" dirty="0" smtClean="0"/>
+              <a:t>.</a:t>
+            </a:r>
+          </a:p>
+          <a:p>
+            <a:pPr marL="0" marR="0" indent="0" algn="l" defTabSz="457200" rtl="0" eaLnBrk="1" fontAlgn="auto" latinLnBrk="0" hangingPunct="1">
+              <a:lnSpc>
+                <a:spcPct val="100000"/>
+              </a:lnSpc>
+              <a:spcBef>
+                <a:spcPts val="1200"/>
+              </a:spcBef>
+              <a:spcAft>
+                <a:spcPts val="0"/>
+              </a:spcAft>
+              <a:buClr>
+                <a:schemeClr val="dk1"/>
+              </a:buClr>
+              <a:buSzTx/>
+              <a:buFont typeface="Arial"/>
+              <a:buNone/>
+              <a:tabLst/>
+              <a:defRPr/>
+            </a:pPr>
+            <a:endParaRPr lang="en-US" dirty="0" smtClean="0"/>
+          </a:p>
+          <a:p>
+            <a:pPr marL="0" marR="0" indent="0" algn="l" defTabSz="457200" rtl="0" eaLnBrk="1" fontAlgn="auto" latinLnBrk="0" hangingPunct="1">
+              <a:lnSpc>
+                <a:spcPct val="100000"/>
+              </a:lnSpc>
+              <a:spcBef>
+                <a:spcPts val="1200"/>
+              </a:spcBef>
+              <a:spcAft>
+                <a:spcPts val="0"/>
+              </a:spcAft>
+              <a:buClr>
+                <a:schemeClr val="dk1"/>
+              </a:buClr>
+              <a:buSzTx/>
+              <a:buFont typeface="Arial"/>
+              <a:buNone/>
+              <a:tabLst/>
+              <a:defRPr/>
+            </a:pPr>
+            <a:r>
+              <a:rPr lang="en-US" dirty="0" smtClean="0"/>
+              <a:t>Service Brokers</a:t>
+            </a:r>
+          </a:p>
+          <a:p>
+            <a:pPr marL="0" marR="0" indent="0" algn="l" defTabSz="457200" rtl="0" eaLnBrk="1" fontAlgn="auto" latinLnBrk="0" hangingPunct="1">
+              <a:lnSpc>
+                <a:spcPct val="100000"/>
+              </a:lnSpc>
+              <a:spcBef>
+                <a:spcPts val="1200"/>
+              </a:spcBef>
+              <a:spcAft>
+                <a:spcPts val="0"/>
+              </a:spcAft>
+              <a:buClr>
+                <a:schemeClr val="dk1"/>
+              </a:buClr>
+              <a:buSzTx/>
+              <a:buFont typeface="Arial"/>
+              <a:buNone/>
+              <a:tabLst/>
+              <a:defRPr/>
+            </a:pPr>
+            <a:r>
+              <a:rPr lang="en-US" dirty="0" smtClean="0"/>
+              <a:t>Applications typically depend on services such as databases or third-party </a:t>
+            </a:r>
+            <a:r>
+              <a:rPr lang="en-US" dirty="0" err="1" smtClean="0"/>
+              <a:t>SaaS</a:t>
+            </a:r>
+            <a:r>
+              <a:rPr lang="en-US" dirty="0" smtClean="0"/>
+              <a:t> providers. When a developer provisions and binds a service to an application, the service broker for that service is responsible for providing the service instance.</a:t>
+            </a:r>
+          </a:p>
+          <a:p>
+            <a:pPr marL="0" marR="0" indent="0" algn="l" defTabSz="457200" rtl="0" eaLnBrk="1" fontAlgn="auto" latinLnBrk="0" hangingPunct="1">
+              <a:lnSpc>
+                <a:spcPct val="100000"/>
+              </a:lnSpc>
+              <a:spcBef>
+                <a:spcPts val="1200"/>
+              </a:spcBef>
+              <a:spcAft>
+                <a:spcPts val="0"/>
+              </a:spcAft>
+              <a:buClr>
+                <a:schemeClr val="dk1"/>
+              </a:buClr>
+              <a:buSzTx/>
+              <a:buFont typeface="Arial"/>
+              <a:buNone/>
+              <a:tabLst/>
+              <a:defRPr/>
+            </a:pPr>
+            <a:endParaRPr lang="en-US" dirty="0" smtClean="0"/>
+          </a:p>
+          <a:p>
+            <a:pPr marL="0" marR="0" indent="0" algn="l" defTabSz="457200" rtl="0" eaLnBrk="1" fontAlgn="auto" latinLnBrk="0" hangingPunct="1">
+              <a:lnSpc>
+                <a:spcPct val="100000"/>
+              </a:lnSpc>
+              <a:spcBef>
+                <a:spcPts val="1200"/>
+              </a:spcBef>
+              <a:spcAft>
+                <a:spcPts val="0"/>
+              </a:spcAft>
+              <a:buClr>
+                <a:schemeClr val="dk1"/>
+              </a:buClr>
+              <a:buSzTx/>
+              <a:buFont typeface="Arial"/>
+              <a:buNone/>
+              <a:tabLst/>
+              <a:defRPr/>
+            </a:pPr>
+            <a:r>
+              <a:rPr lang="en-US" dirty="0" smtClean="0"/>
+              <a:t>Messaging</a:t>
+            </a:r>
+          </a:p>
+          <a:p>
+            <a:pPr marL="0" marR="0" indent="0" algn="l" defTabSz="457200" rtl="0" eaLnBrk="1" fontAlgn="auto" latinLnBrk="0" hangingPunct="1">
+              <a:lnSpc>
+                <a:spcPct val="100000"/>
+              </a:lnSpc>
+              <a:spcBef>
+                <a:spcPts val="1200"/>
+              </a:spcBef>
+              <a:spcAft>
+                <a:spcPts val="0"/>
+              </a:spcAft>
+              <a:buClr>
+                <a:schemeClr val="dk1"/>
+              </a:buClr>
+              <a:buSzTx/>
+              <a:buFont typeface="Arial"/>
+              <a:buNone/>
+              <a:tabLst/>
+              <a:defRPr/>
+            </a:pPr>
+            <a:r>
+              <a:rPr lang="en-US" dirty="0" smtClean="0"/>
+              <a:t>Consul and BBS</a:t>
+            </a:r>
+          </a:p>
+          <a:p>
+            <a:pPr marL="0" marR="0" indent="0" algn="l" defTabSz="457200" rtl="0" eaLnBrk="1" fontAlgn="auto" latinLnBrk="0" hangingPunct="1">
+              <a:lnSpc>
+                <a:spcPct val="100000"/>
+              </a:lnSpc>
+              <a:spcBef>
+                <a:spcPts val="1200"/>
+              </a:spcBef>
+              <a:spcAft>
+                <a:spcPts val="0"/>
+              </a:spcAft>
+              <a:buClr>
+                <a:schemeClr val="dk1"/>
+              </a:buClr>
+              <a:buSzTx/>
+              <a:buFont typeface="Arial"/>
+              <a:buNone/>
+              <a:tabLst/>
+              <a:defRPr/>
+            </a:pPr>
+            <a:r>
+              <a:rPr lang="en-US" dirty="0" smtClean="0"/>
+              <a:t>A Consul server stores longer-lived control data, such as component IP addresses and distributed locks that prevent components from duplicating actions.</a:t>
+            </a:r>
+          </a:p>
+          <a:p>
+            <a:pPr marL="0" marR="0" indent="0" algn="l" defTabSz="457200" rtl="0" eaLnBrk="1" fontAlgn="auto" latinLnBrk="0" hangingPunct="1">
+              <a:lnSpc>
+                <a:spcPct val="100000"/>
+              </a:lnSpc>
+              <a:spcBef>
+                <a:spcPts val="1200"/>
+              </a:spcBef>
+              <a:spcAft>
+                <a:spcPts val="0"/>
+              </a:spcAft>
+              <a:buClr>
+                <a:schemeClr val="dk1"/>
+              </a:buClr>
+              <a:buSzTx/>
+              <a:buFont typeface="Arial"/>
+              <a:buNone/>
+              <a:tabLst/>
+              <a:defRPr/>
+            </a:pPr>
+            <a:r>
+              <a:rPr lang="en-US" dirty="0" smtClean="0"/>
+              <a:t>Diego’s Bulletin Board System (BBS) stores more frequently updated and disposable data such as cell and application status, unallocated work, and heartbeat messages. The BBS stores data in MySQL</a:t>
+            </a:r>
+          </a:p>
+          <a:p>
+            <a:pPr marL="0" marR="0" indent="0" algn="l" defTabSz="457200" rtl="0" eaLnBrk="1" fontAlgn="auto" latinLnBrk="0" hangingPunct="1">
+              <a:lnSpc>
+                <a:spcPct val="100000"/>
+              </a:lnSpc>
+              <a:spcBef>
+                <a:spcPts val="1200"/>
+              </a:spcBef>
+              <a:spcAft>
+                <a:spcPts val="0"/>
+              </a:spcAft>
+              <a:buClr>
+                <a:schemeClr val="dk1"/>
+              </a:buClr>
+              <a:buSzTx/>
+              <a:buFont typeface="Arial"/>
+              <a:buNone/>
+              <a:tabLst/>
+              <a:defRPr/>
+            </a:pPr>
+            <a:endParaRPr lang="en-US" dirty="0" smtClean="0"/>
+          </a:p>
+          <a:p>
+            <a:pPr marL="0" marR="0" indent="0" algn="l" defTabSz="457200" rtl="0" eaLnBrk="1" fontAlgn="auto" latinLnBrk="0" hangingPunct="1">
+              <a:lnSpc>
+                <a:spcPct val="100000"/>
+              </a:lnSpc>
+              <a:spcBef>
+                <a:spcPts val="1200"/>
+              </a:spcBef>
+              <a:spcAft>
+                <a:spcPts val="0"/>
+              </a:spcAft>
+              <a:buClr>
+                <a:schemeClr val="dk1"/>
+              </a:buClr>
+              <a:buSzTx/>
+              <a:buFont typeface="Arial"/>
+              <a:buNone/>
+              <a:tabLst/>
+              <a:defRPr/>
+            </a:pPr>
+            <a:r>
+              <a:rPr lang="en-US" dirty="0" smtClean="0"/>
+              <a:t>Metrics and Logging</a:t>
+            </a:r>
+          </a:p>
+          <a:p>
+            <a:pPr marL="0" marR="0" indent="0" algn="l" defTabSz="457200" rtl="0" eaLnBrk="1" fontAlgn="auto" latinLnBrk="0" hangingPunct="1">
+              <a:lnSpc>
+                <a:spcPct val="100000"/>
+              </a:lnSpc>
+              <a:spcBef>
+                <a:spcPts val="1200"/>
+              </a:spcBef>
+              <a:spcAft>
+                <a:spcPts val="0"/>
+              </a:spcAft>
+              <a:buClr>
+                <a:schemeClr val="dk1"/>
+              </a:buClr>
+              <a:buSzTx/>
+              <a:buFont typeface="Arial"/>
+              <a:buNone/>
+              <a:tabLst/>
+              <a:defRPr/>
+            </a:pPr>
+            <a:r>
+              <a:rPr lang="en-US" dirty="0" err="1" smtClean="0"/>
+              <a:t>Loggregator</a:t>
+            </a:r>
+            <a:endParaRPr lang="en-US" dirty="0" smtClean="0"/>
+          </a:p>
+          <a:p>
+            <a:pPr marL="0" marR="0" indent="0" algn="l" defTabSz="457200" rtl="0" eaLnBrk="1" fontAlgn="auto" latinLnBrk="0" hangingPunct="1">
+              <a:lnSpc>
+                <a:spcPct val="100000"/>
+              </a:lnSpc>
+              <a:spcBef>
+                <a:spcPts val="1200"/>
+              </a:spcBef>
+              <a:spcAft>
+                <a:spcPts val="0"/>
+              </a:spcAft>
+              <a:buClr>
+                <a:schemeClr val="dk1"/>
+              </a:buClr>
+              <a:buSzTx/>
+              <a:buFont typeface="Arial"/>
+              <a:buNone/>
+              <a:tabLst/>
+              <a:defRPr/>
+            </a:pPr>
+            <a:r>
+              <a:rPr lang="en-US" dirty="0" smtClean="0"/>
+              <a:t>The </a:t>
+            </a:r>
+            <a:r>
+              <a:rPr lang="en-US" dirty="0" err="1" smtClean="0"/>
+              <a:t>Loggregator</a:t>
+            </a:r>
+            <a:r>
+              <a:rPr lang="en-US" dirty="0" smtClean="0"/>
+              <a:t> (log aggregator) system streams application logs to developers.</a:t>
+            </a:r>
           </a:p>
         </p:txBody>
       </p:sp>
     </p:spTree>
     <p:extLst>
       <p:ext uri="{BB962C8B-B14F-4D97-AF65-F5344CB8AC3E}">
-        <p14:creationId xmlns:p14="http://schemas.microsoft.com/office/powerpoint/2010/main" val="1549071346"/>
+        <p14:creationId xmlns:p14="http://schemas.microsoft.com/office/powerpoint/2010/main" val="1065534740"/>
       </p:ext>
     </p:extLst>
   </p:cSld>
@@ -2552,196 +3043,6 @@
           <a:bodyPr/>
           <a:lstStyle/>
           <a:p>
-            <a:r>
-              <a:rPr lang="en-US" dirty="0" smtClean="0"/>
-              <a:t>At the command line, the developer enters the directory containing her application and uses the Cloud Foundry Command Line Interface (</a:t>
-            </a:r>
-            <a:r>
-              <a:rPr lang="en-US" dirty="0" err="1" smtClean="0"/>
-              <a:t>cf</a:t>
-            </a:r>
-            <a:r>
-              <a:rPr lang="en-US" dirty="0" smtClean="0"/>
-              <a:t> CLI) to issue a push command.</a:t>
-            </a:r>
-          </a:p>
-          <a:p>
-            <a:r>
-              <a:rPr lang="en-US" dirty="0" smtClean="0"/>
-              <a:t>The </a:t>
-            </a:r>
-            <a:r>
-              <a:rPr lang="en-US" dirty="0" err="1" smtClean="0"/>
-              <a:t>cf</a:t>
-            </a:r>
-            <a:r>
-              <a:rPr lang="en-US" dirty="0" smtClean="0"/>
-              <a:t> CLI tells the Cloud Controller to create a record for the application.</a:t>
-            </a:r>
-          </a:p>
-          <a:p>
-            <a:r>
-              <a:rPr lang="en-US" dirty="0" smtClean="0"/>
-              <a:t>The Cloud Controller stores the application metadata. Application metadata can include the app name, number of instances the user specified, and the </a:t>
-            </a:r>
-            <a:r>
-              <a:rPr lang="en-US" dirty="0" err="1" smtClean="0"/>
-              <a:t>buildpack</a:t>
-            </a:r>
-            <a:r>
-              <a:rPr lang="en-US" dirty="0" smtClean="0"/>
-              <a:t>, and other information about the application.</a:t>
-            </a:r>
-          </a:p>
-          <a:p>
-            <a:r>
-              <a:rPr lang="en-US" dirty="0" smtClean="0"/>
-              <a:t>Before uploading all the application files, the </a:t>
-            </a:r>
-            <a:r>
-              <a:rPr lang="en-US" dirty="0" err="1" smtClean="0"/>
-              <a:t>cf</a:t>
-            </a:r>
-            <a:r>
-              <a:rPr lang="en-US" dirty="0" smtClean="0"/>
-              <a:t> CLI issues a resource match request to the Cloud Controller to determine if any of the application files already exist in the resource cache. When the application files are uploaded, the </a:t>
-            </a:r>
-            <a:r>
-              <a:rPr lang="en-US" dirty="0" err="1" smtClean="0"/>
-              <a:t>cf</a:t>
-            </a:r>
-            <a:r>
-              <a:rPr lang="en-US" dirty="0" smtClean="0"/>
-              <a:t> CLI omits files that exist in the resource cache by supplying the result of the resource match request. The uploaded application files are combined with the files from the resource cache to create the application package.</a:t>
-            </a:r>
-          </a:p>
-          <a:p>
-            <a:r>
-              <a:rPr lang="en-US" dirty="0" smtClean="0"/>
-              <a:t>The Cloud Controller stores the application package in the </a:t>
-            </a:r>
-            <a:r>
-              <a:rPr lang="en-US" dirty="0" err="1" smtClean="0"/>
-              <a:t>blobstore</a:t>
-            </a:r>
-            <a:r>
-              <a:rPr lang="en-US" dirty="0" smtClean="0"/>
-              <a:t>.</a:t>
-            </a:r>
-          </a:p>
-          <a:p>
-            <a:r>
-              <a:rPr lang="en-US" dirty="0" smtClean="0"/>
-              <a:t>The </a:t>
-            </a:r>
-            <a:r>
-              <a:rPr lang="en-US" dirty="0" err="1" smtClean="0"/>
-              <a:t>cf</a:t>
-            </a:r>
-            <a:r>
-              <a:rPr lang="en-US" dirty="0" smtClean="0"/>
-              <a:t> CLI issues an app start command.</a:t>
-            </a:r>
-          </a:p>
-          <a:p>
-            <a:r>
-              <a:rPr lang="en-US" dirty="0" smtClean="0"/>
-              <a:t>The Cloud Controller issues a staging request to Diego, which then schedules a Cell to run the staging Task. The Task downloads </a:t>
-            </a:r>
-            <a:r>
-              <a:rPr lang="en-US" dirty="0" err="1" smtClean="0"/>
-              <a:t>buildpacks</a:t>
-            </a:r>
-            <a:r>
-              <a:rPr lang="en-US" dirty="0" smtClean="0"/>
-              <a:t> and if present, the app’s </a:t>
-            </a:r>
-            <a:r>
-              <a:rPr lang="en-US" dirty="0" err="1" smtClean="0"/>
-              <a:t>buildpack</a:t>
-            </a:r>
-            <a:r>
-              <a:rPr lang="en-US" dirty="0" smtClean="0"/>
-              <a:t> cache. It then uses the </a:t>
-            </a:r>
-            <a:r>
-              <a:rPr lang="en-US" dirty="0" err="1" smtClean="0"/>
-              <a:t>buildpack</a:t>
-            </a:r>
-            <a:r>
-              <a:rPr lang="en-US" dirty="0" smtClean="0"/>
-              <a:t> that is detected automatically or specified with the -b flag to build the droplet. The Task uses the instructions in the </a:t>
-            </a:r>
-            <a:r>
-              <a:rPr lang="en-US" dirty="0" err="1" smtClean="0"/>
-              <a:t>buildpack</a:t>
-            </a:r>
-            <a:r>
-              <a:rPr lang="en-US" dirty="0" smtClean="0"/>
-              <a:t> to stage the application.</a:t>
-            </a:r>
-          </a:p>
-          <a:p>
-            <a:r>
-              <a:rPr lang="en-US" dirty="0" smtClean="0"/>
-              <a:t>The Diego Cell streams the output of the staging process so the developer can troubleshoot application staging problems.</a:t>
-            </a:r>
-          </a:p>
-          <a:p>
-            <a:r>
-              <a:rPr lang="en-US" dirty="0" smtClean="0"/>
-              <a:t>The Task packages the resulting staged application into a </a:t>
-            </a:r>
-            <a:r>
-              <a:rPr lang="en-US" dirty="0" err="1" smtClean="0"/>
-              <a:t>tarball</a:t>
-            </a:r>
-            <a:r>
-              <a:rPr lang="en-US" dirty="0" smtClean="0"/>
-              <a:t> called a “droplet” and the Diego Cell stores it in the </a:t>
-            </a:r>
-            <a:r>
-              <a:rPr lang="en-US" dirty="0" err="1" smtClean="0"/>
-              <a:t>blobstore</a:t>
-            </a:r>
-            <a:r>
-              <a:rPr lang="en-US" dirty="0" smtClean="0"/>
-              <a:t>. The Task also uploads the </a:t>
-            </a:r>
-            <a:r>
-              <a:rPr lang="en-US" dirty="0" err="1" smtClean="0"/>
-              <a:t>buildpack</a:t>
-            </a:r>
-            <a:r>
-              <a:rPr lang="en-US" dirty="0" smtClean="0"/>
-              <a:t> cache to the </a:t>
-            </a:r>
-            <a:r>
-              <a:rPr lang="en-US" dirty="0" err="1" smtClean="0"/>
-              <a:t>blobstore</a:t>
-            </a:r>
-            <a:r>
-              <a:rPr lang="en-US" dirty="0" smtClean="0"/>
-              <a:t> for use the next time the application is staged.</a:t>
-            </a:r>
-          </a:p>
-          <a:p>
-            <a:r>
-              <a:rPr lang="en-US" dirty="0" smtClean="0"/>
-              <a:t>The Diego Bulletin Board System reports to the Cloud Controller that staging is complete. Staging must complete within 15 minutes or the staging is considered failed. Apps are given a minimum of 1GB memory to stage, even if the requested running memory is smaller.</a:t>
-            </a:r>
-          </a:p>
-          <a:p>
-            <a:r>
-              <a:rPr lang="en-US" dirty="0" smtClean="0"/>
-              <a:t>Diego schedules the application as a Long Running Process on one or more Diego Cells.</a:t>
-            </a:r>
-          </a:p>
-          <a:p>
-            <a:r>
-              <a:rPr lang="en-US" dirty="0" smtClean="0"/>
-              <a:t>The Diego Cells report the status of the application to the Cloud Controller.</a:t>
-            </a:r>
             <a:endParaRPr lang="en-US" dirty="0"/>
           </a:p>
         </p:txBody>
@@ -2749,7 +3050,7 @@
     </p:spTree>
     <p:extLst>
       <p:ext uri="{BB962C8B-B14F-4D97-AF65-F5344CB8AC3E}">
-        <p14:creationId xmlns:p14="http://schemas.microsoft.com/office/powerpoint/2010/main" val="99903731"/>
+        <p14:creationId xmlns:p14="http://schemas.microsoft.com/office/powerpoint/2010/main" val="1549071346"/>
       </p:ext>
     </p:extLst>
   </p:cSld>
@@ -2805,132 +3106,75 @@
           <a:p>
             <a:r>
               <a:rPr lang="en-US" dirty="0" smtClean="0"/>
-              <a:t>The Command Line Interface (CLI) is the primary operator interface to BOSH</a:t>
-            </a:r>
-          </a:p>
-          <a:p>
-            <a:endParaRPr lang="en-US" dirty="0" smtClean="0"/>
-          </a:p>
-          <a:p>
-            <a:r>
-              <a:rPr lang="en-US" dirty="0" smtClean="0"/>
-              <a:t>Director</a:t>
-            </a:r>
-          </a:p>
-          <a:p>
-            <a:r>
-              <a:rPr lang="en-US" dirty="0" smtClean="0"/>
-              <a:t>The Director is the core orchestrating component in BOSH. The Director controls VM creation and deployment, as well as other software and service lifecycle events.</a:t>
-            </a:r>
-          </a:p>
-          <a:p>
-            <a:r>
-              <a:rPr lang="en-US" dirty="0" smtClean="0"/>
-              <a:t>The Director creates actionable tasks:</a:t>
-            </a:r>
-          </a:p>
-          <a:p>
-            <a:r>
-              <a:rPr lang="en-US" dirty="0" smtClean="0"/>
-              <a:t>By translating commands sent by an operator through the CLI</a:t>
-            </a:r>
-          </a:p>
-          <a:p>
-            <a:r>
-              <a:rPr lang="en-US" dirty="0" smtClean="0"/>
-              <a:t>From scheduled processes like backups or snapshots</a:t>
-            </a:r>
-          </a:p>
-          <a:p>
-            <a:r>
-              <a:rPr lang="en-US" dirty="0" smtClean="0"/>
-              <a:t>If needed to reconcile the expected state with the actual state of a VM</a:t>
-            </a:r>
-          </a:p>
-          <a:p>
-            <a:r>
-              <a:rPr lang="en-US" dirty="0" smtClean="0"/>
-              <a:t>Once created, the Director adds these tasks to the Task Queue. Worker processes take tasks from the Task Queue and act on them.</a:t>
-            </a:r>
-          </a:p>
-          <a:p>
-            <a:endParaRPr lang="en-US" dirty="0" smtClean="0"/>
-          </a:p>
-          <a:p>
-            <a:r>
-              <a:rPr lang="en-US" dirty="0" smtClean="0"/>
-              <a:t>Task Queue</a:t>
-            </a:r>
-          </a:p>
-          <a:p>
-            <a:r>
-              <a:rPr lang="en-US" dirty="0" smtClean="0"/>
-              <a:t>An asynchronous queue used by the Director and Workers to manage tasks. The Task Queue resides in the Database.</a:t>
-            </a:r>
-          </a:p>
-          <a:p>
-            <a:endParaRPr lang="en-US" dirty="0" smtClean="0"/>
-          </a:p>
-          <a:p>
-            <a:r>
-              <a:rPr lang="en-US" dirty="0" smtClean="0"/>
-              <a:t>Workers</a:t>
-            </a:r>
-          </a:p>
-          <a:p>
-            <a:r>
-              <a:rPr lang="en-US" dirty="0" smtClean="0"/>
-              <a:t>Director workers take tasks from the Task Queue and act on them.</a:t>
-            </a:r>
-          </a:p>
-          <a:p>
-            <a:endParaRPr lang="en-US" dirty="0" smtClean="0"/>
-          </a:p>
-          <a:p>
-            <a:r>
-              <a:rPr lang="en-US" dirty="0" smtClean="0"/>
-              <a:t>Cloud Provider Interface (CPI)</a:t>
-            </a:r>
-          </a:p>
-          <a:p>
-            <a:r>
-              <a:rPr lang="en-US" dirty="0" smtClean="0"/>
-              <a:t>A Cloud Provider Interface (CPI) is an API that the Director uses to interact with an </a:t>
+              <a:t>At the command line, the developer enters the directory containing her application and uses the Cloud Foundry Command Line Interface (</a:t>
             </a:r>
             <a:r>
               <a:rPr lang="en-US" dirty="0" err="1" smtClean="0"/>
-              <a:t>IaaS</a:t>
-            </a:r>
-            <a:r>
-              <a:rPr lang="en-US" dirty="0" smtClean="0"/>
-              <a:t> to create and manage </a:t>
+              <a:t>cf</a:t>
+            </a:r>
+            <a:r>
+              <a:rPr lang="en-US" dirty="0" smtClean="0"/>
+              <a:t> CLI) to issue a push command.</a:t>
+            </a:r>
+          </a:p>
+          <a:p>
+            <a:r>
+              <a:rPr lang="en-US" dirty="0" smtClean="0"/>
+              <a:t>The </a:t>
             </a:r>
             <a:r>
               <a:rPr lang="en-US" dirty="0" err="1" smtClean="0"/>
-              <a:t>stemcells</a:t>
-            </a:r>
-            <a:r>
-              <a:rPr lang="en-US" dirty="0" smtClean="0"/>
-              <a:t>, VMs, and disks. A CPI abstracts infrastructure differences from the rest of BOSH.</a:t>
-            </a:r>
-          </a:p>
-          <a:p>
-            <a:endParaRPr lang="en-US" dirty="0" smtClean="0"/>
-          </a:p>
-          <a:p>
-            <a:r>
-              <a:rPr lang="en-US" dirty="0" smtClean="0"/>
-              <a:t>Health Monitor</a:t>
-            </a:r>
-          </a:p>
-          <a:p>
-            <a:r>
-              <a:rPr lang="en-US" dirty="0" smtClean="0"/>
-              <a:t>The Health Monitor uses status and lifecycle events received from Agents to monitor the health of VMs. If the Health Monitor detects a problem with a VM, it can send an alert through notification plugins, or trigger the </a:t>
+              <a:t>cf</a:t>
+            </a:r>
+            <a:r>
+              <a:rPr lang="en-US" dirty="0" smtClean="0"/>
+              <a:t> CLI tells the Cloud Controller to create a record for the application.</a:t>
+            </a:r>
+          </a:p>
+          <a:p>
+            <a:r>
+              <a:rPr lang="en-US" dirty="0" smtClean="0"/>
+              <a:t>The Cloud Controller stores the application metadata. Application metadata can include the app name, number of instances the user specified, and the </a:t>
             </a:r>
             <a:r>
               <a:rPr lang="en-US" dirty="0" err="1" smtClean="0"/>
-              <a:t>Resurrector</a:t>
+              <a:t>buildpack</a:t>
+            </a:r>
+            <a:r>
+              <a:rPr lang="en-US" dirty="0" smtClean="0"/>
+              <a:t>, and other information about the application.</a:t>
+            </a:r>
+          </a:p>
+          <a:p>
+            <a:r>
+              <a:rPr lang="en-US" dirty="0" smtClean="0"/>
+              <a:t>Before uploading all the application files, the </a:t>
+            </a:r>
+            <a:r>
+              <a:rPr lang="en-US" dirty="0" err="1" smtClean="0"/>
+              <a:t>cf</a:t>
+            </a:r>
+            <a:r>
+              <a:rPr lang="en-US" dirty="0" smtClean="0"/>
+              <a:t> CLI issues a resource match request to the Cloud Controller to determine if any of the application files already exist in the resource cache. When the application files are uploaded, the </a:t>
+            </a:r>
+            <a:r>
+              <a:rPr lang="en-US" dirty="0" err="1" smtClean="0"/>
+              <a:t>cf</a:t>
+            </a:r>
+            <a:r>
+              <a:rPr lang="en-US" dirty="0" smtClean="0"/>
+              <a:t> CLI omits files that exist in the resource cache by supplying the result of the resource match request. The uploaded application files are combined with the files from the resource cache to create the application package.</a:t>
+            </a:r>
+          </a:p>
+          <a:p>
+            <a:r>
+              <a:rPr lang="en-US" dirty="0" smtClean="0"/>
+              <a:t>The Cloud Controller stores the application package in the </a:t>
+            </a:r>
+            <a:r>
+              <a:rPr lang="en-US" dirty="0" err="1" smtClean="0"/>
+              <a:t>blobstore</a:t>
             </a:r>
             <a:r>
               <a:rPr lang="en-US" dirty="0" smtClean="0"/>
@@ -2938,172 +3182,117 @@
             </a:r>
           </a:p>
           <a:p>
-            <a:endParaRPr lang="en-US" dirty="0" smtClean="0"/>
-          </a:p>
-          <a:p>
+            <a:r>
+              <a:rPr lang="en-US" dirty="0" smtClean="0"/>
+              <a:t>The </a:t>
+            </a:r>
             <a:r>
               <a:rPr lang="en-US" dirty="0" err="1" smtClean="0"/>
-              <a:t>Resurrector</a:t>
-            </a:r>
-            <a:endParaRPr lang="en-US" dirty="0" smtClean="0"/>
-          </a:p>
-          <a:p>
-            <a:r>
-              <a:rPr lang="en-US" dirty="0" smtClean="0"/>
-              <a:t>If enabled, the </a:t>
+              <a:t>cf</a:t>
+            </a:r>
+            <a:r>
+              <a:rPr lang="en-US" dirty="0" smtClean="0"/>
+              <a:t> CLI issues an app start command.</a:t>
+            </a:r>
+          </a:p>
+          <a:p>
+            <a:r>
+              <a:rPr lang="en-US" dirty="0" smtClean="0"/>
+              <a:t>The Cloud Controller issues a staging request to Diego, which then schedules a Cell to run the staging Task. The Task downloads </a:t>
             </a:r>
             <a:r>
               <a:rPr lang="en-US" dirty="0" err="1" smtClean="0"/>
-              <a:t>Resurrector</a:t>
-            </a:r>
-            <a:r>
-              <a:rPr lang="en-US" dirty="0" smtClean="0"/>
-              <a:t> plugin automatically recreates VMs identified by the Health Monitor as missing or unresponsive. It uses same Director API that CLI uses.</a:t>
-            </a:r>
-          </a:p>
-          <a:p>
-            <a:endParaRPr lang="en-US" dirty="0" smtClean="0"/>
-          </a:p>
-          <a:p>
-            <a:r>
-              <a:rPr lang="en-US" dirty="0" smtClean="0"/>
-              <a:t>DNS Server</a:t>
-            </a:r>
-          </a:p>
-          <a:p>
-            <a:r>
-              <a:rPr lang="en-US" dirty="0" smtClean="0"/>
-              <a:t>BOSH uses </a:t>
+              <a:t>buildpacks</a:t>
+            </a:r>
+            <a:r>
+              <a:rPr lang="en-US" dirty="0" smtClean="0"/>
+              <a:t> and if present, the app’s </a:t>
             </a:r>
             <a:r>
               <a:rPr lang="en-US" dirty="0" err="1" smtClean="0"/>
-              <a:t>PowerDNS</a:t>
-            </a:r>
-            <a:r>
-              <a:rPr lang="en-US" dirty="0" smtClean="0"/>
-              <a:t> to provide DNS resolution between the VMs in a deployment.</a:t>
-            </a:r>
-          </a:p>
-          <a:p>
-            <a:endParaRPr lang="en-US" dirty="0" smtClean="0"/>
-          </a:p>
-          <a:p>
-            <a:r>
-              <a:rPr lang="en-US" dirty="0" smtClean="0"/>
-              <a:t>Components used to store Director’s persistent data</a:t>
-            </a:r>
-          </a:p>
-          <a:p>
-            <a:r>
-              <a:rPr lang="en-US" dirty="0" smtClean="0"/>
-              <a:t>Database</a:t>
-            </a:r>
-          </a:p>
-          <a:p>
-            <a:r>
-              <a:rPr lang="en-US" dirty="0" smtClean="0"/>
-              <a:t>The Director uses a </a:t>
+              <a:t>buildpack</a:t>
+            </a:r>
+            <a:r>
+              <a:rPr lang="en-US" dirty="0" smtClean="0"/>
+              <a:t> cache. It then uses the </a:t>
             </a:r>
             <a:r>
               <a:rPr lang="en-US" dirty="0" err="1" smtClean="0"/>
-              <a:t>Postgres</a:t>
-            </a:r>
-            <a:r>
-              <a:rPr lang="en-US" dirty="0" smtClean="0"/>
-              <a:t> database to store information about the desired state of a deployment. This includes information about </a:t>
+              <a:t>buildpack</a:t>
+            </a:r>
+            <a:r>
+              <a:rPr lang="en-US" dirty="0" smtClean="0"/>
+              <a:t> that is detected automatically or specified with the -b flag to build the droplet. The Task uses the instructions in the </a:t>
             </a:r>
             <a:r>
               <a:rPr lang="en-US" dirty="0" err="1" smtClean="0"/>
-              <a:t>stemcells</a:t>
-            </a:r>
-            <a:r>
-              <a:rPr lang="en-US" dirty="0" smtClean="0"/>
-              <a:t>, releases, and deployments.</a:t>
-            </a:r>
-          </a:p>
-          <a:p>
+              <a:t>buildpack</a:t>
+            </a:r>
+            <a:r>
+              <a:rPr lang="en-US" dirty="0" smtClean="0"/>
+              <a:t> to stage the application.</a:t>
+            </a:r>
+          </a:p>
+          <a:p>
+            <a:r>
+              <a:rPr lang="en-US" dirty="0" smtClean="0"/>
+              <a:t>The Diego Cell streams the output of the staging process so the developer can troubleshoot application staging problems.</a:t>
+            </a:r>
+          </a:p>
+          <a:p>
+            <a:r>
+              <a:rPr lang="en-US" dirty="0" smtClean="0"/>
+              <a:t>The Task packages the resulting staged application into a </a:t>
+            </a:r>
             <a:r>
               <a:rPr lang="en-US" dirty="0" err="1" smtClean="0"/>
-              <a:t>Blobstore</a:t>
-            </a:r>
-            <a:endParaRPr lang="en-US" dirty="0" smtClean="0"/>
-          </a:p>
-          <a:p>
-            <a:r>
-              <a:rPr lang="en-US" dirty="0" smtClean="0"/>
-              <a:t>The </a:t>
+              <a:t>tarball</a:t>
+            </a:r>
+            <a:r>
+              <a:rPr lang="en-US" dirty="0" smtClean="0"/>
+              <a:t> called a “droplet” and the Diego Cell stores it in the </a:t>
             </a:r>
             <a:r>
               <a:rPr lang="en-US" dirty="0" err="1" smtClean="0"/>
-              <a:t>Blobstore</a:t>
-            </a:r>
-            <a:r>
-              <a:rPr lang="en-US" dirty="0" smtClean="0"/>
-              <a:t> stores the source forms of releases and the compiled images of releases. An operator uploads a release using the CLI, and the Director inserts the release into the </a:t>
+              <a:t>blobstore</a:t>
+            </a:r>
+            <a:r>
+              <a:rPr lang="en-US" dirty="0" smtClean="0"/>
+              <a:t>. The Task also uploads the </a:t>
             </a:r>
             <a:r>
               <a:rPr lang="en-US" dirty="0" err="1" smtClean="0"/>
-              <a:t>Blobstore</a:t>
-            </a:r>
-            <a:r>
-              <a:rPr lang="en-US" dirty="0" smtClean="0"/>
-              <a:t>. When you deploy a release, BOSH orchestrates the compilation of packages and stores the result in the </a:t>
+              <a:t>buildpack</a:t>
+            </a:r>
+            <a:r>
+              <a:rPr lang="en-US" dirty="0" smtClean="0"/>
+              <a:t> cache to the </a:t>
             </a:r>
             <a:r>
               <a:rPr lang="en-US" dirty="0" err="1" smtClean="0"/>
-              <a:t>Blobstore</a:t>
-            </a:r>
-            <a:r>
-              <a:rPr lang="en-US" dirty="0" smtClean="0"/>
-              <a:t>.</a:t>
-            </a:r>
-          </a:p>
-          <a:p>
-            <a:endParaRPr lang="en-US" dirty="0" smtClean="0"/>
-          </a:p>
-          <a:p>
-            <a:r>
-              <a:rPr lang="en-US" dirty="0" smtClean="0"/>
-              <a:t>Agent</a:t>
-            </a:r>
-          </a:p>
-          <a:p>
-            <a:r>
-              <a:rPr lang="en-US" dirty="0" smtClean="0"/>
-              <a:t>BOSH includes an Agent on every VM that it deploys. The Agent listens for instructions from the Director and carries out those instructions. The Agent receives job specifications from the Director and uses them to assign a role, or Job, to the VM.</a:t>
-            </a:r>
-          </a:p>
-          <a:p>
-            <a:endParaRPr lang="en-US" dirty="0" smtClean="0"/>
-          </a:p>
-          <a:p>
-            <a:r>
-              <a:rPr lang="en-US" dirty="0" smtClean="0"/>
-              <a:t>Components used for cross-component communication</a:t>
-            </a:r>
-          </a:p>
-          <a:p>
-            <a:r>
-              <a:rPr lang="en-US" dirty="0" smtClean="0"/>
-              <a:t>Message Bus (NATS)</a:t>
-            </a:r>
-          </a:p>
-          <a:p>
-            <a:r>
-              <a:rPr lang="en-US" dirty="0" smtClean="0"/>
-              <a:t>The Director and the Agents communicate through a lightweight publish-subscribe messaging system called NATS. These messages have two purposes: to perform provisioning instructions on the VMs, and to inform the Health Monitor about changes in the health of monitored processes.</a:t>
-            </a:r>
-          </a:p>
-          <a:p>
-            <a:r>
-              <a:rPr lang="en-US" dirty="0" smtClean="0"/>
-              <a:t>Registry</a:t>
-            </a:r>
-          </a:p>
-          <a:p>
-            <a:r>
-              <a:rPr lang="en-US" smtClean="0"/>
-              <a:t>When the Director creates or updates a VM, it stores configuration information for the VM in the Registry so that it can be used during bootstrapping stage of the VM.</a:t>
+              <a:t>blobstore</a:t>
+            </a:r>
+            <a:r>
+              <a:rPr lang="en-US" dirty="0" smtClean="0"/>
+              <a:t> for use the next time the application is staged.</a:t>
+            </a:r>
+          </a:p>
+          <a:p>
+            <a:r>
+              <a:rPr lang="en-US" dirty="0" smtClean="0"/>
+              <a:t>The Diego Bulletin Board System reports to the Cloud Controller that staging is complete. Staging must complete within 15 minutes or the staging is considered failed. Apps are given a minimum of 1GB memory to stage, even if the requested running memory is smaller.</a:t>
+            </a:r>
+          </a:p>
+          <a:p>
+            <a:r>
+              <a:rPr lang="en-US" dirty="0" smtClean="0"/>
+              <a:t>Diego schedules the application as a Long Running Process on one or more Diego Cells.</a:t>
+            </a:r>
+          </a:p>
+          <a:p>
+            <a:r>
+              <a:rPr lang="en-US" dirty="0" smtClean="0"/>
+              <a:t>The Diego Cells report the status of the application to the Cloud Controller.</a:t>
             </a:r>
             <a:endParaRPr lang="en-US" dirty="0"/>
           </a:p>
@@ -3112,7 +3301,7 @@
     </p:spTree>
     <p:extLst>
       <p:ext uri="{BB962C8B-B14F-4D97-AF65-F5344CB8AC3E}">
-        <p14:creationId xmlns:p14="http://schemas.microsoft.com/office/powerpoint/2010/main" val="576377407"/>
+        <p14:creationId xmlns:p14="http://schemas.microsoft.com/office/powerpoint/2010/main" val="99903731"/>
       </p:ext>
     </p:extLst>
   </p:cSld>
@@ -8789,68 +8978,79 @@
       </p:grpSpPr>
       <p:sp>
         <p:nvSpPr>
-          <p:cNvPr id="2" name="TextBox 1"/>
-          <p:cNvSpPr txBox="1"/>
+          <p:cNvPr id="3" name="Rectangle 2"/>
+          <p:cNvSpPr/>
           <p:nvPr/>
         </p:nvSpPr>
         <p:spPr>
           <a:xfrm>
-            <a:off x="96862" y="129159"/>
-            <a:ext cx="9047138" cy="1446550"/>
-          </a:xfrm>
-          <a:prstGeom prst="rect">
-            <a:avLst/>
-          </a:prstGeom>
-          <a:noFill/>
-        </p:spPr>
-        <p:txBody>
-          <a:bodyPr wrap="square" rtlCol="0">
-            <a:spAutoFit/>
-          </a:bodyPr>
-          <a:lstStyle/>
-          <a:p>
-            <a:pPr algn="ctr"/>
-            <a:r>
-              <a:rPr lang="en-US" sz="8800"/>
-              <a:t>WHAT?</a:t>
-            </a:r>
-          </a:p>
-        </p:txBody>
-      </p:sp>
-      <p:pic>
-        <p:nvPicPr>
-          <p:cNvPr id="4" name="Picture 3" descr="what.png"/>
-          <p:cNvPicPr>
-            <a:picLocks noChangeAspect="1"/>
-          </p:cNvPicPr>
-          <p:nvPr/>
-        </p:nvPicPr>
-        <p:blipFill>
-          <a:blip r:embed="rId3">
-            <a:extLst>
-              <a:ext uri="{28A0092B-C50C-407E-A947-70E740481C1C}">
-                <a14:useLocalDpi xmlns:a14="http://schemas.microsoft.com/office/drawing/2010/main" val="0"/>
-              </a:ext>
-            </a:extLst>
-          </a:blip>
-          <a:stretch>
-            <a:fillRect/>
-          </a:stretch>
-        </p:blipFill>
-        <p:spPr>
-          <a:xfrm>
-            <a:off x="0" y="340449"/>
-            <a:ext cx="9144000" cy="4803051"/>
+            <a:off x="416689" y="1122745"/>
+            <a:ext cx="6476035" cy="1815882"/>
           </a:xfrm>
           <a:prstGeom prst="rect">
             <a:avLst/>
           </a:prstGeom>
         </p:spPr>
-      </p:pic>
+        <p:txBody>
+          <a:bodyPr wrap="square">
+            <a:spAutoFit/>
+          </a:bodyPr>
+          <a:lstStyle/>
+          <a:p>
+            <a:r>
+              <a:rPr lang="en-US" dirty="0" err="1"/>
+              <a:t>Microservices</a:t>
+            </a:r>
+            <a:r>
+              <a:rPr lang="en-US" dirty="0"/>
+              <a:t> </a:t>
+            </a:r>
+            <a:r>
+              <a:rPr lang="en-US" dirty="0" smtClean="0"/>
+              <a:t>describes </a:t>
+            </a:r>
+            <a:r>
+              <a:rPr lang="en-US" dirty="0"/>
+              <a:t>a modular approach to building software in which complex applications are composed of several small, independent processes communicating with each other through explicitly defined boundaries using language-agnostic APIs. </a:t>
+            </a:r>
+            <a:endParaRPr lang="en-US" dirty="0" smtClean="0"/>
+          </a:p>
+          <a:p>
+            <a:endParaRPr lang="en-US" dirty="0" smtClean="0"/>
+          </a:p>
+          <a:p>
+            <a:r>
+              <a:rPr lang="en-US" dirty="0" smtClean="0"/>
+              <a:t>These </a:t>
+            </a:r>
+            <a:r>
+              <a:rPr lang="en-US" dirty="0"/>
+              <a:t>smaller services focus on doing a single task very well</a:t>
+            </a:r>
+            <a:r>
+              <a:rPr lang="en-US" dirty="0" smtClean="0"/>
+              <a:t>.</a:t>
+            </a:r>
+          </a:p>
+          <a:p>
+            <a:endParaRPr lang="en-US" dirty="0" smtClean="0"/>
+          </a:p>
+          <a:p>
+            <a:r>
+              <a:rPr lang="en-US" dirty="0" smtClean="0"/>
+              <a:t>They </a:t>
+            </a:r>
+            <a:r>
+              <a:rPr lang="en-US" dirty="0"/>
+              <a:t>are highly decoupled and can scale independently.</a:t>
+            </a:r>
+          </a:p>
+        </p:txBody>
+      </p:sp>
     </p:spTree>
     <p:extLst>
       <p:ext uri="{BB962C8B-B14F-4D97-AF65-F5344CB8AC3E}">
-        <p14:creationId xmlns:p14="http://schemas.microsoft.com/office/powerpoint/2010/main" val="4232526777"/>
+        <p14:creationId xmlns:p14="http://schemas.microsoft.com/office/powerpoint/2010/main" val="677522017"/>
       </p:ext>
     </p:extLst>
   </p:cSld>
@@ -8868,6 +9068,345 @@
 </file>
 
 <file path=ppt/slides/slide11.xml><?xml version="1.0" encoding="utf-8"?>
+<p:sld xmlns:a="http://schemas.openxmlformats.org/drawingml/2006/main" xmlns:r="http://schemas.openxmlformats.org/officeDocument/2006/relationships" xmlns:p="http://schemas.openxmlformats.org/presentationml/2006/main">
+  <p:cSld>
+    <p:spTree>
+      <p:nvGrpSpPr>
+        <p:cNvPr id="1" name=""/>
+        <p:cNvGrpSpPr/>
+        <p:nvPr/>
+      </p:nvGrpSpPr>
+      <p:grpSpPr>
+        <a:xfrm>
+          <a:off x="0" y="0"/>
+          <a:ext cx="0" cy="0"/>
+          <a:chOff x="0" y="0"/>
+          <a:chExt cx="0" cy="0"/>
+        </a:xfrm>
+      </p:grpSpPr>
+      <p:sp>
+        <p:nvSpPr>
+          <p:cNvPr id="3" name="Rectangle 2"/>
+          <p:cNvSpPr/>
+          <p:nvPr/>
+        </p:nvSpPr>
+        <p:spPr>
+          <a:xfrm>
+            <a:off x="902824" y="694481"/>
+            <a:ext cx="6476035" cy="3754874"/>
+          </a:xfrm>
+          <a:prstGeom prst="rect">
+            <a:avLst/>
+          </a:prstGeom>
+        </p:spPr>
+        <p:txBody>
+          <a:bodyPr wrap="square">
+            <a:spAutoFit/>
+          </a:bodyPr>
+          <a:lstStyle/>
+          <a:p>
+            <a:r>
+              <a:rPr lang="en-US" dirty="0"/>
+              <a:t>These 12 factors were used as guidelines to help steer </a:t>
+            </a:r>
+            <a:r>
+              <a:rPr lang="en-US" dirty="0" smtClean="0"/>
+              <a:t>development of </a:t>
+            </a:r>
+            <a:r>
+              <a:rPr lang="en-US" dirty="0"/>
+              <a:t>new applications, as well as to create a scorecard with which </a:t>
+            </a:r>
+            <a:r>
+              <a:rPr lang="en-US" dirty="0" smtClean="0"/>
+              <a:t>to measure </a:t>
+            </a:r>
+            <a:r>
+              <a:rPr lang="en-US" dirty="0"/>
+              <a:t>existing applications and their suitability for the cloud</a:t>
+            </a:r>
+            <a:r>
+              <a:rPr lang="en-US" dirty="0" smtClean="0"/>
+              <a:t>:</a:t>
+            </a:r>
+          </a:p>
+          <a:p>
+            <a:endParaRPr lang="en-US" dirty="0"/>
+          </a:p>
+          <a:p>
+            <a:pPr marL="285750" indent="-285750">
+              <a:buFont typeface="Arial" charset="0"/>
+              <a:buChar char="•"/>
+            </a:pPr>
+            <a:r>
+              <a:rPr lang="en-US" dirty="0" smtClean="0"/>
+              <a:t>Codebase</a:t>
+            </a:r>
+            <a:r>
+              <a:rPr lang="en-US" dirty="0"/>
+              <a:t>: One codebase tracked in revision control, many </a:t>
+            </a:r>
+            <a:r>
+              <a:rPr lang="en-US" dirty="0" smtClean="0"/>
+              <a:t>deploys</a:t>
+            </a:r>
+          </a:p>
+          <a:p>
+            <a:pPr marL="285750" indent="-285750">
+              <a:buFont typeface="Arial" charset="0"/>
+              <a:buChar char="•"/>
+            </a:pPr>
+            <a:r>
+              <a:rPr lang="en-US" dirty="0" smtClean="0"/>
+              <a:t>Dependencies</a:t>
+            </a:r>
+            <a:r>
+              <a:rPr lang="en-US" dirty="0"/>
+              <a:t>: Explicitly declare and isolate </a:t>
+            </a:r>
+            <a:r>
+              <a:rPr lang="en-US" dirty="0" smtClean="0"/>
+              <a:t>dependencies</a:t>
+            </a:r>
+          </a:p>
+          <a:p>
+            <a:pPr marL="285750" indent="-285750">
+              <a:buFont typeface="Arial" charset="0"/>
+              <a:buChar char="•"/>
+            </a:pPr>
+            <a:r>
+              <a:rPr lang="en-US" dirty="0" smtClean="0"/>
+              <a:t>Configuration</a:t>
+            </a:r>
+            <a:r>
+              <a:rPr lang="en-US" dirty="0"/>
+              <a:t>: Store configuration in the </a:t>
+            </a:r>
+            <a:r>
+              <a:rPr lang="en-US" dirty="0" smtClean="0"/>
+              <a:t>environment</a:t>
+            </a:r>
+          </a:p>
+          <a:p>
+            <a:pPr marL="285750" indent="-285750">
+              <a:buFont typeface="Arial" charset="0"/>
+              <a:buChar char="•"/>
+            </a:pPr>
+            <a:r>
+              <a:rPr lang="en-US" dirty="0" smtClean="0"/>
+              <a:t>Backing </a:t>
+            </a:r>
+            <a:r>
+              <a:rPr lang="en-US" dirty="0"/>
+              <a:t>Services: Treat backing services as attached </a:t>
+            </a:r>
+            <a:r>
+              <a:rPr lang="en-US" dirty="0" smtClean="0"/>
+              <a:t>resources</a:t>
+            </a:r>
+          </a:p>
+          <a:p>
+            <a:pPr marL="285750" indent="-285750">
+              <a:buFont typeface="Arial" charset="0"/>
+              <a:buChar char="•"/>
+            </a:pPr>
+            <a:r>
+              <a:rPr lang="en-US" dirty="0" smtClean="0"/>
+              <a:t>Build</a:t>
+            </a:r>
+            <a:r>
+              <a:rPr lang="en-US" dirty="0"/>
+              <a:t>, release, run: Strictly separate build and run </a:t>
+            </a:r>
+            <a:r>
+              <a:rPr lang="en-US" dirty="0" smtClean="0"/>
+              <a:t>stages</a:t>
+            </a:r>
+          </a:p>
+          <a:p>
+            <a:pPr marL="285750" indent="-285750">
+              <a:buFont typeface="Arial" charset="0"/>
+              <a:buChar char="•"/>
+            </a:pPr>
+            <a:r>
+              <a:rPr lang="en-US" dirty="0" smtClean="0"/>
+              <a:t>Processes</a:t>
+            </a:r>
+            <a:r>
+              <a:rPr lang="en-US" dirty="0"/>
+              <a:t>: Execute the app as one or more stateless </a:t>
+            </a:r>
+            <a:r>
+              <a:rPr lang="en-US" dirty="0" smtClean="0"/>
+              <a:t>processes</a:t>
+            </a:r>
+          </a:p>
+          <a:p>
+            <a:pPr marL="285750" indent="-285750">
+              <a:buFont typeface="Arial" charset="0"/>
+              <a:buChar char="•"/>
+            </a:pPr>
+            <a:r>
+              <a:rPr lang="en-US" dirty="0" smtClean="0"/>
+              <a:t>Port </a:t>
+            </a:r>
+            <a:r>
+              <a:rPr lang="en-US" dirty="0"/>
+              <a:t>binding: Export services via port </a:t>
+            </a:r>
+            <a:r>
+              <a:rPr lang="en-US" dirty="0" smtClean="0"/>
+              <a:t>binding</a:t>
+            </a:r>
+          </a:p>
+          <a:p>
+            <a:pPr marL="285750" indent="-285750">
+              <a:buFont typeface="Arial" charset="0"/>
+              <a:buChar char="•"/>
+            </a:pPr>
+            <a:r>
+              <a:rPr lang="en-US" dirty="0" smtClean="0"/>
+              <a:t>Concurrency</a:t>
+            </a:r>
+            <a:r>
+              <a:rPr lang="en-US" dirty="0"/>
+              <a:t>: Scale out via the process </a:t>
+            </a:r>
+            <a:r>
+              <a:rPr lang="en-US" dirty="0" smtClean="0"/>
+              <a:t>model</a:t>
+            </a:r>
+          </a:p>
+          <a:p>
+            <a:pPr marL="285750" indent="-285750">
+              <a:buFont typeface="Arial" charset="0"/>
+              <a:buChar char="•"/>
+            </a:pPr>
+            <a:r>
+              <a:rPr lang="en-US" dirty="0" smtClean="0"/>
+              <a:t>Disposability: Maximize </a:t>
+            </a:r>
+            <a:r>
+              <a:rPr lang="en-US" dirty="0"/>
+              <a:t>robustness with fast startup and graceful </a:t>
+            </a:r>
+            <a:r>
+              <a:rPr lang="en-US" dirty="0" smtClean="0"/>
+              <a:t>shutdown</a:t>
+            </a:r>
+          </a:p>
+          <a:p>
+            <a:pPr marL="285750" indent="-285750">
+              <a:buFont typeface="Arial" charset="0"/>
+              <a:buChar char="•"/>
+            </a:pPr>
+            <a:r>
+              <a:rPr lang="en-US" dirty="0" smtClean="0"/>
+              <a:t>Dev/prod </a:t>
+            </a:r>
+            <a:r>
+              <a:rPr lang="en-US" dirty="0"/>
+              <a:t>parity</a:t>
+            </a:r>
+            <a:r>
+              <a:rPr lang="en-US" dirty="0" smtClean="0"/>
+              <a:t>: Keep </a:t>
+            </a:r>
+            <a:r>
+              <a:rPr lang="en-US" dirty="0"/>
+              <a:t>development, staging, and production as similar </a:t>
+            </a:r>
+            <a:r>
+              <a:rPr lang="en-US" dirty="0" smtClean="0"/>
+              <a:t>as possible</a:t>
+            </a:r>
+          </a:p>
+          <a:p>
+            <a:pPr marL="285750" indent="-285750">
+              <a:buFont typeface="Arial" charset="0"/>
+              <a:buChar char="•"/>
+            </a:pPr>
+            <a:r>
+              <a:rPr lang="en-US" dirty="0" smtClean="0"/>
+              <a:t>Logs</a:t>
+            </a:r>
+            <a:r>
+              <a:rPr lang="en-US" dirty="0"/>
+              <a:t>: Treat logs as event </a:t>
+            </a:r>
+            <a:r>
+              <a:rPr lang="en-US" dirty="0" smtClean="0"/>
+              <a:t>streams</a:t>
+            </a:r>
+          </a:p>
+          <a:p>
+            <a:pPr marL="285750" indent="-285750">
+              <a:buFont typeface="Arial" charset="0"/>
+              <a:buChar char="•"/>
+            </a:pPr>
+            <a:r>
+              <a:rPr lang="en-US" dirty="0" smtClean="0"/>
+              <a:t>Admin </a:t>
+            </a:r>
+            <a:r>
+              <a:rPr lang="en-US" dirty="0"/>
+              <a:t>processes: Run admin/management tasks as one-off processes</a:t>
+            </a:r>
+          </a:p>
+        </p:txBody>
+      </p:sp>
+      <p:sp>
+        <p:nvSpPr>
+          <p:cNvPr id="4" name="TextBox 3"/>
+          <p:cNvSpPr txBox="1"/>
+          <p:nvPr/>
+        </p:nvSpPr>
+        <p:spPr>
+          <a:xfrm>
+            <a:off x="96862" y="129159"/>
+            <a:ext cx="9047138" cy="523220"/>
+          </a:xfrm>
+          <a:prstGeom prst="rect">
+            <a:avLst/>
+          </a:prstGeom>
+          <a:noFill/>
+        </p:spPr>
+        <p:txBody>
+          <a:bodyPr wrap="square" rtlCol="0">
+            <a:spAutoFit/>
+          </a:bodyPr>
+          <a:lstStyle/>
+          <a:p>
+            <a:pPr algn="ctr"/>
+            <a:r>
+              <a:rPr lang="en-US" sz="2800" dirty="0" smtClean="0"/>
+              <a:t>12 Factor App</a:t>
+            </a:r>
+            <a:endParaRPr lang="en-US" sz="2800" dirty="0"/>
+          </a:p>
+        </p:txBody>
+      </p:sp>
+    </p:spTree>
+    <p:extLst>
+      <p:ext uri="{BB962C8B-B14F-4D97-AF65-F5344CB8AC3E}">
+        <p14:creationId xmlns:p14="http://schemas.microsoft.com/office/powerpoint/2010/main" val="104848665"/>
+      </p:ext>
+    </p:extLst>
+  </p:cSld>
+  <p:clrMapOvr>
+    <a:masterClrMapping/>
+  </p:clrMapOvr>
+  <p:timing>
+    <p:tnLst>
+      <p:par>
+        <p:cTn id="1" dur="indefinite" restart="never" nodeType="tmRoot"/>
+      </p:par>
+    </p:tnLst>
+  </p:timing>
+</p:sld>
+</file>
+
+<file path=ppt/slides/slide12.xml><?xml version="1.0" encoding="utf-8"?>
 <p:sld xmlns:a="http://schemas.openxmlformats.org/drawingml/2006/main" xmlns:r="http://schemas.openxmlformats.org/officeDocument/2006/relationships" xmlns:p="http://schemas.openxmlformats.org/presentationml/2006/main">
   <p:cSld>
     <p:spTree>
@@ -8941,7 +9480,7 @@
 </p:sld>
 </file>
 
-<file path=ppt/slides/slide12.xml><?xml version="1.0" encoding="utf-8"?>
+<file path=ppt/slides/slide13.xml><?xml version="1.0" encoding="utf-8"?>
 <p:sld xmlns:a="http://schemas.openxmlformats.org/drawingml/2006/main" xmlns:r="http://schemas.openxmlformats.org/officeDocument/2006/relationships" xmlns:p="http://schemas.openxmlformats.org/presentationml/2006/main">
   <p:cSld>
     <p:spTree>
@@ -9008,7 +9547,7 @@
 </p:sld>
 </file>
 
-<file path=ppt/slides/slide13.xml><?xml version="1.0" encoding="utf-8"?>
+<file path=ppt/slides/slide14.xml><?xml version="1.0" encoding="utf-8"?>
 <p:sld xmlns:a="http://schemas.openxmlformats.org/drawingml/2006/main" xmlns:r="http://schemas.openxmlformats.org/officeDocument/2006/relationships" xmlns:p="http://schemas.openxmlformats.org/presentationml/2006/main">
   <p:cSld>
     <p:spTree>
@@ -9075,7 +9614,7 @@
 </p:sld>
 </file>
 
-<file path=ppt/slides/slide14.xml><?xml version="1.0" encoding="utf-8"?>
+<file path=ppt/slides/slide15.xml><?xml version="1.0" encoding="utf-8"?>
 <p:sld xmlns:a="http://schemas.openxmlformats.org/drawingml/2006/main" xmlns:r="http://schemas.openxmlformats.org/officeDocument/2006/relationships" xmlns:p="http://schemas.openxmlformats.org/presentationml/2006/main">
   <p:cSld>
     <p:spTree>
@@ -9142,7 +9681,7 @@
 </p:sld>
 </file>
 
-<file path=ppt/slides/slide15.xml><?xml version="1.0" encoding="utf-8"?>
+<file path=ppt/slides/slide16.xml><?xml version="1.0" encoding="utf-8"?>
 <p:sld xmlns:a="http://schemas.openxmlformats.org/drawingml/2006/main" xmlns:r="http://schemas.openxmlformats.org/officeDocument/2006/relationships" xmlns:p="http://schemas.openxmlformats.org/presentationml/2006/main">
   <p:cSld>
     <p:spTree>
@@ -9188,18 +9727,18 @@
               <a:rPr lang="en-US" dirty="0"/>
               <a:t> provide framework and runtime support for your applications. </a:t>
             </a:r>
-            <a:endParaRPr lang="en-US" dirty="0" smtClean="0"/>
-          </a:p>
-          <a:p>
-            <a:endParaRPr lang="en-US" dirty="0" smtClean="0"/>
-          </a:p>
-          <a:p>
-            <a:r>
-              <a:rPr lang="en-US" dirty="0" err="1" smtClean="0"/>
+            <a:endParaRPr lang="en-US" dirty="0"/>
+          </a:p>
+          <a:p>
+            <a:endParaRPr lang="en-US" dirty="0"/>
+          </a:p>
+          <a:p>
+            <a:r>
+              <a:rPr lang="en-US" dirty="0" err="1"/>
               <a:t>Buildpacks</a:t>
             </a:r>
             <a:r>
-              <a:rPr lang="en-US" dirty="0" smtClean="0"/>
+              <a:rPr lang="en-US" dirty="0"/>
               <a:t> </a:t>
             </a:r>
             <a:r>
@@ -9207,7 +9746,7 @@
               <a:t>typically examine user-provided artifacts to determine what dependencies to download and how to configure applications to communicate with bound services</a:t>
             </a:r>
             <a:r>
-              <a:rPr lang="en-US" dirty="0" smtClean="0"/>
+              <a:rPr lang="en-US" dirty="0"/>
               <a:t>.</a:t>
             </a:r>
           </a:p>
@@ -9244,7 +9783,7 @@
               <a:t> that is detected automatically </a:t>
             </a:r>
             <a:r>
-              <a:rPr lang="en-US" dirty="0" smtClean="0"/>
+              <a:rPr lang="en-US" dirty="0"/>
               <a:t>to </a:t>
             </a:r>
             <a:r>
@@ -9260,42 +9799,42 @@
               <a:t> to stage the application</a:t>
             </a:r>
             <a:r>
-              <a:rPr lang="en-US" dirty="0" smtClean="0"/>
+              <a:rPr lang="en-US" dirty="0"/>
               <a:t>.</a:t>
             </a:r>
           </a:p>
           <a:p>
-            <a:endParaRPr lang="en-US" dirty="0" smtClean="0"/>
-          </a:p>
-          <a:p>
-            <a:r>
-              <a:rPr lang="en-US" dirty="0" smtClean="0"/>
+            <a:endParaRPr lang="en-US" dirty="0"/>
+          </a:p>
+          <a:p>
+            <a:r>
+              <a:rPr lang="en-US" dirty="0"/>
               <a:t>Droplet = (Application + </a:t>
             </a:r>
             <a:r>
-              <a:rPr lang="en-US" dirty="0" err="1" smtClean="0"/>
+              <a:rPr lang="en-US" dirty="0" err="1"/>
               <a:t>Buildpack</a:t>
             </a:r>
             <a:r>
-              <a:rPr lang="en-US" dirty="0" smtClean="0"/>
+              <a:rPr lang="en-US" dirty="0"/>
               <a:t>)</a:t>
             </a:r>
           </a:p>
           <a:p>
             <a:r>
-              <a:rPr lang="en-US" dirty="0" err="1" smtClean="0"/>
+              <a:rPr lang="en-US" dirty="0" err="1"/>
               <a:t>Buildpack</a:t>
             </a:r>
             <a:r>
-              <a:rPr lang="en-US" dirty="0" smtClean="0"/>
+              <a:rPr lang="en-US" dirty="0"/>
               <a:t>= (</a:t>
             </a:r>
             <a:r>
-              <a:rPr lang="en-US" dirty="0" err="1" smtClean="0"/>
+              <a:rPr lang="en-US" dirty="0" err="1"/>
               <a:t>Appserver</a:t>
             </a:r>
             <a:r>
-              <a:rPr lang="en-US" dirty="0" smtClean="0"/>
+              <a:rPr lang="en-US" dirty="0"/>
               <a:t> + Libraries + Runtime) </a:t>
             </a:r>
             <a:endParaRPr lang="en-US" dirty="0"/>
@@ -9325,7 +9864,7 @@
 </p:sld>
 </file>
 
-<file path=ppt/slides/slide16.xml><?xml version="1.0" encoding="utf-8"?>
+<file path=ppt/slides/slide17.xml><?xml version="1.0" encoding="utf-8"?>
 <p:sld xmlns:a="http://schemas.openxmlformats.org/drawingml/2006/main" xmlns:r="http://schemas.openxmlformats.org/officeDocument/2006/relationships" xmlns:p="http://schemas.openxmlformats.org/presentationml/2006/main">
   <p:cSld>
     <p:spTree>
@@ -9392,7 +9931,214 @@
 </p:sld>
 </file>
 
-<file path=ppt/slides/slide17.xml><?xml version="1.0" encoding="utf-8"?>
+<file path=ppt/slides/slide18.xml><?xml version="1.0" encoding="utf-8"?>
+<p:sld xmlns:a="http://schemas.openxmlformats.org/drawingml/2006/main" xmlns:r="http://schemas.openxmlformats.org/officeDocument/2006/relationships" xmlns:p="http://schemas.openxmlformats.org/presentationml/2006/main">
+  <p:cSld>
+    <p:spTree>
+      <p:nvGrpSpPr>
+        <p:cNvPr id="1" name=""/>
+        <p:cNvGrpSpPr/>
+        <p:nvPr/>
+      </p:nvGrpSpPr>
+      <p:grpSpPr>
+        <a:xfrm>
+          <a:off x="0" y="0"/>
+          <a:ext cx="0" cy="0"/>
+          <a:chOff x="0" y="0"/>
+          <a:chExt cx="0" cy="0"/>
+        </a:xfrm>
+      </p:grpSpPr>
+      <p:sp>
+        <p:nvSpPr>
+          <p:cNvPr id="3" name="Rectangle 2"/>
+          <p:cNvSpPr/>
+          <p:nvPr/>
+        </p:nvSpPr>
+        <p:spPr>
+          <a:xfrm>
+            <a:off x="428264" y="1018572"/>
+            <a:ext cx="7766612" cy="3539430"/>
+          </a:xfrm>
+          <a:prstGeom prst="rect">
+            <a:avLst/>
+          </a:prstGeom>
+        </p:spPr>
+        <p:txBody>
+          <a:bodyPr wrap="square">
+            <a:spAutoFit/>
+          </a:bodyPr>
+          <a:lstStyle/>
+          <a:p>
+            <a:r>
+              <a:rPr lang="en-US" dirty="0"/>
+              <a:t>Cloud Foundry is designed to be configured, deployed, managed, scaled, and upgraded on any cloud IaaS provider. Cloud Foundry achieves this by leveraging BOSH, an open source tool for release engineering, deployment, lifecycle management, and distributed systems monitoring</a:t>
+            </a:r>
+            <a:r>
+              <a:rPr lang="en-US" dirty="0"/>
+              <a:t>.</a:t>
+            </a:r>
+          </a:p>
+          <a:p>
+            <a:endParaRPr lang="en-US" dirty="0"/>
+          </a:p>
+          <a:p>
+            <a:r>
+              <a:rPr lang="en-US" dirty="0"/>
+              <a:t>At a high level, the steps are the same regardless of IaaS</a:t>
+            </a:r>
+            <a:r>
+              <a:rPr lang="en-US" dirty="0"/>
+              <a:t>:</a:t>
+            </a:r>
+          </a:p>
+          <a:p>
+            <a:endParaRPr lang="en-US" dirty="0"/>
+          </a:p>
+          <a:p>
+            <a:pPr>
+              <a:buFont typeface="+mj-lt"/>
+              <a:buAutoNum type="arabicPeriod"/>
+            </a:pPr>
+            <a:r>
+              <a:rPr lang="en-US" dirty="0"/>
+              <a:t>Set up all external dependencies, such as IaaS account, external load balancers, DNS records, and any additional components</a:t>
+            </a:r>
+            <a:r>
+              <a:rPr lang="en-US" dirty="0"/>
+              <a:t>.</a:t>
+            </a:r>
+          </a:p>
+          <a:p>
+            <a:pPr>
+              <a:buFont typeface="+mj-lt"/>
+              <a:buAutoNum type="arabicPeriod"/>
+            </a:pPr>
+            <a:endParaRPr lang="en-US" dirty="0"/>
+          </a:p>
+          <a:p>
+            <a:pPr>
+              <a:buFont typeface="+mj-lt"/>
+              <a:buAutoNum type="arabicPeriod"/>
+            </a:pPr>
+            <a:r>
+              <a:rPr lang="en-US" dirty="0"/>
+              <a:t>Create a manifest to deploy a BOSH Director</a:t>
+            </a:r>
+            <a:r>
+              <a:rPr lang="en-US" dirty="0"/>
+              <a:t>.</a:t>
+            </a:r>
+            <a:br>
+              <a:rPr lang="en-US" dirty="0"/>
+            </a:br>
+            <a:endParaRPr lang="en-US" dirty="0"/>
+          </a:p>
+          <a:p>
+            <a:pPr>
+              <a:buFont typeface="+mj-lt"/>
+              <a:buAutoNum type="arabicPeriod"/>
+            </a:pPr>
+            <a:r>
+              <a:rPr lang="en-US" dirty="0"/>
+              <a:t>Deploy the BOSH Director</a:t>
+            </a:r>
+            <a:r>
+              <a:rPr lang="en-US" dirty="0"/>
+              <a:t>.</a:t>
+            </a:r>
+          </a:p>
+          <a:p>
+            <a:pPr>
+              <a:buFont typeface="+mj-lt"/>
+              <a:buAutoNum type="arabicPeriod"/>
+            </a:pPr>
+            <a:endParaRPr lang="en-US" dirty="0"/>
+          </a:p>
+          <a:p>
+            <a:pPr>
+              <a:buFont typeface="+mj-lt"/>
+              <a:buAutoNum type="arabicPeriod"/>
+            </a:pPr>
+            <a:r>
+              <a:rPr lang="en-US" dirty="0"/>
+              <a:t>Create a manifest to deploy Cloud Foundry</a:t>
+            </a:r>
+            <a:r>
+              <a:rPr lang="en-US" dirty="0"/>
+              <a:t>.</a:t>
+            </a:r>
+          </a:p>
+          <a:p>
+            <a:pPr>
+              <a:buFont typeface="+mj-lt"/>
+              <a:buAutoNum type="arabicPeriod"/>
+            </a:pPr>
+            <a:endParaRPr lang="en-US" dirty="0"/>
+          </a:p>
+          <a:p>
+            <a:pPr>
+              <a:buFont typeface="+mj-lt"/>
+              <a:buAutoNum type="arabicPeriod"/>
+            </a:pPr>
+            <a:r>
+              <a:rPr lang="en-US" dirty="0"/>
+              <a:t>Deploy Cloud Foundry.</a:t>
+            </a:r>
+          </a:p>
+        </p:txBody>
+      </p:sp>
+      <p:sp>
+        <p:nvSpPr>
+          <p:cNvPr id="4" name="TextBox 3"/>
+          <p:cNvSpPr txBox="1"/>
+          <p:nvPr/>
+        </p:nvSpPr>
+        <p:spPr>
+          <a:xfrm>
+            <a:off x="96862" y="129159"/>
+            <a:ext cx="9047138" cy="523220"/>
+          </a:xfrm>
+          <a:prstGeom prst="rect">
+            <a:avLst/>
+          </a:prstGeom>
+          <a:noFill/>
+        </p:spPr>
+        <p:txBody>
+          <a:bodyPr wrap="square" rtlCol="0">
+            <a:spAutoFit/>
+          </a:bodyPr>
+          <a:lstStyle/>
+          <a:p>
+            <a:pPr algn="ctr"/>
+            <a:r>
+              <a:rPr lang="en-US" sz="2800" dirty="0" smtClean="0"/>
+              <a:t>BOSH</a:t>
+            </a:r>
+            <a:endParaRPr lang="en-US" sz="2800" dirty="0"/>
+          </a:p>
+        </p:txBody>
+      </p:sp>
+    </p:spTree>
+    <p:extLst>
+      <p:ext uri="{BB962C8B-B14F-4D97-AF65-F5344CB8AC3E}">
+        <p14:creationId xmlns:p14="http://schemas.microsoft.com/office/powerpoint/2010/main" val="211124630"/>
+      </p:ext>
+    </p:extLst>
+  </p:cSld>
+  <p:clrMapOvr>
+    <a:masterClrMapping/>
+  </p:clrMapOvr>
+  <p:timing>
+    <p:tnLst>
+      <p:par>
+        <p:cTn id="1" dur="indefinite" restart="never" nodeType="tmRoot"/>
+      </p:par>
+    </p:tnLst>
+  </p:timing>
+</p:sld>
+</file>
+
+<file path=ppt/slides/slide19.xml><?xml version="1.0" encoding="utf-8"?>
 <p:sld xmlns:a="http://schemas.openxmlformats.org/drawingml/2006/main" xmlns:r="http://schemas.openxmlformats.org/officeDocument/2006/relationships" xmlns:p="http://schemas.openxmlformats.org/presentationml/2006/main">
   <p:cSld>
     <p:spTree>
@@ -9520,171 +10266,6 @@
     <p:extLst>
       <p:ext uri="{BB962C8B-B14F-4D97-AF65-F5344CB8AC3E}">
         <p14:creationId xmlns:p14="http://schemas.microsoft.com/office/powerpoint/2010/main" val="3739815839"/>
-      </p:ext>
-    </p:extLst>
-  </p:cSld>
-  <p:clrMapOvr>
-    <a:masterClrMapping/>
-  </p:clrMapOvr>
-  <p:timing>
-    <p:tnLst>
-      <p:par>
-        <p:cTn id="1" dur="indefinite" restart="never" nodeType="tmRoot"/>
-      </p:par>
-    </p:tnLst>
-  </p:timing>
-</p:sld>
-</file>
-
-<file path=ppt/slides/slide18.xml><?xml version="1.0" encoding="utf-8"?>
-<p:sld xmlns:a="http://schemas.openxmlformats.org/drawingml/2006/main" xmlns:r="http://schemas.openxmlformats.org/officeDocument/2006/relationships" xmlns:p="http://schemas.openxmlformats.org/presentationml/2006/main">
-  <p:cSld>
-    <p:spTree>
-      <p:nvGrpSpPr>
-        <p:cNvPr id="1" name=""/>
-        <p:cNvGrpSpPr/>
-        <p:nvPr/>
-      </p:nvGrpSpPr>
-      <p:grpSpPr>
-        <a:xfrm>
-          <a:off x="0" y="0"/>
-          <a:ext cx="0" cy="0"/>
-          <a:chOff x="0" y="0"/>
-          <a:chExt cx="0" cy="0"/>
-        </a:xfrm>
-      </p:grpSpPr>
-      <p:pic>
-        <p:nvPicPr>
-          <p:cNvPr id="3" name="Picture 2" descr="bosh-architecture.png"/>
-          <p:cNvPicPr>
-            <a:picLocks noChangeAspect="1"/>
-          </p:cNvPicPr>
-          <p:nvPr/>
-        </p:nvPicPr>
-        <p:blipFill>
-          <a:blip r:embed="rId3">
-            <a:extLst>
-              <a:ext uri="{28A0092B-C50C-407E-A947-70E740481C1C}">
-                <a14:useLocalDpi xmlns:a14="http://schemas.microsoft.com/office/drawing/2010/main" val="0"/>
-              </a:ext>
-            </a:extLst>
-          </a:blip>
-          <a:stretch>
-            <a:fillRect/>
-          </a:stretch>
-        </p:blipFill>
-        <p:spPr>
-          <a:xfrm>
-            <a:off x="642946" y="1162070"/>
-            <a:ext cx="7620000" cy="3136900"/>
-          </a:xfrm>
-          <a:prstGeom prst="rect">
-            <a:avLst/>
-          </a:prstGeom>
-        </p:spPr>
-      </p:pic>
-      <p:sp>
-        <p:nvSpPr>
-          <p:cNvPr id="4" name="TextBox 3"/>
-          <p:cNvSpPr txBox="1"/>
-          <p:nvPr/>
-        </p:nvSpPr>
-        <p:spPr>
-          <a:xfrm>
-            <a:off x="96862" y="129159"/>
-            <a:ext cx="9047138" cy="523220"/>
-          </a:xfrm>
-          <a:prstGeom prst="rect">
-            <a:avLst/>
-          </a:prstGeom>
-          <a:noFill/>
-        </p:spPr>
-        <p:txBody>
-          <a:bodyPr wrap="square" rtlCol="0">
-            <a:spAutoFit/>
-          </a:bodyPr>
-          <a:lstStyle/>
-          <a:p>
-            <a:pPr algn="ctr"/>
-            <a:r>
-              <a:rPr lang="en-US" sz="2800" dirty="0" smtClean="0"/>
-              <a:t>BOSH Architecture</a:t>
-            </a:r>
-            <a:endParaRPr lang="en-US" sz="2800" dirty="0"/>
-          </a:p>
-        </p:txBody>
-      </p:sp>
-    </p:spTree>
-    <p:extLst>
-      <p:ext uri="{BB962C8B-B14F-4D97-AF65-F5344CB8AC3E}">
-        <p14:creationId xmlns:p14="http://schemas.microsoft.com/office/powerpoint/2010/main" val="2317389798"/>
-      </p:ext>
-    </p:extLst>
-  </p:cSld>
-  <p:clrMapOvr>
-    <a:masterClrMapping/>
-  </p:clrMapOvr>
-  <p:timing>
-    <p:tnLst>
-      <p:par>
-        <p:cTn id="1" dur="indefinite" restart="never" nodeType="tmRoot"/>
-      </p:par>
-    </p:tnLst>
-  </p:timing>
-</p:sld>
-</file>
-
-<file path=ppt/slides/slide19.xml><?xml version="1.0" encoding="utf-8"?>
-<p:sld xmlns:a="http://schemas.openxmlformats.org/drawingml/2006/main" xmlns:r="http://schemas.openxmlformats.org/officeDocument/2006/relationships" xmlns:p="http://schemas.openxmlformats.org/presentationml/2006/main">
-  <p:cSld>
-    <p:spTree>
-      <p:nvGrpSpPr>
-        <p:cNvPr id="1" name=""/>
-        <p:cNvGrpSpPr/>
-        <p:nvPr/>
-      </p:nvGrpSpPr>
-      <p:grpSpPr>
-        <a:xfrm>
-          <a:off x="0" y="0"/>
-          <a:ext cx="0" cy="0"/>
-          <a:chOff x="0" y="0"/>
-          <a:chExt cx="0" cy="0"/>
-        </a:xfrm>
-      </p:grpSpPr>
-      <p:sp>
-        <p:nvSpPr>
-          <p:cNvPr id="2" name="TextBox 1"/>
-          <p:cNvSpPr txBox="1"/>
-          <p:nvPr/>
-        </p:nvSpPr>
-        <p:spPr>
-          <a:xfrm>
-            <a:off x="96862" y="1603641"/>
-            <a:ext cx="9047138" cy="2308324"/>
-          </a:xfrm>
-          <a:prstGeom prst="rect">
-            <a:avLst/>
-          </a:prstGeom>
-          <a:noFill/>
-        </p:spPr>
-        <p:txBody>
-          <a:bodyPr wrap="square" rtlCol="0">
-            <a:spAutoFit/>
-          </a:bodyPr>
-          <a:lstStyle/>
-          <a:p>
-            <a:pPr algn="ctr"/>
-            <a:r>
-              <a:rPr lang="en-US" sz="7200" dirty="0"/>
-              <a:t>Orgs, Spaces, Roles, and Permissions</a:t>
-            </a:r>
-          </a:p>
-        </p:txBody>
-      </p:sp>
-    </p:spTree>
-    <p:extLst>
-      <p:ext uri="{BB962C8B-B14F-4D97-AF65-F5344CB8AC3E}">
-        <p14:creationId xmlns:p14="http://schemas.microsoft.com/office/powerpoint/2010/main" val="1881531802"/>
       </p:ext>
     </p:extLst>
   </p:cSld>
@@ -9819,99 +10400,186 @@
           <a:chExt cx="0" cy="0"/>
         </a:xfrm>
       </p:grpSpPr>
-      <p:sp>
-        <p:nvSpPr>
-          <p:cNvPr id="3" name="Rectangle 2"/>
-          <p:cNvSpPr/>
+      <p:pic>
+        <p:nvPicPr>
+          <p:cNvPr id="3" name="Picture 2" descr="bosh-architecture.png"/>
+          <p:cNvPicPr>
+            <a:picLocks noChangeAspect="1"/>
+          </p:cNvPicPr>
           <p:nvPr/>
-        </p:nvSpPr>
+        </p:nvPicPr>
+        <p:blipFill>
+          <a:blip r:embed="rId3">
+            <a:extLst>
+              <a:ext uri="{28A0092B-C50C-407E-A947-70E740481C1C}">
+                <a14:useLocalDpi xmlns:a14="http://schemas.microsoft.com/office/drawing/2010/main" val="0"/>
+              </a:ext>
+            </a:extLst>
+          </a:blip>
+          <a:stretch>
+            <a:fillRect/>
+          </a:stretch>
+        </p:blipFill>
         <p:spPr>
           <a:xfrm>
-            <a:off x="974651" y="210607"/>
-            <a:ext cx="7171353" cy="2893100"/>
+            <a:off x="642946" y="1162070"/>
+            <a:ext cx="7620000" cy="3136900"/>
           </a:xfrm>
           <a:prstGeom prst="rect">
             <a:avLst/>
           </a:prstGeom>
         </p:spPr>
+      </p:pic>
+      <p:sp>
+        <p:nvSpPr>
+          <p:cNvPr id="4" name="TextBox 3"/>
+          <p:cNvSpPr txBox="1"/>
+          <p:nvPr/>
+        </p:nvSpPr>
+        <p:spPr>
+          <a:xfrm>
+            <a:off x="96862" y="129159"/>
+            <a:ext cx="9047138" cy="523220"/>
+          </a:xfrm>
+          <a:prstGeom prst="rect">
+            <a:avLst/>
+          </a:prstGeom>
+          <a:noFill/>
+        </p:spPr>
         <p:txBody>
-          <a:bodyPr wrap="square">
+          <a:bodyPr wrap="square" rtlCol="0">
             <a:spAutoFit/>
           </a:bodyPr>
           <a:lstStyle/>
           <a:p>
-            <a:pPr marL="285750" indent="-285750">
-              <a:buFont typeface="Arial"/>
-              <a:buChar char="•"/>
-            </a:pPr>
-            <a:r>
-              <a:rPr lang="en-US" dirty="0"/>
-              <a:t>An org is a development account that an individual or multiple collaborators can own and use. All collaborators access an org with user accounts</a:t>
-            </a:r>
-            <a:r>
-              <a:rPr lang="en-US" dirty="0" smtClean="0"/>
-              <a:t>.</a:t>
-            </a:r>
-          </a:p>
-          <a:p>
-            <a:endParaRPr lang="en-US" dirty="0" smtClean="0"/>
-          </a:p>
-          <a:p>
-            <a:pPr marL="285750" indent="-285750">
-              <a:buFont typeface="Arial"/>
-              <a:buChar char="•"/>
-            </a:pPr>
-            <a:r>
-              <a:rPr lang="en-US" dirty="0"/>
-              <a:t>A user account represents an individual person within the context of a PCF installation. A user can have different roles in different spaces within an org</a:t>
-            </a:r>
-          </a:p>
-          <a:p>
-            <a:endParaRPr lang="en-US" dirty="0" smtClean="0"/>
-          </a:p>
-          <a:p>
-            <a:pPr marL="285750" indent="-285750">
-              <a:buFont typeface="Arial"/>
-              <a:buChar char="•"/>
-            </a:pPr>
-            <a:r>
-              <a:rPr lang="en-US" dirty="0"/>
-              <a:t>Every application and service is scoped to a space. Each org contains at least one space. A space provides users with access to a shared location for application development, deployment, and maintenance</a:t>
-            </a:r>
-            <a:endParaRPr lang="en-US" dirty="0" smtClean="0"/>
-          </a:p>
-          <a:p>
-            <a:endParaRPr lang="en-US" dirty="0" smtClean="0"/>
-          </a:p>
-          <a:p>
-            <a:pPr marL="285750" indent="-285750">
-              <a:buFont typeface="Arial"/>
-              <a:buChar char="•"/>
-            </a:pPr>
-            <a:r>
-              <a:rPr lang="en-US" dirty="0"/>
-              <a:t>A user can have one or more roles. The combination of these roles defines the user’s overall permissions in the org and within specific spaces in that org.</a:t>
-            </a:r>
-          </a:p>
-          <a:p>
-            <a:endParaRPr lang="en-US" dirty="0"/>
+            <a:pPr algn="ctr"/>
+            <a:r>
+              <a:rPr lang="en-US" sz="2800" dirty="0" smtClean="0"/>
+              <a:t>BOSH Architecture</a:t>
+            </a:r>
+            <a:endParaRPr lang="en-US" sz="2800" dirty="0"/>
           </a:p>
         </p:txBody>
       </p:sp>
     </p:spTree>
     <p:extLst>
       <p:ext uri="{BB962C8B-B14F-4D97-AF65-F5344CB8AC3E}">
-        <p14:creationId xmlns:p14="http://schemas.microsoft.com/office/powerpoint/2010/main" val="3516788959"/>
+        <p14:creationId xmlns:p14="http://schemas.microsoft.com/office/powerpoint/2010/main" val="2317389798"/>
       </p:ext>
     </p:extLst>
   </p:cSld>
   <p:clrMapOvr>
     <a:masterClrMapping/>
   </p:clrMapOvr>
+  <p:timing>
+    <p:tnLst>
+      <p:par>
+        <p:cTn id="1" dur="indefinite" restart="never" nodeType="tmRoot"/>
+      </p:par>
+    </p:tnLst>
+  </p:timing>
 </p:sld>
 </file>
 
 <file path=ppt/slides/slide21.xml><?xml version="1.0" encoding="utf-8"?>
+<p:sld xmlns:a="http://schemas.openxmlformats.org/drawingml/2006/main" xmlns:r="http://schemas.openxmlformats.org/officeDocument/2006/relationships" xmlns:p="http://schemas.openxmlformats.org/presentationml/2006/main">
+  <p:cSld>
+    <p:spTree>
+      <p:nvGrpSpPr>
+        <p:cNvPr id="1" name=""/>
+        <p:cNvGrpSpPr/>
+        <p:nvPr/>
+      </p:nvGrpSpPr>
+      <p:grpSpPr>
+        <a:xfrm>
+          <a:off x="0" y="0"/>
+          <a:ext cx="0" cy="0"/>
+          <a:chOff x="0" y="0"/>
+          <a:chExt cx="0" cy="0"/>
+        </a:xfrm>
+      </p:grpSpPr>
+      <p:pic>
+        <p:nvPicPr>
+          <p:cNvPr id="3" name="Picture 2"/>
+          <p:cNvPicPr>
+            <a:picLocks noChangeAspect="1"/>
+          </p:cNvPicPr>
+          <p:nvPr/>
+        </p:nvPicPr>
+        <p:blipFill>
+          <a:blip r:embed="rId3">
+            <a:extLst>
+              <a:ext uri="{28A0092B-C50C-407E-A947-70E740481C1C}">
+                <a14:useLocalDpi xmlns:a14="http://schemas.microsoft.com/office/drawing/2010/main" val="0"/>
+              </a:ext>
+            </a:extLst>
+          </a:blip>
+          <a:stretch>
+            <a:fillRect/>
+          </a:stretch>
+        </p:blipFill>
+        <p:spPr>
+          <a:xfrm>
+            <a:off x="462989" y="649799"/>
+            <a:ext cx="7875928" cy="3818030"/>
+          </a:xfrm>
+          <a:prstGeom prst="rect">
+            <a:avLst/>
+          </a:prstGeom>
+        </p:spPr>
+      </p:pic>
+      <p:sp>
+        <p:nvSpPr>
+          <p:cNvPr id="4" name="TextBox 3"/>
+          <p:cNvSpPr txBox="1"/>
+          <p:nvPr/>
+        </p:nvSpPr>
+        <p:spPr>
+          <a:xfrm>
+            <a:off x="96862" y="129159"/>
+            <a:ext cx="9047138" cy="523220"/>
+          </a:xfrm>
+          <a:prstGeom prst="rect">
+            <a:avLst/>
+          </a:prstGeom>
+          <a:noFill/>
+        </p:spPr>
+        <p:txBody>
+          <a:bodyPr wrap="square" rtlCol="0">
+            <a:spAutoFit/>
+          </a:bodyPr>
+          <a:lstStyle/>
+          <a:p>
+            <a:pPr algn="ctr"/>
+            <a:r>
+              <a:rPr lang="en-US" sz="2800" dirty="0" smtClean="0"/>
+              <a:t>Creating a new VM</a:t>
+            </a:r>
+            <a:endParaRPr lang="en-US" sz="2800" dirty="0"/>
+          </a:p>
+        </p:txBody>
+      </p:sp>
+    </p:spTree>
+    <p:extLst>
+      <p:ext uri="{BB962C8B-B14F-4D97-AF65-F5344CB8AC3E}">
+        <p14:creationId xmlns:p14="http://schemas.microsoft.com/office/powerpoint/2010/main" val="1906093453"/>
+      </p:ext>
+    </p:extLst>
+  </p:cSld>
+  <p:clrMapOvr>
+    <a:masterClrMapping/>
+  </p:clrMapOvr>
+  <p:timing>
+    <p:tnLst>
+      <p:par>
+        <p:cTn id="1" dur="indefinite" restart="never" nodeType="tmRoot"/>
+      </p:par>
+    </p:tnLst>
+  </p:timing>
+</p:sld>
+</file>
+
+<file path=ppt/slides/slide22.xml><?xml version="1.0" encoding="utf-8"?>
 <p:sld xmlns:a="http://schemas.openxmlformats.org/drawingml/2006/main" xmlns:r="http://schemas.openxmlformats.org/officeDocument/2006/relationships" xmlns:p="http://schemas.openxmlformats.org/presentationml/2006/main">
   <p:cSld>
     <p:spTree>
@@ -9978,7 +10646,7 @@
 </p:sld>
 </file>
 
-<file path=ppt/slides/slide22.xml><?xml version="1.0" encoding="utf-8"?>
+<file path=ppt/slides/slide23.xml><?xml version="1.0" encoding="utf-8"?>
 <p:sld xmlns:a="http://schemas.openxmlformats.org/drawingml/2006/main" xmlns:r="http://schemas.openxmlformats.org/officeDocument/2006/relationships" xmlns:p="http://schemas.openxmlformats.org/presentationml/2006/main">
   <p:cSld>
     <p:spTree>
@@ -10172,11 +10840,7 @@
           <a:p>
             <a:r>
               <a:rPr lang="en-US" dirty="0" smtClean="0"/>
-              <a:t>      Cells (Rep + Executer) -&gt; BBS -&gt; Brain (</a:t>
-            </a:r>
-            <a:r>
-              <a:rPr lang="en-US" dirty="0" smtClean="0"/>
-              <a:t>Auctioneer+ </a:t>
+              <a:t>      Cells (Rep + Executer) -&gt; BBS -&gt; Brain (Auctioneer+ </a:t>
             </a:r>
             <a:r>
               <a:rPr lang="en-US" dirty="0" err="1" smtClean="0"/>
@@ -10203,7 +10867,7 @@
 </p:sld>
 </file>
 
-<file path=ppt/slides/slide23.xml><?xml version="1.0" encoding="utf-8"?>
+<file path=ppt/slides/slide24.xml><?xml version="1.0" encoding="utf-8"?>
 <p:sld xmlns:a="http://schemas.openxmlformats.org/drawingml/2006/main" xmlns:r="http://schemas.openxmlformats.org/officeDocument/2006/relationships" xmlns:p="http://schemas.openxmlformats.org/presentationml/2006/main">
   <p:cSld>
     <p:spTree>
@@ -10418,740 +11082,6 @@
           <a:chExt cx="0" cy="0"/>
         </a:xfrm>
       </p:grpSpPr>
-      <p:sp>
-        <p:nvSpPr>
-          <p:cNvPr id="3" name="Rectangle 2"/>
-          <p:cNvSpPr/>
-          <p:nvPr/>
-        </p:nvSpPr>
-        <p:spPr>
-          <a:xfrm>
-            <a:off x="1159846" y="1004459"/>
-            <a:ext cx="7171353" cy="2246769"/>
-          </a:xfrm>
-          <a:prstGeom prst="rect">
-            <a:avLst/>
-          </a:prstGeom>
-        </p:spPr>
-        <p:txBody>
-          <a:bodyPr wrap="square">
-            <a:spAutoFit/>
-          </a:bodyPr>
-          <a:lstStyle/>
-          <a:p>
-            <a:pPr marL="285750" indent="-285750">
-              <a:buFont typeface="Arial"/>
-              <a:buChar char="•"/>
-            </a:pPr>
-            <a:r>
-              <a:rPr lang="en-US" dirty="0" smtClean="0"/>
-              <a:t>Application </a:t>
-            </a:r>
-            <a:r>
-              <a:rPr lang="en-US" dirty="0"/>
-              <a:t>auto-scaling.</a:t>
-            </a:r>
-          </a:p>
-          <a:p>
-            <a:pPr marL="285750" indent="-285750">
-              <a:buFont typeface="Arial"/>
-              <a:buChar char="•"/>
-            </a:pPr>
-            <a:r>
-              <a:rPr lang="en-US" dirty="0"/>
-              <a:t>Centralized platform administration.</a:t>
-            </a:r>
-          </a:p>
-          <a:p>
-            <a:pPr marL="285750" indent="-285750">
-              <a:buFont typeface="Arial"/>
-              <a:buChar char="•"/>
-            </a:pPr>
-            <a:r>
-              <a:rPr lang="en-US" dirty="0"/>
-              <a:t>Centralized logging.</a:t>
-            </a:r>
-          </a:p>
-          <a:p>
-            <a:pPr marL="285750" indent="-285750">
-              <a:buFont typeface="Arial"/>
-              <a:buChar char="•"/>
-            </a:pPr>
-            <a:r>
-              <a:rPr lang="en-US" dirty="0"/>
-              <a:t>Dynamic routing.</a:t>
-            </a:r>
-          </a:p>
-          <a:p>
-            <a:pPr marL="285750" indent="-285750">
-              <a:buFont typeface="Arial"/>
-              <a:buChar char="•"/>
-            </a:pPr>
-            <a:r>
-              <a:rPr lang="en-US" dirty="0"/>
-              <a:t>Application health management.</a:t>
-            </a:r>
-          </a:p>
-          <a:p>
-            <a:pPr marL="285750" indent="-285750">
-              <a:buFont typeface="Arial"/>
-              <a:buChar char="•"/>
-            </a:pPr>
-            <a:r>
-              <a:rPr lang="en-US" dirty="0"/>
-              <a:t>Integration with external logging components like </a:t>
-            </a:r>
-            <a:r>
-              <a:rPr lang="en-US" dirty="0" err="1"/>
-              <a:t>Elasticsearch</a:t>
-            </a:r>
-            <a:r>
-              <a:rPr lang="en-US" dirty="0"/>
-              <a:t> and </a:t>
-            </a:r>
-            <a:r>
-              <a:rPr lang="en-US" dirty="0" err="1"/>
-              <a:t>Logstash</a:t>
-            </a:r>
-            <a:r>
-              <a:rPr lang="en-US" dirty="0"/>
-              <a:t>.</a:t>
-            </a:r>
-          </a:p>
-          <a:p>
-            <a:pPr marL="285750" indent="-285750">
-              <a:buFont typeface="Arial"/>
-              <a:buChar char="•"/>
-            </a:pPr>
-            <a:r>
-              <a:rPr lang="en-US" dirty="0"/>
-              <a:t>Role based access for deployed applications.</a:t>
-            </a:r>
-          </a:p>
-          <a:p>
-            <a:pPr marL="285750" indent="-285750">
-              <a:buFont typeface="Arial"/>
-              <a:buChar char="•"/>
-            </a:pPr>
-            <a:r>
-              <a:rPr lang="en-US" dirty="0"/>
-              <a:t>Provision for vertical and horizontal scaling.</a:t>
-            </a:r>
-          </a:p>
-          <a:p>
-            <a:pPr marL="285750" indent="-285750">
-              <a:buFont typeface="Arial"/>
-              <a:buChar char="•"/>
-            </a:pPr>
-            <a:r>
-              <a:rPr lang="en-US" dirty="0"/>
-              <a:t>Infrastructure security.</a:t>
-            </a:r>
-          </a:p>
-          <a:p>
-            <a:pPr marL="285750" indent="-285750">
-              <a:buFont typeface="Arial"/>
-              <a:buChar char="•"/>
-            </a:pPr>
-            <a:r>
-              <a:rPr lang="en-US" dirty="0"/>
-              <a:t>Support for various </a:t>
-            </a:r>
-            <a:r>
-              <a:rPr lang="en-US" dirty="0" err="1"/>
-              <a:t>IaaS</a:t>
-            </a:r>
-            <a:r>
-              <a:rPr lang="en-US" dirty="0"/>
-              <a:t> providers.</a:t>
-            </a:r>
-          </a:p>
-        </p:txBody>
-      </p:sp>
-      <p:sp>
-        <p:nvSpPr>
-          <p:cNvPr id="4" name="Rectangle 3"/>
-          <p:cNvSpPr/>
-          <p:nvPr/>
-        </p:nvSpPr>
-        <p:spPr>
-          <a:xfrm>
-            <a:off x="1922304" y="252673"/>
-            <a:ext cx="5014965" cy="523220"/>
-          </a:xfrm>
-          <a:prstGeom prst="rect">
-            <a:avLst/>
-          </a:prstGeom>
-        </p:spPr>
-        <p:txBody>
-          <a:bodyPr wrap="none">
-            <a:spAutoFit/>
-          </a:bodyPr>
-          <a:lstStyle/>
-          <a:p>
-            <a:r>
-              <a:rPr lang="en-US" sz="2800" dirty="0"/>
-              <a:t>Key benefits of Cloud </a:t>
-            </a:r>
-            <a:r>
-              <a:rPr lang="en-US" sz="2800" dirty="0" smtClean="0"/>
-              <a:t>Foundry</a:t>
-            </a:r>
-            <a:endParaRPr lang="en-US" sz="2800" dirty="0"/>
-          </a:p>
-        </p:txBody>
-      </p:sp>
-    </p:spTree>
-    <p:extLst>
-      <p:ext uri="{BB962C8B-B14F-4D97-AF65-F5344CB8AC3E}">
-        <p14:creationId xmlns:p14="http://schemas.microsoft.com/office/powerpoint/2010/main" val="2426703649"/>
-      </p:ext>
-    </p:extLst>
-  </p:cSld>
-  <p:clrMapOvr>
-    <a:masterClrMapping/>
-  </p:clrMapOvr>
-  <p:timing>
-    <p:tnLst>
-      <p:par>
-        <p:cTn id="1" dur="indefinite" restart="never" nodeType="tmRoot"/>
-      </p:par>
-    </p:tnLst>
-  </p:timing>
-</p:sld>
-</file>
-
-<file path=ppt/slides/slide5.xml><?xml version="1.0" encoding="utf-8"?>
-<p:sld xmlns:a="http://schemas.openxmlformats.org/drawingml/2006/main" xmlns:r="http://schemas.openxmlformats.org/officeDocument/2006/relationships" xmlns:p="http://schemas.openxmlformats.org/presentationml/2006/main">
-  <p:cSld>
-    <p:spTree>
-      <p:nvGrpSpPr>
-        <p:cNvPr id="1" name=""/>
-        <p:cNvGrpSpPr/>
-        <p:nvPr/>
-      </p:nvGrpSpPr>
-      <p:grpSpPr>
-        <a:xfrm>
-          <a:off x="0" y="0"/>
-          <a:ext cx="0" cy="0"/>
-          <a:chOff x="0" y="0"/>
-          <a:chExt cx="0" cy="0"/>
-        </a:xfrm>
-      </p:grpSpPr>
-      <p:sp>
-        <p:nvSpPr>
-          <p:cNvPr id="2" name="TextBox 1"/>
-          <p:cNvSpPr txBox="1"/>
-          <p:nvPr/>
-        </p:nvSpPr>
-        <p:spPr>
-          <a:xfrm>
-            <a:off x="96862" y="1719902"/>
-            <a:ext cx="9047138" cy="1200329"/>
-          </a:xfrm>
-          <a:prstGeom prst="rect">
-            <a:avLst/>
-          </a:prstGeom>
-          <a:noFill/>
-        </p:spPr>
-        <p:txBody>
-          <a:bodyPr wrap="square" rtlCol="0">
-            <a:spAutoFit/>
-          </a:bodyPr>
-          <a:lstStyle/>
-          <a:p>
-            <a:pPr algn="ctr"/>
-            <a:r>
-              <a:rPr lang="en-US" sz="7200"/>
-              <a:t>MICROSERVICES</a:t>
-            </a:r>
-          </a:p>
-        </p:txBody>
-      </p:sp>
-    </p:spTree>
-    <p:extLst>
-      <p:ext uri="{BB962C8B-B14F-4D97-AF65-F5344CB8AC3E}">
-        <p14:creationId xmlns:p14="http://schemas.microsoft.com/office/powerpoint/2010/main" val="2629060298"/>
-      </p:ext>
-    </p:extLst>
-  </p:cSld>
-  <p:clrMapOvr>
-    <a:masterClrMapping/>
-  </p:clrMapOvr>
-  <p:timing>
-    <p:tnLst>
-      <p:par>
-        <p:cTn id="1" dur="indefinite" restart="never" nodeType="tmRoot"/>
-      </p:par>
-    </p:tnLst>
-  </p:timing>
-</p:sld>
-</file>
-
-<file path=ppt/slides/slide6.xml><?xml version="1.0" encoding="utf-8"?>
-<p:sld xmlns:a="http://schemas.openxmlformats.org/drawingml/2006/main" xmlns:r="http://schemas.openxmlformats.org/officeDocument/2006/relationships" xmlns:p="http://schemas.openxmlformats.org/presentationml/2006/main">
-  <p:cSld>
-    <p:spTree>
-      <p:nvGrpSpPr>
-        <p:cNvPr id="1" name=""/>
-        <p:cNvGrpSpPr/>
-        <p:nvPr/>
-      </p:nvGrpSpPr>
-      <p:grpSpPr>
-        <a:xfrm>
-          <a:off x="0" y="0"/>
-          <a:ext cx="0" cy="0"/>
-          <a:chOff x="0" y="0"/>
-          <a:chExt cx="0" cy="0"/>
-        </a:xfrm>
-      </p:grpSpPr>
-      <p:sp>
-        <p:nvSpPr>
-          <p:cNvPr id="3" name="Rectangle 2"/>
-          <p:cNvSpPr/>
-          <p:nvPr/>
-        </p:nvSpPr>
-        <p:spPr>
-          <a:xfrm>
-            <a:off x="416689" y="1122745"/>
-            <a:ext cx="6476035" cy="1815882"/>
-          </a:xfrm>
-          <a:prstGeom prst="rect">
-            <a:avLst/>
-          </a:prstGeom>
-        </p:spPr>
-        <p:txBody>
-          <a:bodyPr wrap="square">
-            <a:spAutoFit/>
-          </a:bodyPr>
-          <a:lstStyle/>
-          <a:p>
-            <a:r>
-              <a:rPr lang="en-US" dirty="0" err="1"/>
-              <a:t>Microservices</a:t>
-            </a:r>
-            <a:r>
-              <a:rPr lang="en-US" dirty="0"/>
-              <a:t> </a:t>
-            </a:r>
-            <a:r>
-              <a:rPr lang="en-US" dirty="0" smtClean="0"/>
-              <a:t>describes </a:t>
-            </a:r>
-            <a:r>
-              <a:rPr lang="en-US" dirty="0"/>
-              <a:t>a modular approach to building software in which complex applications are composed of several small, independent processes communicating with each other through explicitly defined boundaries using language-agnostic APIs. </a:t>
-            </a:r>
-            <a:endParaRPr lang="en-US" dirty="0" smtClean="0"/>
-          </a:p>
-          <a:p>
-            <a:endParaRPr lang="en-US" dirty="0" smtClean="0"/>
-          </a:p>
-          <a:p>
-            <a:r>
-              <a:rPr lang="en-US" dirty="0" smtClean="0"/>
-              <a:t>These </a:t>
-            </a:r>
-            <a:r>
-              <a:rPr lang="en-US" dirty="0"/>
-              <a:t>smaller services focus on doing a single task very well</a:t>
-            </a:r>
-            <a:r>
-              <a:rPr lang="en-US" dirty="0" smtClean="0"/>
-              <a:t>.</a:t>
-            </a:r>
-          </a:p>
-          <a:p>
-            <a:endParaRPr lang="en-US" dirty="0" smtClean="0"/>
-          </a:p>
-          <a:p>
-            <a:r>
-              <a:rPr lang="en-US" dirty="0" smtClean="0"/>
-              <a:t>They </a:t>
-            </a:r>
-            <a:r>
-              <a:rPr lang="en-US" dirty="0"/>
-              <a:t>are highly decoupled and can scale independently.</a:t>
-            </a:r>
-          </a:p>
-        </p:txBody>
-      </p:sp>
-    </p:spTree>
-    <p:extLst>
-      <p:ext uri="{BB962C8B-B14F-4D97-AF65-F5344CB8AC3E}">
-        <p14:creationId xmlns:p14="http://schemas.microsoft.com/office/powerpoint/2010/main" val="677522017"/>
-      </p:ext>
-    </p:extLst>
-  </p:cSld>
-  <p:clrMapOvr>
-    <a:masterClrMapping/>
-  </p:clrMapOvr>
-  <p:timing>
-    <p:tnLst>
-      <p:par>
-        <p:cTn id="1" dur="indefinite" restart="never" nodeType="tmRoot"/>
-      </p:par>
-    </p:tnLst>
-  </p:timing>
-</p:sld>
-</file>
-
-<file path=ppt/slides/slide7.xml><?xml version="1.0" encoding="utf-8"?>
-<p:sld xmlns:a="http://schemas.openxmlformats.org/drawingml/2006/main" xmlns:r="http://schemas.openxmlformats.org/officeDocument/2006/relationships" xmlns:p="http://schemas.openxmlformats.org/presentationml/2006/main">
-  <p:cSld>
-    <p:spTree>
-      <p:nvGrpSpPr>
-        <p:cNvPr id="1" name=""/>
-        <p:cNvGrpSpPr/>
-        <p:nvPr/>
-      </p:nvGrpSpPr>
-      <p:grpSpPr>
-        <a:xfrm>
-          <a:off x="0" y="0"/>
-          <a:ext cx="0" cy="0"/>
-          <a:chOff x="0" y="0"/>
-          <a:chExt cx="0" cy="0"/>
-        </a:xfrm>
-      </p:grpSpPr>
-      <p:sp>
-        <p:nvSpPr>
-          <p:cNvPr id="3" name="Rectangle 2"/>
-          <p:cNvSpPr/>
-          <p:nvPr/>
-        </p:nvSpPr>
-        <p:spPr>
-          <a:xfrm>
-            <a:off x="902824" y="694481"/>
-            <a:ext cx="6476035" cy="3754874"/>
-          </a:xfrm>
-          <a:prstGeom prst="rect">
-            <a:avLst/>
-          </a:prstGeom>
-        </p:spPr>
-        <p:txBody>
-          <a:bodyPr wrap="square">
-            <a:spAutoFit/>
-          </a:bodyPr>
-          <a:lstStyle/>
-          <a:p>
-            <a:r>
-              <a:rPr lang="en-US" dirty="0"/>
-              <a:t>These 12 factors were used as guidelines to help steer </a:t>
-            </a:r>
-            <a:r>
-              <a:rPr lang="en-US" dirty="0" smtClean="0"/>
-              <a:t>development of </a:t>
-            </a:r>
-            <a:r>
-              <a:rPr lang="en-US" dirty="0"/>
-              <a:t>new applications, as well as to create a scorecard with which </a:t>
-            </a:r>
-            <a:r>
-              <a:rPr lang="en-US" dirty="0" smtClean="0"/>
-              <a:t>to measure </a:t>
-            </a:r>
-            <a:r>
-              <a:rPr lang="en-US" dirty="0"/>
-              <a:t>existing applications and their suitability for the cloud</a:t>
-            </a:r>
-            <a:r>
-              <a:rPr lang="en-US" dirty="0" smtClean="0"/>
-              <a:t>:</a:t>
-            </a:r>
-          </a:p>
-          <a:p>
-            <a:endParaRPr lang="en-US" dirty="0"/>
-          </a:p>
-          <a:p>
-            <a:pPr marL="285750" indent="-285750">
-              <a:buFont typeface="Arial" charset="0"/>
-              <a:buChar char="•"/>
-            </a:pPr>
-            <a:r>
-              <a:rPr lang="en-US" dirty="0" smtClean="0"/>
-              <a:t>Codebase</a:t>
-            </a:r>
-            <a:r>
-              <a:rPr lang="en-US" dirty="0"/>
-              <a:t>: One codebase tracked in revision control, many </a:t>
-            </a:r>
-            <a:r>
-              <a:rPr lang="en-US" dirty="0" smtClean="0"/>
-              <a:t>deploys</a:t>
-            </a:r>
-          </a:p>
-          <a:p>
-            <a:pPr marL="285750" indent="-285750">
-              <a:buFont typeface="Arial" charset="0"/>
-              <a:buChar char="•"/>
-            </a:pPr>
-            <a:r>
-              <a:rPr lang="en-US" dirty="0" smtClean="0"/>
-              <a:t>Dependencies</a:t>
-            </a:r>
-            <a:r>
-              <a:rPr lang="en-US" dirty="0"/>
-              <a:t>: Explicitly declare and isolate </a:t>
-            </a:r>
-            <a:r>
-              <a:rPr lang="en-US" dirty="0" smtClean="0"/>
-              <a:t>dependencies</a:t>
-            </a:r>
-          </a:p>
-          <a:p>
-            <a:pPr marL="285750" indent="-285750">
-              <a:buFont typeface="Arial" charset="0"/>
-              <a:buChar char="•"/>
-            </a:pPr>
-            <a:r>
-              <a:rPr lang="en-US" dirty="0" smtClean="0"/>
-              <a:t>Configuration</a:t>
-            </a:r>
-            <a:r>
-              <a:rPr lang="en-US" dirty="0"/>
-              <a:t>: Store configuration in the </a:t>
-            </a:r>
-            <a:r>
-              <a:rPr lang="en-US" dirty="0" smtClean="0"/>
-              <a:t>environment</a:t>
-            </a:r>
-          </a:p>
-          <a:p>
-            <a:pPr marL="285750" indent="-285750">
-              <a:buFont typeface="Arial" charset="0"/>
-              <a:buChar char="•"/>
-            </a:pPr>
-            <a:r>
-              <a:rPr lang="en-US" dirty="0" smtClean="0"/>
-              <a:t>Backing </a:t>
-            </a:r>
-            <a:r>
-              <a:rPr lang="en-US" dirty="0"/>
-              <a:t>Services: Treat backing services as attached </a:t>
-            </a:r>
-            <a:r>
-              <a:rPr lang="en-US" dirty="0" smtClean="0"/>
-              <a:t>resources</a:t>
-            </a:r>
-          </a:p>
-          <a:p>
-            <a:pPr marL="285750" indent="-285750">
-              <a:buFont typeface="Arial" charset="0"/>
-              <a:buChar char="•"/>
-            </a:pPr>
-            <a:r>
-              <a:rPr lang="en-US" dirty="0" smtClean="0"/>
-              <a:t>Build</a:t>
-            </a:r>
-            <a:r>
-              <a:rPr lang="en-US" dirty="0"/>
-              <a:t>, release, run: Strictly separate build and run </a:t>
-            </a:r>
-            <a:r>
-              <a:rPr lang="en-US" dirty="0" smtClean="0"/>
-              <a:t>stages</a:t>
-            </a:r>
-          </a:p>
-          <a:p>
-            <a:pPr marL="285750" indent="-285750">
-              <a:buFont typeface="Arial" charset="0"/>
-              <a:buChar char="•"/>
-            </a:pPr>
-            <a:r>
-              <a:rPr lang="en-US" dirty="0" smtClean="0"/>
-              <a:t>Processes</a:t>
-            </a:r>
-            <a:r>
-              <a:rPr lang="en-US" dirty="0"/>
-              <a:t>: Execute the app as one or more stateless </a:t>
-            </a:r>
-            <a:r>
-              <a:rPr lang="en-US" dirty="0" smtClean="0"/>
-              <a:t>processes</a:t>
-            </a:r>
-          </a:p>
-          <a:p>
-            <a:pPr marL="285750" indent="-285750">
-              <a:buFont typeface="Arial" charset="0"/>
-              <a:buChar char="•"/>
-            </a:pPr>
-            <a:r>
-              <a:rPr lang="en-US" dirty="0" smtClean="0"/>
-              <a:t>Port </a:t>
-            </a:r>
-            <a:r>
-              <a:rPr lang="en-US" dirty="0"/>
-              <a:t>binding: Export services via port </a:t>
-            </a:r>
-            <a:r>
-              <a:rPr lang="en-US" dirty="0" smtClean="0"/>
-              <a:t>binding</a:t>
-            </a:r>
-          </a:p>
-          <a:p>
-            <a:pPr marL="285750" indent="-285750">
-              <a:buFont typeface="Arial" charset="0"/>
-              <a:buChar char="•"/>
-            </a:pPr>
-            <a:r>
-              <a:rPr lang="en-US" dirty="0" smtClean="0"/>
-              <a:t>Concurrency</a:t>
-            </a:r>
-            <a:r>
-              <a:rPr lang="en-US" dirty="0"/>
-              <a:t>: Scale out via the process </a:t>
-            </a:r>
-            <a:r>
-              <a:rPr lang="en-US" dirty="0" smtClean="0"/>
-              <a:t>model</a:t>
-            </a:r>
-          </a:p>
-          <a:p>
-            <a:pPr marL="285750" indent="-285750">
-              <a:buFont typeface="Arial" charset="0"/>
-              <a:buChar char="•"/>
-            </a:pPr>
-            <a:r>
-              <a:rPr lang="en-US" dirty="0" smtClean="0"/>
-              <a:t>Disposability: Maximize </a:t>
-            </a:r>
-            <a:r>
-              <a:rPr lang="en-US" dirty="0"/>
-              <a:t>robustness with fast startup and graceful </a:t>
-            </a:r>
-            <a:r>
-              <a:rPr lang="en-US" dirty="0" smtClean="0"/>
-              <a:t>shutdown</a:t>
-            </a:r>
-          </a:p>
-          <a:p>
-            <a:pPr marL="285750" indent="-285750">
-              <a:buFont typeface="Arial" charset="0"/>
-              <a:buChar char="•"/>
-            </a:pPr>
-            <a:r>
-              <a:rPr lang="en-US" dirty="0" smtClean="0"/>
-              <a:t>Dev/prod </a:t>
-            </a:r>
-            <a:r>
-              <a:rPr lang="en-US" dirty="0"/>
-              <a:t>parity</a:t>
-            </a:r>
-            <a:r>
-              <a:rPr lang="en-US" dirty="0" smtClean="0"/>
-              <a:t>: Keep </a:t>
-            </a:r>
-            <a:r>
-              <a:rPr lang="en-US" dirty="0"/>
-              <a:t>development, staging, and production as similar </a:t>
-            </a:r>
-            <a:r>
-              <a:rPr lang="en-US" dirty="0" smtClean="0"/>
-              <a:t>as possible</a:t>
-            </a:r>
-          </a:p>
-          <a:p>
-            <a:pPr marL="285750" indent="-285750">
-              <a:buFont typeface="Arial" charset="0"/>
-              <a:buChar char="•"/>
-            </a:pPr>
-            <a:r>
-              <a:rPr lang="en-US" dirty="0" smtClean="0"/>
-              <a:t>Logs</a:t>
-            </a:r>
-            <a:r>
-              <a:rPr lang="en-US" dirty="0"/>
-              <a:t>: Treat logs as event </a:t>
-            </a:r>
-            <a:r>
-              <a:rPr lang="en-US" dirty="0" smtClean="0"/>
-              <a:t>streams</a:t>
-            </a:r>
-          </a:p>
-          <a:p>
-            <a:pPr marL="285750" indent="-285750">
-              <a:buFont typeface="Arial" charset="0"/>
-              <a:buChar char="•"/>
-            </a:pPr>
-            <a:r>
-              <a:rPr lang="en-US" dirty="0" smtClean="0"/>
-              <a:t>Admin </a:t>
-            </a:r>
-            <a:r>
-              <a:rPr lang="en-US" dirty="0"/>
-              <a:t>processes: Run admin/management tasks as one-off processes</a:t>
-            </a:r>
-          </a:p>
-        </p:txBody>
-      </p:sp>
-      <p:sp>
-        <p:nvSpPr>
-          <p:cNvPr id="4" name="TextBox 3"/>
-          <p:cNvSpPr txBox="1"/>
-          <p:nvPr/>
-        </p:nvSpPr>
-        <p:spPr>
-          <a:xfrm>
-            <a:off x="96862" y="129159"/>
-            <a:ext cx="9047138" cy="523220"/>
-          </a:xfrm>
-          <a:prstGeom prst="rect">
-            <a:avLst/>
-          </a:prstGeom>
-          <a:noFill/>
-        </p:spPr>
-        <p:txBody>
-          <a:bodyPr wrap="square" rtlCol="0">
-            <a:spAutoFit/>
-          </a:bodyPr>
-          <a:lstStyle/>
-          <a:p>
-            <a:pPr algn="ctr"/>
-            <a:r>
-              <a:rPr lang="en-US" sz="2800" dirty="0" smtClean="0"/>
-              <a:t>12 Factor App</a:t>
-            </a:r>
-            <a:endParaRPr lang="en-US" sz="2800" dirty="0"/>
-          </a:p>
-        </p:txBody>
-      </p:sp>
-    </p:spTree>
-    <p:extLst>
-      <p:ext uri="{BB962C8B-B14F-4D97-AF65-F5344CB8AC3E}">
-        <p14:creationId xmlns:p14="http://schemas.microsoft.com/office/powerpoint/2010/main" val="104848665"/>
-      </p:ext>
-    </p:extLst>
-  </p:cSld>
-  <p:clrMapOvr>
-    <a:masterClrMapping/>
-  </p:clrMapOvr>
-  <p:timing>
-    <p:tnLst>
-      <p:par>
-        <p:cTn id="1" dur="indefinite" restart="never" nodeType="tmRoot"/>
-      </p:par>
-    </p:tnLst>
-  </p:timing>
-</p:sld>
-</file>
-
-<file path=ppt/slides/slide8.xml><?xml version="1.0" encoding="utf-8"?>
-<p:sld xmlns:a="http://schemas.openxmlformats.org/drawingml/2006/main" xmlns:r="http://schemas.openxmlformats.org/officeDocument/2006/relationships" xmlns:p="http://schemas.openxmlformats.org/presentationml/2006/main">
-  <p:cSld>
-    <p:spTree>
-      <p:nvGrpSpPr>
-        <p:cNvPr id="1" name=""/>
-        <p:cNvGrpSpPr/>
-        <p:nvPr/>
-      </p:nvGrpSpPr>
-      <p:grpSpPr>
-        <a:xfrm>
-          <a:off x="0" y="0"/>
-          <a:ext cx="0" cy="0"/>
-          <a:chOff x="0" y="0"/>
-          <a:chExt cx="0" cy="0"/>
-        </a:xfrm>
-      </p:grpSpPr>
       <p:pic>
         <p:nvPicPr>
           <p:cNvPr id="4" name="Picture 3" descr="power-of-platform.png"/>
@@ -11237,7 +11167,7 @@
 </p:sld>
 </file>
 
-<file path=ppt/slides/slide9.xml><?xml version="1.0" encoding="utf-8"?>
+<file path=ppt/slides/slide5.xml><?xml version="1.0" encoding="utf-8"?>
 <p:sld xmlns:a="http://schemas.openxmlformats.org/drawingml/2006/main" xmlns:r="http://schemas.openxmlformats.org/officeDocument/2006/relationships" xmlns:p="http://schemas.openxmlformats.org/presentationml/2006/main">
   <p:cSld>
     <p:spTree>
@@ -11292,6 +11222,343 @@
     <p:extLst>
       <p:ext uri="{BB962C8B-B14F-4D97-AF65-F5344CB8AC3E}">
         <p14:creationId xmlns:p14="http://schemas.microsoft.com/office/powerpoint/2010/main" val="3726313927"/>
+      </p:ext>
+    </p:extLst>
+  </p:cSld>
+  <p:clrMapOvr>
+    <a:masterClrMapping/>
+  </p:clrMapOvr>
+  <p:timing>
+    <p:tnLst>
+      <p:par>
+        <p:cTn id="1" dur="indefinite" restart="never" nodeType="tmRoot"/>
+      </p:par>
+    </p:tnLst>
+  </p:timing>
+</p:sld>
+</file>
+
+<file path=ppt/slides/slide6.xml><?xml version="1.0" encoding="utf-8"?>
+<p:sld xmlns:a="http://schemas.openxmlformats.org/drawingml/2006/main" xmlns:r="http://schemas.openxmlformats.org/officeDocument/2006/relationships" xmlns:p="http://schemas.openxmlformats.org/presentationml/2006/main">
+  <p:cSld>
+    <p:spTree>
+      <p:nvGrpSpPr>
+        <p:cNvPr id="1" name=""/>
+        <p:cNvGrpSpPr/>
+        <p:nvPr/>
+      </p:nvGrpSpPr>
+      <p:grpSpPr>
+        <a:xfrm>
+          <a:off x="0" y="0"/>
+          <a:ext cx="0" cy="0"/>
+          <a:chOff x="0" y="0"/>
+          <a:chExt cx="0" cy="0"/>
+        </a:xfrm>
+      </p:grpSpPr>
+      <p:sp>
+        <p:nvSpPr>
+          <p:cNvPr id="2" name="TextBox 1"/>
+          <p:cNvSpPr txBox="1"/>
+          <p:nvPr/>
+        </p:nvSpPr>
+        <p:spPr>
+          <a:xfrm>
+            <a:off x="96862" y="129159"/>
+            <a:ext cx="9047138" cy="1446550"/>
+          </a:xfrm>
+          <a:prstGeom prst="rect">
+            <a:avLst/>
+          </a:prstGeom>
+          <a:noFill/>
+        </p:spPr>
+        <p:txBody>
+          <a:bodyPr wrap="square" rtlCol="0">
+            <a:spAutoFit/>
+          </a:bodyPr>
+          <a:lstStyle/>
+          <a:p>
+            <a:pPr algn="ctr"/>
+            <a:r>
+              <a:rPr lang="en-US" sz="8800"/>
+              <a:t>WHAT?</a:t>
+            </a:r>
+          </a:p>
+        </p:txBody>
+      </p:sp>
+      <p:pic>
+        <p:nvPicPr>
+          <p:cNvPr id="4" name="Picture 3" descr="what.png"/>
+          <p:cNvPicPr>
+            <a:picLocks noChangeAspect="1"/>
+          </p:cNvPicPr>
+          <p:nvPr/>
+        </p:nvPicPr>
+        <p:blipFill>
+          <a:blip r:embed="rId3">
+            <a:extLst>
+              <a:ext uri="{28A0092B-C50C-407E-A947-70E740481C1C}">
+                <a14:useLocalDpi xmlns:a14="http://schemas.microsoft.com/office/drawing/2010/main" val="0"/>
+              </a:ext>
+            </a:extLst>
+          </a:blip>
+          <a:stretch>
+            <a:fillRect/>
+          </a:stretch>
+        </p:blipFill>
+        <p:spPr>
+          <a:xfrm>
+            <a:off x="0" y="340449"/>
+            <a:ext cx="9144000" cy="4803051"/>
+          </a:xfrm>
+          <a:prstGeom prst="rect">
+            <a:avLst/>
+          </a:prstGeom>
+        </p:spPr>
+      </p:pic>
+    </p:spTree>
+    <p:extLst>
+      <p:ext uri="{BB962C8B-B14F-4D97-AF65-F5344CB8AC3E}">
+        <p14:creationId xmlns:p14="http://schemas.microsoft.com/office/powerpoint/2010/main" val="4232526777"/>
+      </p:ext>
+    </p:extLst>
+  </p:cSld>
+  <p:clrMapOvr>
+    <a:masterClrMapping/>
+  </p:clrMapOvr>
+  <p:timing>
+    <p:tnLst>
+      <p:par>
+        <p:cTn id="1" dur="indefinite" restart="never" nodeType="tmRoot"/>
+      </p:par>
+    </p:tnLst>
+  </p:timing>
+</p:sld>
+</file>
+
+<file path=ppt/slides/slide7.xml><?xml version="1.0" encoding="utf-8"?>
+<p:sld xmlns:a="http://schemas.openxmlformats.org/drawingml/2006/main" xmlns:r="http://schemas.openxmlformats.org/officeDocument/2006/relationships" xmlns:p="http://schemas.openxmlformats.org/presentationml/2006/main">
+  <p:cSld>
+    <p:spTree>
+      <p:nvGrpSpPr>
+        <p:cNvPr id="1" name=""/>
+        <p:cNvGrpSpPr/>
+        <p:nvPr/>
+      </p:nvGrpSpPr>
+      <p:grpSpPr>
+        <a:xfrm>
+          <a:off x="0" y="0"/>
+          <a:ext cx="0" cy="0"/>
+          <a:chOff x="0" y="0"/>
+          <a:chExt cx="0" cy="0"/>
+        </a:xfrm>
+      </p:grpSpPr>
+      <p:sp>
+        <p:nvSpPr>
+          <p:cNvPr id="2" name="TextBox 1"/>
+          <p:cNvSpPr txBox="1"/>
+          <p:nvPr/>
+        </p:nvSpPr>
+        <p:spPr>
+          <a:xfrm>
+            <a:off x="96862" y="1603641"/>
+            <a:ext cx="9047138" cy="2308324"/>
+          </a:xfrm>
+          <a:prstGeom prst="rect">
+            <a:avLst/>
+          </a:prstGeom>
+          <a:noFill/>
+        </p:spPr>
+        <p:txBody>
+          <a:bodyPr wrap="square" rtlCol="0">
+            <a:spAutoFit/>
+          </a:bodyPr>
+          <a:lstStyle/>
+          <a:p>
+            <a:pPr algn="ctr"/>
+            <a:r>
+              <a:rPr lang="en-US" sz="7200" dirty="0"/>
+              <a:t>Orgs, Spaces, Roles, and Permissions</a:t>
+            </a:r>
+          </a:p>
+        </p:txBody>
+      </p:sp>
+    </p:spTree>
+    <p:extLst>
+      <p:ext uri="{BB962C8B-B14F-4D97-AF65-F5344CB8AC3E}">
+        <p14:creationId xmlns:p14="http://schemas.microsoft.com/office/powerpoint/2010/main" val="1881531802"/>
+      </p:ext>
+    </p:extLst>
+  </p:cSld>
+  <p:clrMapOvr>
+    <a:masterClrMapping/>
+  </p:clrMapOvr>
+  <p:timing>
+    <p:tnLst>
+      <p:par>
+        <p:cTn id="1" dur="indefinite" restart="never" nodeType="tmRoot"/>
+      </p:par>
+    </p:tnLst>
+  </p:timing>
+</p:sld>
+</file>
+
+<file path=ppt/slides/slide8.xml><?xml version="1.0" encoding="utf-8"?>
+<p:sld xmlns:a="http://schemas.openxmlformats.org/drawingml/2006/main" xmlns:r="http://schemas.openxmlformats.org/officeDocument/2006/relationships" xmlns:p="http://schemas.openxmlformats.org/presentationml/2006/main">
+  <p:cSld>
+    <p:spTree>
+      <p:nvGrpSpPr>
+        <p:cNvPr id="1" name=""/>
+        <p:cNvGrpSpPr/>
+        <p:nvPr/>
+      </p:nvGrpSpPr>
+      <p:grpSpPr>
+        <a:xfrm>
+          <a:off x="0" y="0"/>
+          <a:ext cx="0" cy="0"/>
+          <a:chOff x="0" y="0"/>
+          <a:chExt cx="0" cy="0"/>
+        </a:xfrm>
+      </p:grpSpPr>
+      <p:sp>
+        <p:nvSpPr>
+          <p:cNvPr id="3" name="Rectangle 2"/>
+          <p:cNvSpPr/>
+          <p:nvPr/>
+        </p:nvSpPr>
+        <p:spPr>
+          <a:xfrm>
+            <a:off x="974651" y="210607"/>
+            <a:ext cx="7171353" cy="2893100"/>
+          </a:xfrm>
+          <a:prstGeom prst="rect">
+            <a:avLst/>
+          </a:prstGeom>
+        </p:spPr>
+        <p:txBody>
+          <a:bodyPr wrap="square">
+            <a:spAutoFit/>
+          </a:bodyPr>
+          <a:lstStyle/>
+          <a:p>
+            <a:pPr marL="285750" indent="-285750">
+              <a:buFont typeface="Arial"/>
+              <a:buChar char="•"/>
+            </a:pPr>
+            <a:r>
+              <a:rPr lang="en-US" dirty="0"/>
+              <a:t>An org is a development account that an individual or multiple collaborators can own and use. </a:t>
+            </a:r>
+            <a:endParaRPr lang="en-US" dirty="0" smtClean="0"/>
+          </a:p>
+          <a:p>
+            <a:endParaRPr lang="en-US" dirty="0" smtClean="0"/>
+          </a:p>
+          <a:p>
+            <a:pPr marL="285750" indent="-285750">
+              <a:buFont typeface="Arial"/>
+              <a:buChar char="•"/>
+            </a:pPr>
+            <a:r>
+              <a:rPr lang="en-US" dirty="0"/>
+              <a:t>A user account represents an individual person within the context of a PCF installation. A user can have different roles in different spaces within an org</a:t>
+            </a:r>
+          </a:p>
+          <a:p>
+            <a:endParaRPr lang="en-US" dirty="0" smtClean="0"/>
+          </a:p>
+          <a:p>
+            <a:pPr marL="285750" indent="-285750">
+              <a:buFont typeface="Arial"/>
+              <a:buChar char="•"/>
+            </a:pPr>
+            <a:r>
+              <a:rPr lang="en-US" dirty="0"/>
+              <a:t>Every application and service is scoped to a space. Each org contains at least one space. A space provides users with access to a shared location for application development, deployment, and maintenance</a:t>
+            </a:r>
+            <a:endParaRPr lang="en-US" dirty="0" smtClean="0"/>
+          </a:p>
+          <a:p>
+            <a:endParaRPr lang="en-US" dirty="0" smtClean="0"/>
+          </a:p>
+          <a:p>
+            <a:pPr marL="285750" indent="-285750">
+              <a:buFont typeface="Arial"/>
+              <a:buChar char="•"/>
+            </a:pPr>
+            <a:r>
+              <a:rPr lang="en-US" dirty="0"/>
+              <a:t>A user can have one or more roles. The combination of these roles defines the user’s overall permissions in the org and within specific spaces in that org.</a:t>
+            </a:r>
+          </a:p>
+          <a:p>
+            <a:endParaRPr lang="en-US" dirty="0"/>
+          </a:p>
+        </p:txBody>
+      </p:sp>
+    </p:spTree>
+    <p:extLst>
+      <p:ext uri="{BB962C8B-B14F-4D97-AF65-F5344CB8AC3E}">
+        <p14:creationId xmlns:p14="http://schemas.microsoft.com/office/powerpoint/2010/main" val="3516788959"/>
+      </p:ext>
+    </p:extLst>
+  </p:cSld>
+  <p:clrMapOvr>
+    <a:masterClrMapping/>
+  </p:clrMapOvr>
+</p:sld>
+</file>
+
+<file path=ppt/slides/slide9.xml><?xml version="1.0" encoding="utf-8"?>
+<p:sld xmlns:a="http://schemas.openxmlformats.org/drawingml/2006/main" xmlns:r="http://schemas.openxmlformats.org/officeDocument/2006/relationships" xmlns:p="http://schemas.openxmlformats.org/presentationml/2006/main">
+  <p:cSld>
+    <p:spTree>
+      <p:nvGrpSpPr>
+        <p:cNvPr id="1" name=""/>
+        <p:cNvGrpSpPr/>
+        <p:nvPr/>
+      </p:nvGrpSpPr>
+      <p:grpSpPr>
+        <a:xfrm>
+          <a:off x="0" y="0"/>
+          <a:ext cx="0" cy="0"/>
+          <a:chOff x="0" y="0"/>
+          <a:chExt cx="0" cy="0"/>
+        </a:xfrm>
+      </p:grpSpPr>
+      <p:sp>
+        <p:nvSpPr>
+          <p:cNvPr id="2" name="TextBox 1"/>
+          <p:cNvSpPr txBox="1"/>
+          <p:nvPr/>
+        </p:nvSpPr>
+        <p:spPr>
+          <a:xfrm>
+            <a:off x="96862" y="1719902"/>
+            <a:ext cx="9047138" cy="1200329"/>
+          </a:xfrm>
+          <a:prstGeom prst="rect">
+            <a:avLst/>
+          </a:prstGeom>
+          <a:noFill/>
+        </p:spPr>
+        <p:txBody>
+          <a:bodyPr wrap="square" rtlCol="0">
+            <a:spAutoFit/>
+          </a:bodyPr>
+          <a:lstStyle/>
+          <a:p>
+            <a:pPr algn="ctr"/>
+            <a:r>
+              <a:rPr lang="en-US" sz="7200"/>
+              <a:t>MICROSERVICES</a:t>
+            </a:r>
+          </a:p>
+        </p:txBody>
+      </p:sp>
+    </p:spTree>
+    <p:extLst>
+      <p:ext uri="{BB962C8B-B14F-4D97-AF65-F5344CB8AC3E}">
+        <p14:creationId xmlns:p14="http://schemas.microsoft.com/office/powerpoint/2010/main" val="2629060298"/>
       </p:ext>
     </p:extLst>
   </p:cSld>

--- a/Hour_of_Power_v2.pptx
+++ b/Hour_of_Power_v2.pptx
@@ -277,18 +277,18 @@
 
 <file path=ppt/comments/comment1.xml><?xml version="1.0" encoding="utf-8"?>
 <p:cmLst xmlns:a="http://schemas.openxmlformats.org/drawingml/2006/main" xmlns:r="http://schemas.openxmlformats.org/officeDocument/2006/relationships" xmlns:p="http://schemas.openxmlformats.org/presentationml/2006/main">
-  <p:cm authorId="3" idx="2">
-    <p:pos x="6000" y="0"/>
-    <p:text>CC Bridge might go away, do you want to show it as separate component. 
-Do you think it makes sense to put the BBS, Auctioneer and Cells in one box called Diego, refer to the Diego architecture diagram on Github?</p:text>
+  <p:cm authorId="1" idx="3">
+    <p:pos x="6000" y="200"/>
+    <p:text>I personally would like to keep it as simple as possible and maybe aligned to actual VMs of ERS Deployment and not processes. I think we can have a more detail slides with the individual processes. Said that, we could stick with the VMs: Diego Brain,  BBS and Cell. To Vivian's point, we can remove Diego which is more of a code name. I'm trying to send out the shared ERS SME info today. I would also remove CC Bridge per Rajesh's note.</p:text>
   </p:cm>
   <p:cm authorId="4" idx="2">
     <p:pos x="6000" y="100"/>
     <p:text>The original slide had this box, but I changed based on a feedback from Derek Beauregard. "We don't actually want to refer to Diego with customers.  This is simply the 1.6 ERS". I agree with him. I think this also something Marcelo will work on as part of the message we want to pass to the customers.</p:text>
   </p:cm>
-  <p:cm authorId="1" idx="3">
-    <p:pos x="6000" y="200"/>
-    <p:text>I personally would like to keep it as simple as possible and maybe aligned to actual VMs of ERS Deployment and not processes. I think we can have a more detail slides with the individual processes. Said that, we could stick with the VMs: Diego Brain,  BBS and Cell. To Vivian's point, we can remove Diego which is more of a code name. I'm trying to send out the shared ERS SME info today. I would also remove CC Bridge per Rajesh's note.</p:text>
+  <p:cm authorId="3" idx="2">
+    <p:pos x="6000" y="0"/>
+    <p:text>CC Bridge might go away, do you want to show it as separate component. 
+Do you think it makes sense to put the BBS, Auctioneer and Cells in one box called Diego, refer to the Diego architecture diagram on Github?</p:text>
   </p:cm>
 </p:cmLst>
 </file>
@@ -9727,7 +9727,6 @@
               <a:rPr lang="en-US" dirty="0"/>
               <a:t> provide framework and runtime support for your applications. </a:t>
             </a:r>
-            <a:endParaRPr lang="en-US" dirty="0"/>
           </a:p>
           <a:p>
             <a:endParaRPr lang="en-US" dirty="0"/>
@@ -9739,15 +9738,7 @@
             </a:r>
             <a:r>
               <a:rPr lang="en-US" dirty="0"/>
-              <a:t> </a:t>
-            </a:r>
-            <a:r>
-              <a:rPr lang="en-US" dirty="0"/>
-              <a:t>typically examine user-provided artifacts to determine what dependencies to download and how to configure applications to communicate with bound services</a:t>
-            </a:r>
-            <a:r>
-              <a:rPr lang="en-US" dirty="0"/>
-              <a:t>.</a:t>
+              <a:t> typically examine user-provided artifacts to determine what dependencies to download and how to configure applications to communicate with bound services.</a:t>
             </a:r>
           </a:p>
           <a:p>
@@ -9780,15 +9771,7 @@
             </a:r>
             <a:r>
               <a:rPr lang="en-US" dirty="0"/>
-              <a:t> that is detected automatically </a:t>
-            </a:r>
-            <a:r>
-              <a:rPr lang="en-US" dirty="0"/>
-              <a:t>to </a:t>
-            </a:r>
-            <a:r>
-              <a:rPr lang="en-US" dirty="0"/>
-              <a:t>build the droplet. The Task uses the instructions in the </a:t>
+              <a:t> that is detected automatically to build the droplet. The Task uses the instructions in the </a:t>
             </a:r>
             <a:r>
               <a:rPr lang="en-US" dirty="0" err="1"/>
@@ -9796,11 +9779,7 @@
             </a:r>
             <a:r>
               <a:rPr lang="en-US" dirty="0"/>
-              <a:t> to stage the application</a:t>
-            </a:r>
-            <a:r>
-              <a:rPr lang="en-US" dirty="0"/>
-              <a:t>.</a:t>
+              <a:t> to stage the application.</a:t>
             </a:r>
           </a:p>
           <a:p>
@@ -9837,7 +9816,6 @@
               <a:rPr lang="en-US" dirty="0"/>
               <a:t> + Libraries + Runtime) </a:t>
             </a:r>
-            <a:endParaRPr lang="en-US" dirty="0"/>
           </a:p>
           <a:p>
             <a:endParaRPr lang="en-US" dirty="0"/>
@@ -9971,24 +9949,16 @@
           <a:p>
             <a:r>
               <a:rPr lang="en-US" dirty="0"/>
-              <a:t>Cloud Foundry is designed to be configured, deployed, managed, scaled, and upgraded on any cloud IaaS provider. Cloud Foundry achieves this by leveraging BOSH, an open source tool for release engineering, deployment, lifecycle management, and distributed systems monitoring</a:t>
-            </a:r>
+              <a:t>Cloud Foundry is designed to be configured, deployed, managed, scaled, and upgraded on any cloud IaaS provider. Cloud Foundry achieves this by leveraging BOSH, an open source tool for release engineering, deployment, lifecycle management, and distributed systems monitoring.</a:t>
+            </a:r>
+          </a:p>
+          <a:p>
+            <a:endParaRPr lang="en-US" dirty="0"/>
+          </a:p>
+          <a:p>
             <a:r>
               <a:rPr lang="en-US" dirty="0"/>
-              <a:t>.</a:t>
-            </a:r>
-          </a:p>
-          <a:p>
-            <a:endParaRPr lang="en-US" dirty="0"/>
-          </a:p>
-          <a:p>
-            <a:r>
-              <a:rPr lang="en-US" dirty="0"/>
-              <a:t>At a high level, the steps are the same regardless of IaaS</a:t>
-            </a:r>
-            <a:r>
-              <a:rPr lang="en-US" dirty="0"/>
-              <a:t>:</a:t>
+              <a:t>At a high level, the steps are the same regardless of IaaS:</a:t>
             </a:r>
           </a:p>
           <a:p>
@@ -10001,11 +9971,7 @@
             </a:pPr>
             <a:r>
               <a:rPr lang="en-US" dirty="0"/>
-              <a:t>Set up all external dependencies, such as IaaS account, external load balancers, DNS records, and any additional components</a:t>
-            </a:r>
-            <a:r>
-              <a:rPr lang="en-US" dirty="0"/>
-              <a:t>.</a:t>
+              <a:t>Set up all external dependencies, such as IaaS account, external load balancers, DNS records, and any additional components.</a:t>
             </a:r>
           </a:p>
           <a:p>
@@ -10022,11 +9988,7 @@
             </a:pPr>
             <a:r>
               <a:rPr lang="en-US" dirty="0"/>
-              <a:t>Create a manifest to deploy a BOSH Director</a:t>
-            </a:r>
-            <a:r>
-              <a:rPr lang="en-US" dirty="0"/>
-              <a:t>.</a:t>
+              <a:t>Create a manifest to deploy a BOSH Director.</a:t>
             </a:r>
             <a:br>
               <a:rPr lang="en-US" dirty="0"/>
@@ -10040,11 +10002,7 @@
             </a:pPr>
             <a:r>
               <a:rPr lang="en-US" dirty="0"/>
-              <a:t>Deploy the BOSH Director</a:t>
-            </a:r>
-            <a:r>
-              <a:rPr lang="en-US" dirty="0"/>
-              <a:t>.</a:t>
+              <a:t>Deploy the BOSH Director.</a:t>
             </a:r>
           </a:p>
           <a:p>
@@ -10061,11 +10019,7 @@
             </a:pPr>
             <a:r>
               <a:rPr lang="en-US" dirty="0"/>
-              <a:t>Create a manifest to deploy Cloud Foundry</a:t>
-            </a:r>
-            <a:r>
-              <a:rPr lang="en-US" dirty="0"/>
-              <a:t>.</a:t>
+              <a:t>Create a manifest to deploy Cloud Foundry.</a:t>
             </a:r>
           </a:p>
           <a:p>

--- a/Hour_of_Power_v2.pptx
+++ b/Hour_of_Power_v2.pptx
@@ -248,7 +248,7 @@
   </p:defaultTextStyle>
   <p:extLst>
     <p:ext uri="{EFAFB233-063F-42B5-8137-9DF3F51BA10A}">
-      <p15:sldGuideLst xmlns:p15="http://schemas.microsoft.com/office/powerpoint/2012/main">
+      <p15:sldGuideLst xmlns:p15="http://schemas.microsoft.com/office/powerpoint/2012/main" xmlns="">
         <p15:guide id="1" orient="horz" pos="1620">
           <p15:clr>
             <a:srgbClr val="A4A3A4"/>
@@ -8946,13 +8946,13 @@
   <p:clrMapOvr>
     <a:masterClrMapping/>
   </p:clrMapOvr>
-  <p:transition>
+  <p:transition xmlns:p14="http://schemas.microsoft.com/office/powerpoint/2010/main">
     <p:fade/>
   </p:transition>
   <p:timing>
     <p:tnLst>
       <p:par>
-        <p:cTn id="1" dur="indefinite" restart="never" nodeType="tmRoot"/>
+        <p:cTn xmlns:p14="http://schemas.microsoft.com/office/powerpoint/2010/main" id="1" dur="indefinite" restart="never" nodeType="tmRoot"/>
       </p:par>
     </p:tnLst>
   </p:timing>
@@ -8985,7 +8985,7 @@
         <p:spPr>
           <a:xfrm>
             <a:off x="416689" y="1122745"/>
-            <a:ext cx="6476035" cy="1815882"/>
+            <a:ext cx="8244711" cy="1600438"/>
           </a:xfrm>
           <a:prstGeom prst="rect">
             <a:avLst/>
@@ -8997,6 +8997,10 @@
           </a:bodyPr>
           <a:lstStyle/>
           <a:p>
+            <a:pPr marL="285750" indent="-285750">
+              <a:buFont typeface="Arial"/>
+              <a:buChar char="•"/>
+            </a:pPr>
             <a:r>
               <a:rPr lang="en-US" dirty="0" err="1"/>
               <a:t>Microservices</a:t>
@@ -9016,9 +9020,17 @@
             <a:endParaRPr lang="en-US" dirty="0" smtClean="0"/>
           </a:p>
           <a:p>
+            <a:pPr marL="285750" indent="-285750">
+              <a:buFont typeface="Arial"/>
+              <a:buChar char="•"/>
+            </a:pPr>
             <a:endParaRPr lang="en-US" dirty="0" smtClean="0"/>
           </a:p>
           <a:p>
+            <a:pPr marL="285750" indent="-285750">
+              <a:buFont typeface="Arial"/>
+              <a:buChar char="•"/>
+            </a:pPr>
             <a:r>
               <a:rPr lang="en-US" dirty="0" smtClean="0"/>
               <a:t>These </a:t>
@@ -9033,9 +9045,17 @@
             </a:r>
           </a:p>
           <a:p>
+            <a:pPr marL="285750" indent="-285750">
+              <a:buFont typeface="Arial"/>
+              <a:buChar char="•"/>
+            </a:pPr>
             <a:endParaRPr lang="en-US" dirty="0" smtClean="0"/>
           </a:p>
           <a:p>
+            <a:pPr marL="285750" indent="-285750">
+              <a:buFont typeface="Arial"/>
+              <a:buChar char="•"/>
+            </a:pPr>
             <a:r>
               <a:rPr lang="en-US" dirty="0" smtClean="0"/>
               <a:t>They </a:t>
@@ -9044,6 +9064,37 @@
               <a:rPr lang="en-US" dirty="0"/>
               <a:t>are highly decoupled and can scale independently.</a:t>
             </a:r>
+          </a:p>
+        </p:txBody>
+      </p:sp>
+      <p:sp>
+        <p:nvSpPr>
+          <p:cNvPr id="4" name="TextBox 3"/>
+          <p:cNvSpPr txBox="1"/>
+          <p:nvPr/>
+        </p:nvSpPr>
+        <p:spPr>
+          <a:xfrm>
+            <a:off x="96862" y="129159"/>
+            <a:ext cx="9047138" cy="523220"/>
+          </a:xfrm>
+          <a:prstGeom prst="rect">
+            <a:avLst/>
+          </a:prstGeom>
+          <a:noFill/>
+        </p:spPr>
+        <p:txBody>
+          <a:bodyPr wrap="square" rtlCol="0">
+            <a:spAutoFit/>
+          </a:bodyPr>
+          <a:lstStyle/>
+          <a:p>
+            <a:pPr algn="ctr"/>
+            <a:r>
+              <a:rPr lang="en-US" sz="2800" dirty="0" err="1" smtClean="0"/>
+              <a:t>Microservices</a:t>
+            </a:r>
+            <a:endParaRPr lang="en-US" sz="2800" dirty="0"/>
           </a:p>
         </p:txBody>
       </p:sp>
@@ -9060,7 +9111,7 @@
   <p:timing>
     <p:tnLst>
       <p:par>
-        <p:cTn id="1" dur="indefinite" restart="never" nodeType="tmRoot"/>
+        <p:cTn xmlns:p14="http://schemas.microsoft.com/office/powerpoint/2010/main" id="1" dur="indefinite" restart="never" nodeType="tmRoot"/>
       </p:par>
     </p:tnLst>
   </p:timing>
@@ -9399,7 +9450,7 @@
   <p:timing>
     <p:tnLst>
       <p:par>
-        <p:cTn id="1" dur="indefinite" restart="never" nodeType="tmRoot"/>
+        <p:cTn xmlns:p14="http://schemas.microsoft.com/office/powerpoint/2010/main" id="1" dur="indefinite" restart="never" nodeType="tmRoot"/>
       </p:par>
     </p:tnLst>
   </p:timing>
@@ -9473,7 +9524,7 @@
   <p:timing>
     <p:tnLst>
       <p:par>
-        <p:cTn id="1" dur="indefinite" restart="never" nodeType="tmRoot"/>
+        <p:cTn xmlns:p14="http://schemas.microsoft.com/office/powerpoint/2010/main" id="1" dur="indefinite" restart="never" nodeType="tmRoot"/>
       </p:par>
     </p:tnLst>
   </p:timing>
@@ -9540,7 +9591,7 @@
   <p:timing>
     <p:tnLst>
       <p:par>
-        <p:cTn id="1" dur="indefinite" restart="never" nodeType="tmRoot"/>
+        <p:cTn xmlns:p14="http://schemas.microsoft.com/office/powerpoint/2010/main" id="1" dur="indefinite" restart="never" nodeType="tmRoot"/>
       </p:par>
     </p:tnLst>
   </p:timing>
@@ -9607,7 +9658,7 @@
   <p:timing>
     <p:tnLst>
       <p:par>
-        <p:cTn id="1" dur="indefinite" restart="never" nodeType="tmRoot"/>
+        <p:cTn xmlns:p14="http://schemas.microsoft.com/office/powerpoint/2010/main" id="1" dur="indefinite" restart="never" nodeType="tmRoot"/>
       </p:par>
     </p:tnLst>
   </p:timing>
@@ -9674,7 +9725,7 @@
   <p:timing>
     <p:tnLst>
       <p:par>
-        <p:cTn id="1" dur="indefinite" restart="never" nodeType="tmRoot"/>
+        <p:cTn xmlns:p14="http://schemas.microsoft.com/office/powerpoint/2010/main" id="1" dur="indefinite" restart="never" nodeType="tmRoot"/>
       </p:par>
     </p:tnLst>
   </p:timing>
@@ -9706,8 +9757,8 @@
         </p:nvSpPr>
         <p:spPr>
           <a:xfrm>
-            <a:off x="701095" y="383695"/>
-            <a:ext cx="7936926" cy="2893100"/>
+            <a:off x="701095" y="1132995"/>
+            <a:ext cx="7936926" cy="2677656"/>
           </a:xfrm>
           <a:prstGeom prst="rect">
             <a:avLst/>
@@ -9727,7 +9778,6 @@
               <a:rPr lang="en-US" dirty="0"/>
               <a:t> provide framework and runtime support for your applications. </a:t>
             </a:r>
-            <a:endParaRPr lang="en-US" dirty="0"/>
           </a:p>
           <a:p>
             <a:endParaRPr lang="en-US" dirty="0"/>
@@ -9739,15 +9789,7 @@
             </a:r>
             <a:r>
               <a:rPr lang="en-US" dirty="0"/>
-              <a:t> </a:t>
-            </a:r>
-            <a:r>
-              <a:rPr lang="en-US" dirty="0"/>
-              <a:t>typically examine user-provided artifacts to determine what dependencies to download and how to configure applications to communicate with bound services</a:t>
-            </a:r>
-            <a:r>
-              <a:rPr lang="en-US" dirty="0"/>
-              <a:t>.</a:t>
+              <a:t> typically examine user-provided artifacts to determine what dependencies to download and how to configure applications to communicate with bound services.</a:t>
             </a:r>
           </a:p>
           <a:p>
@@ -9759,12 +9801,16 @@
               <a:t>The Cloud Controller issues a staging request to Diego, which then schedules a Cell to run the staging Task. The Task downloads </a:t>
             </a:r>
             <a:r>
-              <a:rPr lang="en-US" dirty="0" err="1"/>
+              <a:rPr lang="en-US" dirty="0" err="1" smtClean="0"/>
               <a:t>buildpacks</a:t>
             </a:r>
             <a:r>
+              <a:rPr lang="en-US" dirty="0" smtClean="0"/>
+              <a:t> </a:t>
+            </a:r>
+            <a:r>
               <a:rPr lang="en-US" dirty="0"/>
-              <a:t> and if present, the app’s </a:t>
+              <a:t>to build the droplet. The Task uses the instructions in the </a:t>
             </a:r>
             <a:r>
               <a:rPr lang="en-US" dirty="0" err="1"/>
@@ -9772,35 +9818,7 @@
             </a:r>
             <a:r>
               <a:rPr lang="en-US" dirty="0"/>
-              <a:t> cache. It then uses the </a:t>
-            </a:r>
-            <a:r>
-              <a:rPr lang="en-US" dirty="0" err="1"/>
-              <a:t>buildpack</a:t>
-            </a:r>
-            <a:r>
-              <a:rPr lang="en-US" dirty="0"/>
-              <a:t> that is detected automatically </a:t>
-            </a:r>
-            <a:r>
-              <a:rPr lang="en-US" dirty="0"/>
-              <a:t>to </a:t>
-            </a:r>
-            <a:r>
-              <a:rPr lang="en-US" dirty="0"/>
-              <a:t>build the droplet. The Task uses the instructions in the </a:t>
-            </a:r>
-            <a:r>
-              <a:rPr lang="en-US" dirty="0" err="1"/>
-              <a:t>buildpack</a:t>
-            </a:r>
-            <a:r>
-              <a:rPr lang="en-US" dirty="0"/>
-              <a:t> to stage the application</a:t>
-            </a:r>
-            <a:r>
-              <a:rPr lang="en-US" dirty="0"/>
-              <a:t>.</a:t>
+              <a:t> to stage the application.</a:t>
             </a:r>
           </a:p>
           <a:p>
@@ -9837,10 +9855,40 @@
               <a:rPr lang="en-US" dirty="0"/>
               <a:t> + Libraries + Runtime) </a:t>
             </a:r>
+          </a:p>
+          <a:p>
             <a:endParaRPr lang="en-US" dirty="0"/>
           </a:p>
-          <a:p>
-            <a:endParaRPr lang="en-US" dirty="0"/>
+        </p:txBody>
+      </p:sp>
+      <p:sp>
+        <p:nvSpPr>
+          <p:cNvPr id="4" name="TextBox 3"/>
+          <p:cNvSpPr txBox="1"/>
+          <p:nvPr/>
+        </p:nvSpPr>
+        <p:spPr>
+          <a:xfrm>
+            <a:off x="96862" y="129159"/>
+            <a:ext cx="9047138" cy="523220"/>
+          </a:xfrm>
+          <a:prstGeom prst="rect">
+            <a:avLst/>
+          </a:prstGeom>
+          <a:noFill/>
+        </p:spPr>
+        <p:txBody>
+          <a:bodyPr wrap="square" rtlCol="0">
+            <a:spAutoFit/>
+          </a:bodyPr>
+          <a:lstStyle/>
+          <a:p>
+            <a:pPr algn="ctr"/>
+            <a:r>
+              <a:rPr lang="en-US" sz="2800" dirty="0" err="1" smtClean="0"/>
+              <a:t>Buildpacks</a:t>
+            </a:r>
+            <a:endParaRPr lang="en-US" sz="2800" dirty="0"/>
           </a:p>
         </p:txBody>
       </p:sp>
@@ -9857,7 +9905,7 @@
   <p:timing>
     <p:tnLst>
       <p:par>
-        <p:cTn id="1" dur="indefinite" restart="never" nodeType="tmRoot"/>
+        <p:cTn xmlns:p14="http://schemas.microsoft.com/office/powerpoint/2010/main" id="1" dur="indefinite" restart="never" nodeType="tmRoot"/>
       </p:par>
     </p:tnLst>
   </p:timing>
@@ -9924,7 +9972,7 @@
   <p:timing>
     <p:tnLst>
       <p:par>
-        <p:cTn id="1" dur="indefinite" restart="never" nodeType="tmRoot"/>
+        <p:cTn xmlns:p14="http://schemas.microsoft.com/office/powerpoint/2010/main" id="1" dur="indefinite" restart="never" nodeType="tmRoot"/>
       </p:par>
     </p:tnLst>
   </p:timing>
@@ -9971,24 +10019,16 @@
           <a:p>
             <a:r>
               <a:rPr lang="en-US" dirty="0"/>
-              <a:t>Cloud Foundry is designed to be configured, deployed, managed, scaled, and upgraded on any cloud IaaS provider. Cloud Foundry achieves this by leveraging BOSH, an open source tool for release engineering, deployment, lifecycle management, and distributed systems monitoring</a:t>
-            </a:r>
+              <a:t>Cloud Foundry is designed to be configured, deployed, managed, scaled, and upgraded on any cloud IaaS provider. Cloud Foundry achieves this by leveraging BOSH, an open source tool for release engineering, deployment, lifecycle management, and distributed systems monitoring.</a:t>
+            </a:r>
+          </a:p>
+          <a:p>
+            <a:endParaRPr lang="en-US" dirty="0"/>
+          </a:p>
+          <a:p>
             <a:r>
               <a:rPr lang="en-US" dirty="0"/>
-              <a:t>.</a:t>
-            </a:r>
-          </a:p>
-          <a:p>
-            <a:endParaRPr lang="en-US" dirty="0"/>
-          </a:p>
-          <a:p>
-            <a:r>
-              <a:rPr lang="en-US" dirty="0"/>
-              <a:t>At a high level, the steps are the same regardless of IaaS</a:t>
-            </a:r>
-            <a:r>
-              <a:rPr lang="en-US" dirty="0"/>
-              <a:t>:</a:t>
+              <a:t>At a high level, the steps are the same regardless of IaaS:</a:t>
             </a:r>
           </a:p>
           <a:p>
@@ -10001,11 +10041,7 @@
             </a:pPr>
             <a:r>
               <a:rPr lang="en-US" dirty="0"/>
-              <a:t>Set up all external dependencies, such as IaaS account, external load balancers, DNS records, and any additional components</a:t>
-            </a:r>
-            <a:r>
-              <a:rPr lang="en-US" dirty="0"/>
-              <a:t>.</a:t>
+              <a:t>Set up all external dependencies, such as IaaS account, external load balancers, DNS records, and any additional components.</a:t>
             </a:r>
           </a:p>
           <a:p>
@@ -10022,11 +10058,7 @@
             </a:pPr>
             <a:r>
               <a:rPr lang="en-US" dirty="0"/>
-              <a:t>Create a manifest to deploy a BOSH Director</a:t>
-            </a:r>
-            <a:r>
-              <a:rPr lang="en-US" dirty="0"/>
-              <a:t>.</a:t>
+              <a:t>Create a manifest to deploy a BOSH Director.</a:t>
             </a:r>
             <a:br>
               <a:rPr lang="en-US" dirty="0"/>
@@ -10040,11 +10072,7 @@
             </a:pPr>
             <a:r>
               <a:rPr lang="en-US" dirty="0"/>
-              <a:t>Deploy the BOSH Director</a:t>
-            </a:r>
-            <a:r>
-              <a:rPr lang="en-US" dirty="0"/>
-              <a:t>.</a:t>
+              <a:t>Deploy the BOSH Director.</a:t>
             </a:r>
           </a:p>
           <a:p>
@@ -10061,11 +10089,7 @@
             </a:pPr>
             <a:r>
               <a:rPr lang="en-US" dirty="0"/>
-              <a:t>Create a manifest to deploy Cloud Foundry</a:t>
-            </a:r>
-            <a:r>
-              <a:rPr lang="en-US" dirty="0"/>
-              <a:t>.</a:t>
+              <a:t>Create a manifest to deploy Cloud Foundry.</a:t>
             </a:r>
           </a:p>
           <a:p>
@@ -10131,7 +10155,7 @@
   <p:timing>
     <p:tnLst>
       <p:par>
-        <p:cTn id="1" dur="indefinite" restart="never" nodeType="tmRoot"/>
+        <p:cTn xmlns:p14="http://schemas.microsoft.com/office/powerpoint/2010/main" id="1" dur="indefinite" restart="never" nodeType="tmRoot"/>
       </p:par>
     </p:tnLst>
   </p:timing>
@@ -10176,6 +10200,10 @@
           </a:bodyPr>
           <a:lstStyle/>
           <a:p>
+            <a:pPr marL="285750" indent="-285750">
+              <a:buFont typeface="Arial"/>
+              <a:buChar char="•"/>
+            </a:pPr>
             <a:r>
               <a:rPr lang="en-US" dirty="0"/>
               <a:t>BOSH </a:t>
@@ -10194,9 +10222,17 @@
             </a:r>
           </a:p>
           <a:p>
+            <a:pPr marL="285750" indent="-285750">
+              <a:buFont typeface="Arial"/>
+              <a:buChar char="•"/>
+            </a:pPr>
             <a:endParaRPr lang="en-US" dirty="0"/>
           </a:p>
           <a:p>
+            <a:pPr marL="285750" indent="-285750">
+              <a:buFont typeface="Arial"/>
+              <a:buChar char="•"/>
+            </a:pPr>
             <a:r>
               <a:rPr lang="en-US" dirty="0" smtClean="0"/>
               <a:t>BOSH </a:t>
@@ -10208,9 +10244,17 @@
             <a:endParaRPr lang="en-US" dirty="0" smtClean="0"/>
           </a:p>
           <a:p>
+            <a:pPr marL="285750" indent="-285750">
+              <a:buFont typeface="Arial"/>
+              <a:buChar char="•"/>
+            </a:pPr>
             <a:endParaRPr lang="en-US" dirty="0"/>
           </a:p>
           <a:p>
+            <a:pPr marL="285750" indent="-285750">
+              <a:buFont typeface="Arial"/>
+              <a:buChar char="•"/>
+            </a:pPr>
             <a:r>
               <a:rPr lang="en-US" dirty="0" smtClean="0"/>
               <a:t>BOSH </a:t>
@@ -10221,9 +10265,17 @@
             </a:r>
           </a:p>
           <a:p>
+            <a:pPr marL="285750" indent="-285750">
+              <a:buFont typeface="Arial"/>
+              <a:buChar char="•"/>
+            </a:pPr>
             <a:endParaRPr lang="en-US" dirty="0"/>
           </a:p>
           <a:p>
+            <a:pPr marL="285750" indent="-285750">
+              <a:buFont typeface="Arial"/>
+              <a:buChar char="•"/>
+            </a:pPr>
             <a:r>
               <a:rPr lang="en-US" dirty="0"/>
               <a:t>BOSH allows individual developers and teams to easily version, package and deploy software in a reproducible manner.</a:t>
@@ -10275,7 +10327,7 @@
   <p:timing>
     <p:tnLst>
       <p:par>
-        <p:cTn id="1" dur="indefinite" restart="never" nodeType="tmRoot"/>
+        <p:cTn xmlns:p14="http://schemas.microsoft.com/office/powerpoint/2010/main" id="1" dur="indefinite" restart="never" nodeType="tmRoot"/>
       </p:par>
     </p:tnLst>
   </p:timing>
@@ -10376,7 +10428,7 @@
   <p:timing>
     <p:tnLst>
       <p:par>
-        <p:cTn id="1" dur="indefinite" restart="never" nodeType="tmRoot"/>
+        <p:cTn xmlns:p14="http://schemas.microsoft.com/office/powerpoint/2010/main" id="1" dur="indefinite" restart="never" nodeType="tmRoot"/>
       </p:par>
     </p:tnLst>
   </p:timing>
@@ -10474,7 +10526,7 @@
   <p:timing>
     <p:tnLst>
       <p:par>
-        <p:cTn id="1" dur="indefinite" restart="never" nodeType="tmRoot"/>
+        <p:cTn xmlns:p14="http://schemas.microsoft.com/office/powerpoint/2010/main" id="1" dur="indefinite" restart="never" nodeType="tmRoot"/>
       </p:par>
     </p:tnLst>
   </p:timing>
@@ -10572,7 +10624,7 @@
   <p:timing>
     <p:tnLst>
       <p:par>
-        <p:cTn id="1" dur="indefinite" restart="never" nodeType="tmRoot"/>
+        <p:cTn xmlns:p14="http://schemas.microsoft.com/office/powerpoint/2010/main" id="1" dur="indefinite" restart="never" nodeType="tmRoot"/>
       </p:par>
     </p:tnLst>
   </p:timing>
@@ -10643,6 +10695,13 @@
   <p:clrMapOvr>
     <a:masterClrMapping/>
   </p:clrMapOvr>
+  <p:timing>
+    <p:tnLst>
+      <p:par>
+        <p:cTn xmlns:p14="http://schemas.microsoft.com/office/powerpoint/2010/main" id="1" dur="indefinite" restart="never" nodeType="tmRoot"/>
+      </p:par>
+    </p:tnLst>
+  </p:timing>
 </p:sld>
 </file>
 
@@ -10703,7 +10762,7 @@
         <p:spPr>
           <a:xfrm>
             <a:off x="1159846" y="1004459"/>
-            <a:ext cx="7171353" cy="3323987"/>
+            <a:ext cx="7171353" cy="2462213"/>
           </a:xfrm>
           <a:prstGeom prst="rect">
             <a:avLst/>
@@ -10738,69 +10797,12 @@
             </a:pPr>
             <a:r>
               <a:rPr lang="en-US" dirty="0" smtClean="0"/>
-              <a:t>Bosh Managed Processes (Elastic runtime processes are monitored and automatically restarted) . Failed Cloud Controller processes are restarted by ‘</a:t>
-            </a:r>
-            <a:r>
-              <a:rPr lang="en-US" dirty="0" err="1" smtClean="0"/>
-              <a:t>Monit</a:t>
-            </a:r>
-            <a:r>
-              <a:rPr lang="en-US" dirty="0" smtClean="0"/>
-              <a:t>’</a:t>
-            </a:r>
-          </a:p>
-          <a:p>
-            <a:r>
-              <a:rPr lang="en-US" dirty="0"/>
-              <a:t> </a:t>
-            </a:r>
-            <a:r>
-              <a:rPr lang="en-US" dirty="0" smtClean="0"/>
-              <a:t>     </a:t>
-            </a:r>
-            <a:r>
-              <a:rPr lang="en-US" dirty="0" err="1" smtClean="0"/>
-              <a:t>Monit</a:t>
-            </a:r>
-            <a:r>
-              <a:rPr lang="en-US" dirty="0" smtClean="0"/>
-              <a:t>-&gt; Bosh Agent-&gt; Message Bus -&gt; Health Monitor (Pager/Email/</a:t>
-            </a:r>
-            <a:r>
-              <a:rPr lang="en-US" dirty="0" err="1" smtClean="0"/>
-              <a:t>Ressurector</a:t>
-            </a:r>
-            <a:r>
-              <a:rPr lang="en-US" dirty="0" smtClean="0"/>
-              <a:t>)                </a:t>
-            </a:r>
-          </a:p>
-          <a:p>
-            <a:endParaRPr lang="en-US" dirty="0"/>
-          </a:p>
-          <a:p>
-            <a:r>
-              <a:rPr lang="en-US" dirty="0" smtClean="0"/>
-              <a:t>     </a:t>
-            </a:r>
-            <a:r>
-              <a:rPr lang="en-US" dirty="0" err="1" smtClean="0"/>
-              <a:t>Ressurector</a:t>
-            </a:r>
-            <a:r>
-              <a:rPr lang="en-US" dirty="0"/>
-              <a:t> </a:t>
-            </a:r>
-            <a:r>
-              <a:rPr lang="en-US" dirty="0" smtClean="0"/>
-              <a:t>determines missing VMs and informs Bosh director to recreate VM/job</a:t>
-            </a:r>
-          </a:p>
-          <a:p>
-            <a:pPr marL="285750" indent="-285750">
-              <a:buFont typeface="Arial"/>
-              <a:buChar char="•"/>
-            </a:pPr>
+              <a:t>Bosh Managed Processes (Elastic runtime processes are monitored and automatically restarted) </a:t>
+            </a:r>
+            <a:r>
+              <a:rPr lang="en-US" smtClean="0"/>
+              <a:t>. </a:t>
+            </a:r>
             <a:endParaRPr lang="en-US" dirty="0" smtClean="0"/>
           </a:p>
           <a:p>
@@ -10961,7 +10963,7 @@
   <p:timing>
     <p:tnLst>
       <p:par>
-        <p:cTn id="1" dur="indefinite" restart="never" nodeType="tmRoot"/>
+        <p:cTn xmlns:p14="http://schemas.microsoft.com/office/powerpoint/2010/main" id="1" dur="indefinite" restart="never" nodeType="tmRoot"/>
       </p:par>
     </p:tnLst>
   </p:timing>
@@ -11058,7 +11060,7 @@
   <p:timing>
     <p:tnLst>
       <p:par>
-        <p:cTn id="1" dur="indefinite" restart="never" nodeType="tmRoot"/>
+        <p:cTn xmlns:p14="http://schemas.microsoft.com/office/powerpoint/2010/main" id="1" dur="indefinite" restart="never" nodeType="tmRoot"/>
       </p:par>
     </p:tnLst>
   </p:timing>
@@ -11160,7 +11162,7 @@
   <p:timing>
     <p:tnLst>
       <p:par>
-        <p:cTn id="1" dur="indefinite" restart="never" nodeType="tmRoot"/>
+        <p:cTn xmlns:p14="http://schemas.microsoft.com/office/powerpoint/2010/main" id="1" dur="indefinite" restart="never" nodeType="tmRoot"/>
       </p:par>
     </p:tnLst>
   </p:timing>
@@ -11231,7 +11233,7 @@
   <p:timing>
     <p:tnLst>
       <p:par>
-        <p:cTn id="1" dur="indefinite" restart="never" nodeType="tmRoot"/>
+        <p:cTn xmlns:p14="http://schemas.microsoft.com/office/powerpoint/2010/main" id="1" dur="indefinite" restart="never" nodeType="tmRoot"/>
       </p:par>
     </p:tnLst>
   </p:timing>
@@ -11328,7 +11330,7 @@
   <p:timing>
     <p:tnLst>
       <p:par>
-        <p:cTn id="1" dur="indefinite" restart="never" nodeType="tmRoot"/>
+        <p:cTn xmlns:p14="http://schemas.microsoft.com/office/powerpoint/2010/main" id="1" dur="indefinite" restart="never" nodeType="tmRoot"/>
       </p:par>
     </p:tnLst>
   </p:timing>
@@ -11361,7 +11363,7 @@
         <p:spPr>
           <a:xfrm>
             <a:off x="96862" y="1603641"/>
-            <a:ext cx="9047138" cy="2308324"/>
+            <a:ext cx="9047138" cy="1200329"/>
           </a:xfrm>
           <a:prstGeom prst="rect">
             <a:avLst/>
@@ -11377,8 +11379,13 @@
             <a:pPr algn="ctr"/>
             <a:r>
               <a:rPr lang="en-US" sz="7200" dirty="0"/>
-              <a:t>Orgs, Spaces, Roles, and Permissions</a:t>
-            </a:r>
+              <a:t>Orgs, Spaces, </a:t>
+            </a:r>
+            <a:r>
+              <a:rPr lang="en-US" sz="7200" dirty="0" smtClean="0"/>
+              <a:t>Roles</a:t>
+            </a:r>
+            <a:endParaRPr lang="en-US" sz="7200" dirty="0"/>
           </a:p>
         </p:txBody>
       </p:sp>
@@ -11395,7 +11402,7 @@
   <p:timing>
     <p:tnLst>
       <p:par>
-        <p:cTn id="1" dur="indefinite" restart="never" nodeType="tmRoot"/>
+        <p:cTn xmlns:p14="http://schemas.microsoft.com/office/powerpoint/2010/main" id="1" dur="indefinite" restart="never" nodeType="tmRoot"/>
       </p:par>
     </p:tnLst>
   </p:timing>
@@ -11505,6 +11512,13 @@
   <p:clrMapOvr>
     <a:masterClrMapping/>
   </p:clrMapOvr>
+  <p:timing>
+    <p:tnLst>
+      <p:par>
+        <p:cTn xmlns:p14="http://schemas.microsoft.com/office/powerpoint/2010/main" id="1" dur="indefinite" restart="never" nodeType="tmRoot"/>
+      </p:par>
+    </p:tnLst>
+  </p:timing>
 </p:sld>
 </file>
 
@@ -11568,7 +11582,7 @@
   <p:timing>
     <p:tnLst>
       <p:par>
-        <p:cTn id="1" dur="indefinite" restart="never" nodeType="tmRoot"/>
+        <p:cTn xmlns:p14="http://schemas.microsoft.com/office/powerpoint/2010/main" id="1" dur="indefinite" restart="never" nodeType="tmRoot"/>
       </p:par>
     </p:tnLst>
   </p:timing>
